--- a/org.mwc.debrief.legacy/test_data/master_template/scenario_short_range/scenario_short_range_temp.pptx
+++ b/org.mwc.debrief.legacy/test_data/master_template/scenario_short_range/scenario_short_range_temp.pptx
@@ -21094,7 +21094,7 @@
                 <a:latin typeface="Open Sans" panose="020B0606030504020204" pitchFamily="34" charset="0"/>
                 <a:ea typeface="Open Sans" panose="020B0606030504020204" pitchFamily="34" charset="0"/>
               </a:rPr>
-              <a:t>???</a:t>
+              <a:t/>
             </a:r>
             <a:endParaRPr lang="en-US" sz="2000" dirty="0">
               <a:solidFill>
@@ -21169,7 +21169,7 @@
                 <a:latin typeface="Open Sans" panose="020B0606030504020204" pitchFamily="34" charset="0"/>
                 <a:ea typeface="Open Sans" panose="020B0606030504020204" pitchFamily="34" charset="0"/>
               </a:rPr>
-              <a:t>???</a:t>
+              <a:t/>
             </a:r>
             <a:endParaRPr lang="en-US" sz="2000" dirty="0">
               <a:solidFill>
@@ -21244,7 +21244,7 @@
                 <a:latin typeface="Open Sans" panose="020B0606030504020204" pitchFamily="34" charset="0"/>
                 <a:ea typeface="Open Sans" panose="020B0606030504020204" pitchFamily="34" charset="0"/>
               </a:rPr>
-              <a:t>???</a:t>
+              <a:t/>
             </a:r>
             <a:endParaRPr lang="en-US" sz="2000" dirty="0">
               <a:solidFill>
@@ -21319,7 +21319,7 @@
                 <a:latin typeface="Open Sans" panose="020B0606030504020204" pitchFamily="34" charset="0"/>
                 <a:ea typeface="Open Sans" panose="020B0606030504020204" pitchFamily="34" charset="0"/>
               </a:rPr>
-              <a:t>???</a:t>
+              <a:t/>
             </a:r>
             <a:endParaRPr lang="en-US" sz="2000" dirty="0">
               <a:solidFill>
@@ -21394,7 +21394,7 @@
                 <a:latin typeface="Open Sans" panose="020B0606030504020204" pitchFamily="34" charset="0"/>
                 <a:ea typeface="Open Sans" panose="020B0606030504020204" pitchFamily="34" charset="0"/>
               </a:rPr>
-              <a:t>???</a:t>
+              <a:t/>
             </a:r>
             <a:endParaRPr lang="en-US" sz="2000" dirty="0">
               <a:solidFill>
@@ -21469,7 +21469,7 @@
                 <a:latin typeface="Open Sans" panose="020B0606030504020204" pitchFamily="34" charset="0"/>
                 <a:ea typeface="Open Sans" panose="020B0606030504020204" pitchFamily="34" charset="0"/>
               </a:rPr>
-              <a:t>???</a:t>
+              <a:t/>
             </a:r>
             <a:endParaRPr lang="en-US" sz="2000" dirty="0">
               <a:solidFill>

--- a/org.mwc.debrief.legacy/test_data/master_template/scenario_short_range/scenario_short_range_temp.pptx
+++ b/org.mwc.debrief.legacy/test_data/master_template/scenario_short_range/scenario_short_range_temp.pptx
@@ -10430,7 +10430,7 @@
         </p:nvSpPr>
         <p:spPr>
           <a:xfrm>
-            <a:off x="2018437" y="1293390"/>
+            <a:off x="4103830" y="3971522"/>
             <a:ext cx="613385" cy="354359"/>
           </a:xfrm>
           <a:prstGeom prst="wedgeRectCallout">
@@ -10491,7 +10491,7 @@
         </p:nvSpPr>
         <p:spPr>
           <a:xfrm>
-            <a:off x="2018437" y="1293390"/>
+            <a:off x="5376585" y="2402409"/>
             <a:ext cx="613385" cy="354359"/>
           </a:xfrm>
           <a:prstGeom prst="wedgeRectCallout">
@@ -21537,7 +21537,7 @@
                                     <p:cond delay="0"/>
                                   </p:stCondLst>
                                   <p:childTnLst>
-                                    <p:animMotion origin="layout" path="M 0.1710 0.3905 L 0.1710 0.3905" pathEditMode="relative" rAng="0" ptsTypes="AAAAAAAA">
+                                    <p:animMotion origin="layout" path="M 0.0000 0.0000 L 0.0000 0.0000" pathEditMode="relative" rAng="0" ptsTypes="AAAAAAAA">
                                       <p:cBhvr>
                                         <p:cTn id="7" dur="200" fill="hold"/>
                                         <p:tgtEl>
@@ -21550,7 +21550,7 @@
                                       </p:cBhvr>
                                       <p:rCtr x="-156" y="8009"/>
                                     </p:animMotion>
-                                    <p:animMotion origin="layout" path="M 0.1710 0.3905 L 0.1734 0.3765" pathEditMode="relative" rAng="0" ptsTypes="AAAAAAAA">
+                                    <p:animMotion origin="layout" path="M 0.0000 0.0000 L 0.0024 -0.0140" pathEditMode="relative" rAng="0" ptsTypes="AAAAAAAA">
                                       <p:cBhvr>
                                         <p:cTn id="8" dur="200" fill="hold"/>
                                         <p:tgtEl>
@@ -21563,7 +21563,7 @@
                                       </p:cBhvr>
                                       <p:rCtr x="-156" y="8009"/>
                                     </p:animMotion>
-                                    <p:animMotion origin="layout" path="M 0.1734 0.3765 L 0.1758 0.3626" pathEditMode="relative" rAng="0" ptsTypes="AAAAAAAA">
+                                    <p:animMotion origin="layout" path="M 0.0024 -0.0140 L 0.0048 -0.0279" pathEditMode="relative" rAng="0" ptsTypes="AAAAAAAA">
                                       <p:cBhvr>
                                         <p:cTn id="9" dur="200" fill="hold"/>
                                         <p:tgtEl>
@@ -21576,7 +21576,7 @@
                                       </p:cBhvr>
                                       <p:rCtr x="-156" y="8009"/>
                                     </p:animMotion>
-                                    <p:animMotion origin="layout" path="M 0.1758 0.3626 L 0.1782 0.3497" pathEditMode="relative" rAng="0" ptsTypes="AAAAAAAA">
+                                    <p:animMotion origin="layout" path="M 0.0048 -0.0279 L 0.0072 -0.0408" pathEditMode="relative" rAng="0" ptsTypes="AAAAAAAA">
                                       <p:cBhvr>
                                         <p:cTn id="10" dur="200" fill="hold"/>
                                         <p:tgtEl>
@@ -21589,7 +21589,7 @@
                                       </p:cBhvr>
                                       <p:rCtr x="-156" y="8009"/>
                                     </p:animMotion>
-                                    <p:animMotion origin="layout" path="M 0.1782 0.3497 L 0.1806 0.3368" pathEditMode="relative" rAng="0" ptsTypes="AAAAAAAA">
+                                    <p:animMotion origin="layout" path="M 0.0072 -0.0408 L 0.0096 -0.0537" pathEditMode="relative" rAng="0" ptsTypes="AAAAAAAA">
                                       <p:cBhvr>
                                         <p:cTn id="11" dur="200" fill="hold"/>
                                         <p:tgtEl>
@@ -21602,7 +21602,7 @@
                                       </p:cBhvr>
                                       <p:rCtr x="-156" y="8009"/>
                                     </p:animMotion>
-                                    <p:animMotion origin="layout" path="M 0.1806 0.3368 L 0.1854 0.3099" pathEditMode="relative" rAng="0" ptsTypes="AAAAAAAA">
+                                    <p:animMotion origin="layout" path="M 0.0096 -0.0537 L 0.0143 -0.0806" pathEditMode="relative" rAng="0" ptsTypes="AAAAAAAA">
                                       <p:cBhvr>
                                         <p:cTn id="12" dur="200" fill="hold"/>
                                         <p:tgtEl>
@@ -21615,7 +21615,7 @@
                                       </p:cBhvr>
                                       <p:rCtr x="-156" y="8009"/>
                                     </p:animMotion>
-                                    <p:animMotion origin="layout" path="M 0.1854 0.3099 L 0.1878 0.2960" pathEditMode="relative" rAng="0" ptsTypes="AAAAAAAA">
+                                    <p:animMotion origin="layout" path="M 0.0143 -0.0806 L 0.0167 -0.0945" pathEditMode="relative" rAng="0" ptsTypes="AAAAAAAA">
                                       <p:cBhvr>
                                         <p:cTn id="13" dur="200" fill="hold"/>
                                         <p:tgtEl>
@@ -21628,7 +21628,7 @@
                                       </p:cBhvr>
                                       <p:rCtr x="-156" y="8009"/>
                                     </p:animMotion>
-                                    <p:animMotion origin="layout" path="M 0.1878 0.2960 L 0.1902 0.2820" pathEditMode="relative" rAng="0" ptsTypes="AAAAAAAA">
+                                    <p:animMotion origin="layout" path="M 0.0167 -0.0945 L 0.0191 -0.1085" pathEditMode="relative" rAng="0" ptsTypes="AAAAAAAA">
                                       <p:cBhvr>
                                         <p:cTn id="14" dur="200" fill="hold"/>
                                         <p:tgtEl>
@@ -21641,7 +21641,7 @@
                                       </p:cBhvr>
                                       <p:rCtr x="-156" y="8009"/>
                                     </p:animMotion>
-                                    <p:animMotion origin="layout" path="M 0.1902 0.2820 L 0.1926 0.2691" pathEditMode="relative" rAng="0" ptsTypes="AAAAAAAA">
+                                    <p:animMotion origin="layout" path="M 0.0191 -0.1085 L 0.0215 -0.1214" pathEditMode="relative" rAng="0" ptsTypes="AAAAAAAA">
                                       <p:cBhvr>
                                         <p:cTn id="15" dur="200" fill="hold"/>
                                         <p:tgtEl>
@@ -21654,7 +21654,7 @@
                                       </p:cBhvr>
                                       <p:rCtr x="-156" y="8009"/>
                                     </p:animMotion>
-                                    <p:animMotion origin="layout" path="M 0.1926 0.2691 L 0.1950 0.2552" pathEditMode="relative" rAng="0" ptsTypes="AAAAAAAA">
+                                    <p:animMotion origin="layout" path="M 0.0215 -0.1214 L 0.0239 -0.1353" pathEditMode="relative" rAng="0" ptsTypes="AAAAAAAA">
                                       <p:cBhvr>
                                         <p:cTn id="16" dur="200" fill="hold"/>
                                         <p:tgtEl>
@@ -21667,7 +21667,7 @@
                                       </p:cBhvr>
                                       <p:rCtr x="-156" y="8009"/>
                                     </p:animMotion>
-                                    <p:animMotion origin="layout" path="M 0.1950 0.2552 L 0.1981 0.2423" pathEditMode="relative" rAng="0" ptsTypes="AAAAAAAA">
+                                    <p:animMotion origin="layout" path="M 0.0239 -0.1353 L 0.0271 -0.1482" pathEditMode="relative" rAng="0" ptsTypes="AAAAAAAA">
                                       <p:cBhvr>
                                         <p:cTn id="17" dur="200" fill="hold"/>
                                         <p:tgtEl>
@@ -21680,7 +21680,7 @@
                                       </p:cBhvr>
                                       <p:rCtr x="-156" y="8009"/>
                                     </p:animMotion>
-                                    <p:animMotion origin="layout" path="M 0.1981 0.2423 L 0.2005 0.2283" pathEditMode="relative" rAng="0" ptsTypes="AAAAAAAA">
+                                    <p:animMotion origin="layout" path="M 0.0271 -0.1482 L 0.0295 -0.1622" pathEditMode="relative" rAng="0" ptsTypes="AAAAAAAA">
                                       <p:cBhvr>
                                         <p:cTn id="18" dur="200" fill="hold"/>
                                         <p:tgtEl>
@@ -21693,7 +21693,7 @@
                                       </p:cBhvr>
                                       <p:rCtr x="-156" y="8009"/>
                                     </p:animMotion>
-                                    <p:animMotion origin="layout" path="M 0.2005 0.2283 L 0.2021 0.2154" pathEditMode="relative" rAng="0" ptsTypes="AAAAAAAA">
+                                    <p:animMotion origin="layout" path="M 0.0295 -0.1622 L 0.0311 -0.1751" pathEditMode="relative" rAng="0" ptsTypes="AAAAAAAA">
                                       <p:cBhvr>
                                         <p:cTn id="19" dur="200" fill="hold"/>
                                         <p:tgtEl>
@@ -21706,7 +21706,7 @@
                                       </p:cBhvr>
                                       <p:rCtr x="-156" y="8009"/>
                                     </p:animMotion>
-                                    <p:animMotion origin="layout" path="M 0.2021 0.2154 L 0.1997 0.2025" pathEditMode="relative" rAng="0" ptsTypes="AAAAAAAA">
+                                    <p:animMotion origin="layout" path="M 0.0311 -0.1751 L 0.0287 -0.1880" pathEditMode="relative" rAng="0" ptsTypes="AAAAAAAA">
                                       <p:cBhvr>
                                         <p:cTn id="20" dur="200" fill="hold"/>
                                         <p:tgtEl>
@@ -21719,7 +21719,7 @@
                                       </p:cBhvr>
                                       <p:rCtr x="-156" y="8009"/>
                                     </p:animMotion>
-                                    <p:animMotion origin="layout" path="M 0.1997 0.2025 L 0.1918 0.1939" pathEditMode="relative" rAng="0" ptsTypes="AAAAAAAA">
+                                    <p:animMotion origin="layout" path="M 0.0287 -0.1880 L 0.0207 -0.1966" pathEditMode="relative" rAng="0" ptsTypes="AAAAAAAA">
                                       <p:cBhvr>
                                         <p:cTn id="21" dur="200" fill="hold"/>
                                         <p:tgtEl>
@@ -21732,7 +21732,7 @@
                                       </p:cBhvr>
                                       <p:rCtr x="-156" y="8009"/>
                                     </p:animMotion>
-                                    <p:animMotion origin="layout" path="M 0.1918 0.1939 L 0.1806 0.1896" pathEditMode="relative" rAng="0" ptsTypes="AAAAAAAA">
+                                    <p:animMotion origin="layout" path="M 0.0207 -0.1966 L 0.0096 -0.2009" pathEditMode="relative" rAng="0" ptsTypes="AAAAAAAA">
                                       <p:cBhvr>
                                         <p:cTn id="22" dur="200" fill="hold"/>
                                         <p:tgtEl>
@@ -21745,7 +21745,7 @@
                                       </p:cBhvr>
                                       <p:rCtr x="-156" y="8009"/>
                                     </p:animMotion>
-                                    <p:animMotion origin="layout" path="M 0.1806 0.1896 L 0.1687 0.1864" pathEditMode="relative" rAng="0" ptsTypes="AAAAAAAA">
+                                    <p:animMotion origin="layout" path="M 0.0096 -0.2009 L -0.0024 -0.2041" pathEditMode="relative" rAng="0" ptsTypes="AAAAAAAA">
                                       <p:cBhvr>
                                         <p:cTn id="23" dur="200" fill="hold"/>
                                         <p:tgtEl>
@@ -21758,7 +21758,7 @@
                                       </p:cBhvr>
                                       <p:rCtr x="-156" y="8009"/>
                                     </p:animMotion>
-                                    <p:animMotion origin="layout" path="M 0.1687 0.1864 L 0.1559 0.1832" pathEditMode="relative" rAng="0" ptsTypes="AAAAAAAA">
+                                    <p:animMotion origin="layout" path="M -0.0024 -0.2041 L -0.0151 -0.2073" pathEditMode="relative" rAng="0" ptsTypes="AAAAAAAA">
                                       <p:cBhvr>
                                         <p:cTn id="24" dur="200" fill="hold"/>
                                         <p:tgtEl>
@@ -21771,7 +21771,7 @@
                                       </p:cBhvr>
                                       <p:rCtr x="-156" y="8009"/>
                                     </p:animMotion>
-                                    <p:animMotion origin="layout" path="M 0.1559 0.1832 L 0.1440 0.1778" pathEditMode="relative" rAng="0" ptsTypes="AAAAAAAA">
+                                    <p:animMotion origin="layout" path="M -0.0151 -0.2073 L -0.0271 -0.2127" pathEditMode="relative" rAng="0" ptsTypes="AAAAAAAA">
                                       <p:cBhvr>
                                         <p:cTn id="25" dur="200" fill="hold"/>
                                         <p:tgtEl>
@@ -21784,7 +21784,7 @@
                                       </p:cBhvr>
                                       <p:rCtr x="-156" y="8009"/>
                                     </p:animMotion>
-                                    <p:animMotion origin="layout" path="M 0.1440 0.1778 L 0.1360 0.1692" pathEditMode="relative" rAng="0" ptsTypes="AAAAAAAA">
+                                    <p:animMotion origin="layout" path="M -0.0271 -0.2127 L -0.0351 -0.2213" pathEditMode="relative" rAng="0" ptsTypes="AAAAAAAA">
                                       <p:cBhvr>
                                         <p:cTn id="26" dur="200" fill="hold"/>
                                         <p:tgtEl>
@@ -21797,7 +21797,7 @@
                                       </p:cBhvr>
                                       <p:rCtr x="-156" y="8009"/>
                                     </p:animMotion>
-                                    <p:animMotion origin="layout" path="M 0.1360 0.1692 L 0.1336 0.1585" pathEditMode="relative" rAng="0" ptsTypes="AAAAAAAA">
+                                    <p:animMotion origin="layout" path="M -0.0351 -0.2213 L -0.0375 -0.2320" pathEditMode="relative" rAng="0" ptsTypes="AAAAAAAA">
                                       <p:cBhvr>
                                         <p:cTn id="27" dur="200" fill="hold"/>
                                         <p:tgtEl>
@@ -21810,7 +21810,7 @@
                                       </p:cBhvr>
                                       <p:rCtr x="-156" y="8009"/>
                                     </p:animMotion>
-                                    <p:animMotion origin="layout" path="M 0.1336 0.1585 L 0.1384 0.1477" pathEditMode="relative" rAng="0" ptsTypes="AAAAAAAA">
+                                    <p:animMotion origin="layout" path="M -0.0375 -0.2320 L -0.0327 -0.2428" pathEditMode="relative" rAng="0" ptsTypes="AAAAAAAA">
                                       <p:cBhvr>
                                         <p:cTn id="28" dur="200" fill="hold"/>
                                         <p:tgtEl>
@@ -21823,7 +21823,7 @@
                                       </p:cBhvr>
                                       <p:rCtr x="-156" y="8009"/>
                                     </p:animMotion>
-                                    <p:animMotion origin="layout" path="M 0.1384 0.1477 L 0.1471 0.1413" pathEditMode="relative" rAng="0" ptsTypes="AAAAAAAA">
+                                    <p:animMotion origin="layout" path="M -0.0327 -0.2428 L -0.0239 -0.2492" pathEditMode="relative" rAng="0" ptsTypes="AAAAAAAA">
                                       <p:cBhvr>
                                         <p:cTn id="29" dur="200" fill="hold"/>
                                         <p:tgtEl>
@@ -21836,7 +21836,7 @@
                                       </p:cBhvr>
                                       <p:rCtr x="-156" y="8009"/>
                                     </p:animMotion>
-                                    <p:animMotion origin="layout" path="M 0.1471 0.1413 L 0.1575 0.1381" pathEditMode="relative" rAng="0" ptsTypes="AAAAAAAA">
+                                    <p:animMotion origin="layout" path="M -0.0239 -0.2492 L -0.0135 -0.2524" pathEditMode="relative" rAng="0" ptsTypes="AAAAAAAA">
                                       <p:cBhvr>
                                         <p:cTn id="30" dur="200" fill="hold"/>
                                         <p:tgtEl>
@@ -21849,7 +21849,7 @@
                                       </p:cBhvr>
                                       <p:rCtr x="-156" y="8009"/>
                                     </p:animMotion>
-                                    <p:animMotion origin="layout" path="M 0.1575 0.1381 L 0.1671 0.1327" pathEditMode="relative" rAng="0" ptsTypes="AAAAAAAA">
+                                    <p:animMotion origin="layout" path="M -0.0135 -0.2524 L -0.0040 -0.2578" pathEditMode="relative" rAng="0" ptsTypes="AAAAAAAA">
                                       <p:cBhvr>
                                         <p:cTn id="31" dur="200" fill="hold"/>
                                         <p:tgtEl>
@@ -21862,7 +21862,7 @@
                                       </p:cBhvr>
                                       <p:rCtr x="-156" y="8009"/>
                                     </p:animMotion>
-                                    <p:animMotion origin="layout" path="M 0.1671 0.1327 L 0.1710 0.1241" pathEditMode="relative" rAng="0" ptsTypes="AAAAAAAA">
+                                    <p:animMotion origin="layout" path="M -0.0040 -0.2578 L 0.0000 -0.2664" pathEditMode="relative" rAng="0" ptsTypes="AAAAAAAA">
                                       <p:cBhvr>
                                         <p:cTn id="32" dur="200" fill="hold"/>
                                         <p:tgtEl>
@@ -21875,7 +21875,7 @@
                                       </p:cBhvr>
                                       <p:rCtr x="-156" y="8009"/>
                                     </p:animMotion>
-                                    <p:animMotion origin="layout" path="M 0.1710 0.1241 L 0.1702 0.1123" pathEditMode="relative" rAng="0" ptsTypes="AAAAAAAA">
+                                    <p:animMotion origin="layout" path="M 0.0000 -0.2664 L -0.0008 -0.2782" pathEditMode="relative" rAng="0" ptsTypes="AAAAAAAA">
                                       <p:cBhvr>
                                         <p:cTn id="33" dur="200" fill="hold"/>
                                         <p:tgtEl>
@@ -21888,7 +21888,7 @@
                                       </p:cBhvr>
                                       <p:rCtr x="-156" y="8009"/>
                                     </p:animMotion>
-                                    <p:animMotion origin="layout" path="M 0.1702 0.1123 L 0.1631 0.1026" pathEditMode="relative" rAng="0" ptsTypes="AAAAAAAA">
+                                    <p:animMotion origin="layout" path="M -0.0008 -0.2782 L -0.0080 -0.2879" pathEditMode="relative" rAng="0" ptsTypes="AAAAAAAA">
                                       <p:cBhvr>
                                         <p:cTn id="34" dur="200" fill="hold"/>
                                         <p:tgtEl>
@@ -21901,7 +21901,7 @@
                                       </p:cBhvr>
                                       <p:rCtr x="-156" y="8009"/>
                                     </p:animMotion>
-                                    <p:animMotion origin="layout" path="M 0.1631 0.1026 L 0.1503 0.1026" pathEditMode="relative" rAng="0" ptsTypes="AAAAAAAA">
+                                    <p:animMotion origin="layout" path="M -0.0080 -0.2879 L -0.0207 -0.2879" pathEditMode="relative" rAng="0" ptsTypes="AAAAAAAA">
                                       <p:cBhvr>
                                         <p:cTn id="35" dur="200" fill="hold"/>
                                         <p:tgtEl>
@@ -21914,7 +21914,7 @@
                                       </p:cBhvr>
                                       <p:rCtr x="-156" y="8009"/>
                                     </p:animMotion>
-                                    <p:animMotion origin="layout" path="M 0.1503 0.1026 L 0.1408 0.1112" pathEditMode="relative" rAng="0" ptsTypes="AAAAAAAA">
+                                    <p:animMotion origin="layout" path="M -0.0207 -0.2879 L -0.0303 -0.2793" pathEditMode="relative" rAng="0" ptsTypes="AAAAAAAA">
                                       <p:cBhvr>
                                         <p:cTn id="36" dur="200" fill="hold"/>
                                         <p:tgtEl>
@@ -21927,7 +21927,7 @@
                                       </p:cBhvr>
                                       <p:rCtr x="-156" y="8009"/>
                                     </p:animMotion>
-                                    <p:animMotion origin="layout" path="M 0.1408 0.1112 L 0.1376 0.1252" pathEditMode="relative" rAng="0" ptsTypes="AAAAAAAA">
+                                    <p:animMotion origin="layout" path="M -0.0303 -0.2793 L -0.0335 -0.2653" pathEditMode="relative" rAng="0" ptsTypes="AAAAAAAA">
                                       <p:cBhvr>
                                         <p:cTn id="37" dur="200" fill="hold"/>
                                         <p:tgtEl>
@@ -21940,7 +21940,7 @@
                                       </p:cBhvr>
                                       <p:rCtr x="-156" y="8009"/>
                                     </p:animMotion>
-                                    <p:animMotion origin="layout" path="M 0.1376 0.1252 L 0.1455 0.1349" pathEditMode="relative" rAng="0" ptsTypes="AAAAAAAA">
+                                    <p:animMotion origin="layout" path="M -0.0335 -0.2653 L -0.0255 -0.2557" pathEditMode="relative" rAng="0" ptsTypes="AAAAAAAA">
                                       <p:cBhvr>
                                         <p:cTn id="38" dur="200" fill="hold"/>
                                         <p:tgtEl>
@@ -21953,7 +21953,7 @@
                                       </p:cBhvr>
                                       <p:rCtr x="-156" y="8009"/>
                                     </p:animMotion>
-                                    <p:animMotion origin="layout" path="M 0.1455 0.1349 L 0.1591 0.1370" pathEditMode="relative" rAng="0" ptsTypes="AAAAAAAA">
+                                    <p:animMotion origin="layout" path="M -0.0255 -0.2557 L -0.0120 -0.2535" pathEditMode="relative" rAng="0" ptsTypes="AAAAAAAA">
                                       <p:cBhvr>
                                         <p:cTn id="39" dur="200" fill="hold"/>
                                         <p:tgtEl>
@@ -21966,7 +21966,7 @@
                                       </p:cBhvr>
                                       <p:rCtr x="-156" y="8009"/>
                                     </p:animMotion>
-                                    <p:animMotion origin="layout" path="M 0.1591 0.1370 L 0.1766 0.1381" pathEditMode="relative" rAng="0" ptsTypes="AAAAAAAA">
+                                    <p:animMotion origin="layout" path="M -0.0120 -0.2535 L 0.0056 -0.2524" pathEditMode="relative" rAng="0" ptsTypes="AAAAAAAA">
                                       <p:cBhvr>
                                         <p:cTn id="40" dur="200" fill="hold"/>
                                         <p:tgtEl>
@@ -21979,7 +21979,7 @@
                                       </p:cBhvr>
                                       <p:rCtr x="-156" y="8009"/>
                                     </p:animMotion>
-                                    <p:animMotion origin="layout" path="M 0.1766 0.1381 L 0.1846 0.1477" pathEditMode="relative" rAng="0" ptsTypes="AAAAAAAA">
+                                    <p:animMotion origin="layout" path="M 0.0056 -0.2524 L 0.0135 -0.2428" pathEditMode="relative" rAng="0" ptsTypes="AAAAAAAA">
                                       <p:cBhvr>
                                         <p:cTn id="41" dur="200" fill="hold"/>
                                         <p:tgtEl>
@@ -21992,7 +21992,7 @@
                                       </p:cBhvr>
                                       <p:rCtr x="-156" y="8009"/>
                                     </p:animMotion>
-                                    <p:animMotion origin="layout" path="M 0.1846 0.1477 L 0.1758 0.1563" pathEditMode="relative" rAng="0" ptsTypes="AAAAAAAA">
+                                    <p:animMotion origin="layout" path="M 0.0135 -0.2428 L 0.0048 -0.2342" pathEditMode="relative" rAng="0" ptsTypes="AAAAAAAA">
                                       <p:cBhvr>
                                         <p:cTn id="42" dur="200" fill="hold"/>
                                         <p:tgtEl>
@@ -22005,7 +22005,7 @@
                                       </p:cBhvr>
                                       <p:rCtr x="-156" y="8009"/>
                                     </p:animMotion>
-                                    <p:animMotion origin="layout" path="M 0.1758 0.1563 L 0.1599 0.1542" pathEditMode="relative" rAng="0" ptsTypes="AAAAAAAA">
+                                    <p:animMotion origin="layout" path="M 0.0048 -0.2342 L -0.0112 -0.2363" pathEditMode="relative" rAng="0" ptsTypes="AAAAAAAA">
                                       <p:cBhvr>
                                         <p:cTn id="43" dur="200" fill="hold"/>
                                         <p:tgtEl>
@@ -22018,7 +22018,7 @@
                                       </p:cBhvr>
                                       <p:rCtr x="-156" y="8009"/>
                                     </p:animMotion>
-                                    <p:animMotion origin="layout" path="M 0.1599 0.1542 L 0.1535 0.1402" pathEditMode="relative" rAng="0" ptsTypes="AAAAAAAA">
+                                    <p:animMotion origin="layout" path="M -0.0112 -0.2363 L -0.0175 -0.2503" pathEditMode="relative" rAng="0" ptsTypes="AAAAAAAA">
                                       <p:cBhvr>
                                         <p:cTn id="44" dur="200" fill="hold"/>
                                         <p:tgtEl>
@@ -22031,7 +22031,7 @@
                                       </p:cBhvr>
                                       <p:rCtr x="-156" y="8009"/>
                                     </p:animMotion>
-                                    <p:animMotion origin="layout" path="M 0.1535 0.1402 L 0.1734 0.2842" pathEditMode="relative" rAng="0" ptsTypes="AAAAAAAA">
+                                    <p:animMotion origin="layout" path="M -0.0175 -0.2503 L 0.0024 -0.1063" pathEditMode="relative" rAng="0" ptsTypes="AAAAAAAA">
                                       <p:cBhvr>
                                         <p:cTn id="45" dur="200" fill="hold"/>
                                         <p:tgtEl>
@@ -22044,7 +22044,7 @@
                                       </p:cBhvr>
                                       <p:rCtr x="-156" y="8009"/>
                                     </p:animMotion>
-                                    <p:animMotion origin="layout" path="M 0.1734 0.2842 L 0.1766 0.2917" pathEditMode="relative" rAng="0" ptsTypes="AAAAAAAA">
+                                    <p:animMotion origin="layout" path="M 0.0024 -0.1063 L 0.0056 -0.0988" pathEditMode="relative" rAng="0" ptsTypes="AAAAAAAA">
                                       <p:cBhvr>
                                         <p:cTn id="46" dur="200" fill="hold"/>
                                         <p:tgtEl>
@@ -22057,7 +22057,7 @@
                                       </p:cBhvr>
                                       <p:rCtr x="-156" y="8009"/>
                                     </p:animMotion>
-                                    <p:animMotion origin="layout" path="M 0.1766 0.2917 L 0.1838 0.2938" pathEditMode="relative" rAng="0" ptsTypes="AAAAAAAA">
+                                    <p:animMotion origin="layout" path="M 0.0056 -0.0988 L 0.0128 -0.0967" pathEditMode="relative" rAng="0" ptsTypes="AAAAAAAA">
                                       <p:cBhvr>
                                         <p:cTn id="47" dur="200" fill="hold"/>
                                         <p:tgtEl>
@@ -22070,7 +22070,7 @@
                                       </p:cBhvr>
                                       <p:rCtr x="-156" y="8009"/>
                                     </p:animMotion>
-                                    <p:animMotion origin="layout" path="M 0.1838 0.2938 L 0.1910 0.2863" pathEditMode="relative" rAng="0" ptsTypes="AAAAAAAA">
+                                    <p:animMotion origin="layout" path="M 0.0128 -0.0967 L 0.0199 -0.1042" pathEditMode="relative" rAng="0" ptsTypes="AAAAAAAA">
                                       <p:cBhvr>
                                         <p:cTn id="48" dur="200" fill="hold"/>
                                         <p:tgtEl>
@@ -22083,7 +22083,7 @@
                                       </p:cBhvr>
                                       <p:rCtr x="-156" y="8009"/>
                                     </p:animMotion>
-                                    <p:animMotion origin="layout" path="M 0.1910 0.2863 L 0.1926 0.2756" pathEditMode="relative" rAng="0" ptsTypes="AAAAAAAA">
+                                    <p:animMotion origin="layout" path="M 0.0199 -0.1042 L 0.0215 -0.1149" pathEditMode="relative" rAng="0" ptsTypes="AAAAAAAA">
                                       <p:cBhvr>
                                         <p:cTn id="49" dur="200" fill="hold"/>
                                         <p:tgtEl>
@@ -22096,7 +22096,7 @@
                                       </p:cBhvr>
                                       <p:rCtr x="-156" y="8009"/>
                                     </p:animMotion>
-                                    <p:animMotion origin="layout" path="M 0.1926 0.2756 L 0.2005 0.2691" pathEditMode="relative" rAng="0" ptsTypes="AAAAAAAA">
+                                    <p:animMotion origin="layout" path="M 0.0215 -0.1149 L 0.0295 -0.1214" pathEditMode="relative" rAng="0" ptsTypes="AAAAAAAA">
                                       <p:cBhvr>
                                         <p:cTn id="50" dur="200" fill="hold"/>
                                         <p:tgtEl>
@@ -22109,7 +22109,7 @@
                                       </p:cBhvr>
                                       <p:rCtr x="-156" y="8009"/>
                                     </p:animMotion>
-                                    <p:animMotion origin="layout" path="M 0.2005 0.2691 L 0.2069 0.2734" pathEditMode="relative" rAng="0" ptsTypes="AAAAAAAA">
+                                    <p:animMotion origin="layout" path="M 0.0295 -0.1214 L 0.0359 -0.1171" pathEditMode="relative" rAng="0" ptsTypes="AAAAAAAA">
                                       <p:cBhvr>
                                         <p:cTn id="51" dur="200" fill="hold"/>
                                         <p:tgtEl>
@@ -22122,7 +22122,7 @@
                                       </p:cBhvr>
                                       <p:rCtr x="-156" y="8009"/>
                                     </p:animMotion>
-                                    <p:animMotion origin="layout" path="M 0.2069 0.2734 L 0.2101 0.2799" pathEditMode="relative" rAng="0" ptsTypes="AAAAAAAA">
+                                    <p:animMotion origin="layout" path="M 0.0359 -0.1171 L 0.0390 -0.1106" pathEditMode="relative" rAng="0" ptsTypes="AAAAAAAA">
                                       <p:cBhvr>
                                         <p:cTn id="52" dur="200" fill="hold"/>
                                         <p:tgtEl>
@@ -22135,7 +22135,7 @@
                                       </p:cBhvr>
                                       <p:rCtr x="-156" y="8009"/>
                                     </p:animMotion>
-                                    <p:animMotion origin="layout" path="M 0.2101 0.2799 L 0.2133 0.2874" pathEditMode="relative" rAng="0" ptsTypes="AAAAAAAA">
+                                    <p:animMotion origin="layout" path="M 0.0390 -0.1106 L 0.0422 -0.1031" pathEditMode="relative" rAng="0" ptsTypes="AAAAAAAA">
                                       <p:cBhvr>
                                         <p:cTn id="53" dur="200" fill="hold"/>
                                         <p:tgtEl>
@@ -22148,7 +22148,7 @@
                                       </p:cBhvr>
                                       <p:rCtr x="-156" y="8009"/>
                                     </p:animMotion>
-                                    <p:animMotion origin="layout" path="M 0.2133 0.2874 L 0.2213 0.2906" pathEditMode="relative" rAng="0" ptsTypes="AAAAAAAA">
+                                    <p:animMotion origin="layout" path="M 0.0422 -0.1031 L 0.0502 -0.0999" pathEditMode="relative" rAng="0" ptsTypes="AAAAAAAA">
                                       <p:cBhvr>
                                         <p:cTn id="54" dur="200" fill="hold"/>
                                         <p:tgtEl>
@@ -22161,7 +22161,7 @@
                                       </p:cBhvr>
                                       <p:rCtr x="-156" y="8009"/>
                                     </p:animMotion>
-                                    <p:animMotion origin="layout" path="M 0.2213 0.2906 L 0.2284 0.2874" pathEditMode="relative" rAng="0" ptsTypes="AAAAAAAA">
+                                    <p:animMotion origin="layout" path="M 0.0502 -0.0999 L 0.0574 -0.1031" pathEditMode="relative" rAng="0" ptsTypes="AAAAAAAA">
                                       <p:cBhvr>
                                         <p:cTn id="55" dur="200" fill="hold"/>
                                         <p:tgtEl>
@@ -22174,7 +22174,7 @@
                                       </p:cBhvr>
                                       <p:rCtr x="-156" y="8009"/>
                                     </p:animMotion>
-                                    <p:animMotion origin="layout" path="M 0.2284 0.2874 L 0.2340 0.2809" pathEditMode="relative" rAng="0" ptsTypes="AAAAAAAA">
+                                    <p:animMotion origin="layout" path="M 0.0574 -0.1031 L 0.0630 -0.1096" pathEditMode="relative" rAng="0" ptsTypes="AAAAAAAA">
                                       <p:cBhvr>
                                         <p:cTn id="56" dur="200" fill="hold"/>
                                         <p:tgtEl>
@@ -22187,7 +22187,7 @@
                                       </p:cBhvr>
                                       <p:rCtr x="-156" y="8009"/>
                                     </p:animMotion>
-                                    <p:animMotion origin="layout" path="M 0.2340 0.2809 L 0.2412 0.2788" pathEditMode="relative" rAng="0" ptsTypes="AAAAAAAA">
+                                    <p:animMotion origin="layout" path="M 0.0630 -0.1096 L 0.0701 -0.1117" pathEditMode="relative" rAng="0" ptsTypes="AAAAAAAA">
                                       <p:cBhvr>
                                         <p:cTn id="57" dur="200" fill="hold"/>
                                         <p:tgtEl>
@@ -22200,7 +22200,7 @@
                                       </p:cBhvr>
                                       <p:rCtr x="-156" y="8009"/>
                                     </p:animMotion>
-                                    <p:animMotion origin="layout" path="M 0.2412 0.2788 L 0.2475 0.2852" pathEditMode="relative" rAng="0" ptsTypes="AAAAAAAA">
+                                    <p:animMotion origin="layout" path="M 0.0701 -0.1117 L 0.0765 -0.1053" pathEditMode="relative" rAng="0" ptsTypes="AAAAAAAA">
                                       <p:cBhvr>
                                         <p:cTn id="58" dur="200" fill="hold"/>
                                         <p:tgtEl>
@@ -22213,7 +22213,7 @@
                                       </p:cBhvr>
                                       <p:rCtr x="-156" y="8009"/>
                                     </p:animMotion>
-                                    <p:animMotion origin="layout" path="M 0.2475 0.2852 L 0.2412 0.2938" pathEditMode="relative" rAng="0" ptsTypes="AAAAAAAA">
+                                    <p:animMotion origin="layout" path="M 0.0765 -0.1053 L 0.0701 -0.0967" pathEditMode="relative" rAng="0" ptsTypes="AAAAAAAA">
                                       <p:cBhvr>
                                         <p:cTn id="59" dur="200" fill="hold"/>
                                         <p:tgtEl>
@@ -22226,7 +22226,7 @@
                                       </p:cBhvr>
                                       <p:rCtr x="-156" y="8009"/>
                                     </p:animMotion>
-                                    <p:animMotion origin="layout" path="M 0.2412 0.2938 L 0.2340 0.2906" pathEditMode="relative" rAng="0" ptsTypes="AAAAAAAA">
+                                    <p:animMotion origin="layout" path="M 0.0701 -0.0967 L 0.0630 -0.0999" pathEditMode="relative" rAng="0" ptsTypes="AAAAAAAA">
                                       <p:cBhvr>
                                         <p:cTn id="60" dur="200" fill="hold"/>
                                         <p:tgtEl>
@@ -22239,7 +22239,7 @@
                                       </p:cBhvr>
                                       <p:rCtr x="-156" y="8009"/>
                                     </p:animMotion>
-                                    <p:animMotion origin="layout" path="M 0.2340 0.2906 L 0.2292 0.2852" pathEditMode="relative" rAng="0" ptsTypes="AAAAAAAA">
+                                    <p:animMotion origin="layout" path="M 0.0630 -0.0999 L 0.0582 -0.1053" pathEditMode="relative" rAng="0" ptsTypes="AAAAAAAA">
                                       <p:cBhvr>
                                         <p:cTn id="61" dur="200" fill="hold"/>
                                         <p:tgtEl>
@@ -22252,7 +22252,7 @@
                                       </p:cBhvr>
                                       <p:rCtr x="-156" y="8009"/>
                                     </p:animMotion>
-                                    <p:animMotion origin="layout" path="M 0.2292 0.2852 L 0.2268 0.2766" pathEditMode="relative" rAng="0" ptsTypes="AAAAAAAA">
+                                    <p:animMotion origin="layout" path="M 0.0582 -0.1053 L 0.0558 -0.1139" pathEditMode="relative" rAng="0" ptsTypes="AAAAAAAA">
                                       <p:cBhvr>
                                         <p:cTn id="62" dur="200" fill="hold"/>
                                         <p:tgtEl>
@@ -22265,7 +22265,7 @@
                                       </p:cBhvr>
                                       <p:rCtr x="-156" y="8009"/>
                                     </p:animMotion>
-                                    <p:animMotion origin="layout" path="M 0.2268 0.2766 L 0.2284 0.2659" pathEditMode="relative" rAng="0" ptsTypes="AAAAAAAA">
+                                    <p:animMotion origin="layout" path="M 0.0558 -0.1139 L 0.0574 -0.1246" pathEditMode="relative" rAng="0" ptsTypes="AAAAAAAA">
                                       <p:cBhvr>
                                         <p:cTn id="63" dur="200" fill="hold"/>
                                         <p:tgtEl>
@@ -22278,7 +22278,7 @@
                                       </p:cBhvr>
                                       <p:rCtr x="-156" y="8009"/>
                                     </p:animMotion>
-                                    <p:animMotion origin="layout" path="M 0.2284 0.2659 L 0.2388 0.2584" pathEditMode="relative" rAng="0" ptsTypes="AAAAAAAA">
+                                    <p:animMotion origin="layout" path="M 0.0574 -0.1246 L 0.0677 -0.1321" pathEditMode="relative" rAng="0" ptsTypes="AAAAAAAA">
                                       <p:cBhvr>
                                         <p:cTn id="64" dur="200" fill="hold"/>
                                         <p:tgtEl>
@@ -22291,7 +22291,7 @@
                                       </p:cBhvr>
                                       <p:rCtr x="-156" y="8009"/>
                                     </p:animMotion>
-                                    <p:animMotion origin="layout" path="M 0.2388 0.2584 L 0.2523 0.2605" pathEditMode="relative" rAng="0" ptsTypes="AAAAAAAA">
+                                    <p:animMotion origin="layout" path="M 0.0677 -0.1321 L 0.0813 -0.1300" pathEditMode="relative" rAng="0" ptsTypes="AAAAAAAA">
                                       <p:cBhvr>
                                         <p:cTn id="65" dur="200" fill="hold"/>
                                         <p:tgtEl>
@@ -22304,7 +22304,7 @@
                                       </p:cBhvr>
                                       <p:rCtr x="-156" y="8009"/>
                                     </p:animMotion>
-                                    <p:animMotion origin="layout" path="M 0.2523 0.2605 L 0.2571 0.2691" pathEditMode="relative" rAng="0" ptsTypes="AAAAAAAA">
+                                    <p:animMotion origin="layout" path="M 0.0813 -0.1300 L 0.0861 -0.1214" pathEditMode="relative" rAng="0" ptsTypes="AAAAAAAA">
                                       <p:cBhvr>
                                         <p:cTn id="66" dur="200" fill="hold"/>
                                         <p:tgtEl>
@@ -22317,7 +22317,7 @@
                                       </p:cBhvr>
                                       <p:rCtr x="-156" y="8009"/>
                                     </p:animMotion>
-                                    <p:animMotion origin="layout" path="M 0.2571 0.2691 L 0.2571 0.2777" pathEditMode="relative" rAng="0" ptsTypes="AAAAAAAA">
+                                    <p:animMotion origin="layout" path="M 0.0861 -0.1214 L 0.0861 -0.1128" pathEditMode="relative" rAng="0" ptsTypes="AAAAAAAA">
                                       <p:cBhvr>
                                         <p:cTn id="67" dur="200" fill="hold"/>
                                         <p:tgtEl>
@@ -22330,7 +22330,7 @@
                                       </p:cBhvr>
                                       <p:rCtr x="-156" y="8009"/>
                                     </p:animMotion>
-                                    <p:animMotion origin="layout" path="M 0.2571 0.2777 L 0.2563 0.2863" pathEditMode="relative" rAng="0" ptsTypes="AAAAAAAA">
+                                    <p:animMotion origin="layout" path="M 0.0861 -0.1128 L 0.0853 -0.1042" pathEditMode="relative" rAng="0" ptsTypes="AAAAAAAA">
                                       <p:cBhvr>
                                         <p:cTn id="68" dur="200" fill="hold"/>
                                         <p:tgtEl>
@@ -22343,7 +22343,7 @@
                                       </p:cBhvr>
                                       <p:rCtr x="-156" y="8009"/>
                                     </p:animMotion>
-                                    <p:animMotion origin="layout" path="M 0.2563 0.2863 L 0.2531 0.2971" pathEditMode="relative" rAng="0" ptsTypes="AAAAAAAA">
+                                    <p:animMotion origin="layout" path="M 0.0853 -0.1042 L 0.0821 -0.0935" pathEditMode="relative" rAng="0" ptsTypes="AAAAAAAA">
                                       <p:cBhvr>
                                         <p:cTn id="69" dur="200" fill="hold"/>
                                         <p:tgtEl>
@@ -22356,7 +22356,7 @@
                                       </p:cBhvr>
                                       <p:rCtr x="-156" y="8009"/>
                                     </p:animMotion>
-                                    <p:animMotion origin="layout" path="M 0.2531 0.2971 L 0.2420 0.3046" pathEditMode="relative" rAng="0" ptsTypes="AAAAAAAA">
+                                    <p:animMotion origin="layout" path="M 0.0821 -0.0935 L 0.0709 -0.0859" pathEditMode="relative" rAng="0" ptsTypes="AAAAAAAA">
                                       <p:cBhvr>
                                         <p:cTn id="70" dur="200" fill="hold"/>
                                         <p:tgtEl>
@@ -22369,7 +22369,7 @@
                                       </p:cBhvr>
                                       <p:rCtr x="-156" y="8009"/>
                                     </p:animMotion>
-                                    <p:animMotion origin="layout" path="M 0.2420 0.3046 L 0.2276 0.3003" pathEditMode="relative" rAng="0" ptsTypes="AAAAAAAA">
+                                    <p:animMotion origin="layout" path="M 0.0709 -0.0859 L 0.0566 -0.0902" pathEditMode="relative" rAng="0" ptsTypes="AAAAAAAA">
                                       <p:cBhvr>
                                         <p:cTn id="71" dur="200" fill="hold"/>
                                         <p:tgtEl>
@@ -22382,7 +22382,7 @@
                                       </p:cBhvr>
                                       <p:rCtr x="-156" y="8009"/>
                                     </p:animMotion>
-                                    <p:animMotion origin="layout" path="M 0.2276 0.3003 L 0.2213 0.2863" pathEditMode="relative" rAng="0" ptsTypes="AAAAAAAA">
+                                    <p:animMotion origin="layout" path="M 0.0566 -0.0902 L 0.0502 -0.1042" pathEditMode="relative" rAng="0" ptsTypes="AAAAAAAA">
                                       <p:cBhvr>
                                         <p:cTn id="72" dur="200" fill="hold"/>
                                         <p:tgtEl>
@@ -22395,7 +22395,7 @@
                                       </p:cBhvr>
                                       <p:rCtr x="-156" y="8009"/>
                                     </p:animMotion>
-                                    <p:animMotion origin="layout" path="M 0.2213 0.2863 L 0.2149 0.2702" pathEditMode="relative" rAng="0" ptsTypes="AAAAAAAA">
+                                    <p:animMotion origin="layout" path="M 0.0502 -0.1042 L 0.0438 -0.1203" pathEditMode="relative" rAng="0" ptsTypes="AAAAAAAA">
                                       <p:cBhvr>
                                         <p:cTn id="73" dur="200" fill="hold"/>
                                         <p:tgtEl>
@@ -22408,7 +22408,7 @@
                                       </p:cBhvr>
                                       <p:rCtr x="-156" y="8009"/>
                                     </p:animMotion>
-                                    <p:animMotion origin="layout" path="M 0.2149 0.2702 L 0.2117 0.2541" pathEditMode="relative" rAng="0" ptsTypes="AAAAAAAA">
+                                    <p:animMotion origin="layout" path="M 0.0438 -0.1203 L 0.0406 -0.1364" pathEditMode="relative" rAng="0" ptsTypes="AAAAAAAA">
                                       <p:cBhvr>
                                         <p:cTn id="74" dur="200" fill="hold"/>
                                         <p:tgtEl>
@@ -22421,7 +22421,7 @@
                                       </p:cBhvr>
                                       <p:rCtr x="-156" y="8009"/>
                                     </p:animMotion>
-                                    <p:animMotion origin="layout" path="M 0.2117 0.2541 L 0.2157 0.2433" pathEditMode="relative" rAng="0" ptsTypes="AAAAAAAA">
+                                    <p:animMotion origin="layout" path="M 0.0406 -0.1364 L 0.0446 -0.1472" pathEditMode="relative" rAng="0" ptsTypes="AAAAAAAA">
                                       <p:cBhvr>
                                         <p:cTn id="75" dur="200" fill="hold"/>
                                         <p:tgtEl>
@@ -22434,7 +22434,7 @@
                                       </p:cBhvr>
                                       <p:rCtr x="-156" y="8009"/>
                                     </p:animMotion>
-                                    <p:animMotion origin="layout" path="M 0.2157 0.2433 L 0.2197 0.2326" pathEditMode="relative" rAng="0" ptsTypes="AAAAAAAA">
+                                    <p:animMotion origin="layout" path="M 0.0446 -0.1472 L 0.0486 -0.1579" pathEditMode="relative" rAng="0" ptsTypes="AAAAAAAA">
                                       <p:cBhvr>
                                         <p:cTn id="76" dur="200" fill="hold"/>
                                         <p:tgtEl>
@@ -22447,7 +22447,7 @@
                                       </p:cBhvr>
                                       <p:rCtr x="-156" y="8009"/>
                                     </p:animMotion>
-                                    <p:animMotion origin="layout" path="M 0.2197 0.2326 L 0.2228 0.2240" pathEditMode="relative" rAng="0" ptsTypes="AAAAAAAA">
+                                    <p:animMotion origin="layout" path="M 0.0486 -0.1579 L 0.0518 -0.1665" pathEditMode="relative" rAng="0" ptsTypes="AAAAAAAA">
                                       <p:cBhvr>
                                         <p:cTn id="77" dur="200" fill="hold"/>
                                         <p:tgtEl>
@@ -22460,7 +22460,7 @@
                                       </p:cBhvr>
                                       <p:rCtr x="-156" y="8009"/>
                                     </p:animMotion>
-                                    <p:animMotion origin="layout" path="M 0.2228 0.2240 L 0.2268 0.2133" pathEditMode="relative" rAng="0" ptsTypes="AAAAAAAA">
+                                    <p:animMotion origin="layout" path="M 0.0518 -0.1665 L 0.0558 -0.1772" pathEditMode="relative" rAng="0" ptsTypes="AAAAAAAA">
                                       <p:cBhvr>
                                         <p:cTn id="78" dur="200" fill="hold"/>
                                         <p:tgtEl>
@@ -22473,7 +22473,7 @@
                                       </p:cBhvr>
                                       <p:rCtr x="-156" y="8009"/>
                                     </p:animMotion>
-                                    <p:animMotion origin="layout" path="M 0.2268 0.2133 L 0.2316 0.2015" pathEditMode="relative" rAng="0" ptsTypes="AAAAAAAA">
+                                    <p:animMotion origin="layout" path="M 0.0558 -0.1772 L 0.0606 -0.1891" pathEditMode="relative" rAng="0" ptsTypes="AAAAAAAA">
                                       <p:cBhvr>
                                         <p:cTn id="79" dur="200" fill="hold"/>
                                         <p:tgtEl>
@@ -22486,7 +22486,7 @@
                                       </p:cBhvr>
                                       <p:rCtr x="-156" y="8009"/>
                                     </p:animMotion>
-                                    <p:animMotion origin="layout" path="M 0.2316 0.2015 L 0.2364 0.1875" pathEditMode="relative" rAng="0" ptsTypes="AAAAAAAA">
+                                    <p:animMotion origin="layout" path="M 0.0606 -0.1891 L 0.0653 -0.2030" pathEditMode="relative" rAng="0" ptsTypes="AAAAAAAA">
                                       <p:cBhvr>
                                         <p:cTn id="80" dur="200" fill="hold"/>
                                         <p:tgtEl>
@@ -22499,7 +22499,7 @@
                                       </p:cBhvr>
                                       <p:rCtr x="-156" y="8009"/>
                                     </p:animMotion>
-                                    <p:animMotion origin="layout" path="M 0.2364 0.1875 L 0.2428 0.1714" pathEditMode="relative" rAng="0" ptsTypes="AAAAAAAA">
+                                    <p:animMotion origin="layout" path="M 0.0653 -0.2030 L 0.0717 -0.2191" pathEditMode="relative" rAng="0" ptsTypes="AAAAAAAA">
                                       <p:cBhvr>
                                         <p:cTn id="81" dur="200" fill="hold"/>
                                         <p:tgtEl>
@@ -22512,7 +22512,7 @@
                                       </p:cBhvr>
                                       <p:rCtr x="-156" y="8009"/>
                                     </p:animMotion>
-                                    <p:animMotion origin="layout" path="M 0.2428 0.1714 L 0.2491 0.1542" pathEditMode="relative" rAng="0" ptsTypes="AAAAAAAA">
+                                    <p:animMotion origin="layout" path="M 0.0717 -0.2191 L 0.0781 -0.2363" pathEditMode="relative" rAng="0" ptsTypes="AAAAAAAA">
                                       <p:cBhvr>
                                         <p:cTn id="82" dur="200" fill="hold"/>
                                         <p:tgtEl>
@@ -22525,7 +22525,7 @@
                                       </p:cBhvr>
                                       <p:rCtr x="-156" y="8009"/>
                                     </p:animMotion>
-                                    <p:animMotion origin="layout" path="M 0.2491 0.1542 L 0.2563 0.1359" pathEditMode="relative" rAng="0" ptsTypes="AAAAAAAA">
+                                    <p:animMotion origin="layout" path="M 0.0781 -0.2363 L 0.0853 -0.2546" pathEditMode="relative" rAng="0" ptsTypes="AAAAAAAA">
                                       <p:cBhvr>
                                         <p:cTn id="83" dur="200" fill="hold"/>
                                         <p:tgtEl>
@@ -22538,7 +22538,7 @@
                                       </p:cBhvr>
                                       <p:rCtr x="-156" y="8009"/>
                                     </p:animMotion>
-                                    <p:animMotion origin="layout" path="M 0.2563 0.1359 L 0.2627 0.1177" pathEditMode="relative" rAng="0" ptsTypes="AAAAAAAA">
+                                    <p:animMotion origin="layout" path="M 0.0853 -0.2546 L 0.0916 -0.2728" pathEditMode="relative" rAng="0" ptsTypes="AAAAAAAA">
                                       <p:cBhvr>
                                         <p:cTn id="84" dur="200" fill="hold"/>
                                         <p:tgtEl>
@@ -22551,7 +22551,7 @@
                                       </p:cBhvr>
                                       <p:rCtr x="-156" y="8009"/>
                                     </p:animMotion>
-                                    <p:animMotion origin="layout" path="M 0.2627 0.1177 L 0.2691 0.1016" pathEditMode="relative" rAng="0" ptsTypes="AAAAAAAA">
+                                    <p:animMotion origin="layout" path="M 0.0916 -0.2728 L 0.0980 -0.2890" pathEditMode="relative" rAng="0" ptsTypes="AAAAAAAA">
                                       <p:cBhvr>
                                         <p:cTn id="85" dur="200" fill="hold"/>
                                         <p:tgtEl>
@@ -22573,7 +22573,7 @@
                                     <p:cond delay="0"/>
                                   </p:stCondLst>
                                   <p:childTnLst>
-                                    <p:animMotion origin="layout" path="M 0.2754 0.1617 L 0.2754 0.1617" pathEditMode="relative" rAng="0" ptsTypes="AAAAAAAA">
+                                    <p:animMotion origin="layout" path="M 0.0000 0.0000 L 0.0000 0.0000" pathEditMode="relative" rAng="0" ptsTypes="AAAAAAAA">
                                       <p:cBhvr>
                                         <p:cTn id="8" dur="200" fill="hold"/>
                                         <p:tgtEl>
@@ -22586,7 +22586,7 @@
                                       </p:cBhvr>
                                       <p:rCtr x="-156" y="8009"/>
                                     </p:animMotion>
-                                    <p:animMotion origin="layout" path="M 0.2754 0.1617 L 0.2515 0.1574" pathEditMode="relative" rAng="0" ptsTypes="AAAAAAAA">
+                                    <p:animMotion origin="layout" path="M 0.0000 0.0000 L -0.0239 -0.0043" pathEditMode="relative" rAng="0" ptsTypes="AAAAAAAA">
                                       <p:cBhvr>
                                         <p:cTn id="9" dur="200" fill="hold"/>
                                         <p:tgtEl>
@@ -22599,7 +22599,7 @@
                                       </p:cBhvr>
                                       <p:rCtr x="-156" y="8009"/>
                                     </p:animMotion>
-                                    <p:animMotion origin="layout" path="M 0.2515 0.1574 L 0.2276 0.1531" pathEditMode="relative" rAng="0" ptsTypes="AAAAAAAA">
+                                    <p:animMotion origin="layout" path="M -0.0239 -0.0043 L -0.0478 -0.0086" pathEditMode="relative" rAng="0" ptsTypes="AAAAAAAA">
                                       <p:cBhvr>
                                         <p:cTn id="10" dur="200" fill="hold"/>
                                         <p:tgtEl>
@@ -22612,7 +22612,7 @@
                                       </p:cBhvr>
                                       <p:rCtr x="-156" y="8009"/>
                                     </p:animMotion>
-                                    <p:animMotion origin="layout" path="M 0.2276 0.1531 L 0.2029 0.1488" pathEditMode="relative" rAng="0" ptsTypes="AAAAAAAA">
+                                    <p:animMotion origin="layout" path="M -0.0478 -0.0086 L -0.0725 -0.0129" pathEditMode="relative" rAng="0" ptsTypes="AAAAAAAA">
                                       <p:cBhvr>
                                         <p:cTn id="11" dur="200" fill="hold"/>
                                         <p:tgtEl>
@@ -22625,7 +22625,7 @@
                                       </p:cBhvr>
                                       <p:rCtr x="-156" y="8009"/>
                                     </p:animMotion>
-                                    <p:animMotion origin="layout" path="M 0.2029 0.1488 L 0.1790 0.1456" pathEditMode="relative" rAng="0" ptsTypes="AAAAAAAA">
+                                    <p:animMotion origin="layout" path="M -0.0725 -0.0129 L -0.0964 -0.0161" pathEditMode="relative" rAng="0" ptsTypes="AAAAAAAA">
                                       <p:cBhvr>
                                         <p:cTn id="12" dur="200" fill="hold"/>
                                         <p:tgtEl>
@@ -22638,7 +22638,7 @@
                                       </p:cBhvr>
                                       <p:rCtr x="-156" y="8009"/>
                                     </p:animMotion>
-                                    <p:animMotion origin="layout" path="M 0.1790 0.1456 L 0.1551 0.1413" pathEditMode="relative" rAng="0" ptsTypes="AAAAAAAA">
+                                    <p:animMotion origin="layout" path="M -0.0964 -0.0161 L -0.1203 -0.0204" pathEditMode="relative" rAng="0" ptsTypes="AAAAAAAA">
                                       <p:cBhvr>
                                         <p:cTn id="13" dur="200" fill="hold"/>
                                         <p:tgtEl>
@@ -22651,7 +22651,7 @@
                                       </p:cBhvr>
                                       <p:rCtr x="-156" y="8009"/>
                                     </p:animMotion>
-                                    <p:animMotion origin="layout" path="M 0.1551 0.1413 L 0.1312 0.1359" pathEditMode="relative" rAng="0" ptsTypes="AAAAAAAA">
+                                    <p:animMotion origin="layout" path="M -0.1203 -0.0204 L -0.1442 -0.0258" pathEditMode="relative" rAng="0" ptsTypes="AAAAAAAA">
                                       <p:cBhvr>
                                         <p:cTn id="14" dur="200" fill="hold"/>
                                         <p:tgtEl>
@@ -22664,7 +22664,7 @@
                                       </p:cBhvr>
                                       <p:rCtr x="-156" y="8009"/>
                                     </p:animMotion>
-                                    <p:animMotion origin="layout" path="M 0.1312 0.1359 L 0.1065 0.1327" pathEditMode="relative" rAng="0" ptsTypes="AAAAAAAA">
+                                    <p:animMotion origin="layout" path="M -0.1442 -0.0258 L -0.1689 -0.0290" pathEditMode="relative" rAng="0" ptsTypes="AAAAAAAA">
                                       <p:cBhvr>
                                         <p:cTn id="15" dur="200" fill="hold"/>
                                         <p:tgtEl>
@@ -22677,7 +22677,7 @@
                                       </p:cBhvr>
                                       <p:rCtr x="-156" y="8009"/>
                                     </p:animMotion>
-                                    <p:animMotion origin="layout" path="M 0.1065 0.1327 L 0.0826 0.1284" pathEditMode="relative" rAng="0" ptsTypes="AAAAAAAA">
+                                    <p:animMotion origin="layout" path="M -0.1689 -0.0290 L -0.1928 -0.0333" pathEditMode="relative" rAng="0" ptsTypes="AAAAAAAA">
                                       <p:cBhvr>
                                         <p:cTn id="16" dur="200" fill="hold"/>
                                         <p:tgtEl>
@@ -22690,7 +22690,7 @@
                                       </p:cBhvr>
                                       <p:rCtr x="-156" y="8009"/>
                                     </p:animMotion>
-                                    <p:animMotion origin="layout" path="M 0.0826 0.1284 L 0.0587 0.1241" pathEditMode="relative" rAng="0" ptsTypes="AAAAAAAA">
+                                    <p:animMotion origin="layout" path="M -0.1928 -0.0333 L -0.2168 -0.0376" pathEditMode="relative" rAng="0" ptsTypes="AAAAAAAA">
                                       <p:cBhvr>
                                         <p:cTn id="17" dur="200" fill="hold"/>
                                         <p:tgtEl>
@@ -22703,7 +22703,7 @@
                                       </p:cBhvr>
                                       <p:rCtr x="-156" y="8009"/>
                                     </p:animMotion>
-                                    <p:animMotion origin="layout" path="M 0.0587 0.1241 L 0.0348 0.1198" pathEditMode="relative" rAng="0" ptsTypes="AAAAAAAA">
+                                    <p:animMotion origin="layout" path="M -0.2168 -0.0376 L -0.2407 -0.0419" pathEditMode="relative" rAng="0" ptsTypes="AAAAAAAA">
                                       <p:cBhvr>
                                         <p:cTn id="18" dur="200" fill="hold"/>
                                         <p:tgtEl>
@@ -22716,7 +22716,7 @@
                                       </p:cBhvr>
                                       <p:rCtr x="-156" y="8009"/>
                                     </p:animMotion>
-                                    <p:animMotion origin="layout" path="M 0.0348 0.1198 L 0.0109 0.1155" pathEditMode="relative" rAng="0" ptsTypes="AAAAAAAA">
+                                    <p:animMotion origin="layout" path="M -0.2407 -0.0419 L -0.2646 -0.0462" pathEditMode="relative" rAng="0" ptsTypes="AAAAAAAA">
                                       <p:cBhvr>
                                         <p:cTn id="19" dur="200" fill="hold"/>
                                         <p:tgtEl>
@@ -22729,7 +22729,7 @@
                                       </p:cBhvr>
                                       <p:rCtr x="-156" y="8009"/>
                                     </p:animMotion>
-                                    <p:animMotion origin="layout" path="M 0.0109 0.1155 L -0.0114 0.1091" pathEditMode="relative" rAng="0" ptsTypes="AAAAAAAA">
+                                    <p:animMotion origin="layout" path="M -0.2646 -0.0462 L -0.2869 -0.0526" pathEditMode="relative" rAng="0" ptsTypes="AAAAAAAA">
                                       <p:cBhvr>
                                         <p:cTn id="20" dur="200" fill="hold"/>
                                         <p:tgtEl>
@@ -22742,7 +22742,7 @@
                                       </p:cBhvr>
                                       <p:rCtr x="-156" y="8009"/>
                                     </p:animMotion>
-                                    <p:animMotion origin="layout" path="M -0.0114 0.1091 L -0.0162 0.0908" pathEditMode="relative" rAng="0" ptsTypes="AAAAAAAA">
+                                    <p:animMotion origin="layout" path="M -0.2869 -0.0526 L -0.2917 -0.0709" pathEditMode="relative" rAng="0" ptsTypes="AAAAAAAA">
                                       <p:cBhvr>
                                         <p:cTn id="21" dur="200" fill="hold"/>
                                         <p:tgtEl>
@@ -22755,7 +22755,7 @@
                                       </p:cBhvr>
                                       <p:rCtr x="-156" y="8009"/>
                                     </p:animMotion>
-                                    <p:animMotion origin="layout" path="M -0.0162 0.0908 L -0.0027 0.0801" pathEditMode="relative" rAng="0" ptsTypes="AAAAAAAA">
+                                    <p:animMotion origin="layout" path="M -0.2917 -0.0709 L -0.2781 -0.0816" pathEditMode="relative" rAng="0" ptsTypes="AAAAAAAA">
                                       <p:cBhvr>
                                         <p:cTn id="22" dur="200" fill="hold"/>
                                         <p:tgtEl>
@@ -22768,7 +22768,7 @@
                                       </p:cBhvr>
                                       <p:rCtr x="-156" y="8009"/>
                                     </p:animMotion>
-                                    <p:animMotion origin="layout" path="M -0.0027 0.0801 L 0.0149 0.0693" pathEditMode="relative" rAng="0" ptsTypes="AAAAAAAA">
+                                    <p:animMotion origin="layout" path="M -0.2781 -0.0816 L -0.2606 -0.0924" pathEditMode="relative" rAng="0" ptsTypes="AAAAAAAA">
                                       <p:cBhvr>
                                         <p:cTn id="23" dur="200" fill="hold"/>
                                         <p:tgtEl>
@@ -22781,7 +22781,7 @@
                                       </p:cBhvr>
                                       <p:rCtr x="-156" y="8009"/>
                                     </p:animMotion>
-                                    <p:animMotion origin="layout" path="M 0.0149 0.0693 L 0.0340 0.0586" pathEditMode="relative" rAng="0" ptsTypes="AAAAAAAA">
+                                    <p:animMotion origin="layout" path="M -0.2606 -0.0924 L -0.2415 -0.1031" pathEditMode="relative" rAng="0" ptsTypes="AAAAAAAA">
                                       <p:cBhvr>
                                         <p:cTn id="24" dur="200" fill="hold"/>
                                         <p:tgtEl>
@@ -22794,7 +22794,7 @@
                                       </p:cBhvr>
                                       <p:rCtr x="-156" y="8009"/>
                                     </p:animMotion>
-                                    <p:animMotion origin="layout" path="M 0.0340 0.0586 L 0.0539 0.0478" pathEditMode="relative" rAng="0" ptsTypes="AAAAAAAA">
+                                    <p:animMotion origin="layout" path="M -0.2415 -0.1031 L -0.2215 -0.1139" pathEditMode="relative" rAng="0" ptsTypes="AAAAAAAA">
                                       <p:cBhvr>
                                         <p:cTn id="25" dur="200" fill="hold"/>
                                         <p:tgtEl>
@@ -22807,7 +22807,7 @@
                                       </p:cBhvr>
                                       <p:rCtr x="-156" y="8009"/>
                                     </p:animMotion>
-                                    <p:animMotion origin="layout" path="M 0.0539 0.0478 L 0.0762 0.0446" pathEditMode="relative" rAng="0" ptsTypes="AAAAAAAA">
+                                    <p:animMotion origin="layout" path="M -0.2215 -0.1139 L -0.1992 -0.1171" pathEditMode="relative" rAng="0" ptsTypes="AAAAAAAA">
                                       <p:cBhvr>
                                         <p:cTn id="26" dur="200" fill="hold"/>
                                         <p:tgtEl>
@@ -22820,7 +22820,7 @@
                                       </p:cBhvr>
                                       <p:rCtr x="-156" y="8009"/>
                                     </p:animMotion>
-                                    <p:animMotion origin="layout" path="M 0.0762 0.0446 L 0.0937 0.0564" pathEditMode="relative" rAng="0" ptsTypes="AAAAAAAA">
+                                    <p:animMotion origin="layout" path="M -0.1992 -0.1171 L -0.1817 -0.1053" pathEditMode="relative" rAng="0" ptsTypes="AAAAAAAA">
                                       <p:cBhvr>
                                         <p:cTn id="27" dur="200" fill="hold"/>
                                         <p:tgtEl>
@@ -22833,7 +22833,7 @@
                                       </p:cBhvr>
                                       <p:rCtr x="-156" y="8009"/>
                                     </p:animMotion>
-                                    <p:animMotion origin="layout" path="M 0.0937 0.0564 L 0.1033 0.0726" pathEditMode="relative" rAng="0" ptsTypes="AAAAAAAA">
+                                    <p:animMotion origin="layout" path="M -0.1817 -0.1053 L -0.1721 -0.0892" pathEditMode="relative" rAng="0" ptsTypes="AAAAAAAA">
                                       <p:cBhvr>
                                         <p:cTn id="28" dur="200" fill="hold"/>
                                         <p:tgtEl>
@@ -22846,7 +22846,7 @@
                                       </p:cBhvr>
                                       <p:rCtr x="-156" y="8009"/>
                                     </p:animMotion>
-                                    <p:animMotion origin="layout" path="M 0.1033 0.0726 L 0.1113 0.0865" pathEditMode="relative" rAng="0" ptsTypes="AAAAAAAA">
+                                    <p:animMotion origin="layout" path="M -0.1721 -0.0892 L -0.1642 -0.0752" pathEditMode="relative" rAng="0" ptsTypes="AAAAAAAA">
                                       <p:cBhvr>
                                         <p:cTn id="29" dur="200" fill="hold"/>
                                         <p:tgtEl>
@@ -22859,7 +22859,7 @@
                                       </p:cBhvr>
                                       <p:rCtr x="-156" y="8009"/>
                                     </p:animMotion>
-                                    <p:animMotion origin="layout" path="M 0.1113 0.0865 L 0.1185 0.0983" pathEditMode="relative" rAng="0" ptsTypes="AAAAAAAA">
+                                    <p:animMotion origin="layout" path="M -0.1642 -0.0752 L -0.1570 -0.0634" pathEditMode="relative" rAng="0" ptsTypes="AAAAAAAA">
                                       <p:cBhvr>
                                         <p:cTn id="30" dur="200" fill="hold"/>
                                         <p:tgtEl>
@@ -22872,7 +22872,7 @@
                                       </p:cBhvr>
                                       <p:rCtr x="-156" y="8009"/>
                                     </p:animMotion>
-                                    <p:animMotion origin="layout" path="M 0.1185 0.0983 L 0.1272 0.1059" pathEditMode="relative" rAng="0" ptsTypes="AAAAAAAA">
+                                    <p:animMotion origin="layout" path="M -0.1570 -0.0634 L -0.1482 -0.0559" pathEditMode="relative" rAng="0" ptsTypes="AAAAAAAA">
                                       <p:cBhvr>
                                         <p:cTn id="31" dur="200" fill="hold"/>
                                         <p:tgtEl>
@@ -22885,7 +22885,7 @@
                                       </p:cBhvr>
                                       <p:rCtr x="-156" y="8009"/>
                                     </p:animMotion>
-                                    <p:animMotion origin="layout" path="M 0.1272 0.1059 L 0.1384 0.1112" pathEditMode="relative" rAng="0" ptsTypes="AAAAAAAA">
+                                    <p:animMotion origin="layout" path="M -0.1482 -0.0559 L -0.1371 -0.0505" pathEditMode="relative" rAng="0" ptsTypes="AAAAAAAA">
                                       <p:cBhvr>
                                         <p:cTn id="32" dur="200" fill="hold"/>
                                         <p:tgtEl>
@@ -22898,7 +22898,7 @@
                                       </p:cBhvr>
                                       <p:rCtr x="-156" y="8009"/>
                                     </p:animMotion>
-                                    <p:animMotion origin="layout" path="M 0.1384 0.1112 L 0.1479 0.1187" pathEditMode="relative" rAng="0" ptsTypes="AAAAAAAA">
+                                    <p:animMotion origin="layout" path="M -0.1371 -0.0505 L -0.1275 -0.0430" pathEditMode="relative" rAng="0" ptsTypes="AAAAAAAA">
                                       <p:cBhvr>
                                         <p:cTn id="33" dur="200" fill="hold"/>
                                         <p:tgtEl>
@@ -22911,7 +22911,7 @@
                                       </p:cBhvr>
                                       <p:rCtr x="-156" y="8009"/>
                                     </p:animMotion>
-                                    <p:animMotion origin="layout" path="M 0.1479 0.1187 L 0.1583 0.1241" pathEditMode="relative" rAng="0" ptsTypes="AAAAAAAA">
+                                    <p:animMotion origin="layout" path="M -0.1275 -0.0430 L -0.1171 -0.0376" pathEditMode="relative" rAng="0" ptsTypes="AAAAAAAA">
                                       <p:cBhvr>
                                         <p:cTn id="34" dur="200" fill="hold"/>
                                         <p:tgtEl>
@@ -22924,7 +22924,7 @@
                                       </p:cBhvr>
                                       <p:rCtr x="-156" y="8009"/>
                                     </p:animMotion>
-                                    <p:animMotion origin="layout" path="M 0.1583 0.1241 L 0.1687 0.1220" pathEditMode="relative" rAng="0" ptsTypes="AAAAAAAA">
+                                    <p:animMotion origin="layout" path="M -0.1171 -0.0376 L -0.1068 -0.0397" pathEditMode="relative" rAng="0" ptsTypes="AAAAAAAA">
                                       <p:cBhvr>
                                         <p:cTn id="35" dur="200" fill="hold"/>
                                         <p:tgtEl>
@@ -22937,7 +22937,7 @@
                                       </p:cBhvr>
                                       <p:rCtr x="-156" y="8009"/>
                                     </p:animMotion>
-                                    <p:animMotion origin="layout" path="M 0.1687 0.1220 L 0.1726 0.1134" pathEditMode="relative" rAng="0" ptsTypes="AAAAAAAA">
+                                    <p:animMotion origin="layout" path="M -0.1068 -0.0397 L -0.1028 -0.0483" pathEditMode="relative" rAng="0" ptsTypes="AAAAAAAA">
                                       <p:cBhvr>
                                         <p:cTn id="36" dur="200" fill="hold"/>
                                         <p:tgtEl>
@@ -22950,7 +22950,7 @@
                                       </p:cBhvr>
                                       <p:rCtr x="-156" y="8009"/>
                                     </p:animMotion>
-                                    <p:animMotion origin="layout" path="M 0.1726 0.1134 L 0.1679 0.1059" pathEditMode="relative" rAng="0" ptsTypes="AAAAAAAA">
+                                    <p:animMotion origin="layout" path="M -0.1028 -0.0483 L -0.1076 -0.0559" pathEditMode="relative" rAng="0" ptsTypes="AAAAAAAA">
                                       <p:cBhvr>
                                         <p:cTn id="37" dur="200" fill="hold"/>
                                         <p:tgtEl>
@@ -22963,7 +22963,7 @@
                                       </p:cBhvr>
                                       <p:rCtr x="-156" y="8009"/>
                                     </p:animMotion>
-                                    <p:animMotion origin="layout" path="M 0.1679 0.1059 L 0.1591 0.1037" pathEditMode="relative" rAng="0" ptsTypes="AAAAAAAA">
+                                    <p:animMotion origin="layout" path="M -0.1076 -0.0559 L -0.1163 -0.0580" pathEditMode="relative" rAng="0" ptsTypes="AAAAAAAA">
                                       <p:cBhvr>
                                         <p:cTn id="38" dur="200" fill="hold"/>
                                         <p:tgtEl>
@@ -22976,7 +22976,7 @@
                                       </p:cBhvr>
                                       <p:rCtr x="-156" y="8009"/>
                                     </p:animMotion>
-                                    <p:animMotion origin="layout" path="M 0.1591 0.1037 L 0.1503 0.1069" pathEditMode="relative" rAng="0" ptsTypes="AAAAAAAA">
+                                    <p:animMotion origin="layout" path="M -0.1163 -0.0580 L -0.1251 -0.0548" pathEditMode="relative" rAng="0" ptsTypes="AAAAAAAA">
                                       <p:cBhvr>
                                         <p:cTn id="39" dur="200" fill="hold"/>
                                         <p:tgtEl>
@@ -22989,7 +22989,7 @@
                                       </p:cBhvr>
                                       <p:rCtr x="-156" y="8009"/>
                                     </p:animMotion>
-                                    <p:animMotion origin="layout" path="M 0.1503 0.1069 L 0.1424 0.1123" pathEditMode="relative" rAng="0" ptsTypes="AAAAAAAA">
+                                    <p:animMotion origin="layout" path="M -0.1251 -0.0548 L -0.1331 -0.0494" pathEditMode="relative" rAng="0" ptsTypes="AAAAAAAA">
                                       <p:cBhvr>
                                         <p:cTn id="40" dur="200" fill="hold"/>
                                         <p:tgtEl>
@@ -23002,7 +23002,7 @@
                                       </p:cBhvr>
                                       <p:rCtr x="-156" y="8009"/>
                                     </p:animMotion>
-                                    <p:animMotion origin="layout" path="M 0.1424 0.1123 L 0.1416 0.1230" pathEditMode="relative" rAng="0" ptsTypes="AAAAAAAA">
+                                    <p:animMotion origin="layout" path="M -0.1331 -0.0494 L -0.1339 -0.0387" pathEditMode="relative" rAng="0" ptsTypes="AAAAAAAA">
                                       <p:cBhvr>
                                         <p:cTn id="41" dur="200" fill="hold"/>
                                         <p:tgtEl>
@@ -23015,7 +23015,7 @@
                                       </p:cBhvr>
                                       <p:rCtr x="-156" y="8009"/>
                                     </p:animMotion>
-                                    <p:animMotion origin="layout" path="M 0.1416 0.1230 L 0.1487 0.1295" pathEditMode="relative" rAng="0" ptsTypes="AAAAAAAA">
+                                    <p:animMotion origin="layout" path="M -0.1339 -0.0387 L -0.1267 -0.0322" pathEditMode="relative" rAng="0" ptsTypes="AAAAAAAA">
                                       <p:cBhvr>
                                         <p:cTn id="42" dur="200" fill="hold"/>
                                         <p:tgtEl>
@@ -23028,7 +23028,7 @@
                                       </p:cBhvr>
                                       <p:rCtr x="-156" y="8009"/>
                                     </p:animMotion>
-                                    <p:animMotion origin="layout" path="M 0.1487 0.1295 L 0.1591 0.1327" pathEditMode="relative" rAng="0" ptsTypes="AAAAAAAA">
+                                    <p:animMotion origin="layout" path="M -0.1267 -0.0322 L -0.1163 -0.0290" pathEditMode="relative" rAng="0" ptsTypes="AAAAAAAA">
                                       <p:cBhvr>
                                         <p:cTn id="43" dur="200" fill="hold"/>
                                         <p:tgtEl>
@@ -23041,7 +23041,7 @@
                                       </p:cBhvr>
                                       <p:rCtr x="-156" y="8009"/>
                                     </p:animMotion>
-                                    <p:animMotion origin="layout" path="M 0.1591 0.1327 L 0.1695 0.1349" pathEditMode="relative" rAng="0" ptsTypes="AAAAAAAA">
+                                    <p:animMotion origin="layout" path="M -0.1163 -0.0290 L -0.1060 -0.0269" pathEditMode="relative" rAng="0" ptsTypes="AAAAAAAA">
                                       <p:cBhvr>
                                         <p:cTn id="44" dur="200" fill="hold"/>
                                         <p:tgtEl>
@@ -23054,7 +23054,7 @@
                                       </p:cBhvr>
                                       <p:rCtr x="-156" y="8009"/>
                                     </p:animMotion>
-                                    <p:animMotion origin="layout" path="M 0.1695 0.1349 L 0.1766 0.1424" pathEditMode="relative" rAng="0" ptsTypes="AAAAAAAA">
+                                    <p:animMotion origin="layout" path="M -0.1060 -0.0269 L -0.0988 -0.0193" pathEditMode="relative" rAng="0" ptsTypes="AAAAAAAA">
                                       <p:cBhvr>
                                         <p:cTn id="45" dur="200" fill="hold"/>
                                         <p:tgtEl>
@@ -23067,7 +23067,7 @@
                                       </p:cBhvr>
                                       <p:rCtr x="-156" y="8009"/>
                                     </p:animMotion>
-                                    <p:animMotion origin="layout" path="M 0.1766 0.1424 L 0.1718 0.1531" pathEditMode="relative" rAng="0" ptsTypes="AAAAAAAA">
+                                    <p:animMotion origin="layout" path="M -0.0988 -0.0193 L -0.1036 -0.0086" pathEditMode="relative" rAng="0" ptsTypes="AAAAAAAA">
                                       <p:cBhvr>
                                         <p:cTn id="46" dur="200" fill="hold"/>
                                         <p:tgtEl>
@@ -23080,7 +23080,7 @@
                                       </p:cBhvr>
                                       <p:rCtr x="-156" y="8009"/>
                                     </p:animMotion>
-                                    <p:animMotion origin="layout" path="M 0.1718 0.1531 L 0.1591 0.1542" pathEditMode="relative" rAng="0" ptsTypes="AAAAAAAA">
+                                    <p:animMotion origin="layout" path="M -0.1036 -0.0086 L -0.1163 -0.0075" pathEditMode="relative" rAng="0" ptsTypes="AAAAAAAA">
                                       <p:cBhvr>
                                         <p:cTn id="47" dur="200" fill="hold"/>
                                         <p:tgtEl>
@@ -23093,7 +23093,7 @@
                                       </p:cBhvr>
                                       <p:rCtr x="-156" y="8009"/>
                                     </p:animMotion>
-                                    <p:animMotion origin="layout" path="M 0.1591 0.1542 L 0.1527 0.1435" pathEditMode="relative" rAng="0" ptsTypes="AAAAAAAA">
+                                    <p:animMotion origin="layout" path="M -0.1163 -0.0075 L -0.1227 -0.0183" pathEditMode="relative" rAng="0" ptsTypes="AAAAAAAA">
                                       <p:cBhvr>
                                         <p:cTn id="48" dur="200" fill="hold"/>
                                         <p:tgtEl>
@@ -23106,7 +23106,7 @@
                                       </p:cBhvr>
                                       <p:rCtr x="-156" y="8009"/>
                                     </p:animMotion>
-                                    <p:animMotion origin="layout" path="M 0.1527 0.1435 L 0.1615 0.1295" pathEditMode="relative" rAng="0" ptsTypes="AAAAAAAA">
+                                    <p:animMotion origin="layout" path="M -0.1227 -0.0183 L -0.1140 -0.0322" pathEditMode="relative" rAng="0" ptsTypes="AAAAAAAA">
                                       <p:cBhvr>
                                         <p:cTn id="49" dur="200" fill="hold"/>
                                         <p:tgtEl>
@@ -23119,7 +23119,7 @@
                                       </p:cBhvr>
                                       <p:rCtr x="-156" y="8009"/>
                                     </p:animMotion>
-                                    <p:animMotion origin="layout" path="M 0.1615 0.1295 L 0.1758 0.1316" pathEditMode="relative" rAng="0" ptsTypes="AAAAAAAA">
+                                    <p:animMotion origin="layout" path="M -0.1140 -0.0322 L -0.0996 -0.0301" pathEditMode="relative" rAng="0" ptsTypes="AAAAAAAA">
                                       <p:cBhvr>
                                         <p:cTn id="50" dur="200" fill="hold"/>
                                         <p:tgtEl>
@@ -23132,7 +23132,7 @@
                                       </p:cBhvr>
                                       <p:rCtr x="-156" y="8009"/>
                                     </p:animMotion>
-                                    <p:animMotion origin="layout" path="M 0.1758 0.1316 L 0.1798 0.1413" pathEditMode="relative" rAng="0" ptsTypes="AAAAAAAA">
+                                    <p:animMotion origin="layout" path="M -0.0996 -0.0301 L -0.0956 -0.0204" pathEditMode="relative" rAng="0" ptsTypes="AAAAAAAA">
                                       <p:cBhvr>
                                         <p:cTn id="51" dur="200" fill="hold"/>
                                         <p:tgtEl>
@@ -23145,7 +23145,7 @@
                                       </p:cBhvr>
                                       <p:rCtr x="-156" y="8009"/>
                                     </p:animMotion>
-                                    <p:animMotion origin="layout" path="M 0.1798 0.1413 L 0.1838 0.1510" pathEditMode="relative" rAng="0" ptsTypes="AAAAAAAA">
+                                    <p:animMotion origin="layout" path="M -0.0956 -0.0204 L -0.0916 -0.0107" pathEditMode="relative" rAng="0" ptsTypes="AAAAAAAA">
                                       <p:cBhvr>
                                         <p:cTn id="52" dur="200" fill="hold"/>
                                         <p:tgtEl>
@@ -23158,7 +23158,7 @@
                                       </p:cBhvr>
                                       <p:rCtr x="-156" y="8009"/>
                                     </p:animMotion>
-                                    <p:animMotion origin="layout" path="M 0.1838 0.1510 L 0.1926 0.1531" pathEditMode="relative" rAng="0" ptsTypes="AAAAAAAA">
+                                    <p:animMotion origin="layout" path="M -0.0916 -0.0107 L -0.0829 -0.0086" pathEditMode="relative" rAng="0" ptsTypes="AAAAAAAA">
                                       <p:cBhvr>
                                         <p:cTn id="53" dur="200" fill="hold"/>
                                         <p:tgtEl>
@@ -23171,7 +23171,7 @@
                                       </p:cBhvr>
                                       <p:rCtr x="-156" y="8009"/>
                                     </p:animMotion>
-                                    <p:animMotion origin="layout" path="M 0.1926 0.1531 L 0.2005 0.1435" pathEditMode="relative" rAng="0" ptsTypes="AAAAAAAA">
+                                    <p:animMotion origin="layout" path="M -0.0829 -0.0086 L -0.0749 -0.0183" pathEditMode="relative" rAng="0" ptsTypes="AAAAAAAA">
                                       <p:cBhvr>
                                         <p:cTn id="54" dur="200" fill="hold"/>
                                         <p:tgtEl>
@@ -23184,7 +23184,7 @@
                                       </p:cBhvr>
                                       <p:rCtr x="-156" y="8009"/>
                                     </p:animMotion>
-                                    <p:animMotion origin="layout" path="M 0.2005 0.1435 L 0.2021 0.1316" pathEditMode="relative" rAng="0" ptsTypes="AAAAAAAA">
+                                    <p:animMotion origin="layout" path="M -0.0749 -0.0183 L -0.0733 -0.0301" pathEditMode="relative" rAng="0" ptsTypes="AAAAAAAA">
                                       <p:cBhvr>
                                         <p:cTn id="55" dur="200" fill="hold"/>
                                         <p:tgtEl>
@@ -23197,7 +23197,7 @@
                                       </p:cBhvr>
                                       <p:rCtr x="-156" y="8009"/>
                                     </p:animMotion>
-                                    <p:animMotion origin="layout" path="M 0.2021 0.1316 L 0.2117 0.1241" pathEditMode="relative" rAng="0" ptsTypes="AAAAAAAA">
+                                    <p:animMotion origin="layout" path="M -0.0733 -0.0301 L -0.0638 -0.0376" pathEditMode="relative" rAng="0" ptsTypes="AAAAAAAA">
                                       <p:cBhvr>
                                         <p:cTn id="56" dur="200" fill="hold"/>
                                         <p:tgtEl>
@@ -23210,7 +23210,7 @@
                                       </p:cBhvr>
                                       <p:rCtr x="-156" y="8009"/>
                                     </p:animMotion>
-                                    <p:animMotion origin="layout" path="M 0.2117 0.1241 L 0.2189 0.1284" pathEditMode="relative" rAng="0" ptsTypes="AAAAAAAA">
+                                    <p:animMotion origin="layout" path="M -0.0638 -0.0376 L -0.0566 -0.0333" pathEditMode="relative" rAng="0" ptsTypes="AAAAAAAA">
                                       <p:cBhvr>
                                         <p:cTn id="57" dur="200" fill="hold"/>
                                         <p:tgtEl>
@@ -23223,7 +23223,7 @@
                                       </p:cBhvr>
                                       <p:rCtr x="-156" y="8009"/>
                                     </p:animMotion>
-                                    <p:animMotion origin="layout" path="M 0.2189 0.1284 L 0.2228 0.1370" pathEditMode="relative" rAng="0" ptsTypes="AAAAAAAA">
+                                    <p:animMotion origin="layout" path="M -0.0566 -0.0333 L -0.0526 -0.0247" pathEditMode="relative" rAng="0" ptsTypes="AAAAAAAA">
                                       <p:cBhvr>
                                         <p:cTn id="58" dur="200" fill="hold"/>
                                         <p:tgtEl>
@@ -23236,7 +23236,7 @@
                                       </p:cBhvr>
                                       <p:rCtr x="-156" y="8009"/>
                                     </p:animMotion>
-                                    <p:animMotion origin="layout" path="M 0.2228 0.1370 L 0.2268 0.1456" pathEditMode="relative" rAng="0" ptsTypes="AAAAAAAA">
+                                    <p:animMotion origin="layout" path="M -0.0526 -0.0247 L -0.0486 -0.0161" pathEditMode="relative" rAng="0" ptsTypes="AAAAAAAA">
                                       <p:cBhvr>
                                         <p:cTn id="59" dur="200" fill="hold"/>
                                         <p:tgtEl>
@@ -23249,7 +23249,7 @@
                                       </p:cBhvr>
                                       <p:rCtr x="-156" y="8009"/>
                                     </p:animMotion>
-                                    <p:animMotion origin="layout" path="M 0.2268 0.1456 L 0.2364 0.1488" pathEditMode="relative" rAng="0" ptsTypes="AAAAAAAA">
+                                    <p:animMotion origin="layout" path="M -0.0486 -0.0161 L -0.0390 -0.0129" pathEditMode="relative" rAng="0" ptsTypes="AAAAAAAA">
                                       <p:cBhvr>
                                         <p:cTn id="60" dur="200" fill="hold"/>
                                         <p:tgtEl>
@@ -23262,7 +23262,7 @@
                                       </p:cBhvr>
                                       <p:rCtr x="-156" y="8009"/>
                                     </p:animMotion>
-                                    <p:animMotion origin="layout" path="M 0.2364 0.1488 L 0.2436 0.1445" pathEditMode="relative" rAng="0" ptsTypes="AAAAAAAA">
+                                    <p:animMotion origin="layout" path="M -0.0390 -0.0129 L -0.0319 -0.0172" pathEditMode="relative" rAng="0" ptsTypes="AAAAAAAA">
                                       <p:cBhvr>
                                         <p:cTn id="61" dur="200" fill="hold"/>
                                         <p:tgtEl>
@@ -23275,7 +23275,7 @@
                                       </p:cBhvr>
                                       <p:rCtr x="-156" y="8009"/>
                                     </p:animMotion>
-                                    <p:animMotion origin="layout" path="M 0.2436 0.1445 L 0.2507 0.1381" pathEditMode="relative" rAng="0" ptsTypes="AAAAAAAA">
+                                    <p:animMotion origin="layout" path="M -0.0319 -0.0172 L -0.0247 -0.0236" pathEditMode="relative" rAng="0" ptsTypes="AAAAAAAA">
                                       <p:cBhvr>
                                         <p:cTn id="62" dur="200" fill="hold"/>
                                         <p:tgtEl>
@@ -23288,7 +23288,7 @@
                                       </p:cBhvr>
                                       <p:rCtr x="-156" y="8009"/>
                                     </p:animMotion>
-                                    <p:animMotion origin="layout" path="M 0.2507 0.1381 L 0.2595 0.1349" pathEditMode="relative" rAng="0" ptsTypes="AAAAAAAA">
+                                    <p:animMotion origin="layout" path="M -0.0247 -0.0236 L -0.0159 -0.0269" pathEditMode="relative" rAng="0" ptsTypes="AAAAAAAA">
                                       <p:cBhvr>
                                         <p:cTn id="63" dur="200" fill="hold"/>
                                         <p:tgtEl>
@@ -23301,7 +23301,7 @@
                                       </p:cBhvr>
                                       <p:rCtr x="-156" y="8009"/>
                                     </p:animMotion>
-                                    <p:animMotion origin="layout" path="M 0.2595 0.1349 L 0.2667 0.1424" pathEditMode="relative" rAng="0" ptsTypes="AAAAAAAA">
+                                    <p:animMotion origin="layout" path="M -0.0159 -0.0269 L -0.0088 -0.0193" pathEditMode="relative" rAng="0" ptsTypes="AAAAAAAA">
                                       <p:cBhvr>
                                         <p:cTn id="64" dur="200" fill="hold"/>
                                         <p:tgtEl>
@@ -23314,7 +23314,7 @@
                                       </p:cBhvr>
                                       <p:rCtr x="-156" y="8009"/>
                                     </p:animMotion>
-                                    <p:animMotion origin="layout" path="M 0.2667 0.1424 L 0.2595 0.1531" pathEditMode="relative" rAng="0" ptsTypes="AAAAAAAA">
+                                    <p:animMotion origin="layout" path="M -0.0088 -0.0193 L -0.0159 -0.0086" pathEditMode="relative" rAng="0" ptsTypes="AAAAAAAA">
                                       <p:cBhvr>
                                         <p:cTn id="65" dur="200" fill="hold"/>
                                         <p:tgtEl>
@@ -23327,7 +23327,7 @@
                                       </p:cBhvr>
                                       <p:rCtr x="-156" y="8009"/>
                                     </p:animMotion>
-                                    <p:animMotion origin="layout" path="M 0.2595 0.1531 L 0.2507 0.1488" pathEditMode="relative" rAng="0" ptsTypes="AAAAAAAA">
+                                    <p:animMotion origin="layout" path="M -0.0159 -0.0086 L -0.0247 -0.0129" pathEditMode="relative" rAng="0" ptsTypes="AAAAAAAA">
                                       <p:cBhvr>
                                         <p:cTn id="66" dur="200" fill="hold"/>
                                         <p:tgtEl>
@@ -23340,7 +23340,7 @@
                                       </p:cBhvr>
                                       <p:rCtr x="-156" y="8009"/>
                                     </p:animMotion>
-                                    <p:animMotion origin="layout" path="M 0.2507 0.1488 L 0.2452 0.1424" pathEditMode="relative" rAng="0" ptsTypes="AAAAAAAA">
+                                    <p:animMotion origin="layout" path="M -0.0247 -0.0129 L -0.0303 -0.0193" pathEditMode="relative" rAng="0" ptsTypes="AAAAAAAA">
                                       <p:cBhvr>
                                         <p:cTn id="67" dur="200" fill="hold"/>
                                         <p:tgtEl>
@@ -23353,7 +23353,7 @@
                                       </p:cBhvr>
                                       <p:rCtr x="-156" y="8009"/>
                                     </p:animMotion>
-                                    <p:animMotion origin="layout" path="M 0.2452 0.1424 L 0.2420 0.1327" pathEditMode="relative" rAng="0" ptsTypes="AAAAAAAA">
+                                    <p:animMotion origin="layout" path="M -0.0303 -0.0193 L -0.0335 -0.0290" pathEditMode="relative" rAng="0" ptsTypes="AAAAAAAA">
                                       <p:cBhvr>
                                         <p:cTn id="68" dur="200" fill="hold"/>
                                         <p:tgtEl>
@@ -23366,7 +23366,7 @@
                                       </p:cBhvr>
                                       <p:rCtr x="-156" y="8009"/>
                                     </p:animMotion>
-                                    <p:animMotion origin="layout" path="M 0.2420 0.1327 L 0.2444 0.1209" pathEditMode="relative" rAng="0" ptsTypes="AAAAAAAA">
+                                    <p:animMotion origin="layout" path="M -0.0335 -0.0290 L -0.0311 -0.0408" pathEditMode="relative" rAng="0" ptsTypes="AAAAAAAA">
                                       <p:cBhvr>
                                         <p:cTn id="69" dur="200" fill="hold"/>
                                         <p:tgtEl>
@@ -23379,7 +23379,7 @@
                                       </p:cBhvr>
                                       <p:rCtr x="-156" y="8009"/>
                                     </p:animMotion>
-                                    <p:animMotion origin="layout" path="M 0.2444 0.1209 L 0.2563 0.1112" pathEditMode="relative" rAng="0" ptsTypes="AAAAAAAA">
+                                    <p:animMotion origin="layout" path="M -0.0311 -0.0408 L -0.0191 -0.0505" pathEditMode="relative" rAng="0" ptsTypes="AAAAAAAA">
                                       <p:cBhvr>
                                         <p:cTn id="70" dur="200" fill="hold"/>
                                         <p:tgtEl>
@@ -23392,7 +23392,7 @@
                                       </p:cBhvr>
                                       <p:rCtr x="-156" y="8009"/>
                                     </p:animMotion>
-                                    <p:animMotion origin="layout" path="M 0.2563 0.1112 L 0.2715 0.1134" pathEditMode="relative" rAng="0" ptsTypes="AAAAAAAA">
+                                    <p:animMotion origin="layout" path="M -0.0191 -0.0505 L -0.0040 -0.0483" pathEditMode="relative" rAng="0" ptsTypes="AAAAAAAA">
                                       <p:cBhvr>
                                         <p:cTn id="71" dur="200" fill="hold"/>
                                         <p:tgtEl>
@@ -23405,7 +23405,7 @@
                                       </p:cBhvr>
                                       <p:rCtr x="-156" y="8009"/>
                                     </p:animMotion>
-                                    <p:animMotion origin="layout" path="M 0.2715 0.1134 L 0.2770 0.1241" pathEditMode="relative" rAng="0" ptsTypes="AAAAAAAA">
+                                    <p:animMotion origin="layout" path="M -0.0040 -0.0483 L 0.0016 -0.0376" pathEditMode="relative" rAng="0" ptsTypes="AAAAAAAA">
                                       <p:cBhvr>
                                         <p:cTn id="72" dur="200" fill="hold"/>
                                         <p:tgtEl>
@@ -23418,7 +23418,7 @@
                                       </p:cBhvr>
                                       <p:rCtr x="-156" y="8009"/>
                                     </p:animMotion>
-                                    <p:animMotion origin="layout" path="M 0.2770 0.1241 L 0.2770 0.1338" pathEditMode="relative" rAng="0" ptsTypes="AAAAAAAA">
+                                    <p:animMotion origin="layout" path="M 0.0016 -0.0376 L 0.0016 -0.0279" pathEditMode="relative" rAng="0" ptsTypes="AAAAAAAA">
                                       <p:cBhvr>
                                         <p:cTn id="73" dur="200" fill="hold"/>
                                         <p:tgtEl>
@@ -23431,7 +23431,7 @@
                                       </p:cBhvr>
                                       <p:rCtr x="-156" y="8009"/>
                                     </p:animMotion>
-                                    <p:animMotion origin="layout" path="M 0.2770 0.1338 L 0.2770 0.1435" pathEditMode="relative" rAng="0" ptsTypes="AAAAAAAA">
+                                    <p:animMotion origin="layout" path="M 0.0016 -0.0279 L 0.0016 -0.0183" pathEditMode="relative" rAng="0" ptsTypes="AAAAAAAA">
                                       <p:cBhvr>
                                         <p:cTn id="74" dur="200" fill="hold"/>
                                         <p:tgtEl>
@@ -23444,7 +23444,7 @@
                                       </p:cBhvr>
                                       <p:rCtr x="-156" y="8009"/>
                                     </p:animMotion>
-                                    <p:animMotion origin="layout" path="M 0.2770 0.1435 L 0.2730 0.1563" pathEditMode="relative" rAng="0" ptsTypes="AAAAAAAA">
+                                    <p:animMotion origin="layout" path="M 0.0016 -0.0183 L -0.0024 -0.0054" pathEditMode="relative" rAng="0" ptsTypes="AAAAAAAA">
                                       <p:cBhvr>
                                         <p:cTn id="75" dur="200" fill="hold"/>
                                         <p:tgtEl>
@@ -23457,7 +23457,7 @@
                                       </p:cBhvr>
                                       <p:rCtr x="-156" y="8009"/>
                                     </p:animMotion>
-                                    <p:animMotion origin="layout" path="M 0.2730 0.1563 L 0.2595 0.1660" pathEditMode="relative" rAng="0" ptsTypes="AAAAAAAA">
+                                    <p:animMotion origin="layout" path="M -0.0024 -0.0054 L -0.0159 0.0043" pathEditMode="relative" rAng="0" ptsTypes="AAAAAAAA">
                                       <p:cBhvr>
                                         <p:cTn id="76" dur="200" fill="hold"/>
                                         <p:tgtEl>
@@ -23470,7 +23470,7 @@
                                       </p:cBhvr>
                                       <p:rCtr x="-156" y="8009"/>
                                     </p:animMotion>
-                                    <p:animMotion origin="layout" path="M 0.2595 0.1660 L 0.2436 0.1606" pathEditMode="relative" rAng="0" ptsTypes="AAAAAAAA">
+                                    <p:animMotion origin="layout" path="M -0.0159 0.0043 L -0.0319 -0.0011" pathEditMode="relative" rAng="0" ptsTypes="AAAAAAAA">
                                       <p:cBhvr>
                                         <p:cTn id="77" dur="200" fill="hold"/>
                                         <p:tgtEl>
@@ -23483,7 +23483,7 @@
                                       </p:cBhvr>
                                       <p:rCtr x="-156" y="8009"/>
                                     </p:animMotion>
-                                    <p:animMotion origin="layout" path="M 0.2436 0.1606 L 0.2356 0.1435" pathEditMode="relative" rAng="0" ptsTypes="AAAAAAAA">
+                                    <p:animMotion origin="layout" path="M -0.0319 -0.0011 L -0.0398 -0.0183" pathEditMode="relative" rAng="0" ptsTypes="AAAAAAAA">
                                       <p:cBhvr>
                                         <p:cTn id="78" dur="200" fill="hold"/>
                                         <p:tgtEl>
@@ -23496,7 +23496,7 @@
                                       </p:cBhvr>
                                       <p:rCtr x="-156" y="8009"/>
                                     </p:animMotion>
-                                    <p:animMotion origin="layout" path="M 0.2356 0.1435 L 0.2284 0.1252" pathEditMode="relative" rAng="0" ptsTypes="AAAAAAAA">
+                                    <p:animMotion origin="layout" path="M -0.0398 -0.0183 L -0.0470 -0.0365" pathEditMode="relative" rAng="0" ptsTypes="AAAAAAAA">
                                       <p:cBhvr>
                                         <p:cTn id="79" dur="200" fill="hold"/>
                                         <p:tgtEl>
@@ -23509,7 +23509,7 @@
                                       </p:cBhvr>
                                       <p:rCtr x="-156" y="8009"/>
                                     </p:animMotion>
-                                    <p:animMotion origin="layout" path="M 0.2284 0.1252 L 0.2244 0.1069" pathEditMode="relative" rAng="0" ptsTypes="AAAAAAAA">
+                                    <p:animMotion origin="layout" path="M -0.0470 -0.0365 L -0.0510 -0.0548" pathEditMode="relative" rAng="0" ptsTypes="AAAAAAAA">
                                       <p:cBhvr>
                                         <p:cTn id="80" dur="200" fill="hold"/>
                                         <p:tgtEl>
@@ -23522,7 +23522,7 @@
                                       </p:cBhvr>
                                       <p:rCtr x="-156" y="8009"/>
                                     </p:animMotion>
-                                    <p:animMotion origin="layout" path="M 0.2244 0.1069 L 0.2292 0.0940" pathEditMode="relative" rAng="0" ptsTypes="AAAAAAAA">
+                                    <p:animMotion origin="layout" path="M -0.0510 -0.0548 L -0.0462 -0.0677" pathEditMode="relative" rAng="0" ptsTypes="AAAAAAAA">
                                       <p:cBhvr>
                                         <p:cTn id="81" dur="200" fill="hold"/>
                                         <p:tgtEl>
@@ -23535,7 +23535,7 @@
                                       </p:cBhvr>
                                       <p:rCtr x="-156" y="8009"/>
                                     </p:animMotion>
-                                    <p:animMotion origin="layout" path="M 0.2292 0.0940 L 0.2340 0.0822" pathEditMode="relative" rAng="0" ptsTypes="AAAAAAAA">
+                                    <p:animMotion origin="layout" path="M -0.0462 -0.0677 L -0.0414 -0.0795" pathEditMode="relative" rAng="0" ptsTypes="AAAAAAAA">
                                       <p:cBhvr>
                                         <p:cTn id="82" dur="200" fill="hold"/>
                                         <p:tgtEl>
@@ -23548,7 +23548,7 @@
                                       </p:cBhvr>
                                       <p:rCtr x="-156" y="8009"/>
                                     </p:animMotion>
-                                    <p:animMotion origin="layout" path="M 0.2340 0.0822 L 0.2380 0.0704" pathEditMode="relative" rAng="0" ptsTypes="AAAAAAAA">
+                                    <p:animMotion origin="layout" path="M -0.0414 -0.0795 L -0.0375 -0.0913" pathEditMode="relative" rAng="0" ptsTypes="AAAAAAAA">
                                       <p:cBhvr>
                                         <p:cTn id="83" dur="200" fill="hold"/>
                                         <p:tgtEl>
@@ -23561,7 +23561,7 @@
                                       </p:cBhvr>
                                       <p:rCtr x="-156" y="8009"/>
                                     </p:animMotion>
-                                    <p:animMotion origin="layout" path="M 0.2380 0.0704 L 0.2420 0.0597" pathEditMode="relative" rAng="0" ptsTypes="AAAAAAAA">
+                                    <p:animMotion origin="layout" path="M -0.0375 -0.0913 L -0.0335 -0.1020" pathEditMode="relative" rAng="0" ptsTypes="AAAAAAAA">
                                       <p:cBhvr>
                                         <p:cTn id="84" dur="200" fill="hold"/>
                                         <p:tgtEl>
@@ -23574,7 +23574,7 @@
                                       </p:cBhvr>
                                       <p:rCtr x="-156" y="8009"/>
                                     </p:animMotion>
-                                    <p:animMotion origin="layout" path="M 0.2420 0.0597 L 0.2475 0.0446" pathEditMode="relative" rAng="0" ptsTypes="AAAAAAAA">
+                                    <p:animMotion origin="layout" path="M -0.0335 -0.1020 L -0.0279 -0.1171" pathEditMode="relative" rAng="0" ptsTypes="AAAAAAAA">
                                       <p:cBhvr>
                                         <p:cTn id="85" dur="200" fill="hold"/>
                                         <p:tgtEl>
@@ -23587,7 +23587,7 @@
                                       </p:cBhvr>
                                       <p:rCtr x="-156" y="8009"/>
                                     </p:animMotion>
-                                    <p:animMotion origin="layout" path="M 0.2475 0.0446 L 0.2539 0.0285" pathEditMode="relative" rAng="0" ptsTypes="AAAAAAAA">
+                                    <p:animMotion origin="layout" path="M -0.0279 -0.1171 L -0.0215 -0.1332" pathEditMode="relative" rAng="0" ptsTypes="AAAAAAAA">
                                       <p:cBhvr>
                                         <p:cTn id="86" dur="200" fill="hold"/>
                                         <p:tgtEl>
@@ -23600,7 +23600,7 @@
                                       </p:cBhvr>
                                       <p:rCtr x="-156" y="8009"/>
                                     </p:animMotion>
-                                    <p:animMotion origin="layout" path="M 0.2539 0.0285 L 0.2611 0.0092" pathEditMode="relative" rAng="0" ptsTypes="AAAAAAAA">
+                                    <p:animMotion origin="layout" path="M -0.0215 -0.1332 L -0.0143 -0.1525" pathEditMode="relative" rAng="0" ptsTypes="AAAAAAAA">
                                       <p:cBhvr>
                                         <p:cTn id="87" dur="200" fill="hold"/>
                                         <p:tgtEl>

--- a/org.mwc.debrief.legacy/test_data/master_template/scenario_short_range/scenario_short_range_temp.pptx
+++ b/org.mwc.debrief.legacy/test_data/master_template/scenario_short_range/scenario_short_range_temp.pptx
@@ -10672,7 +10672,7 @@
                 <a:ea typeface="Open Sans" panose="020B0606030504020204" pitchFamily="34" charset="0"/>
                 <a:cs typeface="Courier New" panose="02070309020205020404" pitchFamily="49" charset="0"/>
               </a:rPr>
-              <a:t>95 Dec 121018</a:t>
+              <a:t>1995-12-12T10:18:00Z</a:t>
             </a:r>
           </a:p>
         </p:txBody>
@@ -10805,7 +10805,7 @@
                 <a:ea typeface="Open Sans" panose="020B0606030504020204" pitchFamily="34" charset="0"/>
                 <a:cs typeface="Courier New" panose="02070309020205020404" pitchFamily="49" charset="0"/>
               </a:rPr>
-              <a:t>95 Dec 121019</a:t>
+              <a:t>1995-12-12T10:19:00Z</a:t>
             </a:r>
           </a:p>
         </p:txBody>
@@ -10938,7 +10938,7 @@
                 <a:ea typeface="Open Sans" panose="020B0606030504020204" pitchFamily="34" charset="0"/>
                 <a:cs typeface="Courier New" panose="02070309020205020404" pitchFamily="49" charset="0"/>
               </a:rPr>
-              <a:t>95 Dec 121020</a:t>
+              <a:t>1995-12-12T10:20:00Z</a:t>
             </a:r>
           </a:p>
         </p:txBody>
@@ -11071,7 +11071,7 @@
                 <a:ea typeface="Open Sans" panose="020B0606030504020204" pitchFamily="34" charset="0"/>
                 <a:cs typeface="Courier New" panose="02070309020205020404" pitchFamily="49" charset="0"/>
               </a:rPr>
-              <a:t>95 Dec 121021</a:t>
+              <a:t>1995-12-12T10:21:00Z</a:t>
             </a:r>
           </a:p>
         </p:txBody>
@@ -11204,7 +11204,7 @@
                 <a:ea typeface="Open Sans" panose="020B0606030504020204" pitchFamily="34" charset="0"/>
                 <a:cs typeface="Courier New" panose="02070309020205020404" pitchFamily="49" charset="0"/>
               </a:rPr>
-              <a:t>95 Dec 121022</a:t>
+              <a:t>1995-12-12T10:22:34Z</a:t>
             </a:r>
           </a:p>
         </p:txBody>
@@ -11337,7 +11337,7 @@
                 <a:ea typeface="Open Sans" panose="020B0606030504020204" pitchFamily="34" charset="0"/>
                 <a:cs typeface="Courier New" panose="02070309020205020404" pitchFamily="49" charset="0"/>
               </a:rPr>
-              <a:t>95 Dec 121024</a:t>
+              <a:t>1995-12-12T10:24:00Z</a:t>
             </a:r>
           </a:p>
         </p:txBody>
@@ -11470,7 +11470,7 @@
                 <a:ea typeface="Open Sans" panose="020B0606030504020204" pitchFamily="34" charset="0"/>
                 <a:cs typeface="Courier New" panose="02070309020205020404" pitchFamily="49" charset="0"/>
               </a:rPr>
-              <a:t>95 Dec 121025</a:t>
+              <a:t>1995-12-12T10:25:00Z</a:t>
             </a:r>
           </a:p>
         </p:txBody>
@@ -11603,7 +11603,7 @@
                 <a:ea typeface="Open Sans" panose="020B0606030504020204" pitchFamily="34" charset="0"/>
                 <a:cs typeface="Courier New" panose="02070309020205020404" pitchFamily="49" charset="0"/>
               </a:rPr>
-              <a:t>95 Dec 121026</a:t>
+              <a:t>1995-12-12T10:26:00Z</a:t>
             </a:r>
           </a:p>
         </p:txBody>
@@ -11736,7 +11736,7 @@
                 <a:ea typeface="Open Sans" panose="020B0606030504020204" pitchFamily="34" charset="0"/>
                 <a:cs typeface="Courier New" panose="02070309020205020404" pitchFamily="49" charset="0"/>
               </a:rPr>
-              <a:t>95 Dec 121027</a:t>
+              <a:t>1995-12-12T10:27:00Z</a:t>
             </a:r>
           </a:p>
         </p:txBody>
@@ -11869,7 +11869,7 @@
                 <a:ea typeface="Open Sans" panose="020B0606030504020204" pitchFamily="34" charset="0"/>
                 <a:cs typeface="Courier New" panose="02070309020205020404" pitchFamily="49" charset="0"/>
               </a:rPr>
-              <a:t>95 Dec 121028</a:t>
+              <a:t>1995-12-12T10:28:00Z</a:t>
             </a:r>
           </a:p>
         </p:txBody>
@@ -12002,7 +12002,7 @@
                 <a:ea typeface="Open Sans" panose="020B0606030504020204" pitchFamily="34" charset="0"/>
                 <a:cs typeface="Courier New" panose="02070309020205020404" pitchFamily="49" charset="0"/>
               </a:rPr>
-              <a:t>95 Dec 121029</a:t>
+              <a:t>1995-12-12T10:29:00Z</a:t>
             </a:r>
           </a:p>
         </p:txBody>
@@ -12135,7 +12135,7 @@
                 <a:ea typeface="Open Sans" panose="020B0606030504020204" pitchFamily="34" charset="0"/>
                 <a:cs typeface="Courier New" panose="02070309020205020404" pitchFamily="49" charset="0"/>
               </a:rPr>
-              <a:t>95 Dec 121030</a:t>
+              <a:t>1995-12-12T10:30:00Z</a:t>
             </a:r>
           </a:p>
         </p:txBody>
@@ -12268,7 +12268,7 @@
                 <a:ea typeface="Open Sans" panose="020B0606030504020204" pitchFamily="34" charset="0"/>
                 <a:cs typeface="Courier New" panose="02070309020205020404" pitchFamily="49" charset="0"/>
               </a:rPr>
-              <a:t>95 Dec 121031</a:t>
+              <a:t>1995-12-12T10:31:00Z</a:t>
             </a:r>
           </a:p>
         </p:txBody>
@@ -12401,7 +12401,7 @@
                 <a:ea typeface="Open Sans" panose="020B0606030504020204" pitchFamily="34" charset="0"/>
                 <a:cs typeface="Courier New" panose="02070309020205020404" pitchFamily="49" charset="0"/>
               </a:rPr>
-              <a:t>95 Dec 121032</a:t>
+              <a:t>1995-12-12T10:32:00Z</a:t>
             </a:r>
           </a:p>
         </p:txBody>
@@ -12534,7 +12534,7 @@
                 <a:ea typeface="Open Sans" panose="020B0606030504020204" pitchFamily="34" charset="0"/>
                 <a:cs typeface="Courier New" panose="02070309020205020404" pitchFamily="49" charset="0"/>
               </a:rPr>
-              <a:t>95 Dec 121033</a:t>
+              <a:t>1995-12-12T10:33:00Z</a:t>
             </a:r>
           </a:p>
         </p:txBody>
@@ -12667,7 +12667,7 @@
                 <a:ea typeface="Open Sans" panose="020B0606030504020204" pitchFamily="34" charset="0"/>
                 <a:cs typeface="Courier New" panose="02070309020205020404" pitchFamily="49" charset="0"/>
               </a:rPr>
-              <a:t>95 Dec 121034</a:t>
+              <a:t>1995-12-12T10:34:00Z</a:t>
             </a:r>
           </a:p>
         </p:txBody>
@@ -12800,7 +12800,7 @@
                 <a:ea typeface="Open Sans" panose="020B0606030504020204" pitchFamily="34" charset="0"/>
                 <a:cs typeface="Courier New" panose="02070309020205020404" pitchFamily="49" charset="0"/>
               </a:rPr>
-              <a:t>95 Dec 121035</a:t>
+              <a:t>1995-12-12T10:35:00Z</a:t>
             </a:r>
           </a:p>
         </p:txBody>
@@ -12933,7 +12933,7 @@
                 <a:ea typeface="Open Sans" panose="020B0606030504020204" pitchFamily="34" charset="0"/>
                 <a:cs typeface="Courier New" panose="02070309020205020404" pitchFamily="49" charset="0"/>
               </a:rPr>
-              <a:t>95 Dec 121036</a:t>
+              <a:t>1995-12-12T10:36:00Z</a:t>
             </a:r>
           </a:p>
         </p:txBody>
@@ -13066,7 +13066,7 @@
                 <a:ea typeface="Open Sans" panose="020B0606030504020204" pitchFamily="34" charset="0"/>
                 <a:cs typeface="Courier New" panose="02070309020205020404" pitchFamily="49" charset="0"/>
               </a:rPr>
-              <a:t>95 Dec 121037</a:t>
+              <a:t>1995-12-12T10:37:00Z</a:t>
             </a:r>
           </a:p>
         </p:txBody>
@@ -13199,7 +13199,7 @@
                 <a:ea typeface="Open Sans" panose="020B0606030504020204" pitchFamily="34" charset="0"/>
                 <a:cs typeface="Courier New" panose="02070309020205020404" pitchFamily="49" charset="0"/>
               </a:rPr>
-              <a:t>95 Dec 121038</a:t>
+              <a:t>1995-12-12T10:38:00Z</a:t>
             </a:r>
           </a:p>
         </p:txBody>
@@ -13332,7 +13332,7 @@
                 <a:ea typeface="Open Sans" panose="020B0606030504020204" pitchFamily="34" charset="0"/>
                 <a:cs typeface="Courier New" panose="02070309020205020404" pitchFamily="49" charset="0"/>
               </a:rPr>
-              <a:t>95 Dec 121039</a:t>
+              <a:t>1995-12-12T10:39:00Z</a:t>
             </a:r>
           </a:p>
         </p:txBody>
@@ -13465,7 +13465,7 @@
                 <a:ea typeface="Open Sans" panose="020B0606030504020204" pitchFamily="34" charset="0"/>
                 <a:cs typeface="Courier New" panose="02070309020205020404" pitchFamily="49" charset="0"/>
               </a:rPr>
-              <a:t>95 Dec 121040</a:t>
+              <a:t>1995-12-12T10:40:00Z</a:t>
             </a:r>
           </a:p>
         </p:txBody>
@@ -13598,7 +13598,7 @@
                 <a:ea typeface="Open Sans" panose="020B0606030504020204" pitchFamily="34" charset="0"/>
                 <a:cs typeface="Courier New" panose="02070309020205020404" pitchFamily="49" charset="0"/>
               </a:rPr>
-              <a:t>95 Dec 121041</a:t>
+              <a:t>1995-12-12T10:41:00Z</a:t>
             </a:r>
           </a:p>
         </p:txBody>
@@ -13731,7 +13731,7 @@
                 <a:ea typeface="Open Sans" panose="020B0606030504020204" pitchFamily="34" charset="0"/>
                 <a:cs typeface="Courier New" panose="02070309020205020404" pitchFamily="49" charset="0"/>
               </a:rPr>
-              <a:t>95 Dec 121042</a:t>
+              <a:t>1995-12-12T10:42:00Z</a:t>
             </a:r>
           </a:p>
         </p:txBody>
@@ -13864,7 +13864,7 @@
                 <a:ea typeface="Open Sans" panose="020B0606030504020204" pitchFamily="34" charset="0"/>
                 <a:cs typeface="Courier New" panose="02070309020205020404" pitchFamily="49" charset="0"/>
               </a:rPr>
-              <a:t>95 Dec 121043</a:t>
+              <a:t>1995-12-12T10:43:00Z</a:t>
             </a:r>
           </a:p>
         </p:txBody>
@@ -13997,7 +13997,7 @@
                 <a:ea typeface="Open Sans" panose="020B0606030504020204" pitchFamily="34" charset="0"/>
                 <a:cs typeface="Courier New" panose="02070309020205020404" pitchFamily="49" charset="0"/>
               </a:rPr>
-              <a:t>95 Dec 121044</a:t>
+              <a:t>1995-12-12T10:44:00Z</a:t>
             </a:r>
           </a:p>
         </p:txBody>
@@ -14130,7 +14130,7 @@
                 <a:ea typeface="Open Sans" panose="020B0606030504020204" pitchFamily="34" charset="0"/>
                 <a:cs typeface="Courier New" panose="02070309020205020404" pitchFamily="49" charset="0"/>
               </a:rPr>
-              <a:t>95 Dec 121045</a:t>
+              <a:t>1995-12-12T10:45:00Z</a:t>
             </a:r>
           </a:p>
         </p:txBody>
@@ -14263,7 +14263,7 @@
                 <a:ea typeface="Open Sans" panose="020B0606030504020204" pitchFamily="34" charset="0"/>
                 <a:cs typeface="Courier New" panose="02070309020205020404" pitchFamily="49" charset="0"/>
               </a:rPr>
-              <a:t>95 Dec 121046</a:t>
+              <a:t>1995-12-12T10:46:00Z</a:t>
             </a:r>
           </a:p>
         </p:txBody>
@@ -14396,7 +14396,7 @@
                 <a:ea typeface="Open Sans" panose="020B0606030504020204" pitchFamily="34" charset="0"/>
                 <a:cs typeface="Courier New" panose="02070309020205020404" pitchFamily="49" charset="0"/>
               </a:rPr>
-              <a:t>95 Dec 121047</a:t>
+              <a:t>1995-12-12T10:47:00Z</a:t>
             </a:r>
           </a:p>
         </p:txBody>
@@ -14529,7 +14529,7 @@
                 <a:ea typeface="Open Sans" panose="020B0606030504020204" pitchFamily="34" charset="0"/>
                 <a:cs typeface="Courier New" panose="02070309020205020404" pitchFamily="49" charset="0"/>
               </a:rPr>
-              <a:t>95 Dec 121048</a:t>
+              <a:t>1995-12-12T10:48:00Z</a:t>
             </a:r>
           </a:p>
         </p:txBody>
@@ -14662,7 +14662,7 @@
                 <a:ea typeface="Open Sans" panose="020B0606030504020204" pitchFamily="34" charset="0"/>
                 <a:cs typeface="Courier New" panose="02070309020205020404" pitchFamily="49" charset="0"/>
               </a:rPr>
-              <a:t>95 Dec 121049</a:t>
+              <a:t>1995-12-12T10:49:00Z</a:t>
             </a:r>
           </a:p>
         </p:txBody>
@@ -14795,7 +14795,7 @@
                 <a:ea typeface="Open Sans" panose="020B0606030504020204" pitchFamily="34" charset="0"/>
                 <a:cs typeface="Courier New" panose="02070309020205020404" pitchFamily="49" charset="0"/>
               </a:rPr>
-              <a:t>95 Dec 121050</a:t>
+              <a:t>1995-12-12T10:50:00Z</a:t>
             </a:r>
           </a:p>
         </p:txBody>
@@ -14928,7 +14928,7 @@
                 <a:ea typeface="Open Sans" panose="020B0606030504020204" pitchFamily="34" charset="0"/>
                 <a:cs typeface="Courier New" panose="02070309020205020404" pitchFamily="49" charset="0"/>
               </a:rPr>
-              <a:t>95 Dec 121051</a:t>
+              <a:t>1995-12-12T10:51:00Z</a:t>
             </a:r>
           </a:p>
         </p:txBody>
@@ -15061,7 +15061,7 @@
                 <a:ea typeface="Open Sans" panose="020B0606030504020204" pitchFamily="34" charset="0"/>
                 <a:cs typeface="Courier New" panose="02070309020205020404" pitchFamily="49" charset="0"/>
               </a:rPr>
-              <a:t>95 Dec 121052</a:t>
+              <a:t>1995-12-12T10:52:00Z</a:t>
             </a:r>
           </a:p>
         </p:txBody>
@@ -15194,7 +15194,7 @@
                 <a:ea typeface="Open Sans" panose="020B0606030504020204" pitchFamily="34" charset="0"/>
                 <a:cs typeface="Courier New" panose="02070309020205020404" pitchFamily="49" charset="0"/>
               </a:rPr>
-              <a:t>95 Dec 121053</a:t>
+              <a:t>1995-12-12T10:53:00Z</a:t>
             </a:r>
           </a:p>
         </p:txBody>
@@ -15327,7 +15327,7 @@
                 <a:ea typeface="Open Sans" panose="020B0606030504020204" pitchFamily="34" charset="0"/>
                 <a:cs typeface="Courier New" panose="02070309020205020404" pitchFamily="49" charset="0"/>
               </a:rPr>
-              <a:t>95 Dec 121054</a:t>
+              <a:t>1995-12-12T10:54:00Z</a:t>
             </a:r>
           </a:p>
         </p:txBody>
@@ -15460,7 +15460,7 @@
                 <a:ea typeface="Open Sans" panose="020B0606030504020204" pitchFamily="34" charset="0"/>
                 <a:cs typeface="Courier New" panose="02070309020205020404" pitchFamily="49" charset="0"/>
               </a:rPr>
-              <a:t>95 Dec 121055</a:t>
+              <a:t>1995-12-12T10:55:00Z</a:t>
             </a:r>
           </a:p>
         </p:txBody>
@@ -15593,7 +15593,7 @@
                 <a:ea typeface="Open Sans" panose="020B0606030504020204" pitchFamily="34" charset="0"/>
                 <a:cs typeface="Courier New" panose="02070309020205020404" pitchFamily="49" charset="0"/>
               </a:rPr>
-              <a:t>95 Dec 121056</a:t>
+              <a:t>1995-12-12T10:56:00Z</a:t>
             </a:r>
           </a:p>
         </p:txBody>
@@ -15726,7 +15726,7 @@
                 <a:ea typeface="Open Sans" panose="020B0606030504020204" pitchFamily="34" charset="0"/>
                 <a:cs typeface="Courier New" panose="02070309020205020404" pitchFamily="49" charset="0"/>
               </a:rPr>
-              <a:t>95 Dec 121100</a:t>
+              <a:t>1995-12-12T11:00:34Z</a:t>
             </a:r>
           </a:p>
         </p:txBody>
@@ -15859,7 +15859,7 @@
                 <a:ea typeface="Open Sans" panose="020B0606030504020204" pitchFamily="34" charset="0"/>
                 <a:cs typeface="Courier New" panose="02070309020205020404" pitchFamily="49" charset="0"/>
               </a:rPr>
-              <a:t>95 Dec 121101</a:t>
+              <a:t>1995-12-12T11:01:34Z</a:t>
             </a:r>
           </a:p>
         </p:txBody>
@@ -15992,7 +15992,7 @@
                 <a:ea typeface="Open Sans" panose="020B0606030504020204" pitchFamily="34" charset="0"/>
                 <a:cs typeface="Courier New" panose="02070309020205020404" pitchFamily="49" charset="0"/>
               </a:rPr>
-              <a:t>95 Dec 121102</a:t>
+              <a:t>1995-12-12T11:02:34Z</a:t>
             </a:r>
           </a:p>
         </p:txBody>
@@ -16125,7 +16125,7 @@
                 <a:ea typeface="Open Sans" panose="020B0606030504020204" pitchFamily="34" charset="0"/>
                 <a:cs typeface="Courier New" panose="02070309020205020404" pitchFamily="49" charset="0"/>
               </a:rPr>
-              <a:t>95 Dec 121103</a:t>
+              <a:t>1995-12-12T11:03:34Z</a:t>
             </a:r>
           </a:p>
         </p:txBody>
@@ -16258,7 +16258,7 @@
                 <a:ea typeface="Open Sans" panose="020B0606030504020204" pitchFamily="34" charset="0"/>
                 <a:cs typeface="Courier New" panose="02070309020205020404" pitchFamily="49" charset="0"/>
               </a:rPr>
-              <a:t>95 Dec 121104</a:t>
+              <a:t>1995-12-12T11:04:34Z</a:t>
             </a:r>
           </a:p>
         </p:txBody>
@@ -16391,7 +16391,7 @@
                 <a:ea typeface="Open Sans" panose="020B0606030504020204" pitchFamily="34" charset="0"/>
                 <a:cs typeface="Courier New" panose="02070309020205020404" pitchFamily="49" charset="0"/>
               </a:rPr>
-              <a:t>95 Dec 121105</a:t>
+              <a:t>1995-12-12T11:05:34Z</a:t>
             </a:r>
           </a:p>
         </p:txBody>
@@ -16524,7 +16524,7 @@
                 <a:ea typeface="Open Sans" panose="020B0606030504020204" pitchFamily="34" charset="0"/>
                 <a:cs typeface="Courier New" panose="02070309020205020404" pitchFamily="49" charset="0"/>
               </a:rPr>
-              <a:t>95 Dec 121106</a:t>
+              <a:t>1995-12-12T11:06:34Z</a:t>
             </a:r>
           </a:p>
         </p:txBody>
@@ -16657,7 +16657,7 @@
                 <a:ea typeface="Open Sans" panose="020B0606030504020204" pitchFamily="34" charset="0"/>
                 <a:cs typeface="Courier New" panose="02070309020205020404" pitchFamily="49" charset="0"/>
               </a:rPr>
-              <a:t>95 Dec 121107</a:t>
+              <a:t>1995-12-12T11:07:34Z</a:t>
             </a:r>
           </a:p>
         </p:txBody>
@@ -16790,7 +16790,7 @@
                 <a:ea typeface="Open Sans" panose="020B0606030504020204" pitchFamily="34" charset="0"/>
                 <a:cs typeface="Courier New" panose="02070309020205020404" pitchFamily="49" charset="0"/>
               </a:rPr>
-              <a:t>95 Dec 121108</a:t>
+              <a:t>1995-12-12T11:08:34Z</a:t>
             </a:r>
           </a:p>
         </p:txBody>
@@ -16923,7 +16923,7 @@
                 <a:ea typeface="Open Sans" panose="020B0606030504020204" pitchFamily="34" charset="0"/>
                 <a:cs typeface="Courier New" panose="02070309020205020404" pitchFamily="49" charset="0"/>
               </a:rPr>
-              <a:t>95 Dec 121109</a:t>
+              <a:t>1995-12-12T11:09:34Z</a:t>
             </a:r>
           </a:p>
         </p:txBody>
@@ -17056,7 +17056,7 @@
                 <a:ea typeface="Open Sans" panose="020B0606030504020204" pitchFamily="34" charset="0"/>
                 <a:cs typeface="Courier New" panose="02070309020205020404" pitchFamily="49" charset="0"/>
               </a:rPr>
-              <a:t>95 Dec 121110</a:t>
+              <a:t>1995-12-12T11:10:34Z</a:t>
             </a:r>
           </a:p>
         </p:txBody>
@@ -17189,7 +17189,7 @@
                 <a:ea typeface="Open Sans" panose="020B0606030504020204" pitchFamily="34" charset="0"/>
                 <a:cs typeface="Courier New" panose="02070309020205020404" pitchFamily="49" charset="0"/>
               </a:rPr>
-              <a:t>95 Dec 121111</a:t>
+              <a:t>1995-12-12T11:11:34Z</a:t>
             </a:r>
           </a:p>
         </p:txBody>
@@ -17322,7 +17322,7 @@
                 <a:ea typeface="Open Sans" panose="020B0606030504020204" pitchFamily="34" charset="0"/>
                 <a:cs typeface="Courier New" panose="02070309020205020404" pitchFamily="49" charset="0"/>
               </a:rPr>
-              <a:t>95 Dec 121112</a:t>
+              <a:t>1995-12-12T11:12:34Z</a:t>
             </a:r>
           </a:p>
         </p:txBody>
@@ -17455,7 +17455,7 @@
                 <a:ea typeface="Open Sans" panose="020B0606030504020204" pitchFamily="34" charset="0"/>
                 <a:cs typeface="Courier New" panose="02070309020205020404" pitchFamily="49" charset="0"/>
               </a:rPr>
-              <a:t>95 Dec 121113</a:t>
+              <a:t>1995-12-12T11:13:34Z</a:t>
             </a:r>
           </a:p>
         </p:txBody>
@@ -17588,7 +17588,7 @@
                 <a:ea typeface="Open Sans" panose="020B0606030504020204" pitchFamily="34" charset="0"/>
                 <a:cs typeface="Courier New" panose="02070309020205020404" pitchFamily="49" charset="0"/>
               </a:rPr>
-              <a:t>95 Dec 121114</a:t>
+              <a:t>1995-12-12T11:14:34Z</a:t>
             </a:r>
           </a:p>
         </p:txBody>
@@ -17721,7 +17721,7 @@
                 <a:ea typeface="Open Sans" panose="020B0606030504020204" pitchFamily="34" charset="0"/>
                 <a:cs typeface="Courier New" panose="02070309020205020404" pitchFamily="49" charset="0"/>
               </a:rPr>
-              <a:t>95 Dec 121115</a:t>
+              <a:t>1995-12-12T11:15:34Z</a:t>
             </a:r>
           </a:p>
         </p:txBody>
@@ -17854,7 +17854,7 @@
                 <a:ea typeface="Open Sans" panose="020B0606030504020204" pitchFamily="34" charset="0"/>
                 <a:cs typeface="Courier New" panose="02070309020205020404" pitchFamily="49" charset="0"/>
               </a:rPr>
-              <a:t>95 Dec 121116</a:t>
+              <a:t>1995-12-12T11:16:34Z</a:t>
             </a:r>
           </a:p>
         </p:txBody>
@@ -17987,7 +17987,7 @@
                 <a:ea typeface="Open Sans" panose="020B0606030504020204" pitchFamily="34" charset="0"/>
                 <a:cs typeface="Courier New" panose="02070309020205020404" pitchFamily="49" charset="0"/>
               </a:rPr>
-              <a:t>95 Dec 121117</a:t>
+              <a:t>1995-12-12T11:17:34Z</a:t>
             </a:r>
           </a:p>
         </p:txBody>
@@ -18120,7 +18120,7 @@
                 <a:ea typeface="Open Sans" panose="020B0606030504020204" pitchFamily="34" charset="0"/>
                 <a:cs typeface="Courier New" panose="02070309020205020404" pitchFamily="49" charset="0"/>
               </a:rPr>
-              <a:t>95 Dec 121118</a:t>
+              <a:t>1995-12-12T11:18:34Z</a:t>
             </a:r>
           </a:p>
         </p:txBody>
@@ -18253,7 +18253,7 @@
                 <a:ea typeface="Open Sans" panose="020B0606030504020204" pitchFamily="34" charset="0"/>
                 <a:cs typeface="Courier New" panose="02070309020205020404" pitchFamily="49" charset="0"/>
               </a:rPr>
-              <a:t>95 Dec 121119</a:t>
+              <a:t>1995-12-12T11:19:34Z</a:t>
             </a:r>
           </a:p>
         </p:txBody>
@@ -18386,7 +18386,7 @@
                 <a:ea typeface="Open Sans" panose="020B0606030504020204" pitchFamily="34" charset="0"/>
                 <a:cs typeface="Courier New" panose="02070309020205020404" pitchFamily="49" charset="0"/>
               </a:rPr>
-              <a:t>95 Dec 121120</a:t>
+              <a:t>1995-12-12T11:20:34Z</a:t>
             </a:r>
           </a:p>
         </p:txBody>
@@ -18519,7 +18519,7 @@
                 <a:ea typeface="Open Sans" panose="020B0606030504020204" pitchFamily="34" charset="0"/>
                 <a:cs typeface="Courier New" panose="02070309020205020404" pitchFamily="49" charset="0"/>
               </a:rPr>
-              <a:t>95 Dec 121121</a:t>
+              <a:t>1995-12-12T11:21:34Z</a:t>
             </a:r>
           </a:p>
         </p:txBody>
@@ -18652,7 +18652,7 @@
                 <a:ea typeface="Open Sans" panose="020B0606030504020204" pitchFamily="34" charset="0"/>
                 <a:cs typeface="Courier New" panose="02070309020205020404" pitchFamily="49" charset="0"/>
               </a:rPr>
-              <a:t>95 Dec 121122</a:t>
+              <a:t>1995-12-12T11:22:34Z</a:t>
             </a:r>
           </a:p>
         </p:txBody>
@@ -18785,7 +18785,7 @@
                 <a:ea typeface="Open Sans" panose="020B0606030504020204" pitchFamily="34" charset="0"/>
                 <a:cs typeface="Courier New" panose="02070309020205020404" pitchFamily="49" charset="0"/>
               </a:rPr>
-              <a:t>95 Dec 121123</a:t>
+              <a:t>1995-12-12T11:23:34Z</a:t>
             </a:r>
           </a:p>
         </p:txBody>
@@ -18918,7 +18918,7 @@
                 <a:ea typeface="Open Sans" panose="020B0606030504020204" pitchFamily="34" charset="0"/>
                 <a:cs typeface="Courier New" panose="02070309020205020404" pitchFamily="49" charset="0"/>
               </a:rPr>
-              <a:t>95 Dec 121124</a:t>
+              <a:t>1995-12-12T11:24:34Z</a:t>
             </a:r>
           </a:p>
         </p:txBody>
@@ -19051,7 +19051,7 @@
                 <a:ea typeface="Open Sans" panose="020B0606030504020204" pitchFamily="34" charset="0"/>
                 <a:cs typeface="Courier New" panose="02070309020205020404" pitchFamily="49" charset="0"/>
               </a:rPr>
-              <a:t>95 Dec 121125</a:t>
+              <a:t>1995-12-12T11:25:34Z</a:t>
             </a:r>
           </a:p>
         </p:txBody>
@@ -19184,7 +19184,7 @@
                 <a:ea typeface="Open Sans" panose="020B0606030504020204" pitchFamily="34" charset="0"/>
                 <a:cs typeface="Courier New" panose="02070309020205020404" pitchFamily="49" charset="0"/>
               </a:rPr>
-              <a:t>95 Dec 121126</a:t>
+              <a:t>1995-12-12T11:26:34Z</a:t>
             </a:r>
           </a:p>
         </p:txBody>
@@ -19317,7 +19317,7 @@
                 <a:ea typeface="Open Sans" panose="020B0606030504020204" pitchFamily="34" charset="0"/>
                 <a:cs typeface="Courier New" panose="02070309020205020404" pitchFamily="49" charset="0"/>
               </a:rPr>
-              <a:t>95 Dec 121127</a:t>
+              <a:t>1995-12-12T11:27:34Z</a:t>
             </a:r>
           </a:p>
         </p:txBody>
@@ -19450,7 +19450,7 @@
                 <a:ea typeface="Open Sans" panose="020B0606030504020204" pitchFamily="34" charset="0"/>
                 <a:cs typeface="Courier New" panose="02070309020205020404" pitchFamily="49" charset="0"/>
               </a:rPr>
-              <a:t>95 Dec 121128</a:t>
+              <a:t>1995-12-12T11:28:34Z</a:t>
             </a:r>
           </a:p>
         </p:txBody>
@@ -19583,7 +19583,7 @@
                 <a:ea typeface="Open Sans" panose="020B0606030504020204" pitchFamily="34" charset="0"/>
                 <a:cs typeface="Courier New" panose="02070309020205020404" pitchFamily="49" charset="0"/>
               </a:rPr>
-              <a:t>95 Dec 121129</a:t>
+              <a:t>1995-12-12T11:29:34Z</a:t>
             </a:r>
           </a:p>
         </p:txBody>
@@ -19716,7 +19716,7 @@
                 <a:ea typeface="Open Sans" panose="020B0606030504020204" pitchFamily="34" charset="0"/>
                 <a:cs typeface="Courier New" panose="02070309020205020404" pitchFamily="49" charset="0"/>
               </a:rPr>
-              <a:t>95 Dec 121130</a:t>
+              <a:t>1995-12-12T11:30:34Z</a:t>
             </a:r>
           </a:p>
         </p:txBody>
@@ -19849,7 +19849,7 @@
                 <a:ea typeface="Open Sans" panose="020B0606030504020204" pitchFamily="34" charset="0"/>
                 <a:cs typeface="Courier New" panose="02070309020205020404" pitchFamily="49" charset="0"/>
               </a:rPr>
-              <a:t>95 Dec 121131</a:t>
+              <a:t>1995-12-12T11:31:34Z</a:t>
             </a:r>
           </a:p>
         </p:txBody>
@@ -19982,7 +19982,7 @@
                 <a:ea typeface="Open Sans" panose="020B0606030504020204" pitchFamily="34" charset="0"/>
                 <a:cs typeface="Courier New" panose="02070309020205020404" pitchFamily="49" charset="0"/>
               </a:rPr>
-              <a:t>95 Dec 121132</a:t>
+              <a:t>1995-12-12T11:32:34Z</a:t>
             </a:r>
           </a:p>
         </p:txBody>
@@ -20115,7 +20115,7 @@
                 <a:ea typeface="Open Sans" panose="020B0606030504020204" pitchFamily="34" charset="0"/>
                 <a:cs typeface="Courier New" panose="02070309020205020404" pitchFamily="49" charset="0"/>
               </a:rPr>
-              <a:t>95 Dec 121133</a:t>
+              <a:t>1995-12-12T11:33:34Z</a:t>
             </a:r>
           </a:p>
         </p:txBody>
@@ -20248,7 +20248,7 @@
                 <a:ea typeface="Open Sans" panose="020B0606030504020204" pitchFamily="34" charset="0"/>
                 <a:cs typeface="Courier New" panose="02070309020205020404" pitchFamily="49" charset="0"/>
               </a:rPr>
-              <a:t>95 Dec 121134</a:t>
+              <a:t>1995-12-12T11:34:34Z</a:t>
             </a:r>
           </a:p>
         </p:txBody>
@@ -20381,7 +20381,7 @@
                 <a:ea typeface="Open Sans" panose="020B0606030504020204" pitchFamily="34" charset="0"/>
                 <a:cs typeface="Courier New" panose="02070309020205020404" pitchFamily="49" charset="0"/>
               </a:rPr>
-              <a:t>95 Dec 121135</a:t>
+              <a:t>1995-12-12T11:35:34Z</a:t>
             </a:r>
           </a:p>
         </p:txBody>
@@ -20514,7 +20514,7 @@
                 <a:ea typeface="Open Sans" panose="020B0606030504020204" pitchFamily="34" charset="0"/>
                 <a:cs typeface="Courier New" panose="02070309020205020404" pitchFamily="49" charset="0"/>
               </a:rPr>
-              <a:t>95 Dec 121136</a:t>
+              <a:t>1995-12-12T11:36:34Z</a:t>
             </a:r>
           </a:p>
         </p:txBody>
@@ -20647,7 +20647,7 @@
                 <a:ea typeface="Open Sans" panose="020B0606030504020204" pitchFamily="34" charset="0"/>
                 <a:cs typeface="Courier New" panose="02070309020205020404" pitchFamily="49" charset="0"/>
               </a:rPr>
-              <a:t>95 Dec 121137</a:t>
+              <a:t>1995-12-12T11:37:34Z</a:t>
             </a:r>
           </a:p>
         </p:txBody>
@@ -20780,7 +20780,7 @@
                 <a:ea typeface="Open Sans" panose="020B0606030504020204" pitchFamily="34" charset="0"/>
                 <a:cs typeface="Courier New" panose="02070309020205020404" pitchFamily="49" charset="0"/>
               </a:rPr>
-              <a:t>95 Dec 121138</a:t>
+              <a:t>1995-12-12T11:38:34Z</a:t>
             </a:r>
           </a:p>
         </p:txBody>
@@ -20913,7 +20913,7 @@
                 <a:ea typeface="Open Sans" panose="020B0606030504020204" pitchFamily="34" charset="0"/>
                 <a:cs typeface="Courier New" panose="02070309020205020404" pitchFamily="49" charset="0"/>
               </a:rPr>
-              <a:t>95 Dec 121139</a:t>
+              <a:t>1995-12-12T11:39:34Z</a:t>
             </a:r>
           </a:p>
         </p:txBody>
@@ -21046,7 +21046,7 @@
                 <a:ea typeface="Open Sans" panose="020B0606030504020204" pitchFamily="34" charset="0"/>
                 <a:cs typeface="Courier New" panose="02070309020205020404" pitchFamily="49" charset="0"/>
               </a:rPr>
-              <a:t>95 Dec 121140</a:t>
+              <a:t>1995-12-12T11:40:34Z</a:t>
             </a:r>
           </a:p>
         </p:txBody>
@@ -21531,8 +21531,62 @@
                               <p:cond delay="0"/>
                             </p:stCondLst>
                             <p:childTnLst>
+                              <p:par>
+                                <p:cTn id="8" presetID="1" presetClass="entr" presetSubtype="0" fill="hold" grpId="0" nodeType="withEffect">
+                                  <p:stCondLst>
+                                    <p:cond delay="0"/>
+                                  </p:stCondLst>
+                                  <p:childTnLst>
+                                    <p:set>
+                                      <p:cBhvr>
+                                        <p:cTn id="9" dur="1" fill="hold">
+                                          <p:stCondLst>
+                                            <p:cond delay="0"/>
+                                          </p:stCondLst>
+                                        </p:cTn>
+                                        <p:tgtEl>
+                                          <p:spTgt spid="601"/>
+                                        </p:tgtEl>
+                                        <p:attrNameLst>
+                                          <p:attrName>style.visibility</p:attrName>
+                                        </p:attrNameLst>
+                                      </p:cBhvr>
+                                      <p:to>
+                                        <p:strVal val="visible"/>
+                                      </p:to>
+                                    </p:set>
+                                  </p:childTnLst>
+                                </p:cTn>
+                              </p:par>
+                              <p:par>
+                                <p:cTn id="8" presetID="1" presetClass="entr" presetSubtype="0" fill="hold" grpId="0" nodeType="withEffect">
+                                  <p:stCondLst>
+                                    <p:cond delay="0"/>
+                                  </p:stCondLst>
+                                  <p:childTnLst>
+                                    <p:set>
+                                      <p:cBhvr>
+                                        <p:cTn id="9" dur="1" fill="hold">
+                                          <p:stCondLst>
+                                            <p:cond delay="0"/>
+                                          </p:stCondLst>
+                                        </p:cTn>
+                                        <p:tgtEl>
+                                          <p:spTgt spid="127"/>
+                                        </p:tgtEl>
+                                        <p:attrNameLst>
+                                          <p:attrName>style.visibility</p:attrName>
+                                        </p:attrNameLst>
+                                      </p:cBhvr>
+                                      <p:to>
+                                        <p:strVal val="visible"/>
+                                      </p:to>
+                                    </p:set>
+                                  </p:childTnLst>
+                                </p:cTn>
+                              </p:par>
                               <p:seq>
-                                <p:cTn id="1" presetID="0" presetClass="path" presetSubtype="0" fill="hold" grpId="0" nodeType="clickEffect">
+                                <p:cTn id="1" presetID="0" presetClass="path" presetSubtype="0" fill="hold" grpId="1" nodeType="withEffect">
                                   <p:stCondLst>
                                     <p:cond delay="0"/>
                                   </p:stCondLst>
@@ -22568,7 +22622,7 @@
                                 </p:cTn>
                               </p:seq>
                               <p:seq>
-                                <p:cTn id="2" presetID="0" presetClass="path" presetSubtype="0" fill="hold" grpId="0" nodeType="clickEffect">
+                                <p:cTn id="2" presetID="0" presetClass="path" presetSubtype="0" fill="hold" grpId="1" nodeType="withEffect">
                                   <p:stCondLst>
                                     <p:cond delay="0"/>
                                   </p:stCondLst>

--- a/org.mwc.debrief.legacy/test_data/master_template/scenario_short_range/scenario_short_range_temp.pptx
+++ b/org.mwc.debrief.legacy/test_data/master_template/scenario_short_range/scenario_short_range_temp.pptx
@@ -208,7 +208,7 @@
           <a:p>
             <a:fld id="{5DBDFAF8-9CD3-4716-8CF2-6121A8FDDE9B}" type="datetimeFigureOut">
               <a:rPr lang="en-US" smtClean="0"/>
-              <a:t>9/27/2018</a:t>
+              <a:t>10/14/2018</a:t>
             </a:fld>
             <a:endParaRPr lang="en-US"/>
           </a:p>
@@ -366,7 +366,7 @@
           <a:p>
             <a:fld id="{C901C09C-499D-45C7-B51C-6D106952E995}" type="slidenum">
               <a:rPr lang="en-US" smtClean="0"/>
-              <a:t>‹#›</a:t>
+              <a:t>‹Nº›</a:t>
             </a:fld>
             <a:endParaRPr lang="en-US"/>
           </a:p>
@@ -763,7 +763,7 @@
           <a:p>
             <a:fld id="{07AF7C9C-3FFC-F543-8CD5-56B058077314}" type="datetimeFigureOut">
               <a:rPr lang="en-US" smtClean="0"/>
-              <a:t>9/27/2018</a:t>
+              <a:t>10/14/2018</a:t>
             </a:fld>
             <a:endParaRPr lang="en-US"/>
           </a:p>
@@ -805,7 +805,7 @@
           <a:p>
             <a:fld id="{E0E3E4AF-3478-F94E-9240-CA1945652EFF}" type="slidenum">
               <a:rPr lang="en-US" smtClean="0"/>
-              <a:t>‹#›</a:t>
+              <a:t>‹Nº›</a:t>
             </a:fld>
             <a:endParaRPr lang="en-US"/>
           </a:p>
@@ -933,7 +933,7 @@
           <a:p>
             <a:fld id="{07AF7C9C-3FFC-F543-8CD5-56B058077314}" type="datetimeFigureOut">
               <a:rPr lang="en-US" smtClean="0"/>
-              <a:t>9/27/2018</a:t>
+              <a:t>10/14/2018</a:t>
             </a:fld>
             <a:endParaRPr lang="en-US"/>
           </a:p>
@@ -975,7 +975,7 @@
           <a:p>
             <a:fld id="{E0E3E4AF-3478-F94E-9240-CA1945652EFF}" type="slidenum">
               <a:rPr lang="en-US" smtClean="0"/>
-              <a:t>‹#›</a:t>
+              <a:t>‹Nº›</a:t>
             </a:fld>
             <a:endParaRPr lang="en-US"/>
           </a:p>
@@ -1113,7 +1113,7 @@
           <a:p>
             <a:fld id="{07AF7C9C-3FFC-F543-8CD5-56B058077314}" type="datetimeFigureOut">
               <a:rPr lang="en-US" smtClean="0"/>
-              <a:t>9/27/2018</a:t>
+              <a:t>10/14/2018</a:t>
             </a:fld>
             <a:endParaRPr lang="en-US"/>
           </a:p>
@@ -1155,7 +1155,7 @@
           <a:p>
             <a:fld id="{E0E3E4AF-3478-F94E-9240-CA1945652EFF}" type="slidenum">
               <a:rPr lang="en-US" smtClean="0"/>
-              <a:t>‹#›</a:t>
+              <a:t>‹Nº›</a:t>
             </a:fld>
             <a:endParaRPr lang="en-US"/>
           </a:p>
@@ -1283,7 +1283,7 @@
           <a:p>
             <a:fld id="{07AF7C9C-3FFC-F543-8CD5-56B058077314}" type="datetimeFigureOut">
               <a:rPr lang="en-US" smtClean="0"/>
-              <a:t>9/27/2018</a:t>
+              <a:t>10/14/2018</a:t>
             </a:fld>
             <a:endParaRPr lang="en-US"/>
           </a:p>
@@ -1325,7 +1325,7 @@
           <a:p>
             <a:fld id="{E0E3E4AF-3478-F94E-9240-CA1945652EFF}" type="slidenum">
               <a:rPr lang="en-US" smtClean="0"/>
-              <a:t>‹#›</a:t>
+              <a:t>‹Nº›</a:t>
             </a:fld>
             <a:endParaRPr lang="en-US"/>
           </a:p>
@@ -1529,7 +1529,7 @@
           <a:p>
             <a:fld id="{07AF7C9C-3FFC-F543-8CD5-56B058077314}" type="datetimeFigureOut">
               <a:rPr lang="en-US" smtClean="0"/>
-              <a:t>9/27/2018</a:t>
+              <a:t>10/14/2018</a:t>
             </a:fld>
             <a:endParaRPr lang="en-US"/>
           </a:p>
@@ -1571,7 +1571,7 @@
           <a:p>
             <a:fld id="{E0E3E4AF-3478-F94E-9240-CA1945652EFF}" type="slidenum">
               <a:rPr lang="en-US" smtClean="0"/>
-              <a:t>‹#›</a:t>
+              <a:t>‹Nº›</a:t>
             </a:fld>
             <a:endParaRPr lang="en-US"/>
           </a:p>
@@ -1817,7 +1817,7 @@
           <a:p>
             <a:fld id="{07AF7C9C-3FFC-F543-8CD5-56B058077314}" type="datetimeFigureOut">
               <a:rPr lang="en-US" smtClean="0"/>
-              <a:t>9/27/2018</a:t>
+              <a:t>10/14/2018</a:t>
             </a:fld>
             <a:endParaRPr lang="en-US"/>
           </a:p>
@@ -1859,7 +1859,7 @@
           <a:p>
             <a:fld id="{E0E3E4AF-3478-F94E-9240-CA1945652EFF}" type="slidenum">
               <a:rPr lang="en-US" smtClean="0"/>
-              <a:t>‹#›</a:t>
+              <a:t>‹Nº›</a:t>
             </a:fld>
             <a:endParaRPr lang="en-US"/>
           </a:p>
@@ -2239,7 +2239,7 @@
           <a:p>
             <a:fld id="{07AF7C9C-3FFC-F543-8CD5-56B058077314}" type="datetimeFigureOut">
               <a:rPr lang="en-US" smtClean="0"/>
-              <a:t>9/27/2018</a:t>
+              <a:t>10/14/2018</a:t>
             </a:fld>
             <a:endParaRPr lang="en-US"/>
           </a:p>
@@ -2281,7 +2281,7 @@
           <a:p>
             <a:fld id="{E0E3E4AF-3478-F94E-9240-CA1945652EFF}" type="slidenum">
               <a:rPr lang="en-US" smtClean="0"/>
-              <a:t>‹#›</a:t>
+              <a:t>‹Nº›</a:t>
             </a:fld>
             <a:endParaRPr lang="en-US"/>
           </a:p>
@@ -2357,7 +2357,7 @@
           <a:p>
             <a:fld id="{07AF7C9C-3FFC-F543-8CD5-56B058077314}" type="datetimeFigureOut">
               <a:rPr lang="en-US" smtClean="0"/>
-              <a:t>9/27/2018</a:t>
+              <a:t>10/14/2018</a:t>
             </a:fld>
             <a:endParaRPr lang="en-US"/>
           </a:p>
@@ -2399,7 +2399,7 @@
           <a:p>
             <a:fld id="{E0E3E4AF-3478-F94E-9240-CA1945652EFF}" type="slidenum">
               <a:rPr lang="en-US" smtClean="0"/>
-              <a:t>‹#›</a:t>
+              <a:t>‹Nº›</a:t>
             </a:fld>
             <a:endParaRPr lang="en-US"/>
           </a:p>
@@ -2452,7 +2452,7 @@
           <a:p>
             <a:fld id="{07AF7C9C-3FFC-F543-8CD5-56B058077314}" type="datetimeFigureOut">
               <a:rPr lang="en-US" smtClean="0"/>
-              <a:t>9/27/2018</a:t>
+              <a:t>10/14/2018</a:t>
             </a:fld>
             <a:endParaRPr lang="en-US"/>
           </a:p>
@@ -2494,7 +2494,7 @@
           <a:p>
             <a:fld id="{E0E3E4AF-3478-F94E-9240-CA1945652EFF}" type="slidenum">
               <a:rPr lang="en-US" smtClean="0"/>
-              <a:t>‹#›</a:t>
+              <a:t>‹Nº›</a:t>
             </a:fld>
             <a:endParaRPr lang="en-US"/>
           </a:p>
@@ -2729,7 +2729,7 @@
           <a:p>
             <a:fld id="{07AF7C9C-3FFC-F543-8CD5-56B058077314}" type="datetimeFigureOut">
               <a:rPr lang="en-US" smtClean="0"/>
-              <a:t>9/27/2018</a:t>
+              <a:t>10/14/2018</a:t>
             </a:fld>
             <a:endParaRPr lang="en-US"/>
           </a:p>
@@ -2771,7 +2771,7 @@
           <a:p>
             <a:fld id="{E0E3E4AF-3478-F94E-9240-CA1945652EFF}" type="slidenum">
               <a:rPr lang="en-US" smtClean="0"/>
-              <a:t>‹#›</a:t>
+              <a:t>‹Nº›</a:t>
             </a:fld>
             <a:endParaRPr lang="en-US"/>
           </a:p>
@@ -2982,7 +2982,7 @@
           <a:p>
             <a:fld id="{07AF7C9C-3FFC-F543-8CD5-56B058077314}" type="datetimeFigureOut">
               <a:rPr lang="en-US" smtClean="0"/>
-              <a:t>9/27/2018</a:t>
+              <a:t>10/14/2018</a:t>
             </a:fld>
             <a:endParaRPr lang="en-US"/>
           </a:p>
@@ -3024,7 +3024,7 @@
           <a:p>
             <a:fld id="{E0E3E4AF-3478-F94E-9240-CA1945652EFF}" type="slidenum">
               <a:rPr lang="en-US" smtClean="0"/>
-              <a:t>‹#›</a:t>
+              <a:t>‹Nº›</a:t>
             </a:fld>
             <a:endParaRPr lang="en-US"/>
           </a:p>
@@ -3195,7 +3195,7 @@
           <a:p>
             <a:fld id="{07AF7C9C-3FFC-F543-8CD5-56B058077314}" type="datetimeFigureOut">
               <a:rPr lang="en-US" smtClean="0"/>
-              <a:t>9/27/2018</a:t>
+              <a:t>10/14/2018</a:t>
             </a:fld>
             <a:endParaRPr lang="en-US"/>
           </a:p>
@@ -3273,7 +3273,7 @@
           <a:p>
             <a:fld id="{E0E3E4AF-3478-F94E-9240-CA1945652EFF}" type="slidenum">
               <a:rPr lang="en-US" smtClean="0"/>
-              <a:t>‹#›</a:t>
+              <a:t>‹Nº›</a:t>
             </a:fld>
             <a:endParaRPr lang="en-US"/>
           </a:p>
@@ -3822,7 +3822,7 @@
                 <a:ea typeface="Open Sans" panose="020B0606030504020204" pitchFamily="34" charset="0"/>
                 <a:cs typeface="Open Sans" panose="020B0606030504020204" pitchFamily="34" charset="0"/>
               </a:rPr>
-              <a:t>AMERICAS CUP </a:t>
+              <a:t>EXERCISE TITLE </a:t>
             </a:r>
           </a:p>
           <a:p>
@@ -3835,7 +3835,7 @@
                 <a:ea typeface="Open Sans" panose="020B0606030504020204" pitchFamily="34" charset="0"/>
                 <a:cs typeface="Open Sans" panose="020B0606030504020204" pitchFamily="34" charset="0"/>
               </a:rPr>
-              <a:t>2018. RACE 2A</a:t>
+              <a:t>2018 SERIAL 12D</a:t>
             </a:r>
           </a:p>
         </p:txBody>
@@ -21086,16 +21086,6 @@
               </a:rPr>
               <a:t/>
             </a:r>
-            <a:r>
-              <a:rPr lang="mr-IN" sz="2000" dirty="0">
-                <a:solidFill>
-                  <a:schemeClr val="bg1"/>
-                </a:solidFill>
-                <a:latin typeface="Open Sans" panose="020B0606030504020204" pitchFamily="34" charset="0"/>
-                <a:ea typeface="Open Sans" panose="020B0606030504020204" pitchFamily="34" charset="0"/>
-              </a:rPr>
-              <a:t/>
-            </a:r>
             <a:endParaRPr lang="en-US" sz="2000" dirty="0">
               <a:solidFill>
                 <a:schemeClr val="bg1"/>
@@ -21161,16 +21151,6 @@
               </a:rPr>
               <a:t>121029.00 ENTER TRAIL</a:t>
             </a:r>
-            <a:r>
-              <a:rPr lang="mr-IN" sz="2000" dirty="0">
-                <a:solidFill>
-                  <a:schemeClr val="bg1"/>
-                </a:solidFill>
-                <a:latin typeface="Open Sans" panose="020B0606030504020204" pitchFamily="34" charset="0"/>
-                <a:ea typeface="Open Sans" panose="020B0606030504020204" pitchFamily="34" charset="0"/>
-              </a:rPr>
-              <a:t/>
-            </a:r>
             <a:endParaRPr lang="en-US" sz="2000" dirty="0">
               <a:solidFill>
                 <a:schemeClr val="bg1"/>
@@ -21236,16 +21216,6 @@
               </a:rPr>
               <a:t>121037.00 TARGET ZIG DETECTED</a:t>
             </a:r>
-            <a:r>
-              <a:rPr lang="mr-IN" sz="2000" dirty="0">
-                <a:solidFill>
-                  <a:schemeClr val="bg1"/>
-                </a:solidFill>
-                <a:latin typeface="Open Sans" panose="020B0606030504020204" pitchFamily="34" charset="0"/>
-                <a:ea typeface="Open Sans" panose="020B0606030504020204" pitchFamily="34" charset="0"/>
-              </a:rPr>
-              <a:t/>
-            </a:r>
             <a:endParaRPr lang="en-US" sz="2000" dirty="0">
               <a:solidFill>
                 <a:schemeClr val="bg1"/>
@@ -21311,16 +21281,6 @@
               </a:rPr>
               <a:t>121044.00 FINEX CALLED, ENTER TRANSITION</a:t>
             </a:r>
-            <a:r>
-              <a:rPr lang="mr-IN" sz="2000" dirty="0">
-                <a:solidFill>
-                  <a:schemeClr val="bg1"/>
-                </a:solidFill>
-                <a:latin typeface="Open Sans" panose="020B0606030504020204" pitchFamily="34" charset="0"/>
-                <a:ea typeface="Open Sans" panose="020B0606030504020204" pitchFamily="34" charset="0"/>
-              </a:rPr>
-              <a:t/>
-            </a:r>
             <a:endParaRPr lang="en-US" sz="2000" dirty="0">
               <a:solidFill>
                 <a:schemeClr val="bg1"/>
@@ -21386,16 +21346,6 @@
               </a:rPr>
               <a:t>121120.00 System ECHO over-heating.  Recycling secondary pumps.</a:t>
             </a:r>
-            <a:r>
-              <a:rPr lang="mr-IN" sz="2000" dirty="0">
-                <a:solidFill>
-                  <a:schemeClr val="bg1"/>
-                </a:solidFill>
-                <a:latin typeface="Open Sans" panose="020B0606030504020204" pitchFamily="34" charset="0"/>
-                <a:ea typeface="Open Sans" panose="020B0606030504020204" pitchFamily="34" charset="0"/>
-              </a:rPr>
-              <a:t/>
-            </a:r>
             <a:endParaRPr lang="en-US" sz="2000" dirty="0">
               <a:solidFill>
                 <a:schemeClr val="bg1"/>
@@ -21460,16 +21410,6 @@
                 <a:cs typeface="Open Sans" panose="020B0606030504020204" pitchFamily="34" charset="0"/>
               </a:rPr>
               <a:t>121137.00 System ECHO Stable.  Return to Transit Speed.</a:t>
-            </a:r>
-            <a:r>
-              <a:rPr lang="mr-IN" sz="2000" dirty="0">
-                <a:solidFill>
-                  <a:schemeClr val="bg1"/>
-                </a:solidFill>
-                <a:latin typeface="Open Sans" panose="020B0606030504020204" pitchFamily="34" charset="0"/>
-                <a:ea typeface="Open Sans" panose="020B0606030504020204" pitchFamily="34" charset="0"/>
-              </a:rPr>
-              <a:t/>
             </a:r>
             <a:endParaRPr lang="en-US" sz="2000" dirty="0">
               <a:solidFill>

--- a/org.mwc.debrief.legacy/test_data/master_template/scenario_short_range/scenario_short_range_temp.pptx
+++ b/org.mwc.debrief.legacy/test_data/master_template/scenario_short_range/scenario_short_range_temp.pptx
@@ -3905,7 +3905,7 @@
       </p:pic>
       <p:sp>
         <p:nvSpPr>
-          <p:cNvPr id="2000" name="footprint"/>
+          <p:cNvPr id="20600" name="footprint"/>
           <p:cNvSpPr/>
           <p:nvPr/>
         </p:nvSpPr>
@@ -3946,7 +3946,7 @@
       </p:sp>
       <p:sp>
         <p:nvSpPr>
-          <p:cNvPr id="2001" name="footprint"/>
+          <p:cNvPr id="20601" name="footprint"/>
           <p:cNvSpPr/>
           <p:nvPr/>
         </p:nvSpPr>
@@ -3987,7 +3987,7 @@
       </p:sp>
       <p:sp>
         <p:nvSpPr>
-          <p:cNvPr id="2002" name="footprint"/>
+          <p:cNvPr id="20602" name="footprint"/>
           <p:cNvSpPr/>
           <p:nvPr/>
         </p:nvSpPr>
@@ -4028,7 +4028,7 @@
       </p:sp>
       <p:sp>
         <p:nvSpPr>
-          <p:cNvPr id="2003" name="footprint"/>
+          <p:cNvPr id="20603" name="footprint"/>
           <p:cNvSpPr/>
           <p:nvPr/>
         </p:nvSpPr>
@@ -4069,7 +4069,7 @@
       </p:sp>
       <p:sp>
         <p:nvSpPr>
-          <p:cNvPr id="2004" name="footprint"/>
+          <p:cNvPr id="20604" name="footprint"/>
           <p:cNvSpPr/>
           <p:nvPr/>
         </p:nvSpPr>
@@ -4110,7 +4110,7 @@
       </p:sp>
       <p:sp>
         <p:nvSpPr>
-          <p:cNvPr id="2005" name="footprint"/>
+          <p:cNvPr id="20605" name="footprint"/>
           <p:cNvSpPr/>
           <p:nvPr/>
         </p:nvSpPr>
@@ -4151,7 +4151,7 @@
       </p:sp>
       <p:sp>
         <p:nvSpPr>
-          <p:cNvPr id="2006" name="footprint"/>
+          <p:cNvPr id="20606" name="footprint"/>
           <p:cNvSpPr/>
           <p:nvPr/>
         </p:nvSpPr>
@@ -4192,7 +4192,7 @@
       </p:sp>
       <p:sp>
         <p:nvSpPr>
-          <p:cNvPr id="2007" name="footprint"/>
+          <p:cNvPr id="20607" name="footprint"/>
           <p:cNvSpPr/>
           <p:nvPr/>
         </p:nvSpPr>
@@ -4233,7 +4233,7 @@
       </p:sp>
       <p:sp>
         <p:nvSpPr>
-          <p:cNvPr id="2008" name="footprint"/>
+          <p:cNvPr id="20608" name="footprint"/>
           <p:cNvSpPr/>
           <p:nvPr/>
         </p:nvSpPr>
@@ -4274,7 +4274,7 @@
       </p:sp>
       <p:sp>
         <p:nvSpPr>
-          <p:cNvPr id="2009" name="footprint"/>
+          <p:cNvPr id="20609" name="footprint"/>
           <p:cNvSpPr/>
           <p:nvPr/>
         </p:nvSpPr>
@@ -4315,7 +4315,7 @@
       </p:sp>
       <p:sp>
         <p:nvSpPr>
-          <p:cNvPr id="2010" name="footprint"/>
+          <p:cNvPr id="20610" name="footprint"/>
           <p:cNvSpPr/>
           <p:nvPr/>
         </p:nvSpPr>
@@ -4356,7 +4356,7 @@
       </p:sp>
       <p:sp>
         <p:nvSpPr>
-          <p:cNvPr id="2011" name="footprint"/>
+          <p:cNvPr id="20611" name="footprint"/>
           <p:cNvSpPr/>
           <p:nvPr/>
         </p:nvSpPr>
@@ -4397,7 +4397,7 @@
       </p:sp>
       <p:sp>
         <p:nvSpPr>
-          <p:cNvPr id="2012" name="footprint"/>
+          <p:cNvPr id="20612" name="footprint"/>
           <p:cNvSpPr/>
           <p:nvPr/>
         </p:nvSpPr>
@@ -4438,7 +4438,7 @@
       </p:sp>
       <p:sp>
         <p:nvSpPr>
-          <p:cNvPr id="2013" name="footprint"/>
+          <p:cNvPr id="20613" name="footprint"/>
           <p:cNvSpPr/>
           <p:nvPr/>
         </p:nvSpPr>
@@ -4479,7 +4479,7 @@
       </p:sp>
       <p:sp>
         <p:nvSpPr>
-          <p:cNvPr id="2014" name="footprint"/>
+          <p:cNvPr id="20614" name="footprint"/>
           <p:cNvSpPr/>
           <p:nvPr/>
         </p:nvSpPr>
@@ -4520,7 +4520,7 @@
       </p:sp>
       <p:sp>
         <p:nvSpPr>
-          <p:cNvPr id="2015" name="footprint"/>
+          <p:cNvPr id="20615" name="footprint"/>
           <p:cNvSpPr/>
           <p:nvPr/>
         </p:nvSpPr>
@@ -4561,7 +4561,7 @@
       </p:sp>
       <p:sp>
         <p:nvSpPr>
-          <p:cNvPr id="2016" name="footprint"/>
+          <p:cNvPr id="20616" name="footprint"/>
           <p:cNvSpPr/>
           <p:nvPr/>
         </p:nvSpPr>
@@ -4602,7 +4602,7 @@
       </p:sp>
       <p:sp>
         <p:nvSpPr>
-          <p:cNvPr id="2017" name="footprint"/>
+          <p:cNvPr id="20617" name="footprint"/>
           <p:cNvSpPr/>
           <p:nvPr/>
         </p:nvSpPr>
@@ -4643,7 +4643,7 @@
       </p:sp>
       <p:sp>
         <p:nvSpPr>
-          <p:cNvPr id="2018" name="footprint"/>
+          <p:cNvPr id="20618" name="footprint"/>
           <p:cNvSpPr/>
           <p:nvPr/>
         </p:nvSpPr>
@@ -4684,7 +4684,7 @@
       </p:sp>
       <p:sp>
         <p:nvSpPr>
-          <p:cNvPr id="2019" name="footprint"/>
+          <p:cNvPr id="20619" name="footprint"/>
           <p:cNvSpPr/>
           <p:nvPr/>
         </p:nvSpPr>
@@ -4725,7 +4725,7 @@
       </p:sp>
       <p:sp>
         <p:nvSpPr>
-          <p:cNvPr id="2020" name="footprint"/>
+          <p:cNvPr id="20620" name="footprint"/>
           <p:cNvSpPr/>
           <p:nvPr/>
         </p:nvSpPr>
@@ -4766,7 +4766,7 @@
       </p:sp>
       <p:sp>
         <p:nvSpPr>
-          <p:cNvPr id="2021" name="footprint"/>
+          <p:cNvPr id="20621" name="footprint"/>
           <p:cNvSpPr/>
           <p:nvPr/>
         </p:nvSpPr>
@@ -4807,7 +4807,7 @@
       </p:sp>
       <p:sp>
         <p:nvSpPr>
-          <p:cNvPr id="2022" name="footprint"/>
+          <p:cNvPr id="20622" name="footprint"/>
           <p:cNvSpPr/>
           <p:nvPr/>
         </p:nvSpPr>
@@ -4848,7 +4848,7 @@
       </p:sp>
       <p:sp>
         <p:nvSpPr>
-          <p:cNvPr id="2023" name="footprint"/>
+          <p:cNvPr id="20623" name="footprint"/>
           <p:cNvSpPr/>
           <p:nvPr/>
         </p:nvSpPr>
@@ -4889,7 +4889,7 @@
       </p:sp>
       <p:sp>
         <p:nvSpPr>
-          <p:cNvPr id="2024" name="footprint"/>
+          <p:cNvPr id="20624" name="footprint"/>
           <p:cNvSpPr/>
           <p:nvPr/>
         </p:nvSpPr>
@@ -4930,7 +4930,7 @@
       </p:sp>
       <p:sp>
         <p:nvSpPr>
-          <p:cNvPr id="2025" name="footprint"/>
+          <p:cNvPr id="20625" name="footprint"/>
           <p:cNvSpPr/>
           <p:nvPr/>
         </p:nvSpPr>
@@ -4971,7 +4971,7 @@
       </p:sp>
       <p:sp>
         <p:nvSpPr>
-          <p:cNvPr id="2026" name="footprint"/>
+          <p:cNvPr id="20626" name="footprint"/>
           <p:cNvSpPr/>
           <p:nvPr/>
         </p:nvSpPr>
@@ -5012,7 +5012,7 @@
       </p:sp>
       <p:sp>
         <p:nvSpPr>
-          <p:cNvPr id="2027" name="footprint"/>
+          <p:cNvPr id="20627" name="footprint"/>
           <p:cNvSpPr/>
           <p:nvPr/>
         </p:nvSpPr>
@@ -5053,7 +5053,7 @@
       </p:sp>
       <p:sp>
         <p:nvSpPr>
-          <p:cNvPr id="2028" name="footprint"/>
+          <p:cNvPr id="20628" name="footprint"/>
           <p:cNvSpPr/>
           <p:nvPr/>
         </p:nvSpPr>
@@ -5094,7 +5094,7 @@
       </p:sp>
       <p:sp>
         <p:nvSpPr>
-          <p:cNvPr id="2029" name="footprint"/>
+          <p:cNvPr id="20629" name="footprint"/>
           <p:cNvSpPr/>
           <p:nvPr/>
         </p:nvSpPr>
@@ -5135,7 +5135,7 @@
       </p:sp>
       <p:sp>
         <p:nvSpPr>
-          <p:cNvPr id="2030" name="footprint"/>
+          <p:cNvPr id="20630" name="footprint"/>
           <p:cNvSpPr/>
           <p:nvPr/>
         </p:nvSpPr>
@@ -5176,7 +5176,7 @@
       </p:sp>
       <p:sp>
         <p:nvSpPr>
-          <p:cNvPr id="2031" name="footprint"/>
+          <p:cNvPr id="20631" name="footprint"/>
           <p:cNvSpPr/>
           <p:nvPr/>
         </p:nvSpPr>
@@ -5217,7 +5217,7 @@
       </p:sp>
       <p:sp>
         <p:nvSpPr>
-          <p:cNvPr id="2032" name="footprint"/>
+          <p:cNvPr id="20632" name="footprint"/>
           <p:cNvSpPr/>
           <p:nvPr/>
         </p:nvSpPr>
@@ -5258,7 +5258,7 @@
       </p:sp>
       <p:sp>
         <p:nvSpPr>
-          <p:cNvPr id="2033" name="footprint"/>
+          <p:cNvPr id="20633" name="footprint"/>
           <p:cNvSpPr/>
           <p:nvPr/>
         </p:nvSpPr>
@@ -5299,7 +5299,7 @@
       </p:sp>
       <p:sp>
         <p:nvSpPr>
-          <p:cNvPr id="2034" name="footprint"/>
+          <p:cNvPr id="20634" name="footprint"/>
           <p:cNvSpPr/>
           <p:nvPr/>
         </p:nvSpPr>
@@ -5340,7 +5340,7 @@
       </p:sp>
       <p:sp>
         <p:nvSpPr>
-          <p:cNvPr id="2035" name="footprint"/>
+          <p:cNvPr id="20635" name="footprint"/>
           <p:cNvSpPr/>
           <p:nvPr/>
         </p:nvSpPr>
@@ -5381,7 +5381,7 @@
       </p:sp>
       <p:sp>
         <p:nvSpPr>
-          <p:cNvPr id="2036" name="footprint"/>
+          <p:cNvPr id="20636" name="footprint"/>
           <p:cNvSpPr/>
           <p:nvPr/>
         </p:nvSpPr>
@@ -5422,7 +5422,7 @@
       </p:sp>
       <p:sp>
         <p:nvSpPr>
-          <p:cNvPr id="2037" name="footprint"/>
+          <p:cNvPr id="20637" name="footprint"/>
           <p:cNvSpPr/>
           <p:nvPr/>
         </p:nvSpPr>
@@ -5463,7 +5463,7 @@
       </p:sp>
       <p:sp>
         <p:nvSpPr>
-          <p:cNvPr id="2038" name="footprint"/>
+          <p:cNvPr id="20638" name="footprint"/>
           <p:cNvSpPr/>
           <p:nvPr/>
         </p:nvSpPr>
@@ -5504,7 +5504,7 @@
       </p:sp>
       <p:sp>
         <p:nvSpPr>
-          <p:cNvPr id="2039" name="footprint"/>
+          <p:cNvPr id="20639" name="footprint"/>
           <p:cNvSpPr/>
           <p:nvPr/>
         </p:nvSpPr>
@@ -5545,7 +5545,7 @@
       </p:sp>
       <p:sp>
         <p:nvSpPr>
-          <p:cNvPr id="2040" name="footprint"/>
+          <p:cNvPr id="20640" name="footprint"/>
           <p:cNvSpPr/>
           <p:nvPr/>
         </p:nvSpPr>
@@ -5586,7 +5586,7 @@
       </p:sp>
       <p:sp>
         <p:nvSpPr>
-          <p:cNvPr id="2041" name="footprint"/>
+          <p:cNvPr id="20641" name="footprint"/>
           <p:cNvSpPr/>
           <p:nvPr/>
         </p:nvSpPr>
@@ -5627,7 +5627,7 @@
       </p:sp>
       <p:sp>
         <p:nvSpPr>
-          <p:cNvPr id="2042" name="footprint"/>
+          <p:cNvPr id="20642" name="footprint"/>
           <p:cNvSpPr/>
           <p:nvPr/>
         </p:nvSpPr>
@@ -5668,7 +5668,7 @@
       </p:sp>
       <p:sp>
         <p:nvSpPr>
-          <p:cNvPr id="2043" name="footprint"/>
+          <p:cNvPr id="20643" name="footprint"/>
           <p:cNvSpPr/>
           <p:nvPr/>
         </p:nvSpPr>
@@ -5709,7 +5709,7 @@
       </p:sp>
       <p:sp>
         <p:nvSpPr>
-          <p:cNvPr id="2044" name="footprint"/>
+          <p:cNvPr id="20644" name="footprint"/>
           <p:cNvSpPr/>
           <p:nvPr/>
         </p:nvSpPr>
@@ -5750,7 +5750,7 @@
       </p:sp>
       <p:sp>
         <p:nvSpPr>
-          <p:cNvPr id="2045" name="footprint"/>
+          <p:cNvPr id="20645" name="footprint"/>
           <p:cNvSpPr/>
           <p:nvPr/>
         </p:nvSpPr>
@@ -5791,7 +5791,7 @@
       </p:sp>
       <p:sp>
         <p:nvSpPr>
-          <p:cNvPr id="2046" name="footprint"/>
+          <p:cNvPr id="20646" name="footprint"/>
           <p:cNvSpPr/>
           <p:nvPr/>
         </p:nvSpPr>
@@ -5832,7 +5832,7 @@
       </p:sp>
       <p:sp>
         <p:nvSpPr>
-          <p:cNvPr id="2047" name="footprint"/>
+          <p:cNvPr id="20647" name="footprint"/>
           <p:cNvSpPr/>
           <p:nvPr/>
         </p:nvSpPr>
@@ -5873,7 +5873,7 @@
       </p:sp>
       <p:sp>
         <p:nvSpPr>
-          <p:cNvPr id="2048" name="footprint"/>
+          <p:cNvPr id="20648" name="footprint"/>
           <p:cNvSpPr/>
           <p:nvPr/>
         </p:nvSpPr>
@@ -5914,7 +5914,7 @@
       </p:sp>
       <p:sp>
         <p:nvSpPr>
-          <p:cNvPr id="2049" name="footprint"/>
+          <p:cNvPr id="20649" name="footprint"/>
           <p:cNvSpPr/>
           <p:nvPr/>
         </p:nvSpPr>
@@ -5955,7 +5955,7 @@
       </p:sp>
       <p:sp>
         <p:nvSpPr>
-          <p:cNvPr id="2050" name="footprint"/>
+          <p:cNvPr id="20650" name="footprint"/>
           <p:cNvSpPr/>
           <p:nvPr/>
         </p:nvSpPr>
@@ -5996,7 +5996,7 @@
       </p:sp>
       <p:sp>
         <p:nvSpPr>
-          <p:cNvPr id="2051" name="footprint"/>
+          <p:cNvPr id="20651" name="footprint"/>
           <p:cNvSpPr/>
           <p:nvPr/>
         </p:nvSpPr>
@@ -6037,7 +6037,7 @@
       </p:sp>
       <p:sp>
         <p:nvSpPr>
-          <p:cNvPr id="2052" name="footprint"/>
+          <p:cNvPr id="20652" name="footprint"/>
           <p:cNvSpPr/>
           <p:nvPr/>
         </p:nvSpPr>
@@ -6078,7 +6078,7 @@
       </p:sp>
       <p:sp>
         <p:nvSpPr>
-          <p:cNvPr id="2053" name="footprint"/>
+          <p:cNvPr id="20653" name="footprint"/>
           <p:cNvSpPr/>
           <p:nvPr/>
         </p:nvSpPr>
@@ -6119,7 +6119,7 @@
       </p:sp>
       <p:sp>
         <p:nvSpPr>
-          <p:cNvPr id="2054" name="footprint"/>
+          <p:cNvPr id="20654" name="footprint"/>
           <p:cNvSpPr/>
           <p:nvPr/>
         </p:nvSpPr>
@@ -6160,7 +6160,7 @@
       </p:sp>
       <p:sp>
         <p:nvSpPr>
-          <p:cNvPr id="2055" name="footprint"/>
+          <p:cNvPr id="20655" name="footprint"/>
           <p:cNvSpPr/>
           <p:nvPr/>
         </p:nvSpPr>
@@ -6201,7 +6201,7 @@
       </p:sp>
       <p:sp>
         <p:nvSpPr>
-          <p:cNvPr id="2056" name="footprint"/>
+          <p:cNvPr id="20656" name="footprint"/>
           <p:cNvSpPr/>
           <p:nvPr/>
         </p:nvSpPr>
@@ -6242,7 +6242,7 @@
       </p:sp>
       <p:sp>
         <p:nvSpPr>
-          <p:cNvPr id="2057" name="footprint"/>
+          <p:cNvPr id="20657" name="footprint"/>
           <p:cNvSpPr/>
           <p:nvPr/>
         </p:nvSpPr>
@@ -6283,7 +6283,7 @@
       </p:sp>
       <p:sp>
         <p:nvSpPr>
-          <p:cNvPr id="2058" name="footprint"/>
+          <p:cNvPr id="20658" name="footprint"/>
           <p:cNvSpPr/>
           <p:nvPr/>
         </p:nvSpPr>
@@ -6324,7 +6324,7 @@
       </p:sp>
       <p:sp>
         <p:nvSpPr>
-          <p:cNvPr id="2059" name="footprint"/>
+          <p:cNvPr id="20659" name="footprint"/>
           <p:cNvSpPr/>
           <p:nvPr/>
         </p:nvSpPr>
@@ -6365,7 +6365,7 @@
       </p:sp>
       <p:sp>
         <p:nvSpPr>
-          <p:cNvPr id="2060" name="footprint"/>
+          <p:cNvPr id="20660" name="footprint"/>
           <p:cNvSpPr/>
           <p:nvPr/>
         </p:nvSpPr>
@@ -6406,7 +6406,7 @@
       </p:sp>
       <p:sp>
         <p:nvSpPr>
-          <p:cNvPr id="2061" name="footprint"/>
+          <p:cNvPr id="20661" name="footprint"/>
           <p:cNvSpPr/>
           <p:nvPr/>
         </p:nvSpPr>
@@ -6447,7 +6447,7 @@
       </p:sp>
       <p:sp>
         <p:nvSpPr>
-          <p:cNvPr id="2062" name="footprint"/>
+          <p:cNvPr id="20662" name="footprint"/>
           <p:cNvSpPr/>
           <p:nvPr/>
         </p:nvSpPr>
@@ -6488,7 +6488,7 @@
       </p:sp>
       <p:sp>
         <p:nvSpPr>
-          <p:cNvPr id="2063" name="footprint"/>
+          <p:cNvPr id="20663" name="footprint"/>
           <p:cNvSpPr/>
           <p:nvPr/>
         </p:nvSpPr>
@@ -6529,7 +6529,7 @@
       </p:sp>
       <p:sp>
         <p:nvSpPr>
-          <p:cNvPr id="2064" name="footprint"/>
+          <p:cNvPr id="20664" name="footprint"/>
           <p:cNvSpPr/>
           <p:nvPr/>
         </p:nvSpPr>
@@ -6570,7 +6570,7 @@
       </p:sp>
       <p:sp>
         <p:nvSpPr>
-          <p:cNvPr id="2065" name="footprint"/>
+          <p:cNvPr id="20665" name="footprint"/>
           <p:cNvSpPr/>
           <p:nvPr/>
         </p:nvSpPr>
@@ -6611,7 +6611,7 @@
       </p:sp>
       <p:sp>
         <p:nvSpPr>
-          <p:cNvPr id="2066" name="footprint"/>
+          <p:cNvPr id="20666" name="footprint"/>
           <p:cNvSpPr/>
           <p:nvPr/>
         </p:nvSpPr>
@@ -6652,7 +6652,7 @@
       </p:sp>
       <p:sp>
         <p:nvSpPr>
-          <p:cNvPr id="2067" name="footprint"/>
+          <p:cNvPr id="20667" name="footprint"/>
           <p:cNvSpPr/>
           <p:nvPr/>
         </p:nvSpPr>
@@ -6693,7 +6693,7 @@
       </p:sp>
       <p:sp>
         <p:nvSpPr>
-          <p:cNvPr id="2068" name="footprint"/>
+          <p:cNvPr id="20668" name="footprint"/>
           <p:cNvSpPr/>
           <p:nvPr/>
         </p:nvSpPr>
@@ -6734,7 +6734,7 @@
       </p:sp>
       <p:sp>
         <p:nvSpPr>
-          <p:cNvPr id="2069" name="footprint"/>
+          <p:cNvPr id="20669" name="footprint"/>
           <p:cNvSpPr/>
           <p:nvPr/>
         </p:nvSpPr>
@@ -6775,7 +6775,7 @@
       </p:sp>
       <p:sp>
         <p:nvSpPr>
-          <p:cNvPr id="2070" name="footprint"/>
+          <p:cNvPr id="20670" name="footprint"/>
           <p:cNvSpPr/>
           <p:nvPr/>
         </p:nvSpPr>
@@ -6816,7 +6816,7 @@
       </p:sp>
       <p:sp>
         <p:nvSpPr>
-          <p:cNvPr id="2071" name="footprint"/>
+          <p:cNvPr id="20671" name="footprint"/>
           <p:cNvSpPr/>
           <p:nvPr/>
         </p:nvSpPr>
@@ -6857,7 +6857,7 @@
       </p:sp>
       <p:sp>
         <p:nvSpPr>
-          <p:cNvPr id="2072" name="footprint"/>
+          <p:cNvPr id="20672" name="footprint"/>
           <p:cNvSpPr/>
           <p:nvPr/>
         </p:nvSpPr>
@@ -6898,7 +6898,7 @@
       </p:sp>
       <p:sp>
         <p:nvSpPr>
-          <p:cNvPr id="2073" name="footprint"/>
+          <p:cNvPr id="20673" name="footprint"/>
           <p:cNvSpPr/>
           <p:nvPr/>
         </p:nvSpPr>
@@ -6939,7 +6939,7 @@
       </p:sp>
       <p:sp>
         <p:nvSpPr>
-          <p:cNvPr id="2074" name="footprint"/>
+          <p:cNvPr id="20674" name="footprint"/>
           <p:cNvSpPr/>
           <p:nvPr/>
         </p:nvSpPr>
@@ -6980,7 +6980,7 @@
       </p:sp>
       <p:sp>
         <p:nvSpPr>
-          <p:cNvPr id="2075" name="footprint"/>
+          <p:cNvPr id="20675" name="footprint"/>
           <p:cNvSpPr/>
           <p:nvPr/>
         </p:nvSpPr>
@@ -7021,7 +7021,7 @@
       </p:sp>
       <p:sp>
         <p:nvSpPr>
-          <p:cNvPr id="2076" name="footprint"/>
+          <p:cNvPr id="20676" name="footprint"/>
           <p:cNvSpPr/>
           <p:nvPr/>
         </p:nvSpPr>
@@ -7062,7 +7062,7 @@
       </p:sp>
       <p:sp>
         <p:nvSpPr>
-          <p:cNvPr id="2077" name="footprint"/>
+          <p:cNvPr id="20677" name="footprint"/>
           <p:cNvSpPr/>
           <p:nvPr/>
         </p:nvSpPr>
@@ -7103,7 +7103,7 @@
       </p:sp>
       <p:sp>
         <p:nvSpPr>
-          <p:cNvPr id="2078" name="footprint"/>
+          <p:cNvPr id="20678" name="footprint"/>
           <p:cNvSpPr/>
           <p:nvPr/>
         </p:nvSpPr>
@@ -7144,7 +7144,7 @@
       </p:sp>
       <p:sp>
         <p:nvSpPr>
-          <p:cNvPr id="2079" name="footprint"/>
+          <p:cNvPr id="20679" name="footprint"/>
           <p:cNvSpPr/>
           <p:nvPr/>
         </p:nvSpPr>
@@ -7185,7 +7185,7 @@
       </p:sp>
       <p:sp>
         <p:nvSpPr>
-          <p:cNvPr id="2080" name="footprint"/>
+          <p:cNvPr id="20680" name="footprint"/>
           <p:cNvSpPr/>
           <p:nvPr/>
         </p:nvSpPr>
@@ -7226,7 +7226,7 @@
       </p:sp>
       <p:sp>
         <p:nvSpPr>
-          <p:cNvPr id="2081" name="footprint"/>
+          <p:cNvPr id="20681" name="footprint"/>
           <p:cNvSpPr/>
           <p:nvPr/>
         </p:nvSpPr>
@@ -7267,7 +7267,7 @@
       </p:sp>
       <p:sp>
         <p:nvSpPr>
-          <p:cNvPr id="2082" name="footprint"/>
+          <p:cNvPr id="20682" name="footprint"/>
           <p:cNvSpPr/>
           <p:nvPr/>
         </p:nvSpPr>
@@ -7308,7 +7308,7 @@
       </p:sp>
       <p:sp>
         <p:nvSpPr>
-          <p:cNvPr id="2083" name="footprint"/>
+          <p:cNvPr id="20683" name="footprint"/>
           <p:cNvSpPr/>
           <p:nvPr/>
         </p:nvSpPr>
@@ -7349,7 +7349,7 @@
       </p:sp>
       <p:sp>
         <p:nvSpPr>
-          <p:cNvPr id="2084" name="footprint"/>
+          <p:cNvPr id="20684" name="footprint"/>
           <p:cNvSpPr/>
           <p:nvPr/>
         </p:nvSpPr>
@@ -7390,7 +7390,7 @@
       </p:sp>
       <p:sp>
         <p:nvSpPr>
-          <p:cNvPr id="2085" name="footprint"/>
+          <p:cNvPr id="20685" name="footprint"/>
           <p:cNvSpPr/>
           <p:nvPr/>
         </p:nvSpPr>
@@ -7431,7 +7431,7 @@
       </p:sp>
       <p:sp>
         <p:nvSpPr>
-          <p:cNvPr id="2086" name="footprint"/>
+          <p:cNvPr id="20686" name="footprint"/>
           <p:cNvSpPr/>
           <p:nvPr/>
         </p:nvSpPr>
@@ -7472,7 +7472,7 @@
       </p:sp>
       <p:sp>
         <p:nvSpPr>
-          <p:cNvPr id="2087" name="footprint"/>
+          <p:cNvPr id="20687" name="footprint"/>
           <p:cNvSpPr/>
           <p:nvPr/>
         </p:nvSpPr>
@@ -7513,7 +7513,7 @@
       </p:sp>
       <p:sp>
         <p:nvSpPr>
-          <p:cNvPr id="2088" name="footprint"/>
+          <p:cNvPr id="20688" name="footprint"/>
           <p:cNvSpPr/>
           <p:nvPr/>
         </p:nvSpPr>
@@ -7554,7 +7554,7 @@
       </p:sp>
       <p:sp>
         <p:nvSpPr>
-          <p:cNvPr id="2089" name="footprint"/>
+          <p:cNvPr id="20689" name="footprint"/>
           <p:cNvSpPr/>
           <p:nvPr/>
         </p:nvSpPr>
@@ -7595,7 +7595,7 @@
       </p:sp>
       <p:sp>
         <p:nvSpPr>
-          <p:cNvPr id="2090" name="footprint"/>
+          <p:cNvPr id="20690" name="footprint"/>
           <p:cNvSpPr/>
           <p:nvPr/>
         </p:nvSpPr>
@@ -7636,7 +7636,7 @@
       </p:sp>
       <p:sp>
         <p:nvSpPr>
-          <p:cNvPr id="2091" name="footprint"/>
+          <p:cNvPr id="20691" name="footprint"/>
           <p:cNvSpPr/>
           <p:nvPr/>
         </p:nvSpPr>
@@ -7677,7 +7677,7 @@
       </p:sp>
       <p:sp>
         <p:nvSpPr>
-          <p:cNvPr id="2092" name="footprint"/>
+          <p:cNvPr id="20692" name="footprint"/>
           <p:cNvSpPr/>
           <p:nvPr/>
         </p:nvSpPr>
@@ -7718,7 +7718,7 @@
       </p:sp>
       <p:sp>
         <p:nvSpPr>
-          <p:cNvPr id="2093" name="footprint"/>
+          <p:cNvPr id="20693" name="footprint"/>
           <p:cNvSpPr/>
           <p:nvPr/>
         </p:nvSpPr>
@@ -7759,7 +7759,7 @@
       </p:sp>
       <p:sp>
         <p:nvSpPr>
-          <p:cNvPr id="2094" name="footprint"/>
+          <p:cNvPr id="20694" name="footprint"/>
           <p:cNvSpPr/>
           <p:nvPr/>
         </p:nvSpPr>
@@ -7800,7 +7800,7 @@
       </p:sp>
       <p:sp>
         <p:nvSpPr>
-          <p:cNvPr id="2095" name="footprint"/>
+          <p:cNvPr id="20695" name="footprint"/>
           <p:cNvSpPr/>
           <p:nvPr/>
         </p:nvSpPr>
@@ -7841,7 +7841,7 @@
       </p:sp>
       <p:sp>
         <p:nvSpPr>
-          <p:cNvPr id="2096" name="footprint"/>
+          <p:cNvPr id="20696" name="footprint"/>
           <p:cNvSpPr/>
           <p:nvPr/>
         </p:nvSpPr>
@@ -7882,7 +7882,7 @@
       </p:sp>
       <p:sp>
         <p:nvSpPr>
-          <p:cNvPr id="2097" name="footprint"/>
+          <p:cNvPr id="20697" name="footprint"/>
           <p:cNvSpPr/>
           <p:nvPr/>
         </p:nvSpPr>
@@ -7923,7 +7923,7 @@
       </p:sp>
       <p:sp>
         <p:nvSpPr>
-          <p:cNvPr id="2098" name="footprint"/>
+          <p:cNvPr id="20698" name="footprint"/>
           <p:cNvSpPr/>
           <p:nvPr/>
         </p:nvSpPr>
@@ -7964,7 +7964,7 @@
       </p:sp>
       <p:sp>
         <p:nvSpPr>
-          <p:cNvPr id="2099" name="footprint"/>
+          <p:cNvPr id="20699" name="footprint"/>
           <p:cNvSpPr/>
           <p:nvPr/>
         </p:nvSpPr>
@@ -8005,7 +8005,7 @@
       </p:sp>
       <p:sp>
         <p:nvSpPr>
-          <p:cNvPr id="2100" name="footprint"/>
+          <p:cNvPr id="20700" name="footprint"/>
           <p:cNvSpPr/>
           <p:nvPr/>
         </p:nvSpPr>
@@ -8046,7 +8046,7 @@
       </p:sp>
       <p:sp>
         <p:nvSpPr>
-          <p:cNvPr id="2101" name="footprint"/>
+          <p:cNvPr id="20701" name="footprint"/>
           <p:cNvSpPr/>
           <p:nvPr/>
         </p:nvSpPr>
@@ -8087,7 +8087,7 @@
       </p:sp>
       <p:sp>
         <p:nvSpPr>
-          <p:cNvPr id="2102" name="footprint"/>
+          <p:cNvPr id="20702" name="footprint"/>
           <p:cNvSpPr/>
           <p:nvPr/>
         </p:nvSpPr>
@@ -8128,7 +8128,7 @@
       </p:sp>
       <p:sp>
         <p:nvSpPr>
-          <p:cNvPr id="2103" name="footprint"/>
+          <p:cNvPr id="20703" name="footprint"/>
           <p:cNvSpPr/>
           <p:nvPr/>
         </p:nvSpPr>
@@ -8169,7 +8169,7 @@
       </p:sp>
       <p:sp>
         <p:nvSpPr>
-          <p:cNvPr id="2104" name="footprint"/>
+          <p:cNvPr id="20704" name="footprint"/>
           <p:cNvSpPr/>
           <p:nvPr/>
         </p:nvSpPr>
@@ -8210,7 +8210,7 @@
       </p:sp>
       <p:sp>
         <p:nvSpPr>
-          <p:cNvPr id="2105" name="footprint"/>
+          <p:cNvPr id="20705" name="footprint"/>
           <p:cNvSpPr/>
           <p:nvPr/>
         </p:nvSpPr>
@@ -8251,7 +8251,7 @@
       </p:sp>
       <p:sp>
         <p:nvSpPr>
-          <p:cNvPr id="2106" name="footprint"/>
+          <p:cNvPr id="20706" name="footprint"/>
           <p:cNvSpPr/>
           <p:nvPr/>
         </p:nvSpPr>
@@ -8292,7 +8292,7 @@
       </p:sp>
       <p:sp>
         <p:nvSpPr>
-          <p:cNvPr id="2107" name="footprint"/>
+          <p:cNvPr id="20707" name="footprint"/>
           <p:cNvSpPr/>
           <p:nvPr/>
         </p:nvSpPr>
@@ -8333,7 +8333,7 @@
       </p:sp>
       <p:sp>
         <p:nvSpPr>
-          <p:cNvPr id="2108" name="footprint"/>
+          <p:cNvPr id="20708" name="footprint"/>
           <p:cNvSpPr/>
           <p:nvPr/>
         </p:nvSpPr>
@@ -8374,7 +8374,7 @@
       </p:sp>
       <p:sp>
         <p:nvSpPr>
-          <p:cNvPr id="2109" name="footprint"/>
+          <p:cNvPr id="20709" name="footprint"/>
           <p:cNvSpPr/>
           <p:nvPr/>
         </p:nvSpPr>
@@ -8415,7 +8415,7 @@
       </p:sp>
       <p:sp>
         <p:nvSpPr>
-          <p:cNvPr id="2110" name="footprint"/>
+          <p:cNvPr id="20710" name="footprint"/>
           <p:cNvSpPr/>
           <p:nvPr/>
         </p:nvSpPr>
@@ -8456,7 +8456,7 @@
       </p:sp>
       <p:sp>
         <p:nvSpPr>
-          <p:cNvPr id="2111" name="footprint"/>
+          <p:cNvPr id="20711" name="footprint"/>
           <p:cNvSpPr/>
           <p:nvPr/>
         </p:nvSpPr>
@@ -8497,7 +8497,7 @@
       </p:sp>
       <p:sp>
         <p:nvSpPr>
-          <p:cNvPr id="2112" name="footprint"/>
+          <p:cNvPr id="20712" name="footprint"/>
           <p:cNvSpPr/>
           <p:nvPr/>
         </p:nvSpPr>
@@ -8538,7 +8538,7 @@
       </p:sp>
       <p:sp>
         <p:nvSpPr>
-          <p:cNvPr id="2113" name="footprint"/>
+          <p:cNvPr id="20713" name="footprint"/>
           <p:cNvSpPr/>
           <p:nvPr/>
         </p:nvSpPr>
@@ -8579,7 +8579,7 @@
       </p:sp>
       <p:sp>
         <p:nvSpPr>
-          <p:cNvPr id="2114" name="footprint"/>
+          <p:cNvPr id="20714" name="footprint"/>
           <p:cNvSpPr/>
           <p:nvPr/>
         </p:nvSpPr>
@@ -8620,7 +8620,7 @@
       </p:sp>
       <p:sp>
         <p:nvSpPr>
-          <p:cNvPr id="2115" name="footprint"/>
+          <p:cNvPr id="20715" name="footprint"/>
           <p:cNvSpPr/>
           <p:nvPr/>
         </p:nvSpPr>
@@ -8661,7 +8661,7 @@
       </p:sp>
       <p:sp>
         <p:nvSpPr>
-          <p:cNvPr id="2116" name="footprint"/>
+          <p:cNvPr id="20716" name="footprint"/>
           <p:cNvSpPr/>
           <p:nvPr/>
         </p:nvSpPr>
@@ -8702,7 +8702,7 @@
       </p:sp>
       <p:sp>
         <p:nvSpPr>
-          <p:cNvPr id="2117" name="footprint"/>
+          <p:cNvPr id="20717" name="footprint"/>
           <p:cNvSpPr/>
           <p:nvPr/>
         </p:nvSpPr>
@@ -8743,7 +8743,7 @@
       </p:sp>
       <p:sp>
         <p:nvSpPr>
-          <p:cNvPr id="2118" name="footprint"/>
+          <p:cNvPr id="20718" name="footprint"/>
           <p:cNvSpPr/>
           <p:nvPr/>
         </p:nvSpPr>
@@ -8784,7 +8784,7 @@
       </p:sp>
       <p:sp>
         <p:nvSpPr>
-          <p:cNvPr id="2119" name="footprint"/>
+          <p:cNvPr id="20719" name="footprint"/>
           <p:cNvSpPr/>
           <p:nvPr/>
         </p:nvSpPr>
@@ -8825,7 +8825,7 @@
       </p:sp>
       <p:sp>
         <p:nvSpPr>
-          <p:cNvPr id="2120" name="footprint"/>
+          <p:cNvPr id="20720" name="footprint"/>
           <p:cNvSpPr/>
           <p:nvPr/>
         </p:nvSpPr>
@@ -8866,7 +8866,7 @@
       </p:sp>
       <p:sp>
         <p:nvSpPr>
-          <p:cNvPr id="2121" name="footprint"/>
+          <p:cNvPr id="20721" name="footprint"/>
           <p:cNvSpPr/>
           <p:nvPr/>
         </p:nvSpPr>
@@ -8907,7 +8907,7 @@
       </p:sp>
       <p:sp>
         <p:nvSpPr>
-          <p:cNvPr id="2122" name="footprint"/>
+          <p:cNvPr id="20722" name="footprint"/>
           <p:cNvSpPr/>
           <p:nvPr/>
         </p:nvSpPr>
@@ -8948,7 +8948,7 @@
       </p:sp>
       <p:sp>
         <p:nvSpPr>
-          <p:cNvPr id="2123" name="footprint"/>
+          <p:cNvPr id="20723" name="footprint"/>
           <p:cNvSpPr/>
           <p:nvPr/>
         </p:nvSpPr>
@@ -8989,7 +8989,7 @@
       </p:sp>
       <p:sp>
         <p:nvSpPr>
-          <p:cNvPr id="2124" name="footprint"/>
+          <p:cNvPr id="20724" name="footprint"/>
           <p:cNvSpPr/>
           <p:nvPr/>
         </p:nvSpPr>
@@ -9030,7 +9030,7 @@
       </p:sp>
       <p:sp>
         <p:nvSpPr>
-          <p:cNvPr id="2125" name="footprint"/>
+          <p:cNvPr id="20725" name="footprint"/>
           <p:cNvSpPr/>
           <p:nvPr/>
         </p:nvSpPr>
@@ -9071,7 +9071,7 @@
       </p:sp>
       <p:sp>
         <p:nvSpPr>
-          <p:cNvPr id="2126" name="footprint"/>
+          <p:cNvPr id="20726" name="footprint"/>
           <p:cNvSpPr/>
           <p:nvPr/>
         </p:nvSpPr>
@@ -9112,7 +9112,7 @@
       </p:sp>
       <p:sp>
         <p:nvSpPr>
-          <p:cNvPr id="2127" name="footprint"/>
+          <p:cNvPr id="20727" name="footprint"/>
           <p:cNvSpPr/>
           <p:nvPr/>
         </p:nvSpPr>
@@ -9153,7 +9153,7 @@
       </p:sp>
       <p:sp>
         <p:nvSpPr>
-          <p:cNvPr id="2128" name="footprint"/>
+          <p:cNvPr id="20728" name="footprint"/>
           <p:cNvSpPr/>
           <p:nvPr/>
         </p:nvSpPr>
@@ -9194,7 +9194,7 @@
       </p:sp>
       <p:sp>
         <p:nvSpPr>
-          <p:cNvPr id="2129" name="footprint"/>
+          <p:cNvPr id="20729" name="footprint"/>
           <p:cNvSpPr/>
           <p:nvPr/>
         </p:nvSpPr>
@@ -9235,7 +9235,7 @@
       </p:sp>
       <p:sp>
         <p:nvSpPr>
-          <p:cNvPr id="2130" name="footprint"/>
+          <p:cNvPr id="20730" name="footprint"/>
           <p:cNvSpPr/>
           <p:nvPr/>
         </p:nvSpPr>
@@ -9276,7 +9276,7 @@
       </p:sp>
       <p:sp>
         <p:nvSpPr>
-          <p:cNvPr id="2131" name="footprint"/>
+          <p:cNvPr id="20731" name="footprint"/>
           <p:cNvSpPr/>
           <p:nvPr/>
         </p:nvSpPr>
@@ -9317,7 +9317,7 @@
       </p:sp>
       <p:sp>
         <p:nvSpPr>
-          <p:cNvPr id="2132" name="footprint"/>
+          <p:cNvPr id="20732" name="footprint"/>
           <p:cNvSpPr/>
           <p:nvPr/>
         </p:nvSpPr>
@@ -9358,7 +9358,7 @@
       </p:sp>
       <p:sp>
         <p:nvSpPr>
-          <p:cNvPr id="2133" name="footprint"/>
+          <p:cNvPr id="20733" name="footprint"/>
           <p:cNvSpPr/>
           <p:nvPr/>
         </p:nvSpPr>
@@ -9399,7 +9399,7 @@
       </p:sp>
       <p:sp>
         <p:nvSpPr>
-          <p:cNvPr id="2134" name="footprint"/>
+          <p:cNvPr id="20734" name="footprint"/>
           <p:cNvSpPr/>
           <p:nvPr/>
         </p:nvSpPr>
@@ -9440,7 +9440,7 @@
       </p:sp>
       <p:sp>
         <p:nvSpPr>
-          <p:cNvPr id="2135" name="footprint"/>
+          <p:cNvPr id="20735" name="footprint"/>
           <p:cNvSpPr/>
           <p:nvPr/>
         </p:nvSpPr>
@@ -9481,7 +9481,7 @@
       </p:sp>
       <p:sp>
         <p:nvSpPr>
-          <p:cNvPr id="2136" name="footprint"/>
+          <p:cNvPr id="20736" name="footprint"/>
           <p:cNvSpPr/>
           <p:nvPr/>
         </p:nvSpPr>
@@ -9522,7 +9522,7 @@
       </p:sp>
       <p:sp>
         <p:nvSpPr>
-          <p:cNvPr id="2137" name="footprint"/>
+          <p:cNvPr id="20737" name="footprint"/>
           <p:cNvSpPr/>
           <p:nvPr/>
         </p:nvSpPr>
@@ -9563,7 +9563,7 @@
       </p:sp>
       <p:sp>
         <p:nvSpPr>
-          <p:cNvPr id="2138" name="footprint"/>
+          <p:cNvPr id="20738" name="footprint"/>
           <p:cNvSpPr/>
           <p:nvPr/>
         </p:nvSpPr>
@@ -9604,7 +9604,7 @@
       </p:sp>
       <p:sp>
         <p:nvSpPr>
-          <p:cNvPr id="2139" name="footprint"/>
+          <p:cNvPr id="20739" name="footprint"/>
           <p:cNvSpPr/>
           <p:nvPr/>
         </p:nvSpPr>
@@ -9645,7 +9645,7 @@
       </p:sp>
       <p:sp>
         <p:nvSpPr>
-          <p:cNvPr id="2140" name="footprint"/>
+          <p:cNvPr id="20740" name="footprint"/>
           <p:cNvSpPr/>
           <p:nvPr/>
         </p:nvSpPr>
@@ -9686,7 +9686,7 @@
       </p:sp>
       <p:sp>
         <p:nvSpPr>
-          <p:cNvPr id="2141" name="footprint"/>
+          <p:cNvPr id="20741" name="footprint"/>
           <p:cNvSpPr/>
           <p:nvPr/>
         </p:nvSpPr>
@@ -9727,7 +9727,7 @@
       </p:sp>
       <p:sp>
         <p:nvSpPr>
-          <p:cNvPr id="2142" name="footprint"/>
+          <p:cNvPr id="20742" name="footprint"/>
           <p:cNvSpPr/>
           <p:nvPr/>
         </p:nvSpPr>
@@ -9768,7 +9768,7 @@
       </p:sp>
       <p:sp>
         <p:nvSpPr>
-          <p:cNvPr id="2143" name="footprint"/>
+          <p:cNvPr id="20743" name="footprint"/>
           <p:cNvSpPr/>
           <p:nvPr/>
         </p:nvSpPr>
@@ -9809,7 +9809,7 @@
       </p:sp>
       <p:sp>
         <p:nvSpPr>
-          <p:cNvPr id="2144" name="footprint"/>
+          <p:cNvPr id="20744" name="footprint"/>
           <p:cNvSpPr/>
           <p:nvPr/>
         </p:nvSpPr>
@@ -9850,7 +9850,7 @@
       </p:sp>
       <p:sp>
         <p:nvSpPr>
-          <p:cNvPr id="2145" name="footprint"/>
+          <p:cNvPr id="20745" name="footprint"/>
           <p:cNvSpPr/>
           <p:nvPr/>
         </p:nvSpPr>
@@ -9891,7 +9891,7 @@
       </p:sp>
       <p:sp>
         <p:nvSpPr>
-          <p:cNvPr id="2146" name="footprint"/>
+          <p:cNvPr id="20746" name="footprint"/>
           <p:cNvSpPr/>
           <p:nvPr/>
         </p:nvSpPr>
@@ -9932,7 +9932,7 @@
       </p:sp>
       <p:sp>
         <p:nvSpPr>
-          <p:cNvPr id="2147" name="footprint"/>
+          <p:cNvPr id="20747" name="footprint"/>
           <p:cNvSpPr/>
           <p:nvPr/>
         </p:nvSpPr>
@@ -9973,7 +9973,7 @@
       </p:sp>
       <p:sp>
         <p:nvSpPr>
-          <p:cNvPr id="2148" name="footprint"/>
+          <p:cNvPr id="20748" name="footprint"/>
           <p:cNvSpPr/>
           <p:nvPr/>
         </p:nvSpPr>
@@ -10014,7 +10014,7 @@
       </p:sp>
       <p:sp>
         <p:nvSpPr>
-          <p:cNvPr id="2149" name="footprint"/>
+          <p:cNvPr id="20749" name="footprint"/>
           <p:cNvSpPr/>
           <p:nvPr/>
         </p:nvSpPr>
@@ -10055,7 +10055,7 @@
       </p:sp>
       <p:sp>
         <p:nvSpPr>
-          <p:cNvPr id="2150" name="footprint"/>
+          <p:cNvPr id="20750" name="footprint"/>
           <p:cNvSpPr/>
           <p:nvPr/>
         </p:nvSpPr>
@@ -10096,7 +10096,7 @@
       </p:sp>
       <p:sp>
         <p:nvSpPr>
-          <p:cNvPr id="2151" name="footprint"/>
+          <p:cNvPr id="20751" name="footprint"/>
           <p:cNvSpPr/>
           <p:nvPr/>
         </p:nvSpPr>
@@ -10137,7 +10137,7 @@
       </p:sp>
       <p:sp>
         <p:nvSpPr>
-          <p:cNvPr id="2152" name="footprint"/>
+          <p:cNvPr id="20752" name="footprint"/>
           <p:cNvSpPr/>
           <p:nvPr/>
         </p:nvSpPr>
@@ -10178,7 +10178,7 @@
       </p:sp>
       <p:sp>
         <p:nvSpPr>
-          <p:cNvPr id="2153" name="footprint"/>
+          <p:cNvPr id="20753" name="footprint"/>
           <p:cNvSpPr/>
           <p:nvPr/>
         </p:nvSpPr>
@@ -10219,7 +10219,7 @@
       </p:sp>
       <p:sp>
         <p:nvSpPr>
-          <p:cNvPr id="2154" name="footprint"/>
+          <p:cNvPr id="20754" name="footprint"/>
           <p:cNvSpPr/>
           <p:nvPr/>
         </p:nvSpPr>
@@ -10260,7 +10260,7 @@
       </p:sp>
       <p:sp>
         <p:nvSpPr>
-          <p:cNvPr id="2155" name="footprint"/>
+          <p:cNvPr id="20755" name="footprint"/>
           <p:cNvSpPr/>
           <p:nvPr/>
         </p:nvSpPr>
@@ -10301,7 +10301,7 @@
       </p:sp>
       <p:sp>
         <p:nvSpPr>
-          <p:cNvPr id="2156" name="footprint"/>
+          <p:cNvPr id="20756" name="footprint"/>
           <p:cNvSpPr/>
           <p:nvPr/>
         </p:nvSpPr>
@@ -10342,7 +10342,7 @@
       </p:sp>
       <p:sp>
         <p:nvSpPr>
-          <p:cNvPr id="2157" name="footprint"/>
+          <p:cNvPr id="20757" name="footprint"/>
           <p:cNvSpPr/>
           <p:nvPr/>
         </p:nvSpPr>
@@ -10383,7 +10383,7 @@
       </p:sp>
       <p:sp>
         <p:nvSpPr>
-          <p:cNvPr id="2158" name="footprint"/>
+          <p:cNvPr id="20758" name="footprint"/>
           <p:cNvSpPr/>
           <p:nvPr/>
         </p:nvSpPr>
@@ -23684,7 +23684,7 @@
                                           </p:stCondLst>
                                         </p:cTn>
                                         <p:tgtEl>
-                                          <p:spTgt spid="2000"/>
+                                          <p:spTgt spid="20600"/>
                                         </p:tgtEl>
                                         <p:attrNameLst>
                                           <p:attrName>style.visibility</p:attrName>
@@ -23711,7 +23711,7 @@
                                           </p:stCondLst>
                                         </p:cTn>
                                         <p:tgtEl>
-                                          <p:spTgt spid="2001"/>
+                                          <p:spTgt spid="20601"/>
                                         </p:tgtEl>
                                         <p:attrNameLst>
                                           <p:attrName>style.visibility</p:attrName>
@@ -23738,7 +23738,7 @@
                                           </p:stCondLst>
                                         </p:cTn>
                                         <p:tgtEl>
-                                          <p:spTgt spid="2002"/>
+                                          <p:spTgt spid="20602"/>
                                         </p:tgtEl>
                                         <p:attrNameLst>
                                           <p:attrName>style.visibility</p:attrName>
@@ -23765,7 +23765,7 @@
                                           </p:stCondLst>
                                         </p:cTn>
                                         <p:tgtEl>
-                                          <p:spTgt spid="2003"/>
+                                          <p:spTgt spid="20603"/>
                                         </p:tgtEl>
                                         <p:attrNameLst>
                                           <p:attrName>style.visibility</p:attrName>
@@ -23792,7 +23792,7 @@
                                           </p:stCondLst>
                                         </p:cTn>
                                         <p:tgtEl>
-                                          <p:spTgt spid="2004"/>
+                                          <p:spTgt spid="20604"/>
                                         </p:tgtEl>
                                         <p:attrNameLst>
                                           <p:attrName>style.visibility</p:attrName>
@@ -23819,7 +23819,7 @@
                                           </p:stCondLst>
                                         </p:cTn>
                                         <p:tgtEl>
-                                          <p:spTgt spid="2005"/>
+                                          <p:spTgt spid="20605"/>
                                         </p:tgtEl>
                                         <p:attrNameLst>
                                           <p:attrName>style.visibility</p:attrName>
@@ -23846,7 +23846,7 @@
                                           </p:stCondLst>
                                         </p:cTn>
                                         <p:tgtEl>
-                                          <p:spTgt spid="2006"/>
+                                          <p:spTgt spid="20606"/>
                                         </p:tgtEl>
                                         <p:attrNameLst>
                                           <p:attrName>style.visibility</p:attrName>
@@ -23873,7 +23873,7 @@
                                           </p:stCondLst>
                                         </p:cTn>
                                         <p:tgtEl>
-                                          <p:spTgt spid="2007"/>
+                                          <p:spTgt spid="20607"/>
                                         </p:tgtEl>
                                         <p:attrNameLst>
                                           <p:attrName>style.visibility</p:attrName>
@@ -23900,7 +23900,7 @@
                                           </p:stCondLst>
                                         </p:cTn>
                                         <p:tgtEl>
-                                          <p:spTgt spid="2008"/>
+                                          <p:spTgt spid="20608"/>
                                         </p:tgtEl>
                                         <p:attrNameLst>
                                           <p:attrName>style.visibility</p:attrName>
@@ -23927,7 +23927,7 @@
                                           </p:stCondLst>
                                         </p:cTn>
                                         <p:tgtEl>
-                                          <p:spTgt spid="2009"/>
+                                          <p:spTgt spid="20609"/>
                                         </p:tgtEl>
                                         <p:attrNameLst>
                                           <p:attrName>style.visibility</p:attrName>
@@ -23954,7 +23954,7 @@
                                           </p:stCondLst>
                                         </p:cTn>
                                         <p:tgtEl>
-                                          <p:spTgt spid="2010"/>
+                                          <p:spTgt spid="20610"/>
                                         </p:tgtEl>
                                         <p:attrNameLst>
                                           <p:attrName>style.visibility</p:attrName>
@@ -23981,7 +23981,7 @@
                                           </p:stCondLst>
                                         </p:cTn>
                                         <p:tgtEl>
-                                          <p:spTgt spid="2011"/>
+                                          <p:spTgt spid="20611"/>
                                         </p:tgtEl>
                                         <p:attrNameLst>
                                           <p:attrName>style.visibility</p:attrName>
@@ -24008,7 +24008,7 @@
                                           </p:stCondLst>
                                         </p:cTn>
                                         <p:tgtEl>
-                                          <p:spTgt spid="2012"/>
+                                          <p:spTgt spid="20612"/>
                                         </p:tgtEl>
                                         <p:attrNameLst>
                                           <p:attrName>style.visibility</p:attrName>
@@ -24035,7 +24035,7 @@
                                           </p:stCondLst>
                                         </p:cTn>
                                         <p:tgtEl>
-                                          <p:spTgt spid="2013"/>
+                                          <p:spTgt spid="20613"/>
                                         </p:tgtEl>
                                         <p:attrNameLst>
                                           <p:attrName>style.visibility</p:attrName>
@@ -24062,7 +24062,7 @@
                                           </p:stCondLst>
                                         </p:cTn>
                                         <p:tgtEl>
-                                          <p:spTgt spid="2014"/>
+                                          <p:spTgt spid="20614"/>
                                         </p:tgtEl>
                                         <p:attrNameLst>
                                           <p:attrName>style.visibility</p:attrName>
@@ -24089,7 +24089,7 @@
                                           </p:stCondLst>
                                         </p:cTn>
                                         <p:tgtEl>
-                                          <p:spTgt spid="2015"/>
+                                          <p:spTgt spid="20615"/>
                                         </p:tgtEl>
                                         <p:attrNameLst>
                                           <p:attrName>style.visibility</p:attrName>
@@ -24116,7 +24116,7 @@
                                           </p:stCondLst>
                                         </p:cTn>
                                         <p:tgtEl>
-                                          <p:spTgt spid="2016"/>
+                                          <p:spTgt spid="20616"/>
                                         </p:tgtEl>
                                         <p:attrNameLst>
                                           <p:attrName>style.visibility</p:attrName>
@@ -24143,7 +24143,7 @@
                                           </p:stCondLst>
                                         </p:cTn>
                                         <p:tgtEl>
-                                          <p:spTgt spid="2017"/>
+                                          <p:spTgt spid="20617"/>
                                         </p:tgtEl>
                                         <p:attrNameLst>
                                           <p:attrName>style.visibility</p:attrName>
@@ -24170,7 +24170,7 @@
                                           </p:stCondLst>
                                         </p:cTn>
                                         <p:tgtEl>
-                                          <p:spTgt spid="2018"/>
+                                          <p:spTgt spid="20618"/>
                                         </p:tgtEl>
                                         <p:attrNameLst>
                                           <p:attrName>style.visibility</p:attrName>
@@ -24197,7 +24197,7 @@
                                           </p:stCondLst>
                                         </p:cTn>
                                         <p:tgtEl>
-                                          <p:spTgt spid="2019"/>
+                                          <p:spTgt spid="20619"/>
                                         </p:tgtEl>
                                         <p:attrNameLst>
                                           <p:attrName>style.visibility</p:attrName>
@@ -24224,7 +24224,7 @@
                                           </p:stCondLst>
                                         </p:cTn>
                                         <p:tgtEl>
-                                          <p:spTgt spid="2020"/>
+                                          <p:spTgt spid="20620"/>
                                         </p:tgtEl>
                                         <p:attrNameLst>
                                           <p:attrName>style.visibility</p:attrName>
@@ -24251,7 +24251,7 @@
                                           </p:stCondLst>
                                         </p:cTn>
                                         <p:tgtEl>
-                                          <p:spTgt spid="2021"/>
+                                          <p:spTgt spid="20621"/>
                                         </p:tgtEl>
                                         <p:attrNameLst>
                                           <p:attrName>style.visibility</p:attrName>
@@ -24278,7 +24278,7 @@
                                           </p:stCondLst>
                                         </p:cTn>
                                         <p:tgtEl>
-                                          <p:spTgt spid="2022"/>
+                                          <p:spTgt spid="20622"/>
                                         </p:tgtEl>
                                         <p:attrNameLst>
                                           <p:attrName>style.visibility</p:attrName>
@@ -24305,7 +24305,7 @@
                                           </p:stCondLst>
                                         </p:cTn>
                                         <p:tgtEl>
-                                          <p:spTgt spid="2023"/>
+                                          <p:spTgt spid="20623"/>
                                         </p:tgtEl>
                                         <p:attrNameLst>
                                           <p:attrName>style.visibility</p:attrName>
@@ -24332,7 +24332,7 @@
                                           </p:stCondLst>
                                         </p:cTn>
                                         <p:tgtEl>
-                                          <p:spTgt spid="2024"/>
+                                          <p:spTgt spid="20624"/>
                                         </p:tgtEl>
                                         <p:attrNameLst>
                                           <p:attrName>style.visibility</p:attrName>
@@ -24359,7 +24359,7 @@
                                           </p:stCondLst>
                                         </p:cTn>
                                         <p:tgtEl>
-                                          <p:spTgt spid="2025"/>
+                                          <p:spTgt spid="20625"/>
                                         </p:tgtEl>
                                         <p:attrNameLst>
                                           <p:attrName>style.visibility</p:attrName>
@@ -24386,7 +24386,7 @@
                                           </p:stCondLst>
                                         </p:cTn>
                                         <p:tgtEl>
-                                          <p:spTgt spid="2026"/>
+                                          <p:spTgt spid="20626"/>
                                         </p:tgtEl>
                                         <p:attrNameLst>
                                           <p:attrName>style.visibility</p:attrName>
@@ -24413,7 +24413,7 @@
                                           </p:stCondLst>
                                         </p:cTn>
                                         <p:tgtEl>
-                                          <p:spTgt spid="2027"/>
+                                          <p:spTgt spid="20627"/>
                                         </p:tgtEl>
                                         <p:attrNameLst>
                                           <p:attrName>style.visibility</p:attrName>
@@ -24440,7 +24440,7 @@
                                           </p:stCondLst>
                                         </p:cTn>
                                         <p:tgtEl>
-                                          <p:spTgt spid="2028"/>
+                                          <p:spTgt spid="20628"/>
                                         </p:tgtEl>
                                         <p:attrNameLst>
                                           <p:attrName>style.visibility</p:attrName>
@@ -24467,7 +24467,7 @@
                                           </p:stCondLst>
                                         </p:cTn>
                                         <p:tgtEl>
-                                          <p:spTgt spid="2029"/>
+                                          <p:spTgt spid="20629"/>
                                         </p:tgtEl>
                                         <p:attrNameLst>
                                           <p:attrName>style.visibility</p:attrName>
@@ -24494,7 +24494,7 @@
                                           </p:stCondLst>
                                         </p:cTn>
                                         <p:tgtEl>
-                                          <p:spTgt spid="2030"/>
+                                          <p:spTgt spid="20630"/>
                                         </p:tgtEl>
                                         <p:attrNameLst>
                                           <p:attrName>style.visibility</p:attrName>
@@ -24521,7 +24521,7 @@
                                           </p:stCondLst>
                                         </p:cTn>
                                         <p:tgtEl>
-                                          <p:spTgt spid="2031"/>
+                                          <p:spTgt spid="20631"/>
                                         </p:tgtEl>
                                         <p:attrNameLst>
                                           <p:attrName>style.visibility</p:attrName>
@@ -24548,7 +24548,7 @@
                                           </p:stCondLst>
                                         </p:cTn>
                                         <p:tgtEl>
-                                          <p:spTgt spid="2032"/>
+                                          <p:spTgt spid="20632"/>
                                         </p:tgtEl>
                                         <p:attrNameLst>
                                           <p:attrName>style.visibility</p:attrName>
@@ -24575,7 +24575,7 @@
                                           </p:stCondLst>
                                         </p:cTn>
                                         <p:tgtEl>
-                                          <p:spTgt spid="2033"/>
+                                          <p:spTgt spid="20633"/>
                                         </p:tgtEl>
                                         <p:attrNameLst>
                                           <p:attrName>style.visibility</p:attrName>
@@ -24602,7 +24602,7 @@
                                           </p:stCondLst>
                                         </p:cTn>
                                         <p:tgtEl>
-                                          <p:spTgt spid="2034"/>
+                                          <p:spTgt spid="20634"/>
                                         </p:tgtEl>
                                         <p:attrNameLst>
                                           <p:attrName>style.visibility</p:attrName>
@@ -24629,7 +24629,7 @@
                                           </p:stCondLst>
                                         </p:cTn>
                                         <p:tgtEl>
-                                          <p:spTgt spid="2035"/>
+                                          <p:spTgt spid="20635"/>
                                         </p:tgtEl>
                                         <p:attrNameLst>
                                           <p:attrName>style.visibility</p:attrName>
@@ -24656,7 +24656,7 @@
                                           </p:stCondLst>
                                         </p:cTn>
                                         <p:tgtEl>
-                                          <p:spTgt spid="2036"/>
+                                          <p:spTgt spid="20636"/>
                                         </p:tgtEl>
                                         <p:attrNameLst>
                                           <p:attrName>style.visibility</p:attrName>
@@ -24683,7 +24683,7 @@
                                           </p:stCondLst>
                                         </p:cTn>
                                         <p:tgtEl>
-                                          <p:spTgt spid="2037"/>
+                                          <p:spTgt spid="20637"/>
                                         </p:tgtEl>
                                         <p:attrNameLst>
                                           <p:attrName>style.visibility</p:attrName>
@@ -24710,7 +24710,7 @@
                                           </p:stCondLst>
                                         </p:cTn>
                                         <p:tgtEl>
-                                          <p:spTgt spid="2038"/>
+                                          <p:spTgt spid="20638"/>
                                         </p:tgtEl>
                                         <p:attrNameLst>
                                           <p:attrName>style.visibility</p:attrName>
@@ -24737,7 +24737,7 @@
                                           </p:stCondLst>
                                         </p:cTn>
                                         <p:tgtEl>
-                                          <p:spTgt spid="2039"/>
+                                          <p:spTgt spid="20639"/>
                                         </p:tgtEl>
                                         <p:attrNameLst>
                                           <p:attrName>style.visibility</p:attrName>
@@ -24764,7 +24764,7 @@
                                           </p:stCondLst>
                                         </p:cTn>
                                         <p:tgtEl>
-                                          <p:spTgt spid="2040"/>
+                                          <p:spTgt spid="20640"/>
                                         </p:tgtEl>
                                         <p:attrNameLst>
                                           <p:attrName>style.visibility</p:attrName>
@@ -24791,7 +24791,7 @@
                                           </p:stCondLst>
                                         </p:cTn>
                                         <p:tgtEl>
-                                          <p:spTgt spid="2041"/>
+                                          <p:spTgt spid="20641"/>
                                         </p:tgtEl>
                                         <p:attrNameLst>
                                           <p:attrName>style.visibility</p:attrName>
@@ -24818,7 +24818,7 @@
                                           </p:stCondLst>
                                         </p:cTn>
                                         <p:tgtEl>
-                                          <p:spTgt spid="2042"/>
+                                          <p:spTgt spid="20642"/>
                                         </p:tgtEl>
                                         <p:attrNameLst>
                                           <p:attrName>style.visibility</p:attrName>
@@ -24845,7 +24845,7 @@
                                           </p:stCondLst>
                                         </p:cTn>
                                         <p:tgtEl>
-                                          <p:spTgt spid="2043"/>
+                                          <p:spTgt spid="20643"/>
                                         </p:tgtEl>
                                         <p:attrNameLst>
                                           <p:attrName>style.visibility</p:attrName>
@@ -24872,7 +24872,7 @@
                                           </p:stCondLst>
                                         </p:cTn>
                                         <p:tgtEl>
-                                          <p:spTgt spid="2044"/>
+                                          <p:spTgt spid="20644"/>
                                         </p:tgtEl>
                                         <p:attrNameLst>
                                           <p:attrName>style.visibility</p:attrName>
@@ -24899,7 +24899,7 @@
                                           </p:stCondLst>
                                         </p:cTn>
                                         <p:tgtEl>
-                                          <p:spTgt spid="2045"/>
+                                          <p:spTgt spid="20645"/>
                                         </p:tgtEl>
                                         <p:attrNameLst>
                                           <p:attrName>style.visibility</p:attrName>
@@ -24926,7 +24926,7 @@
                                           </p:stCondLst>
                                         </p:cTn>
                                         <p:tgtEl>
-                                          <p:spTgt spid="2046"/>
+                                          <p:spTgt spid="20646"/>
                                         </p:tgtEl>
                                         <p:attrNameLst>
                                           <p:attrName>style.visibility</p:attrName>
@@ -24953,7 +24953,7 @@
                                           </p:stCondLst>
                                         </p:cTn>
                                         <p:tgtEl>
-                                          <p:spTgt spid="2047"/>
+                                          <p:spTgt spid="20647"/>
                                         </p:tgtEl>
                                         <p:attrNameLst>
                                           <p:attrName>style.visibility</p:attrName>
@@ -24980,7 +24980,7 @@
                                           </p:stCondLst>
                                         </p:cTn>
                                         <p:tgtEl>
-                                          <p:spTgt spid="2048"/>
+                                          <p:spTgt spid="20648"/>
                                         </p:tgtEl>
                                         <p:attrNameLst>
                                           <p:attrName>style.visibility</p:attrName>
@@ -25007,7 +25007,7 @@
                                           </p:stCondLst>
                                         </p:cTn>
                                         <p:tgtEl>
-                                          <p:spTgt spid="2049"/>
+                                          <p:spTgt spid="20649"/>
                                         </p:tgtEl>
                                         <p:attrNameLst>
                                           <p:attrName>style.visibility</p:attrName>
@@ -25034,7 +25034,7 @@
                                           </p:stCondLst>
                                         </p:cTn>
                                         <p:tgtEl>
-                                          <p:spTgt spid="2050"/>
+                                          <p:spTgt spid="20650"/>
                                         </p:tgtEl>
                                         <p:attrNameLst>
                                           <p:attrName>style.visibility</p:attrName>
@@ -25061,7 +25061,7 @@
                                           </p:stCondLst>
                                         </p:cTn>
                                         <p:tgtEl>
-                                          <p:spTgt spid="2051"/>
+                                          <p:spTgt spid="20651"/>
                                         </p:tgtEl>
                                         <p:attrNameLst>
                                           <p:attrName>style.visibility</p:attrName>
@@ -25088,7 +25088,7 @@
                                           </p:stCondLst>
                                         </p:cTn>
                                         <p:tgtEl>
-                                          <p:spTgt spid="2052"/>
+                                          <p:spTgt spid="20652"/>
                                         </p:tgtEl>
                                         <p:attrNameLst>
                                           <p:attrName>style.visibility</p:attrName>
@@ -25115,7 +25115,7 @@
                                           </p:stCondLst>
                                         </p:cTn>
                                         <p:tgtEl>
-                                          <p:spTgt spid="2053"/>
+                                          <p:spTgt spid="20653"/>
                                         </p:tgtEl>
                                         <p:attrNameLst>
                                           <p:attrName>style.visibility</p:attrName>
@@ -25142,7 +25142,7 @@
                                           </p:stCondLst>
                                         </p:cTn>
                                         <p:tgtEl>
-                                          <p:spTgt spid="2054"/>
+                                          <p:spTgt spid="20654"/>
                                         </p:tgtEl>
                                         <p:attrNameLst>
                                           <p:attrName>style.visibility</p:attrName>
@@ -25169,7 +25169,7 @@
                                           </p:stCondLst>
                                         </p:cTn>
                                         <p:tgtEl>
-                                          <p:spTgt spid="2055"/>
+                                          <p:spTgt spid="20655"/>
                                         </p:tgtEl>
                                         <p:attrNameLst>
                                           <p:attrName>style.visibility</p:attrName>
@@ -25196,7 +25196,7 @@
                                           </p:stCondLst>
                                         </p:cTn>
                                         <p:tgtEl>
-                                          <p:spTgt spid="2056"/>
+                                          <p:spTgt spid="20656"/>
                                         </p:tgtEl>
                                         <p:attrNameLst>
                                           <p:attrName>style.visibility</p:attrName>
@@ -25223,7 +25223,7 @@
                                           </p:stCondLst>
                                         </p:cTn>
                                         <p:tgtEl>
-                                          <p:spTgt spid="2057"/>
+                                          <p:spTgt spid="20657"/>
                                         </p:tgtEl>
                                         <p:attrNameLst>
                                           <p:attrName>style.visibility</p:attrName>
@@ -25250,7 +25250,7 @@
                                           </p:stCondLst>
                                         </p:cTn>
                                         <p:tgtEl>
-                                          <p:spTgt spid="2058"/>
+                                          <p:spTgt spid="20658"/>
                                         </p:tgtEl>
                                         <p:attrNameLst>
                                           <p:attrName>style.visibility</p:attrName>
@@ -25277,7 +25277,7 @@
                                           </p:stCondLst>
                                         </p:cTn>
                                         <p:tgtEl>
-                                          <p:spTgt spid="2059"/>
+                                          <p:spTgt spid="20659"/>
                                         </p:tgtEl>
                                         <p:attrNameLst>
                                           <p:attrName>style.visibility</p:attrName>
@@ -25304,7 +25304,7 @@
                                           </p:stCondLst>
                                         </p:cTn>
                                         <p:tgtEl>
-                                          <p:spTgt spid="2060"/>
+                                          <p:spTgt spid="20660"/>
                                         </p:tgtEl>
                                         <p:attrNameLst>
                                           <p:attrName>style.visibility</p:attrName>
@@ -25331,7 +25331,7 @@
                                           </p:stCondLst>
                                         </p:cTn>
                                         <p:tgtEl>
-                                          <p:spTgt spid="2061"/>
+                                          <p:spTgt spid="20661"/>
                                         </p:tgtEl>
                                         <p:attrNameLst>
                                           <p:attrName>style.visibility</p:attrName>
@@ -25358,7 +25358,7 @@
                                           </p:stCondLst>
                                         </p:cTn>
                                         <p:tgtEl>
-                                          <p:spTgt spid="2062"/>
+                                          <p:spTgt spid="20662"/>
                                         </p:tgtEl>
                                         <p:attrNameLst>
                                           <p:attrName>style.visibility</p:attrName>
@@ -25385,7 +25385,7 @@
                                           </p:stCondLst>
                                         </p:cTn>
                                         <p:tgtEl>
-                                          <p:spTgt spid="2063"/>
+                                          <p:spTgt spid="20663"/>
                                         </p:tgtEl>
                                         <p:attrNameLst>
                                           <p:attrName>style.visibility</p:attrName>
@@ -25412,7 +25412,7 @@
                                           </p:stCondLst>
                                         </p:cTn>
                                         <p:tgtEl>
-                                          <p:spTgt spid="2064"/>
+                                          <p:spTgt spid="20664"/>
                                         </p:tgtEl>
                                         <p:attrNameLst>
                                           <p:attrName>style.visibility</p:attrName>
@@ -25439,7 +25439,7 @@
                                           </p:stCondLst>
                                         </p:cTn>
                                         <p:tgtEl>
-                                          <p:spTgt spid="2065"/>
+                                          <p:spTgt spid="20665"/>
                                         </p:tgtEl>
                                         <p:attrNameLst>
                                           <p:attrName>style.visibility</p:attrName>
@@ -25466,7 +25466,7 @@
                                           </p:stCondLst>
                                         </p:cTn>
                                         <p:tgtEl>
-                                          <p:spTgt spid="2066"/>
+                                          <p:spTgt spid="20666"/>
                                         </p:tgtEl>
                                         <p:attrNameLst>
                                           <p:attrName>style.visibility</p:attrName>
@@ -25493,7 +25493,7 @@
                                           </p:stCondLst>
                                         </p:cTn>
                                         <p:tgtEl>
-                                          <p:spTgt spid="2067"/>
+                                          <p:spTgt spid="20667"/>
                                         </p:tgtEl>
                                         <p:attrNameLst>
                                           <p:attrName>style.visibility</p:attrName>
@@ -25520,7 +25520,7 @@
                                           </p:stCondLst>
                                         </p:cTn>
                                         <p:tgtEl>
-                                          <p:spTgt spid="2068"/>
+                                          <p:spTgt spid="20668"/>
                                         </p:tgtEl>
                                         <p:attrNameLst>
                                           <p:attrName>style.visibility</p:attrName>
@@ -25547,7 +25547,7 @@
                                           </p:stCondLst>
                                         </p:cTn>
                                         <p:tgtEl>
-                                          <p:spTgt spid="2069"/>
+                                          <p:spTgt spid="20669"/>
                                         </p:tgtEl>
                                         <p:attrNameLst>
                                           <p:attrName>style.visibility</p:attrName>
@@ -25574,7 +25574,7 @@
                                           </p:stCondLst>
                                         </p:cTn>
                                         <p:tgtEl>
-                                          <p:spTgt spid="2070"/>
+                                          <p:spTgt spid="20670"/>
                                         </p:tgtEl>
                                         <p:attrNameLst>
                                           <p:attrName>style.visibility</p:attrName>
@@ -25601,7 +25601,7 @@
                                           </p:stCondLst>
                                         </p:cTn>
                                         <p:tgtEl>
-                                          <p:spTgt spid="2071"/>
+                                          <p:spTgt spid="20671"/>
                                         </p:tgtEl>
                                         <p:attrNameLst>
                                           <p:attrName>style.visibility</p:attrName>
@@ -25628,7 +25628,7 @@
                                           </p:stCondLst>
                                         </p:cTn>
                                         <p:tgtEl>
-                                          <p:spTgt spid="2072"/>
+                                          <p:spTgt spid="20672"/>
                                         </p:tgtEl>
                                         <p:attrNameLst>
                                           <p:attrName>style.visibility</p:attrName>
@@ -25655,7 +25655,7 @@
                                           </p:stCondLst>
                                         </p:cTn>
                                         <p:tgtEl>
-                                          <p:spTgt spid="2073"/>
+                                          <p:spTgt spid="20673"/>
                                         </p:tgtEl>
                                         <p:attrNameLst>
                                           <p:attrName>style.visibility</p:attrName>
@@ -25682,7 +25682,7 @@
                                           </p:stCondLst>
                                         </p:cTn>
                                         <p:tgtEl>
-                                          <p:spTgt spid="2074"/>
+                                          <p:spTgt spid="20674"/>
                                         </p:tgtEl>
                                         <p:attrNameLst>
                                           <p:attrName>style.visibility</p:attrName>
@@ -25709,7 +25709,7 @@
                                           </p:stCondLst>
                                         </p:cTn>
                                         <p:tgtEl>
-                                          <p:spTgt spid="2075"/>
+                                          <p:spTgt spid="20675"/>
                                         </p:tgtEl>
                                         <p:attrNameLst>
                                           <p:attrName>style.visibility</p:attrName>
@@ -25736,7 +25736,7 @@
                                           </p:stCondLst>
                                         </p:cTn>
                                         <p:tgtEl>
-                                          <p:spTgt spid="2076"/>
+                                          <p:spTgt spid="20676"/>
                                         </p:tgtEl>
                                         <p:attrNameLst>
                                           <p:attrName>style.visibility</p:attrName>
@@ -25763,7 +25763,7 @@
                                           </p:stCondLst>
                                         </p:cTn>
                                         <p:tgtEl>
-                                          <p:spTgt spid="2077"/>
+                                          <p:spTgt spid="20677"/>
                                         </p:tgtEl>
                                         <p:attrNameLst>
                                           <p:attrName>style.visibility</p:attrName>
@@ -25790,7 +25790,7 @@
                                           </p:stCondLst>
                                         </p:cTn>
                                         <p:tgtEl>
-                                          <p:spTgt spid="2078"/>
+                                          <p:spTgt spid="20678"/>
                                         </p:tgtEl>
                                         <p:attrNameLst>
                                           <p:attrName>style.visibility</p:attrName>
@@ -25817,7 +25817,7 @@
                                           </p:stCondLst>
                                         </p:cTn>
                                         <p:tgtEl>
-                                          <p:spTgt spid="2079"/>
+                                          <p:spTgt spid="20679"/>
                                         </p:tgtEl>
                                         <p:attrNameLst>
                                           <p:attrName>style.visibility</p:attrName>
@@ -25844,7 +25844,7 @@
                                           </p:stCondLst>
                                         </p:cTn>
                                         <p:tgtEl>
-                                          <p:spTgt spid="2080"/>
+                                          <p:spTgt spid="20680"/>
                                         </p:tgtEl>
                                         <p:attrNameLst>
                                           <p:attrName>style.visibility</p:attrName>
@@ -25871,7 +25871,7 @@
                                           </p:stCondLst>
                                         </p:cTn>
                                         <p:tgtEl>
-                                          <p:spTgt spid="2081"/>
+                                          <p:spTgt spid="20681"/>
                                         </p:tgtEl>
                                         <p:attrNameLst>
                                           <p:attrName>style.visibility</p:attrName>
@@ -25898,7 +25898,7 @@
                                           </p:stCondLst>
                                         </p:cTn>
                                         <p:tgtEl>
-                                          <p:spTgt spid="2082"/>
+                                          <p:spTgt spid="20682"/>
                                         </p:tgtEl>
                                         <p:attrNameLst>
                                           <p:attrName>style.visibility</p:attrName>
@@ -25925,7 +25925,7 @@
                                           </p:stCondLst>
                                         </p:cTn>
                                         <p:tgtEl>
-                                          <p:spTgt spid="2083"/>
+                                          <p:spTgt spid="20683"/>
                                         </p:tgtEl>
                                         <p:attrNameLst>
                                           <p:attrName>style.visibility</p:attrName>
@@ -25952,7 +25952,7 @@
                                           </p:stCondLst>
                                         </p:cTn>
                                         <p:tgtEl>
-                                          <p:spTgt spid="2084"/>
+                                          <p:spTgt spid="20684"/>
                                         </p:tgtEl>
                                         <p:attrNameLst>
                                           <p:attrName>style.visibility</p:attrName>
@@ -25979,7 +25979,7 @@
                                           </p:stCondLst>
                                         </p:cTn>
                                         <p:tgtEl>
-                                          <p:spTgt spid="2085"/>
+                                          <p:spTgt spid="20685"/>
                                         </p:tgtEl>
                                         <p:attrNameLst>
                                           <p:attrName>style.visibility</p:attrName>
@@ -26006,7 +26006,7 @@
                                           </p:stCondLst>
                                         </p:cTn>
                                         <p:tgtEl>
-                                          <p:spTgt spid="2086"/>
+                                          <p:spTgt spid="20686"/>
                                         </p:tgtEl>
                                         <p:attrNameLst>
                                           <p:attrName>style.visibility</p:attrName>
@@ -26033,7 +26033,7 @@
                                           </p:stCondLst>
                                         </p:cTn>
                                         <p:tgtEl>
-                                          <p:spTgt spid="2087"/>
+                                          <p:spTgt spid="20687"/>
                                         </p:tgtEl>
                                         <p:attrNameLst>
                                           <p:attrName>style.visibility</p:attrName>
@@ -26060,7 +26060,7 @@
                                           </p:stCondLst>
                                         </p:cTn>
                                         <p:tgtEl>
-                                          <p:spTgt spid="2088"/>
+                                          <p:spTgt spid="20688"/>
                                         </p:tgtEl>
                                         <p:attrNameLst>
                                           <p:attrName>style.visibility</p:attrName>
@@ -26087,7 +26087,7 @@
                                           </p:stCondLst>
                                         </p:cTn>
                                         <p:tgtEl>
-                                          <p:spTgt spid="2089"/>
+                                          <p:spTgt spid="20689"/>
                                         </p:tgtEl>
                                         <p:attrNameLst>
                                           <p:attrName>style.visibility</p:attrName>
@@ -26114,7 +26114,7 @@
                                           </p:stCondLst>
                                         </p:cTn>
                                         <p:tgtEl>
-                                          <p:spTgt spid="2090"/>
+                                          <p:spTgt spid="20690"/>
                                         </p:tgtEl>
                                         <p:attrNameLst>
                                           <p:attrName>style.visibility</p:attrName>
@@ -26141,7 +26141,7 @@
                                           </p:stCondLst>
                                         </p:cTn>
                                         <p:tgtEl>
-                                          <p:spTgt spid="2091"/>
+                                          <p:spTgt spid="20691"/>
                                         </p:tgtEl>
                                         <p:attrNameLst>
                                           <p:attrName>style.visibility</p:attrName>
@@ -26168,7 +26168,7 @@
                                           </p:stCondLst>
                                         </p:cTn>
                                         <p:tgtEl>
-                                          <p:spTgt spid="2092"/>
+                                          <p:spTgt spid="20692"/>
                                         </p:tgtEl>
                                         <p:attrNameLst>
                                           <p:attrName>style.visibility</p:attrName>
@@ -26195,7 +26195,7 @@
                                           </p:stCondLst>
                                         </p:cTn>
                                         <p:tgtEl>
-                                          <p:spTgt spid="2093"/>
+                                          <p:spTgt spid="20693"/>
                                         </p:tgtEl>
                                         <p:attrNameLst>
                                           <p:attrName>style.visibility</p:attrName>
@@ -26222,7 +26222,7 @@
                                           </p:stCondLst>
                                         </p:cTn>
                                         <p:tgtEl>
-                                          <p:spTgt spid="2094"/>
+                                          <p:spTgt spid="20694"/>
                                         </p:tgtEl>
                                         <p:attrNameLst>
                                           <p:attrName>style.visibility</p:attrName>
@@ -26249,7 +26249,7 @@
                                           </p:stCondLst>
                                         </p:cTn>
                                         <p:tgtEl>
-                                          <p:spTgt spid="2095"/>
+                                          <p:spTgt spid="20695"/>
                                         </p:tgtEl>
                                         <p:attrNameLst>
                                           <p:attrName>style.visibility</p:attrName>
@@ -26276,7 +26276,7 @@
                                           </p:stCondLst>
                                         </p:cTn>
                                         <p:tgtEl>
-                                          <p:spTgt spid="2096"/>
+                                          <p:spTgt spid="20696"/>
                                         </p:tgtEl>
                                         <p:attrNameLst>
                                           <p:attrName>style.visibility</p:attrName>
@@ -26303,7 +26303,7 @@
                                           </p:stCondLst>
                                         </p:cTn>
                                         <p:tgtEl>
-                                          <p:spTgt spid="2097"/>
+                                          <p:spTgt spid="20697"/>
                                         </p:tgtEl>
                                         <p:attrNameLst>
                                           <p:attrName>style.visibility</p:attrName>
@@ -26330,7 +26330,7 @@
                                           </p:stCondLst>
                                         </p:cTn>
                                         <p:tgtEl>
-                                          <p:spTgt spid="2098"/>
+                                          <p:spTgt spid="20698"/>
                                         </p:tgtEl>
                                         <p:attrNameLst>
                                           <p:attrName>style.visibility</p:attrName>
@@ -26357,7 +26357,7 @@
                                           </p:stCondLst>
                                         </p:cTn>
                                         <p:tgtEl>
-                                          <p:spTgt spid="2099"/>
+                                          <p:spTgt spid="20699"/>
                                         </p:tgtEl>
                                         <p:attrNameLst>
                                           <p:attrName>style.visibility</p:attrName>
@@ -26384,7 +26384,7 @@
                                           </p:stCondLst>
                                         </p:cTn>
                                         <p:tgtEl>
-                                          <p:spTgt spid="2100"/>
+                                          <p:spTgt spid="20700"/>
                                         </p:tgtEl>
                                         <p:attrNameLst>
                                           <p:attrName>style.visibility</p:attrName>
@@ -26411,7 +26411,7 @@
                                           </p:stCondLst>
                                         </p:cTn>
                                         <p:tgtEl>
-                                          <p:spTgt spid="2101"/>
+                                          <p:spTgt spid="20701"/>
                                         </p:tgtEl>
                                         <p:attrNameLst>
                                           <p:attrName>style.visibility</p:attrName>
@@ -26438,7 +26438,7 @@
                                           </p:stCondLst>
                                         </p:cTn>
                                         <p:tgtEl>
-                                          <p:spTgt spid="2102"/>
+                                          <p:spTgt spid="20702"/>
                                         </p:tgtEl>
                                         <p:attrNameLst>
                                           <p:attrName>style.visibility</p:attrName>
@@ -26465,7 +26465,7 @@
                                           </p:stCondLst>
                                         </p:cTn>
                                         <p:tgtEl>
-                                          <p:spTgt spid="2103"/>
+                                          <p:spTgt spid="20703"/>
                                         </p:tgtEl>
                                         <p:attrNameLst>
                                           <p:attrName>style.visibility</p:attrName>
@@ -26492,7 +26492,7 @@
                                           </p:stCondLst>
                                         </p:cTn>
                                         <p:tgtEl>
-                                          <p:spTgt spid="2104"/>
+                                          <p:spTgt spid="20704"/>
                                         </p:tgtEl>
                                         <p:attrNameLst>
                                           <p:attrName>style.visibility</p:attrName>
@@ -26519,7 +26519,7 @@
                                           </p:stCondLst>
                                         </p:cTn>
                                         <p:tgtEl>
-                                          <p:spTgt spid="2105"/>
+                                          <p:spTgt spid="20705"/>
                                         </p:tgtEl>
                                         <p:attrNameLst>
                                           <p:attrName>style.visibility</p:attrName>
@@ -26546,7 +26546,7 @@
                                           </p:stCondLst>
                                         </p:cTn>
                                         <p:tgtEl>
-                                          <p:spTgt spid="2106"/>
+                                          <p:spTgt spid="20706"/>
                                         </p:tgtEl>
                                         <p:attrNameLst>
                                           <p:attrName>style.visibility</p:attrName>
@@ -26573,7 +26573,7 @@
                                           </p:stCondLst>
                                         </p:cTn>
                                         <p:tgtEl>
-                                          <p:spTgt spid="2107"/>
+                                          <p:spTgt spid="20707"/>
                                         </p:tgtEl>
                                         <p:attrNameLst>
                                           <p:attrName>style.visibility</p:attrName>
@@ -26600,7 +26600,7 @@
                                           </p:stCondLst>
                                         </p:cTn>
                                         <p:tgtEl>
-                                          <p:spTgt spid="2108"/>
+                                          <p:spTgt spid="20708"/>
                                         </p:tgtEl>
                                         <p:attrNameLst>
                                           <p:attrName>style.visibility</p:attrName>
@@ -26627,7 +26627,7 @@
                                           </p:stCondLst>
                                         </p:cTn>
                                         <p:tgtEl>
-                                          <p:spTgt spid="2109"/>
+                                          <p:spTgt spid="20709"/>
                                         </p:tgtEl>
                                         <p:attrNameLst>
                                           <p:attrName>style.visibility</p:attrName>
@@ -26654,7 +26654,7 @@
                                           </p:stCondLst>
                                         </p:cTn>
                                         <p:tgtEl>
-                                          <p:spTgt spid="2110"/>
+                                          <p:spTgt spid="20710"/>
                                         </p:tgtEl>
                                         <p:attrNameLst>
                                           <p:attrName>style.visibility</p:attrName>
@@ -26681,7 +26681,7 @@
                                           </p:stCondLst>
                                         </p:cTn>
                                         <p:tgtEl>
-                                          <p:spTgt spid="2111"/>
+                                          <p:spTgt spid="20711"/>
                                         </p:tgtEl>
                                         <p:attrNameLst>
                                           <p:attrName>style.visibility</p:attrName>
@@ -26708,7 +26708,7 @@
                                           </p:stCondLst>
                                         </p:cTn>
                                         <p:tgtEl>
-                                          <p:spTgt spid="2112"/>
+                                          <p:spTgt spid="20712"/>
                                         </p:tgtEl>
                                         <p:attrNameLst>
                                           <p:attrName>style.visibility</p:attrName>
@@ -26735,7 +26735,7 @@
                                           </p:stCondLst>
                                         </p:cTn>
                                         <p:tgtEl>
-                                          <p:spTgt spid="2113"/>
+                                          <p:spTgt spid="20713"/>
                                         </p:tgtEl>
                                         <p:attrNameLst>
                                           <p:attrName>style.visibility</p:attrName>
@@ -26762,7 +26762,7 @@
                                           </p:stCondLst>
                                         </p:cTn>
                                         <p:tgtEl>
-                                          <p:spTgt spid="2114"/>
+                                          <p:spTgt spid="20714"/>
                                         </p:tgtEl>
                                         <p:attrNameLst>
                                           <p:attrName>style.visibility</p:attrName>
@@ -26789,7 +26789,7 @@
                                           </p:stCondLst>
                                         </p:cTn>
                                         <p:tgtEl>
-                                          <p:spTgt spid="2115"/>
+                                          <p:spTgt spid="20715"/>
                                         </p:tgtEl>
                                         <p:attrNameLst>
                                           <p:attrName>style.visibility</p:attrName>
@@ -26816,7 +26816,7 @@
                                           </p:stCondLst>
                                         </p:cTn>
                                         <p:tgtEl>
-                                          <p:spTgt spid="2116"/>
+                                          <p:spTgt spid="20716"/>
                                         </p:tgtEl>
                                         <p:attrNameLst>
                                           <p:attrName>style.visibility</p:attrName>
@@ -26843,7 +26843,7 @@
                                           </p:stCondLst>
                                         </p:cTn>
                                         <p:tgtEl>
-                                          <p:spTgt spid="2117"/>
+                                          <p:spTgt spid="20717"/>
                                         </p:tgtEl>
                                         <p:attrNameLst>
                                           <p:attrName>style.visibility</p:attrName>
@@ -26870,7 +26870,7 @@
                                           </p:stCondLst>
                                         </p:cTn>
                                         <p:tgtEl>
-                                          <p:spTgt spid="2118"/>
+                                          <p:spTgt spid="20718"/>
                                         </p:tgtEl>
                                         <p:attrNameLst>
                                           <p:attrName>style.visibility</p:attrName>
@@ -26897,7 +26897,7 @@
                                           </p:stCondLst>
                                         </p:cTn>
                                         <p:tgtEl>
-                                          <p:spTgt spid="2119"/>
+                                          <p:spTgt spid="20719"/>
                                         </p:tgtEl>
                                         <p:attrNameLst>
                                           <p:attrName>style.visibility</p:attrName>
@@ -26924,7 +26924,7 @@
                                           </p:stCondLst>
                                         </p:cTn>
                                         <p:tgtEl>
-                                          <p:spTgt spid="2120"/>
+                                          <p:spTgt spid="20720"/>
                                         </p:tgtEl>
                                         <p:attrNameLst>
                                           <p:attrName>style.visibility</p:attrName>
@@ -26951,7 +26951,7 @@
                                           </p:stCondLst>
                                         </p:cTn>
                                         <p:tgtEl>
-                                          <p:spTgt spid="2121"/>
+                                          <p:spTgt spid="20721"/>
                                         </p:tgtEl>
                                         <p:attrNameLst>
                                           <p:attrName>style.visibility</p:attrName>
@@ -26978,7 +26978,7 @@
                                           </p:stCondLst>
                                         </p:cTn>
                                         <p:tgtEl>
-                                          <p:spTgt spid="2122"/>
+                                          <p:spTgt spid="20722"/>
                                         </p:tgtEl>
                                         <p:attrNameLst>
                                           <p:attrName>style.visibility</p:attrName>
@@ -27005,7 +27005,7 @@
                                           </p:stCondLst>
                                         </p:cTn>
                                         <p:tgtEl>
-                                          <p:spTgt spid="2123"/>
+                                          <p:spTgt spid="20723"/>
                                         </p:tgtEl>
                                         <p:attrNameLst>
                                           <p:attrName>style.visibility</p:attrName>
@@ -27032,7 +27032,7 @@
                                           </p:stCondLst>
                                         </p:cTn>
                                         <p:tgtEl>
-                                          <p:spTgt spid="2124"/>
+                                          <p:spTgt spid="20724"/>
                                         </p:tgtEl>
                                         <p:attrNameLst>
                                           <p:attrName>style.visibility</p:attrName>
@@ -27059,7 +27059,7 @@
                                           </p:stCondLst>
                                         </p:cTn>
                                         <p:tgtEl>
-                                          <p:spTgt spid="2125"/>
+                                          <p:spTgt spid="20725"/>
                                         </p:tgtEl>
                                         <p:attrNameLst>
                                           <p:attrName>style.visibility</p:attrName>
@@ -27086,7 +27086,7 @@
                                           </p:stCondLst>
                                         </p:cTn>
                                         <p:tgtEl>
-                                          <p:spTgt spid="2126"/>
+                                          <p:spTgt spid="20726"/>
                                         </p:tgtEl>
                                         <p:attrNameLst>
                                           <p:attrName>style.visibility</p:attrName>
@@ -27113,7 +27113,7 @@
                                           </p:stCondLst>
                                         </p:cTn>
                                         <p:tgtEl>
-                                          <p:spTgt spid="2127"/>
+                                          <p:spTgt spid="20727"/>
                                         </p:tgtEl>
                                         <p:attrNameLst>
                                           <p:attrName>style.visibility</p:attrName>
@@ -27140,7 +27140,7 @@
                                           </p:stCondLst>
                                         </p:cTn>
                                         <p:tgtEl>
-                                          <p:spTgt spid="2128"/>
+                                          <p:spTgt spid="20728"/>
                                         </p:tgtEl>
                                         <p:attrNameLst>
                                           <p:attrName>style.visibility</p:attrName>
@@ -27167,7 +27167,7 @@
                                           </p:stCondLst>
                                         </p:cTn>
                                         <p:tgtEl>
-                                          <p:spTgt spid="2129"/>
+                                          <p:spTgt spid="20729"/>
                                         </p:tgtEl>
                                         <p:attrNameLst>
                                           <p:attrName>style.visibility</p:attrName>
@@ -27194,7 +27194,7 @@
                                           </p:stCondLst>
                                         </p:cTn>
                                         <p:tgtEl>
-                                          <p:spTgt spid="2130"/>
+                                          <p:spTgt spid="20730"/>
                                         </p:tgtEl>
                                         <p:attrNameLst>
                                           <p:attrName>style.visibility</p:attrName>
@@ -27221,7 +27221,7 @@
                                           </p:stCondLst>
                                         </p:cTn>
                                         <p:tgtEl>
-                                          <p:spTgt spid="2131"/>
+                                          <p:spTgt spid="20731"/>
                                         </p:tgtEl>
                                         <p:attrNameLst>
                                           <p:attrName>style.visibility</p:attrName>
@@ -27248,7 +27248,7 @@
                                           </p:stCondLst>
                                         </p:cTn>
                                         <p:tgtEl>
-                                          <p:spTgt spid="2132"/>
+                                          <p:spTgt spid="20732"/>
                                         </p:tgtEl>
                                         <p:attrNameLst>
                                           <p:attrName>style.visibility</p:attrName>
@@ -27275,7 +27275,7 @@
                                           </p:stCondLst>
                                         </p:cTn>
                                         <p:tgtEl>
-                                          <p:spTgt spid="2133"/>
+                                          <p:spTgt spid="20733"/>
                                         </p:tgtEl>
                                         <p:attrNameLst>
                                           <p:attrName>style.visibility</p:attrName>
@@ -27302,7 +27302,7 @@
                                           </p:stCondLst>
                                         </p:cTn>
                                         <p:tgtEl>
-                                          <p:spTgt spid="2134"/>
+                                          <p:spTgt spid="20734"/>
                                         </p:tgtEl>
                                         <p:attrNameLst>
                                           <p:attrName>style.visibility</p:attrName>
@@ -27329,7 +27329,7 @@
                                           </p:stCondLst>
                                         </p:cTn>
                                         <p:tgtEl>
-                                          <p:spTgt spid="2135"/>
+                                          <p:spTgt spid="20735"/>
                                         </p:tgtEl>
                                         <p:attrNameLst>
                                           <p:attrName>style.visibility</p:attrName>
@@ -27356,7 +27356,7 @@
                                           </p:stCondLst>
                                         </p:cTn>
                                         <p:tgtEl>
-                                          <p:spTgt spid="2136"/>
+                                          <p:spTgt spid="20736"/>
                                         </p:tgtEl>
                                         <p:attrNameLst>
                                           <p:attrName>style.visibility</p:attrName>
@@ -27383,7 +27383,7 @@
                                           </p:stCondLst>
                                         </p:cTn>
                                         <p:tgtEl>
-                                          <p:spTgt spid="2137"/>
+                                          <p:spTgt spid="20737"/>
                                         </p:tgtEl>
                                         <p:attrNameLst>
                                           <p:attrName>style.visibility</p:attrName>
@@ -27410,7 +27410,7 @@
                                           </p:stCondLst>
                                         </p:cTn>
                                         <p:tgtEl>
-                                          <p:spTgt spid="2138"/>
+                                          <p:spTgt spid="20738"/>
                                         </p:tgtEl>
                                         <p:attrNameLst>
                                           <p:attrName>style.visibility</p:attrName>
@@ -27437,7 +27437,7 @@
                                           </p:stCondLst>
                                         </p:cTn>
                                         <p:tgtEl>
-                                          <p:spTgt spid="2139"/>
+                                          <p:spTgt spid="20739"/>
                                         </p:tgtEl>
                                         <p:attrNameLst>
                                           <p:attrName>style.visibility</p:attrName>
@@ -27464,7 +27464,7 @@
                                           </p:stCondLst>
                                         </p:cTn>
                                         <p:tgtEl>
-                                          <p:spTgt spid="2140"/>
+                                          <p:spTgt spid="20740"/>
                                         </p:tgtEl>
                                         <p:attrNameLst>
                                           <p:attrName>style.visibility</p:attrName>
@@ -27491,7 +27491,7 @@
                                           </p:stCondLst>
                                         </p:cTn>
                                         <p:tgtEl>
-                                          <p:spTgt spid="2141"/>
+                                          <p:spTgt spid="20741"/>
                                         </p:tgtEl>
                                         <p:attrNameLst>
                                           <p:attrName>style.visibility</p:attrName>
@@ -27518,7 +27518,7 @@
                                           </p:stCondLst>
                                         </p:cTn>
                                         <p:tgtEl>
-                                          <p:spTgt spid="2142"/>
+                                          <p:spTgt spid="20742"/>
                                         </p:tgtEl>
                                         <p:attrNameLst>
                                           <p:attrName>style.visibility</p:attrName>
@@ -27545,7 +27545,7 @@
                                           </p:stCondLst>
                                         </p:cTn>
                                         <p:tgtEl>
-                                          <p:spTgt spid="2143"/>
+                                          <p:spTgt spid="20743"/>
                                         </p:tgtEl>
                                         <p:attrNameLst>
                                           <p:attrName>style.visibility</p:attrName>
@@ -27572,7 +27572,7 @@
                                           </p:stCondLst>
                                         </p:cTn>
                                         <p:tgtEl>
-                                          <p:spTgt spid="2144"/>
+                                          <p:spTgt spid="20744"/>
                                         </p:tgtEl>
                                         <p:attrNameLst>
                                           <p:attrName>style.visibility</p:attrName>
@@ -27599,7 +27599,7 @@
                                           </p:stCondLst>
                                         </p:cTn>
                                         <p:tgtEl>
-                                          <p:spTgt spid="2145"/>
+                                          <p:spTgt spid="20745"/>
                                         </p:tgtEl>
                                         <p:attrNameLst>
                                           <p:attrName>style.visibility</p:attrName>
@@ -27626,7 +27626,7 @@
                                           </p:stCondLst>
                                         </p:cTn>
                                         <p:tgtEl>
-                                          <p:spTgt spid="2146"/>
+                                          <p:spTgt spid="20746"/>
                                         </p:tgtEl>
                                         <p:attrNameLst>
                                           <p:attrName>style.visibility</p:attrName>
@@ -27653,7 +27653,7 @@
                                           </p:stCondLst>
                                         </p:cTn>
                                         <p:tgtEl>
-                                          <p:spTgt spid="2147"/>
+                                          <p:spTgt spid="20747"/>
                                         </p:tgtEl>
                                         <p:attrNameLst>
                                           <p:attrName>style.visibility</p:attrName>
@@ -27680,7 +27680,7 @@
                                           </p:stCondLst>
                                         </p:cTn>
                                         <p:tgtEl>
-                                          <p:spTgt spid="2148"/>
+                                          <p:spTgt spid="20748"/>
                                         </p:tgtEl>
                                         <p:attrNameLst>
                                           <p:attrName>style.visibility</p:attrName>
@@ -27707,7 +27707,7 @@
                                           </p:stCondLst>
                                         </p:cTn>
                                         <p:tgtEl>
-                                          <p:spTgt spid="2149"/>
+                                          <p:spTgt spid="20749"/>
                                         </p:tgtEl>
                                         <p:attrNameLst>
                                           <p:attrName>style.visibility</p:attrName>
@@ -27734,7 +27734,7 @@
                                           </p:stCondLst>
                                         </p:cTn>
                                         <p:tgtEl>
-                                          <p:spTgt spid="2150"/>
+                                          <p:spTgt spid="20750"/>
                                         </p:tgtEl>
                                         <p:attrNameLst>
                                           <p:attrName>style.visibility</p:attrName>
@@ -27761,7 +27761,7 @@
                                           </p:stCondLst>
                                         </p:cTn>
                                         <p:tgtEl>
-                                          <p:spTgt spid="2151"/>
+                                          <p:spTgt spid="20751"/>
                                         </p:tgtEl>
                                         <p:attrNameLst>
                                           <p:attrName>style.visibility</p:attrName>
@@ -27788,7 +27788,7 @@
                                           </p:stCondLst>
                                         </p:cTn>
                                         <p:tgtEl>
-                                          <p:spTgt spid="2152"/>
+                                          <p:spTgt spid="20752"/>
                                         </p:tgtEl>
                                         <p:attrNameLst>
                                           <p:attrName>style.visibility</p:attrName>
@@ -27815,7 +27815,7 @@
                                           </p:stCondLst>
                                         </p:cTn>
                                         <p:tgtEl>
-                                          <p:spTgt spid="2153"/>
+                                          <p:spTgt spid="20753"/>
                                         </p:tgtEl>
                                         <p:attrNameLst>
                                           <p:attrName>style.visibility</p:attrName>
@@ -27842,7 +27842,7 @@
                                           </p:stCondLst>
                                         </p:cTn>
                                         <p:tgtEl>
-                                          <p:spTgt spid="2154"/>
+                                          <p:spTgt spid="20754"/>
                                         </p:tgtEl>
                                         <p:attrNameLst>
                                           <p:attrName>style.visibility</p:attrName>
@@ -27869,7 +27869,7 @@
                                           </p:stCondLst>
                                         </p:cTn>
                                         <p:tgtEl>
-                                          <p:spTgt spid="2155"/>
+                                          <p:spTgt spid="20755"/>
                                         </p:tgtEl>
                                         <p:attrNameLst>
                                           <p:attrName>style.visibility</p:attrName>
@@ -27896,7 +27896,7 @@
                                           </p:stCondLst>
                                         </p:cTn>
                                         <p:tgtEl>
-                                          <p:spTgt spid="2156"/>
+                                          <p:spTgt spid="20756"/>
                                         </p:tgtEl>
                                         <p:attrNameLst>
                                           <p:attrName>style.visibility</p:attrName>
@@ -27923,7 +27923,7 @@
                                           </p:stCondLst>
                                         </p:cTn>
                                         <p:tgtEl>
-                                          <p:spTgt spid="2157"/>
+                                          <p:spTgt spid="20757"/>
                                         </p:tgtEl>
                                         <p:attrNameLst>
                                           <p:attrName>style.visibility</p:attrName>
@@ -27950,7 +27950,7 @@
                                           </p:stCondLst>
                                         </p:cTn>
                                         <p:tgtEl>
-                                          <p:spTgt spid="2158"/>
+                                          <p:spTgt spid="20758"/>
                                         </p:tgtEl>
                                         <p:attrNameLst>
                                           <p:attrName>style.visibility</p:attrName>

--- a/org.mwc.debrief.legacy/test_data/master_template/scenario_short_range/scenario_short_range_temp.pptx
+++ b/org.mwc.debrief.legacy/test_data/master_template/scenario_short_range/scenario_short_range_temp.pptx
@@ -3905,7 +3905,7 @@
       </p:pic>
       <p:sp>
         <p:nvSpPr>
-          <p:cNvPr id="20600" name="footprint"/>
+          <p:cNvPr id="30000" name="footprint"/>
           <p:cNvSpPr/>
           <p:nvPr/>
         </p:nvSpPr>
@@ -3946,7 +3946,7 @@
       </p:sp>
       <p:sp>
         <p:nvSpPr>
-          <p:cNvPr id="20601" name="footprint"/>
+          <p:cNvPr id="30001" name="footprint"/>
           <p:cNvSpPr/>
           <p:nvPr/>
         </p:nvSpPr>
@@ -3987,7 +3987,7 @@
       </p:sp>
       <p:sp>
         <p:nvSpPr>
-          <p:cNvPr id="20602" name="footprint"/>
+          <p:cNvPr id="30002" name="footprint"/>
           <p:cNvSpPr/>
           <p:nvPr/>
         </p:nvSpPr>
@@ -4028,7 +4028,7 @@
       </p:sp>
       <p:sp>
         <p:nvSpPr>
-          <p:cNvPr id="20603" name="footprint"/>
+          <p:cNvPr id="30003" name="footprint"/>
           <p:cNvSpPr/>
           <p:nvPr/>
         </p:nvSpPr>
@@ -4069,7 +4069,7 @@
       </p:sp>
       <p:sp>
         <p:nvSpPr>
-          <p:cNvPr id="20604" name="footprint"/>
+          <p:cNvPr id="30004" name="footprint"/>
           <p:cNvSpPr/>
           <p:nvPr/>
         </p:nvSpPr>
@@ -4110,7 +4110,7 @@
       </p:sp>
       <p:sp>
         <p:nvSpPr>
-          <p:cNvPr id="20605" name="footprint"/>
+          <p:cNvPr id="30005" name="footprint"/>
           <p:cNvSpPr/>
           <p:nvPr/>
         </p:nvSpPr>
@@ -4151,7 +4151,7 @@
       </p:sp>
       <p:sp>
         <p:nvSpPr>
-          <p:cNvPr id="20606" name="footprint"/>
+          <p:cNvPr id="30006" name="footprint"/>
           <p:cNvSpPr/>
           <p:nvPr/>
         </p:nvSpPr>
@@ -4192,7 +4192,7 @@
       </p:sp>
       <p:sp>
         <p:nvSpPr>
-          <p:cNvPr id="20607" name="footprint"/>
+          <p:cNvPr id="30007" name="footprint"/>
           <p:cNvSpPr/>
           <p:nvPr/>
         </p:nvSpPr>
@@ -4233,7 +4233,7 @@
       </p:sp>
       <p:sp>
         <p:nvSpPr>
-          <p:cNvPr id="20608" name="footprint"/>
+          <p:cNvPr id="30008" name="footprint"/>
           <p:cNvSpPr/>
           <p:nvPr/>
         </p:nvSpPr>
@@ -4274,7 +4274,7 @@
       </p:sp>
       <p:sp>
         <p:nvSpPr>
-          <p:cNvPr id="20609" name="footprint"/>
+          <p:cNvPr id="30009" name="footprint"/>
           <p:cNvSpPr/>
           <p:nvPr/>
         </p:nvSpPr>
@@ -4315,7 +4315,7 @@
       </p:sp>
       <p:sp>
         <p:nvSpPr>
-          <p:cNvPr id="20610" name="footprint"/>
+          <p:cNvPr id="30010" name="footprint"/>
           <p:cNvSpPr/>
           <p:nvPr/>
         </p:nvSpPr>
@@ -4356,7 +4356,7 @@
       </p:sp>
       <p:sp>
         <p:nvSpPr>
-          <p:cNvPr id="20611" name="footprint"/>
+          <p:cNvPr id="30011" name="footprint"/>
           <p:cNvSpPr/>
           <p:nvPr/>
         </p:nvSpPr>
@@ -4397,7 +4397,7 @@
       </p:sp>
       <p:sp>
         <p:nvSpPr>
-          <p:cNvPr id="20612" name="footprint"/>
+          <p:cNvPr id="30012" name="footprint"/>
           <p:cNvSpPr/>
           <p:nvPr/>
         </p:nvSpPr>
@@ -4438,7 +4438,7 @@
       </p:sp>
       <p:sp>
         <p:nvSpPr>
-          <p:cNvPr id="20613" name="footprint"/>
+          <p:cNvPr id="30013" name="footprint"/>
           <p:cNvSpPr/>
           <p:nvPr/>
         </p:nvSpPr>
@@ -4479,7 +4479,7 @@
       </p:sp>
       <p:sp>
         <p:nvSpPr>
-          <p:cNvPr id="20614" name="footprint"/>
+          <p:cNvPr id="30014" name="footprint"/>
           <p:cNvSpPr/>
           <p:nvPr/>
         </p:nvSpPr>
@@ -4520,7 +4520,7 @@
       </p:sp>
       <p:sp>
         <p:nvSpPr>
-          <p:cNvPr id="20615" name="footprint"/>
+          <p:cNvPr id="30015" name="footprint"/>
           <p:cNvSpPr/>
           <p:nvPr/>
         </p:nvSpPr>
@@ -4561,7 +4561,7 @@
       </p:sp>
       <p:sp>
         <p:nvSpPr>
-          <p:cNvPr id="20616" name="footprint"/>
+          <p:cNvPr id="30016" name="footprint"/>
           <p:cNvSpPr/>
           <p:nvPr/>
         </p:nvSpPr>
@@ -4602,7 +4602,7 @@
       </p:sp>
       <p:sp>
         <p:nvSpPr>
-          <p:cNvPr id="20617" name="footprint"/>
+          <p:cNvPr id="30017" name="footprint"/>
           <p:cNvSpPr/>
           <p:nvPr/>
         </p:nvSpPr>
@@ -4643,7 +4643,7 @@
       </p:sp>
       <p:sp>
         <p:nvSpPr>
-          <p:cNvPr id="20618" name="footprint"/>
+          <p:cNvPr id="30018" name="footprint"/>
           <p:cNvSpPr/>
           <p:nvPr/>
         </p:nvSpPr>
@@ -4684,7 +4684,7 @@
       </p:sp>
       <p:sp>
         <p:nvSpPr>
-          <p:cNvPr id="20619" name="footprint"/>
+          <p:cNvPr id="30019" name="footprint"/>
           <p:cNvSpPr/>
           <p:nvPr/>
         </p:nvSpPr>
@@ -4725,7 +4725,7 @@
       </p:sp>
       <p:sp>
         <p:nvSpPr>
-          <p:cNvPr id="20620" name="footprint"/>
+          <p:cNvPr id="30020" name="footprint"/>
           <p:cNvSpPr/>
           <p:nvPr/>
         </p:nvSpPr>
@@ -4766,7 +4766,7 @@
       </p:sp>
       <p:sp>
         <p:nvSpPr>
-          <p:cNvPr id="20621" name="footprint"/>
+          <p:cNvPr id="30021" name="footprint"/>
           <p:cNvSpPr/>
           <p:nvPr/>
         </p:nvSpPr>
@@ -4807,7 +4807,7 @@
       </p:sp>
       <p:sp>
         <p:nvSpPr>
-          <p:cNvPr id="20622" name="footprint"/>
+          <p:cNvPr id="30022" name="footprint"/>
           <p:cNvSpPr/>
           <p:nvPr/>
         </p:nvSpPr>
@@ -4848,7 +4848,7 @@
       </p:sp>
       <p:sp>
         <p:nvSpPr>
-          <p:cNvPr id="20623" name="footprint"/>
+          <p:cNvPr id="30023" name="footprint"/>
           <p:cNvSpPr/>
           <p:nvPr/>
         </p:nvSpPr>
@@ -4889,7 +4889,7 @@
       </p:sp>
       <p:sp>
         <p:nvSpPr>
-          <p:cNvPr id="20624" name="footprint"/>
+          <p:cNvPr id="30024" name="footprint"/>
           <p:cNvSpPr/>
           <p:nvPr/>
         </p:nvSpPr>
@@ -4930,7 +4930,7 @@
       </p:sp>
       <p:sp>
         <p:nvSpPr>
-          <p:cNvPr id="20625" name="footprint"/>
+          <p:cNvPr id="30025" name="footprint"/>
           <p:cNvSpPr/>
           <p:nvPr/>
         </p:nvSpPr>
@@ -4971,7 +4971,7 @@
       </p:sp>
       <p:sp>
         <p:nvSpPr>
-          <p:cNvPr id="20626" name="footprint"/>
+          <p:cNvPr id="30026" name="footprint"/>
           <p:cNvSpPr/>
           <p:nvPr/>
         </p:nvSpPr>
@@ -5012,7 +5012,7 @@
       </p:sp>
       <p:sp>
         <p:nvSpPr>
-          <p:cNvPr id="20627" name="footprint"/>
+          <p:cNvPr id="30027" name="footprint"/>
           <p:cNvSpPr/>
           <p:nvPr/>
         </p:nvSpPr>
@@ -5053,7 +5053,7 @@
       </p:sp>
       <p:sp>
         <p:nvSpPr>
-          <p:cNvPr id="20628" name="footprint"/>
+          <p:cNvPr id="30028" name="footprint"/>
           <p:cNvSpPr/>
           <p:nvPr/>
         </p:nvSpPr>
@@ -5094,7 +5094,7 @@
       </p:sp>
       <p:sp>
         <p:nvSpPr>
-          <p:cNvPr id="20629" name="footprint"/>
+          <p:cNvPr id="30029" name="footprint"/>
           <p:cNvSpPr/>
           <p:nvPr/>
         </p:nvSpPr>
@@ -5135,7 +5135,7 @@
       </p:sp>
       <p:sp>
         <p:nvSpPr>
-          <p:cNvPr id="20630" name="footprint"/>
+          <p:cNvPr id="30030" name="footprint"/>
           <p:cNvSpPr/>
           <p:nvPr/>
         </p:nvSpPr>
@@ -5176,7 +5176,7 @@
       </p:sp>
       <p:sp>
         <p:nvSpPr>
-          <p:cNvPr id="20631" name="footprint"/>
+          <p:cNvPr id="30031" name="footprint"/>
           <p:cNvSpPr/>
           <p:nvPr/>
         </p:nvSpPr>
@@ -5217,7 +5217,7 @@
       </p:sp>
       <p:sp>
         <p:nvSpPr>
-          <p:cNvPr id="20632" name="footprint"/>
+          <p:cNvPr id="30032" name="footprint"/>
           <p:cNvSpPr/>
           <p:nvPr/>
         </p:nvSpPr>
@@ -5258,7 +5258,7 @@
       </p:sp>
       <p:sp>
         <p:nvSpPr>
-          <p:cNvPr id="20633" name="footprint"/>
+          <p:cNvPr id="30033" name="footprint"/>
           <p:cNvSpPr/>
           <p:nvPr/>
         </p:nvSpPr>
@@ -5299,7 +5299,7 @@
       </p:sp>
       <p:sp>
         <p:nvSpPr>
-          <p:cNvPr id="20634" name="footprint"/>
+          <p:cNvPr id="30034" name="footprint"/>
           <p:cNvSpPr/>
           <p:nvPr/>
         </p:nvSpPr>
@@ -5340,7 +5340,7 @@
       </p:sp>
       <p:sp>
         <p:nvSpPr>
-          <p:cNvPr id="20635" name="footprint"/>
+          <p:cNvPr id="30035" name="footprint"/>
           <p:cNvSpPr/>
           <p:nvPr/>
         </p:nvSpPr>
@@ -5381,7 +5381,7 @@
       </p:sp>
       <p:sp>
         <p:nvSpPr>
-          <p:cNvPr id="20636" name="footprint"/>
+          <p:cNvPr id="30036" name="footprint"/>
           <p:cNvSpPr/>
           <p:nvPr/>
         </p:nvSpPr>
@@ -5422,7 +5422,7 @@
       </p:sp>
       <p:sp>
         <p:nvSpPr>
-          <p:cNvPr id="20637" name="footprint"/>
+          <p:cNvPr id="30037" name="footprint"/>
           <p:cNvSpPr/>
           <p:nvPr/>
         </p:nvSpPr>
@@ -5463,7 +5463,7 @@
       </p:sp>
       <p:sp>
         <p:nvSpPr>
-          <p:cNvPr id="20638" name="footprint"/>
+          <p:cNvPr id="30038" name="footprint"/>
           <p:cNvSpPr/>
           <p:nvPr/>
         </p:nvSpPr>
@@ -5504,7 +5504,7 @@
       </p:sp>
       <p:sp>
         <p:nvSpPr>
-          <p:cNvPr id="20639" name="footprint"/>
+          <p:cNvPr id="30039" name="footprint"/>
           <p:cNvSpPr/>
           <p:nvPr/>
         </p:nvSpPr>
@@ -5545,7 +5545,7 @@
       </p:sp>
       <p:sp>
         <p:nvSpPr>
-          <p:cNvPr id="20640" name="footprint"/>
+          <p:cNvPr id="30040" name="footprint"/>
           <p:cNvSpPr/>
           <p:nvPr/>
         </p:nvSpPr>
@@ -5586,7 +5586,7 @@
       </p:sp>
       <p:sp>
         <p:nvSpPr>
-          <p:cNvPr id="20641" name="footprint"/>
+          <p:cNvPr id="30041" name="footprint"/>
           <p:cNvSpPr/>
           <p:nvPr/>
         </p:nvSpPr>
@@ -5627,7 +5627,7 @@
       </p:sp>
       <p:sp>
         <p:nvSpPr>
-          <p:cNvPr id="20642" name="footprint"/>
+          <p:cNvPr id="30042" name="footprint"/>
           <p:cNvSpPr/>
           <p:nvPr/>
         </p:nvSpPr>
@@ -5668,7 +5668,7 @@
       </p:sp>
       <p:sp>
         <p:nvSpPr>
-          <p:cNvPr id="20643" name="footprint"/>
+          <p:cNvPr id="30043" name="footprint"/>
           <p:cNvSpPr/>
           <p:nvPr/>
         </p:nvSpPr>
@@ -5709,7 +5709,7 @@
       </p:sp>
       <p:sp>
         <p:nvSpPr>
-          <p:cNvPr id="20644" name="footprint"/>
+          <p:cNvPr id="30044" name="footprint"/>
           <p:cNvSpPr/>
           <p:nvPr/>
         </p:nvSpPr>
@@ -5750,7 +5750,7 @@
       </p:sp>
       <p:sp>
         <p:nvSpPr>
-          <p:cNvPr id="20645" name="footprint"/>
+          <p:cNvPr id="30045" name="footprint"/>
           <p:cNvSpPr/>
           <p:nvPr/>
         </p:nvSpPr>
@@ -5791,7 +5791,7 @@
       </p:sp>
       <p:sp>
         <p:nvSpPr>
-          <p:cNvPr id="20646" name="footprint"/>
+          <p:cNvPr id="30046" name="footprint"/>
           <p:cNvSpPr/>
           <p:nvPr/>
         </p:nvSpPr>
@@ -5832,7 +5832,7 @@
       </p:sp>
       <p:sp>
         <p:nvSpPr>
-          <p:cNvPr id="20647" name="footprint"/>
+          <p:cNvPr id="30047" name="footprint"/>
           <p:cNvSpPr/>
           <p:nvPr/>
         </p:nvSpPr>
@@ -5873,7 +5873,7 @@
       </p:sp>
       <p:sp>
         <p:nvSpPr>
-          <p:cNvPr id="20648" name="footprint"/>
+          <p:cNvPr id="30048" name="footprint"/>
           <p:cNvSpPr/>
           <p:nvPr/>
         </p:nvSpPr>
@@ -5914,7 +5914,7 @@
       </p:sp>
       <p:sp>
         <p:nvSpPr>
-          <p:cNvPr id="20649" name="footprint"/>
+          <p:cNvPr id="30049" name="footprint"/>
           <p:cNvSpPr/>
           <p:nvPr/>
         </p:nvSpPr>
@@ -5955,7 +5955,7 @@
       </p:sp>
       <p:sp>
         <p:nvSpPr>
-          <p:cNvPr id="20650" name="footprint"/>
+          <p:cNvPr id="30050" name="footprint"/>
           <p:cNvSpPr/>
           <p:nvPr/>
         </p:nvSpPr>
@@ -5996,7 +5996,7 @@
       </p:sp>
       <p:sp>
         <p:nvSpPr>
-          <p:cNvPr id="20651" name="footprint"/>
+          <p:cNvPr id="30051" name="footprint"/>
           <p:cNvSpPr/>
           <p:nvPr/>
         </p:nvSpPr>
@@ -6037,7 +6037,7 @@
       </p:sp>
       <p:sp>
         <p:nvSpPr>
-          <p:cNvPr id="20652" name="footprint"/>
+          <p:cNvPr id="30052" name="footprint"/>
           <p:cNvSpPr/>
           <p:nvPr/>
         </p:nvSpPr>
@@ -6078,7 +6078,7 @@
       </p:sp>
       <p:sp>
         <p:nvSpPr>
-          <p:cNvPr id="20653" name="footprint"/>
+          <p:cNvPr id="30053" name="footprint"/>
           <p:cNvSpPr/>
           <p:nvPr/>
         </p:nvSpPr>
@@ -6119,7 +6119,7 @@
       </p:sp>
       <p:sp>
         <p:nvSpPr>
-          <p:cNvPr id="20654" name="footprint"/>
+          <p:cNvPr id="30054" name="footprint"/>
           <p:cNvSpPr/>
           <p:nvPr/>
         </p:nvSpPr>
@@ -6160,7 +6160,7 @@
       </p:sp>
       <p:sp>
         <p:nvSpPr>
-          <p:cNvPr id="20655" name="footprint"/>
+          <p:cNvPr id="30055" name="footprint"/>
           <p:cNvSpPr/>
           <p:nvPr/>
         </p:nvSpPr>
@@ -6201,7 +6201,7 @@
       </p:sp>
       <p:sp>
         <p:nvSpPr>
-          <p:cNvPr id="20656" name="footprint"/>
+          <p:cNvPr id="30056" name="footprint"/>
           <p:cNvSpPr/>
           <p:nvPr/>
         </p:nvSpPr>
@@ -6242,7 +6242,7 @@
       </p:sp>
       <p:sp>
         <p:nvSpPr>
-          <p:cNvPr id="20657" name="footprint"/>
+          <p:cNvPr id="30057" name="footprint"/>
           <p:cNvSpPr/>
           <p:nvPr/>
         </p:nvSpPr>
@@ -6283,7 +6283,7 @@
       </p:sp>
       <p:sp>
         <p:nvSpPr>
-          <p:cNvPr id="20658" name="footprint"/>
+          <p:cNvPr id="30058" name="footprint"/>
           <p:cNvSpPr/>
           <p:nvPr/>
         </p:nvSpPr>
@@ -6324,7 +6324,7 @@
       </p:sp>
       <p:sp>
         <p:nvSpPr>
-          <p:cNvPr id="20659" name="footprint"/>
+          <p:cNvPr id="30059" name="footprint"/>
           <p:cNvSpPr/>
           <p:nvPr/>
         </p:nvSpPr>
@@ -6365,7 +6365,7 @@
       </p:sp>
       <p:sp>
         <p:nvSpPr>
-          <p:cNvPr id="20660" name="footprint"/>
+          <p:cNvPr id="30060" name="footprint"/>
           <p:cNvSpPr/>
           <p:nvPr/>
         </p:nvSpPr>
@@ -6406,7 +6406,7 @@
       </p:sp>
       <p:sp>
         <p:nvSpPr>
-          <p:cNvPr id="20661" name="footprint"/>
+          <p:cNvPr id="30061" name="footprint"/>
           <p:cNvSpPr/>
           <p:nvPr/>
         </p:nvSpPr>
@@ -6447,7 +6447,7 @@
       </p:sp>
       <p:sp>
         <p:nvSpPr>
-          <p:cNvPr id="20662" name="footprint"/>
+          <p:cNvPr id="30062" name="footprint"/>
           <p:cNvSpPr/>
           <p:nvPr/>
         </p:nvSpPr>
@@ -6488,7 +6488,7 @@
       </p:sp>
       <p:sp>
         <p:nvSpPr>
-          <p:cNvPr id="20663" name="footprint"/>
+          <p:cNvPr id="30063" name="footprint"/>
           <p:cNvSpPr/>
           <p:nvPr/>
         </p:nvSpPr>
@@ -6529,7 +6529,7 @@
       </p:sp>
       <p:sp>
         <p:nvSpPr>
-          <p:cNvPr id="20664" name="footprint"/>
+          <p:cNvPr id="30064" name="footprint"/>
           <p:cNvSpPr/>
           <p:nvPr/>
         </p:nvSpPr>
@@ -6570,7 +6570,7 @@
       </p:sp>
       <p:sp>
         <p:nvSpPr>
-          <p:cNvPr id="20665" name="footprint"/>
+          <p:cNvPr id="30065" name="footprint"/>
           <p:cNvSpPr/>
           <p:nvPr/>
         </p:nvSpPr>
@@ -6611,7 +6611,7 @@
       </p:sp>
       <p:sp>
         <p:nvSpPr>
-          <p:cNvPr id="20666" name="footprint"/>
+          <p:cNvPr id="30066" name="footprint"/>
           <p:cNvSpPr/>
           <p:nvPr/>
         </p:nvSpPr>
@@ -6652,7 +6652,7 @@
       </p:sp>
       <p:sp>
         <p:nvSpPr>
-          <p:cNvPr id="20667" name="footprint"/>
+          <p:cNvPr id="30067" name="footprint"/>
           <p:cNvSpPr/>
           <p:nvPr/>
         </p:nvSpPr>
@@ -6693,7 +6693,7 @@
       </p:sp>
       <p:sp>
         <p:nvSpPr>
-          <p:cNvPr id="20668" name="footprint"/>
+          <p:cNvPr id="30068" name="footprint"/>
           <p:cNvSpPr/>
           <p:nvPr/>
         </p:nvSpPr>
@@ -6734,7 +6734,7 @@
       </p:sp>
       <p:sp>
         <p:nvSpPr>
-          <p:cNvPr id="20669" name="footprint"/>
+          <p:cNvPr id="30069" name="footprint"/>
           <p:cNvSpPr/>
           <p:nvPr/>
         </p:nvSpPr>
@@ -6775,7 +6775,7 @@
       </p:sp>
       <p:sp>
         <p:nvSpPr>
-          <p:cNvPr id="20670" name="footprint"/>
+          <p:cNvPr id="30070" name="footprint"/>
           <p:cNvSpPr/>
           <p:nvPr/>
         </p:nvSpPr>
@@ -6816,7 +6816,7 @@
       </p:sp>
       <p:sp>
         <p:nvSpPr>
-          <p:cNvPr id="20671" name="footprint"/>
+          <p:cNvPr id="30071" name="footprint"/>
           <p:cNvSpPr/>
           <p:nvPr/>
         </p:nvSpPr>
@@ -6857,7 +6857,7 @@
       </p:sp>
       <p:sp>
         <p:nvSpPr>
-          <p:cNvPr id="20672" name="footprint"/>
+          <p:cNvPr id="30072" name="footprint"/>
           <p:cNvSpPr/>
           <p:nvPr/>
         </p:nvSpPr>
@@ -6898,7 +6898,7 @@
       </p:sp>
       <p:sp>
         <p:nvSpPr>
-          <p:cNvPr id="20673" name="footprint"/>
+          <p:cNvPr id="30073" name="footprint"/>
           <p:cNvSpPr/>
           <p:nvPr/>
         </p:nvSpPr>
@@ -6939,7 +6939,7 @@
       </p:sp>
       <p:sp>
         <p:nvSpPr>
-          <p:cNvPr id="20674" name="footprint"/>
+          <p:cNvPr id="30074" name="footprint"/>
           <p:cNvSpPr/>
           <p:nvPr/>
         </p:nvSpPr>
@@ -6980,7 +6980,7 @@
       </p:sp>
       <p:sp>
         <p:nvSpPr>
-          <p:cNvPr id="20675" name="footprint"/>
+          <p:cNvPr id="30075" name="footprint"/>
           <p:cNvSpPr/>
           <p:nvPr/>
         </p:nvSpPr>
@@ -7021,7 +7021,7 @@
       </p:sp>
       <p:sp>
         <p:nvSpPr>
-          <p:cNvPr id="20676" name="footprint"/>
+          <p:cNvPr id="30076" name="footprint"/>
           <p:cNvSpPr/>
           <p:nvPr/>
         </p:nvSpPr>
@@ -7062,7 +7062,7 @@
       </p:sp>
       <p:sp>
         <p:nvSpPr>
-          <p:cNvPr id="20677" name="footprint"/>
+          <p:cNvPr id="30077" name="footprint"/>
           <p:cNvSpPr/>
           <p:nvPr/>
         </p:nvSpPr>
@@ -7103,7 +7103,7 @@
       </p:sp>
       <p:sp>
         <p:nvSpPr>
-          <p:cNvPr id="20678" name="footprint"/>
+          <p:cNvPr id="30078" name="footprint"/>
           <p:cNvSpPr/>
           <p:nvPr/>
         </p:nvSpPr>
@@ -7144,7 +7144,7 @@
       </p:sp>
       <p:sp>
         <p:nvSpPr>
-          <p:cNvPr id="20679" name="footprint"/>
+          <p:cNvPr id="30079" name="footprint"/>
           <p:cNvSpPr/>
           <p:nvPr/>
         </p:nvSpPr>
@@ -7185,7 +7185,7 @@
       </p:sp>
       <p:sp>
         <p:nvSpPr>
-          <p:cNvPr id="20680" name="footprint"/>
+          <p:cNvPr id="30080" name="footprint"/>
           <p:cNvSpPr/>
           <p:nvPr/>
         </p:nvSpPr>
@@ -7226,7 +7226,7 @@
       </p:sp>
       <p:sp>
         <p:nvSpPr>
-          <p:cNvPr id="20681" name="footprint"/>
+          <p:cNvPr id="30081" name="footprint"/>
           <p:cNvSpPr/>
           <p:nvPr/>
         </p:nvSpPr>
@@ -7267,7 +7267,7 @@
       </p:sp>
       <p:sp>
         <p:nvSpPr>
-          <p:cNvPr id="20682" name="footprint"/>
+          <p:cNvPr id="30082" name="footprint"/>
           <p:cNvSpPr/>
           <p:nvPr/>
         </p:nvSpPr>
@@ -7308,7 +7308,7 @@
       </p:sp>
       <p:sp>
         <p:nvSpPr>
-          <p:cNvPr id="20683" name="footprint"/>
+          <p:cNvPr id="30083" name="footprint"/>
           <p:cNvSpPr/>
           <p:nvPr/>
         </p:nvSpPr>
@@ -7349,7 +7349,7 @@
       </p:sp>
       <p:sp>
         <p:nvSpPr>
-          <p:cNvPr id="20684" name="footprint"/>
+          <p:cNvPr id="30084" name="footprint"/>
           <p:cNvSpPr/>
           <p:nvPr/>
         </p:nvSpPr>
@@ -7390,7 +7390,7 @@
       </p:sp>
       <p:sp>
         <p:nvSpPr>
-          <p:cNvPr id="20685" name="footprint"/>
+          <p:cNvPr id="30085" name="footprint"/>
           <p:cNvSpPr/>
           <p:nvPr/>
         </p:nvSpPr>
@@ -7431,7 +7431,7 @@
       </p:sp>
       <p:sp>
         <p:nvSpPr>
-          <p:cNvPr id="20686" name="footprint"/>
+          <p:cNvPr id="30086" name="footprint"/>
           <p:cNvSpPr/>
           <p:nvPr/>
         </p:nvSpPr>
@@ -7472,7 +7472,7 @@
       </p:sp>
       <p:sp>
         <p:nvSpPr>
-          <p:cNvPr id="20687" name="footprint"/>
+          <p:cNvPr id="30087" name="footprint"/>
           <p:cNvSpPr/>
           <p:nvPr/>
         </p:nvSpPr>
@@ -7513,7 +7513,7 @@
       </p:sp>
       <p:sp>
         <p:nvSpPr>
-          <p:cNvPr id="20688" name="footprint"/>
+          <p:cNvPr id="30088" name="footprint"/>
           <p:cNvSpPr/>
           <p:nvPr/>
         </p:nvSpPr>
@@ -7554,7 +7554,7 @@
       </p:sp>
       <p:sp>
         <p:nvSpPr>
-          <p:cNvPr id="20689" name="footprint"/>
+          <p:cNvPr id="30089" name="footprint"/>
           <p:cNvSpPr/>
           <p:nvPr/>
         </p:nvSpPr>
@@ -7595,7 +7595,7 @@
       </p:sp>
       <p:sp>
         <p:nvSpPr>
-          <p:cNvPr id="20690" name="footprint"/>
+          <p:cNvPr id="30090" name="footprint"/>
           <p:cNvSpPr/>
           <p:nvPr/>
         </p:nvSpPr>
@@ -7636,7 +7636,7 @@
       </p:sp>
       <p:sp>
         <p:nvSpPr>
-          <p:cNvPr id="20691" name="footprint"/>
+          <p:cNvPr id="30091" name="footprint"/>
           <p:cNvSpPr/>
           <p:nvPr/>
         </p:nvSpPr>
@@ -7677,7 +7677,7 @@
       </p:sp>
       <p:sp>
         <p:nvSpPr>
-          <p:cNvPr id="20692" name="footprint"/>
+          <p:cNvPr id="30092" name="footprint"/>
           <p:cNvSpPr/>
           <p:nvPr/>
         </p:nvSpPr>
@@ -7718,7 +7718,7 @@
       </p:sp>
       <p:sp>
         <p:nvSpPr>
-          <p:cNvPr id="20693" name="footprint"/>
+          <p:cNvPr id="30093" name="footprint"/>
           <p:cNvSpPr/>
           <p:nvPr/>
         </p:nvSpPr>
@@ -7759,7 +7759,7 @@
       </p:sp>
       <p:sp>
         <p:nvSpPr>
-          <p:cNvPr id="20694" name="footprint"/>
+          <p:cNvPr id="30094" name="footprint"/>
           <p:cNvSpPr/>
           <p:nvPr/>
         </p:nvSpPr>
@@ -7800,7 +7800,7 @@
       </p:sp>
       <p:sp>
         <p:nvSpPr>
-          <p:cNvPr id="20695" name="footprint"/>
+          <p:cNvPr id="30095" name="footprint"/>
           <p:cNvSpPr/>
           <p:nvPr/>
         </p:nvSpPr>
@@ -7841,7 +7841,7 @@
       </p:sp>
       <p:sp>
         <p:nvSpPr>
-          <p:cNvPr id="20696" name="footprint"/>
+          <p:cNvPr id="30096" name="footprint"/>
           <p:cNvSpPr/>
           <p:nvPr/>
         </p:nvSpPr>
@@ -7882,7 +7882,7 @@
       </p:sp>
       <p:sp>
         <p:nvSpPr>
-          <p:cNvPr id="20697" name="footprint"/>
+          <p:cNvPr id="30097" name="footprint"/>
           <p:cNvSpPr/>
           <p:nvPr/>
         </p:nvSpPr>
@@ -7923,7 +7923,7 @@
       </p:sp>
       <p:sp>
         <p:nvSpPr>
-          <p:cNvPr id="20698" name="footprint"/>
+          <p:cNvPr id="30098" name="footprint"/>
           <p:cNvSpPr/>
           <p:nvPr/>
         </p:nvSpPr>
@@ -7964,7 +7964,7 @@
       </p:sp>
       <p:sp>
         <p:nvSpPr>
-          <p:cNvPr id="20699" name="footprint"/>
+          <p:cNvPr id="30099" name="footprint"/>
           <p:cNvSpPr/>
           <p:nvPr/>
         </p:nvSpPr>
@@ -8005,7 +8005,7 @@
       </p:sp>
       <p:sp>
         <p:nvSpPr>
-          <p:cNvPr id="20700" name="footprint"/>
+          <p:cNvPr id="30100" name="footprint"/>
           <p:cNvSpPr/>
           <p:nvPr/>
         </p:nvSpPr>
@@ -8046,7 +8046,7 @@
       </p:sp>
       <p:sp>
         <p:nvSpPr>
-          <p:cNvPr id="20701" name="footprint"/>
+          <p:cNvPr id="30101" name="footprint"/>
           <p:cNvSpPr/>
           <p:nvPr/>
         </p:nvSpPr>
@@ -8087,7 +8087,7 @@
       </p:sp>
       <p:sp>
         <p:nvSpPr>
-          <p:cNvPr id="20702" name="footprint"/>
+          <p:cNvPr id="30102" name="footprint"/>
           <p:cNvSpPr/>
           <p:nvPr/>
         </p:nvSpPr>
@@ -8128,7 +8128,7 @@
       </p:sp>
       <p:sp>
         <p:nvSpPr>
-          <p:cNvPr id="20703" name="footprint"/>
+          <p:cNvPr id="30103" name="footprint"/>
           <p:cNvSpPr/>
           <p:nvPr/>
         </p:nvSpPr>
@@ -8169,7 +8169,7 @@
       </p:sp>
       <p:sp>
         <p:nvSpPr>
-          <p:cNvPr id="20704" name="footprint"/>
+          <p:cNvPr id="30104" name="footprint"/>
           <p:cNvSpPr/>
           <p:nvPr/>
         </p:nvSpPr>
@@ -8210,7 +8210,7 @@
       </p:sp>
       <p:sp>
         <p:nvSpPr>
-          <p:cNvPr id="20705" name="footprint"/>
+          <p:cNvPr id="30105" name="footprint"/>
           <p:cNvSpPr/>
           <p:nvPr/>
         </p:nvSpPr>
@@ -8251,7 +8251,7 @@
       </p:sp>
       <p:sp>
         <p:nvSpPr>
-          <p:cNvPr id="20706" name="footprint"/>
+          <p:cNvPr id="30106" name="footprint"/>
           <p:cNvSpPr/>
           <p:nvPr/>
         </p:nvSpPr>
@@ -8292,7 +8292,7 @@
       </p:sp>
       <p:sp>
         <p:nvSpPr>
-          <p:cNvPr id="20707" name="footprint"/>
+          <p:cNvPr id="30107" name="footprint"/>
           <p:cNvSpPr/>
           <p:nvPr/>
         </p:nvSpPr>
@@ -8333,7 +8333,7 @@
       </p:sp>
       <p:sp>
         <p:nvSpPr>
-          <p:cNvPr id="20708" name="footprint"/>
+          <p:cNvPr id="30108" name="footprint"/>
           <p:cNvSpPr/>
           <p:nvPr/>
         </p:nvSpPr>
@@ -8374,7 +8374,7 @@
       </p:sp>
       <p:sp>
         <p:nvSpPr>
-          <p:cNvPr id="20709" name="footprint"/>
+          <p:cNvPr id="30109" name="footprint"/>
           <p:cNvSpPr/>
           <p:nvPr/>
         </p:nvSpPr>
@@ -8415,7 +8415,7 @@
       </p:sp>
       <p:sp>
         <p:nvSpPr>
-          <p:cNvPr id="20710" name="footprint"/>
+          <p:cNvPr id="30110" name="footprint"/>
           <p:cNvSpPr/>
           <p:nvPr/>
         </p:nvSpPr>
@@ -8456,7 +8456,7 @@
       </p:sp>
       <p:sp>
         <p:nvSpPr>
-          <p:cNvPr id="20711" name="footprint"/>
+          <p:cNvPr id="30111" name="footprint"/>
           <p:cNvSpPr/>
           <p:nvPr/>
         </p:nvSpPr>
@@ -8497,7 +8497,7 @@
       </p:sp>
       <p:sp>
         <p:nvSpPr>
-          <p:cNvPr id="20712" name="footprint"/>
+          <p:cNvPr id="30112" name="footprint"/>
           <p:cNvSpPr/>
           <p:nvPr/>
         </p:nvSpPr>
@@ -8538,7 +8538,7 @@
       </p:sp>
       <p:sp>
         <p:nvSpPr>
-          <p:cNvPr id="20713" name="footprint"/>
+          <p:cNvPr id="30113" name="footprint"/>
           <p:cNvSpPr/>
           <p:nvPr/>
         </p:nvSpPr>
@@ -8579,7 +8579,7 @@
       </p:sp>
       <p:sp>
         <p:nvSpPr>
-          <p:cNvPr id="20714" name="footprint"/>
+          <p:cNvPr id="30114" name="footprint"/>
           <p:cNvSpPr/>
           <p:nvPr/>
         </p:nvSpPr>
@@ -8620,7 +8620,7 @@
       </p:sp>
       <p:sp>
         <p:nvSpPr>
-          <p:cNvPr id="20715" name="footprint"/>
+          <p:cNvPr id="30115" name="footprint"/>
           <p:cNvSpPr/>
           <p:nvPr/>
         </p:nvSpPr>
@@ -8661,7 +8661,7 @@
       </p:sp>
       <p:sp>
         <p:nvSpPr>
-          <p:cNvPr id="20716" name="footprint"/>
+          <p:cNvPr id="30116" name="footprint"/>
           <p:cNvSpPr/>
           <p:nvPr/>
         </p:nvSpPr>
@@ -8702,7 +8702,7 @@
       </p:sp>
       <p:sp>
         <p:nvSpPr>
-          <p:cNvPr id="20717" name="footprint"/>
+          <p:cNvPr id="30117" name="footprint"/>
           <p:cNvSpPr/>
           <p:nvPr/>
         </p:nvSpPr>
@@ -8743,7 +8743,7 @@
       </p:sp>
       <p:sp>
         <p:nvSpPr>
-          <p:cNvPr id="20718" name="footprint"/>
+          <p:cNvPr id="30118" name="footprint"/>
           <p:cNvSpPr/>
           <p:nvPr/>
         </p:nvSpPr>
@@ -8784,7 +8784,7 @@
       </p:sp>
       <p:sp>
         <p:nvSpPr>
-          <p:cNvPr id="20719" name="footprint"/>
+          <p:cNvPr id="30119" name="footprint"/>
           <p:cNvSpPr/>
           <p:nvPr/>
         </p:nvSpPr>
@@ -8825,7 +8825,7 @@
       </p:sp>
       <p:sp>
         <p:nvSpPr>
-          <p:cNvPr id="20720" name="footprint"/>
+          <p:cNvPr id="30120" name="footprint"/>
           <p:cNvSpPr/>
           <p:nvPr/>
         </p:nvSpPr>
@@ -8866,7 +8866,7 @@
       </p:sp>
       <p:sp>
         <p:nvSpPr>
-          <p:cNvPr id="20721" name="footprint"/>
+          <p:cNvPr id="30121" name="footprint"/>
           <p:cNvSpPr/>
           <p:nvPr/>
         </p:nvSpPr>
@@ -8907,7 +8907,7 @@
       </p:sp>
       <p:sp>
         <p:nvSpPr>
-          <p:cNvPr id="20722" name="footprint"/>
+          <p:cNvPr id="30122" name="footprint"/>
           <p:cNvSpPr/>
           <p:nvPr/>
         </p:nvSpPr>
@@ -8948,7 +8948,7 @@
       </p:sp>
       <p:sp>
         <p:nvSpPr>
-          <p:cNvPr id="20723" name="footprint"/>
+          <p:cNvPr id="30123" name="footprint"/>
           <p:cNvSpPr/>
           <p:nvPr/>
         </p:nvSpPr>
@@ -8989,7 +8989,7 @@
       </p:sp>
       <p:sp>
         <p:nvSpPr>
-          <p:cNvPr id="20724" name="footprint"/>
+          <p:cNvPr id="30124" name="footprint"/>
           <p:cNvSpPr/>
           <p:nvPr/>
         </p:nvSpPr>
@@ -9030,7 +9030,7 @@
       </p:sp>
       <p:sp>
         <p:nvSpPr>
-          <p:cNvPr id="20725" name="footprint"/>
+          <p:cNvPr id="30125" name="footprint"/>
           <p:cNvSpPr/>
           <p:nvPr/>
         </p:nvSpPr>
@@ -9071,7 +9071,7 @@
       </p:sp>
       <p:sp>
         <p:nvSpPr>
-          <p:cNvPr id="20726" name="footprint"/>
+          <p:cNvPr id="30126" name="footprint"/>
           <p:cNvSpPr/>
           <p:nvPr/>
         </p:nvSpPr>
@@ -9112,7 +9112,7 @@
       </p:sp>
       <p:sp>
         <p:nvSpPr>
-          <p:cNvPr id="20727" name="footprint"/>
+          <p:cNvPr id="30127" name="footprint"/>
           <p:cNvSpPr/>
           <p:nvPr/>
         </p:nvSpPr>
@@ -9153,7 +9153,7 @@
       </p:sp>
       <p:sp>
         <p:nvSpPr>
-          <p:cNvPr id="20728" name="footprint"/>
+          <p:cNvPr id="30128" name="footprint"/>
           <p:cNvSpPr/>
           <p:nvPr/>
         </p:nvSpPr>
@@ -9194,7 +9194,7 @@
       </p:sp>
       <p:sp>
         <p:nvSpPr>
-          <p:cNvPr id="20729" name="footprint"/>
+          <p:cNvPr id="30129" name="footprint"/>
           <p:cNvSpPr/>
           <p:nvPr/>
         </p:nvSpPr>
@@ -9235,7 +9235,7 @@
       </p:sp>
       <p:sp>
         <p:nvSpPr>
-          <p:cNvPr id="20730" name="footprint"/>
+          <p:cNvPr id="30130" name="footprint"/>
           <p:cNvSpPr/>
           <p:nvPr/>
         </p:nvSpPr>
@@ -9276,7 +9276,7 @@
       </p:sp>
       <p:sp>
         <p:nvSpPr>
-          <p:cNvPr id="20731" name="footprint"/>
+          <p:cNvPr id="30131" name="footprint"/>
           <p:cNvSpPr/>
           <p:nvPr/>
         </p:nvSpPr>
@@ -9317,7 +9317,7 @@
       </p:sp>
       <p:sp>
         <p:nvSpPr>
-          <p:cNvPr id="20732" name="footprint"/>
+          <p:cNvPr id="30132" name="footprint"/>
           <p:cNvSpPr/>
           <p:nvPr/>
         </p:nvSpPr>
@@ -9358,7 +9358,7 @@
       </p:sp>
       <p:sp>
         <p:nvSpPr>
-          <p:cNvPr id="20733" name="footprint"/>
+          <p:cNvPr id="30133" name="footprint"/>
           <p:cNvSpPr/>
           <p:nvPr/>
         </p:nvSpPr>
@@ -9399,7 +9399,7 @@
       </p:sp>
       <p:sp>
         <p:nvSpPr>
-          <p:cNvPr id="20734" name="footprint"/>
+          <p:cNvPr id="30134" name="footprint"/>
           <p:cNvSpPr/>
           <p:nvPr/>
         </p:nvSpPr>
@@ -9440,7 +9440,7 @@
       </p:sp>
       <p:sp>
         <p:nvSpPr>
-          <p:cNvPr id="20735" name="footprint"/>
+          <p:cNvPr id="30135" name="footprint"/>
           <p:cNvSpPr/>
           <p:nvPr/>
         </p:nvSpPr>
@@ -9481,7 +9481,7 @@
       </p:sp>
       <p:sp>
         <p:nvSpPr>
-          <p:cNvPr id="20736" name="footprint"/>
+          <p:cNvPr id="30136" name="footprint"/>
           <p:cNvSpPr/>
           <p:nvPr/>
         </p:nvSpPr>
@@ -9522,7 +9522,7 @@
       </p:sp>
       <p:sp>
         <p:nvSpPr>
-          <p:cNvPr id="20737" name="footprint"/>
+          <p:cNvPr id="30137" name="footprint"/>
           <p:cNvSpPr/>
           <p:nvPr/>
         </p:nvSpPr>
@@ -9563,7 +9563,7 @@
       </p:sp>
       <p:sp>
         <p:nvSpPr>
-          <p:cNvPr id="20738" name="footprint"/>
+          <p:cNvPr id="30138" name="footprint"/>
           <p:cNvSpPr/>
           <p:nvPr/>
         </p:nvSpPr>
@@ -9604,7 +9604,7 @@
       </p:sp>
       <p:sp>
         <p:nvSpPr>
-          <p:cNvPr id="20739" name="footprint"/>
+          <p:cNvPr id="30139" name="footprint"/>
           <p:cNvSpPr/>
           <p:nvPr/>
         </p:nvSpPr>
@@ -9645,7 +9645,7 @@
       </p:sp>
       <p:sp>
         <p:nvSpPr>
-          <p:cNvPr id="20740" name="footprint"/>
+          <p:cNvPr id="30140" name="footprint"/>
           <p:cNvSpPr/>
           <p:nvPr/>
         </p:nvSpPr>
@@ -9686,7 +9686,7 @@
       </p:sp>
       <p:sp>
         <p:nvSpPr>
-          <p:cNvPr id="20741" name="footprint"/>
+          <p:cNvPr id="30141" name="footprint"/>
           <p:cNvSpPr/>
           <p:nvPr/>
         </p:nvSpPr>
@@ -9727,7 +9727,7 @@
       </p:sp>
       <p:sp>
         <p:nvSpPr>
-          <p:cNvPr id="20742" name="footprint"/>
+          <p:cNvPr id="30142" name="footprint"/>
           <p:cNvSpPr/>
           <p:nvPr/>
         </p:nvSpPr>
@@ -9768,7 +9768,7 @@
       </p:sp>
       <p:sp>
         <p:nvSpPr>
-          <p:cNvPr id="20743" name="footprint"/>
+          <p:cNvPr id="30143" name="footprint"/>
           <p:cNvSpPr/>
           <p:nvPr/>
         </p:nvSpPr>
@@ -9809,7 +9809,7 @@
       </p:sp>
       <p:sp>
         <p:nvSpPr>
-          <p:cNvPr id="20744" name="footprint"/>
+          <p:cNvPr id="30144" name="footprint"/>
           <p:cNvSpPr/>
           <p:nvPr/>
         </p:nvSpPr>
@@ -9850,7 +9850,7 @@
       </p:sp>
       <p:sp>
         <p:nvSpPr>
-          <p:cNvPr id="20745" name="footprint"/>
+          <p:cNvPr id="30145" name="footprint"/>
           <p:cNvSpPr/>
           <p:nvPr/>
         </p:nvSpPr>
@@ -9891,7 +9891,7 @@
       </p:sp>
       <p:sp>
         <p:nvSpPr>
-          <p:cNvPr id="20746" name="footprint"/>
+          <p:cNvPr id="30146" name="footprint"/>
           <p:cNvSpPr/>
           <p:nvPr/>
         </p:nvSpPr>
@@ -9932,7 +9932,7 @@
       </p:sp>
       <p:sp>
         <p:nvSpPr>
-          <p:cNvPr id="20747" name="footprint"/>
+          <p:cNvPr id="30147" name="footprint"/>
           <p:cNvSpPr/>
           <p:nvPr/>
         </p:nvSpPr>
@@ -9973,7 +9973,7 @@
       </p:sp>
       <p:sp>
         <p:nvSpPr>
-          <p:cNvPr id="20748" name="footprint"/>
+          <p:cNvPr id="30148" name="footprint"/>
           <p:cNvSpPr/>
           <p:nvPr/>
         </p:nvSpPr>
@@ -10014,7 +10014,7 @@
       </p:sp>
       <p:sp>
         <p:nvSpPr>
-          <p:cNvPr id="20749" name="footprint"/>
+          <p:cNvPr id="30149" name="footprint"/>
           <p:cNvSpPr/>
           <p:nvPr/>
         </p:nvSpPr>
@@ -10055,7 +10055,7 @@
       </p:sp>
       <p:sp>
         <p:nvSpPr>
-          <p:cNvPr id="20750" name="footprint"/>
+          <p:cNvPr id="30150" name="footprint"/>
           <p:cNvSpPr/>
           <p:nvPr/>
         </p:nvSpPr>
@@ -10096,7 +10096,7 @@
       </p:sp>
       <p:sp>
         <p:nvSpPr>
-          <p:cNvPr id="20751" name="footprint"/>
+          <p:cNvPr id="30151" name="footprint"/>
           <p:cNvSpPr/>
           <p:nvPr/>
         </p:nvSpPr>
@@ -10137,7 +10137,7 @@
       </p:sp>
       <p:sp>
         <p:nvSpPr>
-          <p:cNvPr id="20752" name="footprint"/>
+          <p:cNvPr id="30152" name="footprint"/>
           <p:cNvSpPr/>
           <p:nvPr/>
         </p:nvSpPr>
@@ -10178,7 +10178,7 @@
       </p:sp>
       <p:sp>
         <p:nvSpPr>
-          <p:cNvPr id="20753" name="footprint"/>
+          <p:cNvPr id="30153" name="footprint"/>
           <p:cNvSpPr/>
           <p:nvPr/>
         </p:nvSpPr>
@@ -10219,7 +10219,7 @@
       </p:sp>
       <p:sp>
         <p:nvSpPr>
-          <p:cNvPr id="20754" name="footprint"/>
+          <p:cNvPr id="30154" name="footprint"/>
           <p:cNvSpPr/>
           <p:nvPr/>
         </p:nvSpPr>
@@ -10260,7 +10260,7 @@
       </p:sp>
       <p:sp>
         <p:nvSpPr>
-          <p:cNvPr id="20755" name="footprint"/>
+          <p:cNvPr id="30155" name="footprint"/>
           <p:cNvSpPr/>
           <p:nvPr/>
         </p:nvSpPr>
@@ -10301,7 +10301,7 @@
       </p:sp>
       <p:sp>
         <p:nvSpPr>
-          <p:cNvPr id="20756" name="footprint"/>
+          <p:cNvPr id="30156" name="footprint"/>
           <p:cNvSpPr/>
           <p:nvPr/>
         </p:nvSpPr>
@@ -10342,7 +10342,7 @@
       </p:sp>
       <p:sp>
         <p:nvSpPr>
-          <p:cNvPr id="20757" name="footprint"/>
+          <p:cNvPr id="30157" name="footprint"/>
           <p:cNvSpPr/>
           <p:nvPr/>
         </p:nvSpPr>
@@ -10383,7 +10383,7 @@
       </p:sp>
       <p:sp>
         <p:nvSpPr>
-          <p:cNvPr id="20758" name="footprint"/>
+          <p:cNvPr id="30158" name="footprint"/>
           <p:cNvSpPr/>
           <p:nvPr/>
         </p:nvSpPr>
@@ -10485,7 +10485,7 @@
       </p:sp>
       <p:sp>
         <p:nvSpPr>
-          <p:cNvPr id="601" name="marker"/>
+          <p:cNvPr id="10001" name="marker"/>
           <p:cNvSpPr/>
           <p:nvPr/>
         </p:nvSpPr>
@@ -21485,7 +21485,7 @@
                                           </p:stCondLst>
                                         </p:cTn>
                                         <p:tgtEl>
-                                          <p:spTgt spid="601"/>
+                                          <p:spTgt spid="10001"/>
                                         </p:tgtEl>
                                         <p:attrNameLst>
                                           <p:attrName>style.visibility</p:attrName>
@@ -22571,7 +22571,7 @@
                                       <p:cBhvr>
                                         <p:cTn id="8" dur="200" fill="hold"/>
                                         <p:tgtEl>
-                                          <p:spTgt spid="601"/>
+                                          <p:spTgt spid="10001"/>
                                         </p:tgtEl>
                                         <p:attrNameLst>
                                           <p:attrName>ppt_x</p:attrName>
@@ -22584,7 +22584,7 @@
                                       <p:cBhvr>
                                         <p:cTn id="9" dur="200" fill="hold"/>
                                         <p:tgtEl>
-                                          <p:spTgt spid="601"/>
+                                          <p:spTgt spid="10001"/>
                                         </p:tgtEl>
                                         <p:attrNameLst>
                                           <p:attrName>ppt_x</p:attrName>
@@ -22597,7 +22597,7 @@
                                       <p:cBhvr>
                                         <p:cTn id="10" dur="200" fill="hold"/>
                                         <p:tgtEl>
-                                          <p:spTgt spid="601"/>
+                                          <p:spTgt spid="10001"/>
                                         </p:tgtEl>
                                         <p:attrNameLst>
                                           <p:attrName>ppt_x</p:attrName>
@@ -22610,7 +22610,7 @@
                                       <p:cBhvr>
                                         <p:cTn id="11" dur="200" fill="hold"/>
                                         <p:tgtEl>
-                                          <p:spTgt spid="601"/>
+                                          <p:spTgt spid="10001"/>
                                         </p:tgtEl>
                                         <p:attrNameLst>
                                           <p:attrName>ppt_x</p:attrName>
@@ -22623,7 +22623,7 @@
                                       <p:cBhvr>
                                         <p:cTn id="12" dur="200" fill="hold"/>
                                         <p:tgtEl>
-                                          <p:spTgt spid="601"/>
+                                          <p:spTgt spid="10001"/>
                                         </p:tgtEl>
                                         <p:attrNameLst>
                                           <p:attrName>ppt_x</p:attrName>
@@ -22636,7 +22636,7 @@
                                       <p:cBhvr>
                                         <p:cTn id="13" dur="200" fill="hold"/>
                                         <p:tgtEl>
-                                          <p:spTgt spid="601"/>
+                                          <p:spTgt spid="10001"/>
                                         </p:tgtEl>
                                         <p:attrNameLst>
                                           <p:attrName>ppt_x</p:attrName>
@@ -22649,7 +22649,7 @@
                                       <p:cBhvr>
                                         <p:cTn id="14" dur="200" fill="hold"/>
                                         <p:tgtEl>
-                                          <p:spTgt spid="601"/>
+                                          <p:spTgt spid="10001"/>
                                         </p:tgtEl>
                                         <p:attrNameLst>
                                           <p:attrName>ppt_x</p:attrName>
@@ -22662,7 +22662,7 @@
                                       <p:cBhvr>
                                         <p:cTn id="15" dur="200" fill="hold"/>
                                         <p:tgtEl>
-                                          <p:spTgt spid="601"/>
+                                          <p:spTgt spid="10001"/>
                                         </p:tgtEl>
                                         <p:attrNameLst>
                                           <p:attrName>ppt_x</p:attrName>
@@ -22675,7 +22675,7 @@
                                       <p:cBhvr>
                                         <p:cTn id="16" dur="200" fill="hold"/>
                                         <p:tgtEl>
-                                          <p:spTgt spid="601"/>
+                                          <p:spTgt spid="10001"/>
                                         </p:tgtEl>
                                         <p:attrNameLst>
                                           <p:attrName>ppt_x</p:attrName>
@@ -22688,7 +22688,7 @@
                                       <p:cBhvr>
                                         <p:cTn id="17" dur="200" fill="hold"/>
                                         <p:tgtEl>
-                                          <p:spTgt spid="601"/>
+                                          <p:spTgt spid="10001"/>
                                         </p:tgtEl>
                                         <p:attrNameLst>
                                           <p:attrName>ppt_x</p:attrName>
@@ -22701,7 +22701,7 @@
                                       <p:cBhvr>
                                         <p:cTn id="18" dur="200" fill="hold"/>
                                         <p:tgtEl>
-                                          <p:spTgt spid="601"/>
+                                          <p:spTgt spid="10001"/>
                                         </p:tgtEl>
                                         <p:attrNameLst>
                                           <p:attrName>ppt_x</p:attrName>
@@ -22714,7 +22714,7 @@
                                       <p:cBhvr>
                                         <p:cTn id="19" dur="200" fill="hold"/>
                                         <p:tgtEl>
-                                          <p:spTgt spid="601"/>
+                                          <p:spTgt spid="10001"/>
                                         </p:tgtEl>
                                         <p:attrNameLst>
                                           <p:attrName>ppt_x</p:attrName>
@@ -22727,7 +22727,7 @@
                                       <p:cBhvr>
                                         <p:cTn id="20" dur="200" fill="hold"/>
                                         <p:tgtEl>
-                                          <p:spTgt spid="601"/>
+                                          <p:spTgt spid="10001"/>
                                         </p:tgtEl>
                                         <p:attrNameLst>
                                           <p:attrName>ppt_x</p:attrName>
@@ -22740,7 +22740,7 @@
                                       <p:cBhvr>
                                         <p:cTn id="21" dur="200" fill="hold"/>
                                         <p:tgtEl>
-                                          <p:spTgt spid="601"/>
+                                          <p:spTgt spid="10001"/>
                                         </p:tgtEl>
                                         <p:attrNameLst>
                                           <p:attrName>ppt_x</p:attrName>
@@ -22753,7 +22753,7 @@
                                       <p:cBhvr>
                                         <p:cTn id="22" dur="200" fill="hold"/>
                                         <p:tgtEl>
-                                          <p:spTgt spid="601"/>
+                                          <p:spTgt spid="10001"/>
                                         </p:tgtEl>
                                         <p:attrNameLst>
                                           <p:attrName>ppt_x</p:attrName>
@@ -22766,7 +22766,7 @@
                                       <p:cBhvr>
                                         <p:cTn id="23" dur="200" fill="hold"/>
                                         <p:tgtEl>
-                                          <p:spTgt spid="601"/>
+                                          <p:spTgt spid="10001"/>
                                         </p:tgtEl>
                                         <p:attrNameLst>
                                           <p:attrName>ppt_x</p:attrName>
@@ -22779,7 +22779,7 @@
                                       <p:cBhvr>
                                         <p:cTn id="24" dur="200" fill="hold"/>
                                         <p:tgtEl>
-                                          <p:spTgt spid="601"/>
+                                          <p:spTgt spid="10001"/>
                                         </p:tgtEl>
                                         <p:attrNameLst>
                                           <p:attrName>ppt_x</p:attrName>
@@ -22792,7 +22792,7 @@
                                       <p:cBhvr>
                                         <p:cTn id="25" dur="200" fill="hold"/>
                                         <p:tgtEl>
-                                          <p:spTgt spid="601"/>
+                                          <p:spTgt spid="10001"/>
                                         </p:tgtEl>
                                         <p:attrNameLst>
                                           <p:attrName>ppt_x</p:attrName>
@@ -22805,7 +22805,7 @@
                                       <p:cBhvr>
                                         <p:cTn id="26" dur="200" fill="hold"/>
                                         <p:tgtEl>
-                                          <p:spTgt spid="601"/>
+                                          <p:spTgt spid="10001"/>
                                         </p:tgtEl>
                                         <p:attrNameLst>
                                           <p:attrName>ppt_x</p:attrName>
@@ -22818,7 +22818,7 @@
                                       <p:cBhvr>
                                         <p:cTn id="27" dur="200" fill="hold"/>
                                         <p:tgtEl>
-                                          <p:spTgt spid="601"/>
+                                          <p:spTgt spid="10001"/>
                                         </p:tgtEl>
                                         <p:attrNameLst>
                                           <p:attrName>ppt_x</p:attrName>
@@ -22831,7 +22831,7 @@
                                       <p:cBhvr>
                                         <p:cTn id="28" dur="200" fill="hold"/>
                                         <p:tgtEl>
-                                          <p:spTgt spid="601"/>
+                                          <p:spTgt spid="10001"/>
                                         </p:tgtEl>
                                         <p:attrNameLst>
                                           <p:attrName>ppt_x</p:attrName>
@@ -22844,7 +22844,7 @@
                                       <p:cBhvr>
                                         <p:cTn id="29" dur="200" fill="hold"/>
                                         <p:tgtEl>
-                                          <p:spTgt spid="601"/>
+                                          <p:spTgt spid="10001"/>
                                         </p:tgtEl>
                                         <p:attrNameLst>
                                           <p:attrName>ppt_x</p:attrName>
@@ -22857,7 +22857,7 @@
                                       <p:cBhvr>
                                         <p:cTn id="30" dur="200" fill="hold"/>
                                         <p:tgtEl>
-                                          <p:spTgt spid="601"/>
+                                          <p:spTgt spid="10001"/>
                                         </p:tgtEl>
                                         <p:attrNameLst>
                                           <p:attrName>ppt_x</p:attrName>
@@ -22870,7 +22870,7 @@
                                       <p:cBhvr>
                                         <p:cTn id="31" dur="200" fill="hold"/>
                                         <p:tgtEl>
-                                          <p:spTgt spid="601"/>
+                                          <p:spTgt spid="10001"/>
                                         </p:tgtEl>
                                         <p:attrNameLst>
                                           <p:attrName>ppt_x</p:attrName>
@@ -22883,7 +22883,7 @@
                                       <p:cBhvr>
                                         <p:cTn id="32" dur="200" fill="hold"/>
                                         <p:tgtEl>
-                                          <p:spTgt spid="601"/>
+                                          <p:spTgt spid="10001"/>
                                         </p:tgtEl>
                                         <p:attrNameLst>
                                           <p:attrName>ppt_x</p:attrName>
@@ -22896,7 +22896,7 @@
                                       <p:cBhvr>
                                         <p:cTn id="33" dur="200" fill="hold"/>
                                         <p:tgtEl>
-                                          <p:spTgt spid="601"/>
+                                          <p:spTgt spid="10001"/>
                                         </p:tgtEl>
                                         <p:attrNameLst>
                                           <p:attrName>ppt_x</p:attrName>
@@ -22909,7 +22909,7 @@
                                       <p:cBhvr>
                                         <p:cTn id="34" dur="200" fill="hold"/>
                                         <p:tgtEl>
-                                          <p:spTgt spid="601"/>
+                                          <p:spTgt spid="10001"/>
                                         </p:tgtEl>
                                         <p:attrNameLst>
                                           <p:attrName>ppt_x</p:attrName>
@@ -22922,7 +22922,7 @@
                                       <p:cBhvr>
                                         <p:cTn id="35" dur="200" fill="hold"/>
                                         <p:tgtEl>
-                                          <p:spTgt spid="601"/>
+                                          <p:spTgt spid="10001"/>
                                         </p:tgtEl>
                                         <p:attrNameLst>
                                           <p:attrName>ppt_x</p:attrName>
@@ -22935,7 +22935,7 @@
                                       <p:cBhvr>
                                         <p:cTn id="36" dur="200" fill="hold"/>
                                         <p:tgtEl>
-                                          <p:spTgt spid="601"/>
+                                          <p:spTgt spid="10001"/>
                                         </p:tgtEl>
                                         <p:attrNameLst>
                                           <p:attrName>ppt_x</p:attrName>
@@ -22948,7 +22948,7 @@
                                       <p:cBhvr>
                                         <p:cTn id="37" dur="200" fill="hold"/>
                                         <p:tgtEl>
-                                          <p:spTgt spid="601"/>
+                                          <p:spTgt spid="10001"/>
                                         </p:tgtEl>
                                         <p:attrNameLst>
                                           <p:attrName>ppt_x</p:attrName>
@@ -22961,7 +22961,7 @@
                                       <p:cBhvr>
                                         <p:cTn id="38" dur="200" fill="hold"/>
                                         <p:tgtEl>
-                                          <p:spTgt spid="601"/>
+                                          <p:spTgt spid="10001"/>
                                         </p:tgtEl>
                                         <p:attrNameLst>
                                           <p:attrName>ppt_x</p:attrName>
@@ -22974,7 +22974,7 @@
                                       <p:cBhvr>
                                         <p:cTn id="39" dur="200" fill="hold"/>
                                         <p:tgtEl>
-                                          <p:spTgt spid="601"/>
+                                          <p:spTgt spid="10001"/>
                                         </p:tgtEl>
                                         <p:attrNameLst>
                                           <p:attrName>ppt_x</p:attrName>
@@ -22987,7 +22987,7 @@
                                       <p:cBhvr>
                                         <p:cTn id="40" dur="200" fill="hold"/>
                                         <p:tgtEl>
-                                          <p:spTgt spid="601"/>
+                                          <p:spTgt spid="10001"/>
                                         </p:tgtEl>
                                         <p:attrNameLst>
                                           <p:attrName>ppt_x</p:attrName>
@@ -23000,7 +23000,7 @@
                                       <p:cBhvr>
                                         <p:cTn id="41" dur="200" fill="hold"/>
                                         <p:tgtEl>
-                                          <p:spTgt spid="601"/>
+                                          <p:spTgt spid="10001"/>
                                         </p:tgtEl>
                                         <p:attrNameLst>
                                           <p:attrName>ppt_x</p:attrName>
@@ -23013,7 +23013,7 @@
                                       <p:cBhvr>
                                         <p:cTn id="42" dur="200" fill="hold"/>
                                         <p:tgtEl>
-                                          <p:spTgt spid="601"/>
+                                          <p:spTgt spid="10001"/>
                                         </p:tgtEl>
                                         <p:attrNameLst>
                                           <p:attrName>ppt_x</p:attrName>
@@ -23026,7 +23026,7 @@
                                       <p:cBhvr>
                                         <p:cTn id="43" dur="200" fill="hold"/>
                                         <p:tgtEl>
-                                          <p:spTgt spid="601"/>
+                                          <p:spTgt spid="10001"/>
                                         </p:tgtEl>
                                         <p:attrNameLst>
                                           <p:attrName>ppt_x</p:attrName>
@@ -23039,7 +23039,7 @@
                                       <p:cBhvr>
                                         <p:cTn id="44" dur="200" fill="hold"/>
                                         <p:tgtEl>
-                                          <p:spTgt spid="601"/>
+                                          <p:spTgt spid="10001"/>
                                         </p:tgtEl>
                                         <p:attrNameLst>
                                           <p:attrName>ppt_x</p:attrName>
@@ -23052,7 +23052,7 @@
                                       <p:cBhvr>
                                         <p:cTn id="45" dur="200" fill="hold"/>
                                         <p:tgtEl>
-                                          <p:spTgt spid="601"/>
+                                          <p:spTgt spid="10001"/>
                                         </p:tgtEl>
                                         <p:attrNameLst>
                                           <p:attrName>ppt_x</p:attrName>
@@ -23065,7 +23065,7 @@
                                       <p:cBhvr>
                                         <p:cTn id="46" dur="200" fill="hold"/>
                                         <p:tgtEl>
-                                          <p:spTgt spid="601"/>
+                                          <p:spTgt spid="10001"/>
                                         </p:tgtEl>
                                         <p:attrNameLst>
                                           <p:attrName>ppt_x</p:attrName>
@@ -23078,7 +23078,7 @@
                                       <p:cBhvr>
                                         <p:cTn id="47" dur="200" fill="hold"/>
                                         <p:tgtEl>
-                                          <p:spTgt spid="601"/>
+                                          <p:spTgt spid="10001"/>
                                         </p:tgtEl>
                                         <p:attrNameLst>
                                           <p:attrName>ppt_x</p:attrName>
@@ -23091,7 +23091,7 @@
                                       <p:cBhvr>
                                         <p:cTn id="48" dur="200" fill="hold"/>
                                         <p:tgtEl>
-                                          <p:spTgt spid="601"/>
+                                          <p:spTgt spid="10001"/>
                                         </p:tgtEl>
                                         <p:attrNameLst>
                                           <p:attrName>ppt_x</p:attrName>
@@ -23104,7 +23104,7 @@
                                       <p:cBhvr>
                                         <p:cTn id="49" dur="200" fill="hold"/>
                                         <p:tgtEl>
-                                          <p:spTgt spid="601"/>
+                                          <p:spTgt spid="10001"/>
                                         </p:tgtEl>
                                         <p:attrNameLst>
                                           <p:attrName>ppt_x</p:attrName>
@@ -23117,7 +23117,7 @@
                                       <p:cBhvr>
                                         <p:cTn id="50" dur="200" fill="hold"/>
                                         <p:tgtEl>
-                                          <p:spTgt spid="601"/>
+                                          <p:spTgt spid="10001"/>
                                         </p:tgtEl>
                                         <p:attrNameLst>
                                           <p:attrName>ppt_x</p:attrName>
@@ -23130,7 +23130,7 @@
                                       <p:cBhvr>
                                         <p:cTn id="51" dur="200" fill="hold"/>
                                         <p:tgtEl>
-                                          <p:spTgt spid="601"/>
+                                          <p:spTgt spid="10001"/>
                                         </p:tgtEl>
                                         <p:attrNameLst>
                                           <p:attrName>ppt_x</p:attrName>
@@ -23143,7 +23143,7 @@
                                       <p:cBhvr>
                                         <p:cTn id="52" dur="200" fill="hold"/>
                                         <p:tgtEl>
-                                          <p:spTgt spid="601"/>
+                                          <p:spTgt spid="10001"/>
                                         </p:tgtEl>
                                         <p:attrNameLst>
                                           <p:attrName>ppt_x</p:attrName>
@@ -23156,7 +23156,7 @@
                                       <p:cBhvr>
                                         <p:cTn id="53" dur="200" fill="hold"/>
                                         <p:tgtEl>
-                                          <p:spTgt spid="601"/>
+                                          <p:spTgt spid="10001"/>
                                         </p:tgtEl>
                                         <p:attrNameLst>
                                           <p:attrName>ppt_x</p:attrName>
@@ -23169,7 +23169,7 @@
                                       <p:cBhvr>
                                         <p:cTn id="54" dur="200" fill="hold"/>
                                         <p:tgtEl>
-                                          <p:spTgt spid="601"/>
+                                          <p:spTgt spid="10001"/>
                                         </p:tgtEl>
                                         <p:attrNameLst>
                                           <p:attrName>ppt_x</p:attrName>
@@ -23182,7 +23182,7 @@
                                       <p:cBhvr>
                                         <p:cTn id="55" dur="200" fill="hold"/>
                                         <p:tgtEl>
-                                          <p:spTgt spid="601"/>
+                                          <p:spTgt spid="10001"/>
                                         </p:tgtEl>
                                         <p:attrNameLst>
                                           <p:attrName>ppt_x</p:attrName>
@@ -23195,7 +23195,7 @@
                                       <p:cBhvr>
                                         <p:cTn id="56" dur="200" fill="hold"/>
                                         <p:tgtEl>
-                                          <p:spTgt spid="601"/>
+                                          <p:spTgt spid="10001"/>
                                         </p:tgtEl>
                                         <p:attrNameLst>
                                           <p:attrName>ppt_x</p:attrName>
@@ -23208,7 +23208,7 @@
                                       <p:cBhvr>
                                         <p:cTn id="57" dur="200" fill="hold"/>
                                         <p:tgtEl>
-                                          <p:spTgt spid="601"/>
+                                          <p:spTgt spid="10001"/>
                                         </p:tgtEl>
                                         <p:attrNameLst>
                                           <p:attrName>ppt_x</p:attrName>
@@ -23221,7 +23221,7 @@
                                       <p:cBhvr>
                                         <p:cTn id="58" dur="200" fill="hold"/>
                                         <p:tgtEl>
-                                          <p:spTgt spid="601"/>
+                                          <p:spTgt spid="10001"/>
                                         </p:tgtEl>
                                         <p:attrNameLst>
                                           <p:attrName>ppt_x</p:attrName>
@@ -23234,7 +23234,7 @@
                                       <p:cBhvr>
                                         <p:cTn id="59" dur="200" fill="hold"/>
                                         <p:tgtEl>
-                                          <p:spTgt spid="601"/>
+                                          <p:spTgt spid="10001"/>
                                         </p:tgtEl>
                                         <p:attrNameLst>
                                           <p:attrName>ppt_x</p:attrName>
@@ -23247,7 +23247,7 @@
                                       <p:cBhvr>
                                         <p:cTn id="60" dur="200" fill="hold"/>
                                         <p:tgtEl>
-                                          <p:spTgt spid="601"/>
+                                          <p:spTgt spid="10001"/>
                                         </p:tgtEl>
                                         <p:attrNameLst>
                                           <p:attrName>ppt_x</p:attrName>
@@ -23260,7 +23260,7 @@
                                       <p:cBhvr>
                                         <p:cTn id="61" dur="200" fill="hold"/>
                                         <p:tgtEl>
-                                          <p:spTgt spid="601"/>
+                                          <p:spTgt spid="10001"/>
                                         </p:tgtEl>
                                         <p:attrNameLst>
                                           <p:attrName>ppt_x</p:attrName>
@@ -23273,7 +23273,7 @@
                                       <p:cBhvr>
                                         <p:cTn id="62" dur="200" fill="hold"/>
                                         <p:tgtEl>
-                                          <p:spTgt spid="601"/>
+                                          <p:spTgt spid="10001"/>
                                         </p:tgtEl>
                                         <p:attrNameLst>
                                           <p:attrName>ppt_x</p:attrName>
@@ -23286,7 +23286,7 @@
                                       <p:cBhvr>
                                         <p:cTn id="63" dur="200" fill="hold"/>
                                         <p:tgtEl>
-                                          <p:spTgt spid="601"/>
+                                          <p:spTgt spid="10001"/>
                                         </p:tgtEl>
                                         <p:attrNameLst>
                                           <p:attrName>ppt_x</p:attrName>
@@ -23299,7 +23299,7 @@
                                       <p:cBhvr>
                                         <p:cTn id="64" dur="200" fill="hold"/>
                                         <p:tgtEl>
-                                          <p:spTgt spid="601"/>
+                                          <p:spTgt spid="10001"/>
                                         </p:tgtEl>
                                         <p:attrNameLst>
                                           <p:attrName>ppt_x</p:attrName>
@@ -23312,7 +23312,7 @@
                                       <p:cBhvr>
                                         <p:cTn id="65" dur="200" fill="hold"/>
                                         <p:tgtEl>
-                                          <p:spTgt spid="601"/>
+                                          <p:spTgt spid="10001"/>
                                         </p:tgtEl>
                                         <p:attrNameLst>
                                           <p:attrName>ppt_x</p:attrName>
@@ -23325,7 +23325,7 @@
                                       <p:cBhvr>
                                         <p:cTn id="66" dur="200" fill="hold"/>
                                         <p:tgtEl>
-                                          <p:spTgt spid="601"/>
+                                          <p:spTgt spid="10001"/>
                                         </p:tgtEl>
                                         <p:attrNameLst>
                                           <p:attrName>ppt_x</p:attrName>
@@ -23338,7 +23338,7 @@
                                       <p:cBhvr>
                                         <p:cTn id="67" dur="200" fill="hold"/>
                                         <p:tgtEl>
-                                          <p:spTgt spid="601"/>
+                                          <p:spTgt spid="10001"/>
                                         </p:tgtEl>
                                         <p:attrNameLst>
                                           <p:attrName>ppt_x</p:attrName>
@@ -23351,7 +23351,7 @@
                                       <p:cBhvr>
                                         <p:cTn id="68" dur="200" fill="hold"/>
                                         <p:tgtEl>
-                                          <p:spTgt spid="601"/>
+                                          <p:spTgt spid="10001"/>
                                         </p:tgtEl>
                                         <p:attrNameLst>
                                           <p:attrName>ppt_x</p:attrName>
@@ -23364,7 +23364,7 @@
                                       <p:cBhvr>
                                         <p:cTn id="69" dur="200" fill="hold"/>
                                         <p:tgtEl>
-                                          <p:spTgt spid="601"/>
+                                          <p:spTgt spid="10001"/>
                                         </p:tgtEl>
                                         <p:attrNameLst>
                                           <p:attrName>ppt_x</p:attrName>
@@ -23377,7 +23377,7 @@
                                       <p:cBhvr>
                                         <p:cTn id="70" dur="200" fill="hold"/>
                                         <p:tgtEl>
-                                          <p:spTgt spid="601"/>
+                                          <p:spTgt spid="10001"/>
                                         </p:tgtEl>
                                         <p:attrNameLst>
                                           <p:attrName>ppt_x</p:attrName>
@@ -23390,7 +23390,7 @@
                                       <p:cBhvr>
                                         <p:cTn id="71" dur="200" fill="hold"/>
                                         <p:tgtEl>
-                                          <p:spTgt spid="601"/>
+                                          <p:spTgt spid="10001"/>
                                         </p:tgtEl>
                                         <p:attrNameLst>
                                           <p:attrName>ppt_x</p:attrName>
@@ -23403,7 +23403,7 @@
                                       <p:cBhvr>
                                         <p:cTn id="72" dur="200" fill="hold"/>
                                         <p:tgtEl>
-                                          <p:spTgt spid="601"/>
+                                          <p:spTgt spid="10001"/>
                                         </p:tgtEl>
                                         <p:attrNameLst>
                                           <p:attrName>ppt_x</p:attrName>
@@ -23416,7 +23416,7 @@
                                       <p:cBhvr>
                                         <p:cTn id="73" dur="200" fill="hold"/>
                                         <p:tgtEl>
-                                          <p:spTgt spid="601"/>
+                                          <p:spTgt spid="10001"/>
                                         </p:tgtEl>
                                         <p:attrNameLst>
                                           <p:attrName>ppt_x</p:attrName>
@@ -23429,7 +23429,7 @@
                                       <p:cBhvr>
                                         <p:cTn id="74" dur="200" fill="hold"/>
                                         <p:tgtEl>
-                                          <p:spTgt spid="601"/>
+                                          <p:spTgt spid="10001"/>
                                         </p:tgtEl>
                                         <p:attrNameLst>
                                           <p:attrName>ppt_x</p:attrName>
@@ -23442,7 +23442,7 @@
                                       <p:cBhvr>
                                         <p:cTn id="75" dur="200" fill="hold"/>
                                         <p:tgtEl>
-                                          <p:spTgt spid="601"/>
+                                          <p:spTgt spid="10001"/>
                                         </p:tgtEl>
                                         <p:attrNameLst>
                                           <p:attrName>ppt_x</p:attrName>
@@ -23455,7 +23455,7 @@
                                       <p:cBhvr>
                                         <p:cTn id="76" dur="200" fill="hold"/>
                                         <p:tgtEl>
-                                          <p:spTgt spid="601"/>
+                                          <p:spTgt spid="10001"/>
                                         </p:tgtEl>
                                         <p:attrNameLst>
                                           <p:attrName>ppt_x</p:attrName>
@@ -23468,7 +23468,7 @@
                                       <p:cBhvr>
                                         <p:cTn id="77" dur="200" fill="hold"/>
                                         <p:tgtEl>
-                                          <p:spTgt spid="601"/>
+                                          <p:spTgt spid="10001"/>
                                         </p:tgtEl>
                                         <p:attrNameLst>
                                           <p:attrName>ppt_x</p:attrName>
@@ -23481,7 +23481,7 @@
                                       <p:cBhvr>
                                         <p:cTn id="78" dur="200" fill="hold"/>
                                         <p:tgtEl>
-                                          <p:spTgt spid="601"/>
+                                          <p:spTgt spid="10001"/>
                                         </p:tgtEl>
                                         <p:attrNameLst>
                                           <p:attrName>ppt_x</p:attrName>
@@ -23494,7 +23494,7 @@
                                       <p:cBhvr>
                                         <p:cTn id="79" dur="200" fill="hold"/>
                                         <p:tgtEl>
-                                          <p:spTgt spid="601"/>
+                                          <p:spTgt spid="10001"/>
                                         </p:tgtEl>
                                         <p:attrNameLst>
                                           <p:attrName>ppt_x</p:attrName>
@@ -23507,7 +23507,7 @@
                                       <p:cBhvr>
                                         <p:cTn id="80" dur="200" fill="hold"/>
                                         <p:tgtEl>
-                                          <p:spTgt spid="601"/>
+                                          <p:spTgt spid="10001"/>
                                         </p:tgtEl>
                                         <p:attrNameLst>
                                           <p:attrName>ppt_x</p:attrName>
@@ -23520,7 +23520,7 @@
                                       <p:cBhvr>
                                         <p:cTn id="81" dur="200" fill="hold"/>
                                         <p:tgtEl>
-                                          <p:spTgt spid="601"/>
+                                          <p:spTgt spid="10001"/>
                                         </p:tgtEl>
                                         <p:attrNameLst>
                                           <p:attrName>ppt_x</p:attrName>
@@ -23533,7 +23533,7 @@
                                       <p:cBhvr>
                                         <p:cTn id="82" dur="200" fill="hold"/>
                                         <p:tgtEl>
-                                          <p:spTgt spid="601"/>
+                                          <p:spTgt spid="10001"/>
                                         </p:tgtEl>
                                         <p:attrNameLst>
                                           <p:attrName>ppt_x</p:attrName>
@@ -23546,7 +23546,7 @@
                                       <p:cBhvr>
                                         <p:cTn id="83" dur="200" fill="hold"/>
                                         <p:tgtEl>
-                                          <p:spTgt spid="601"/>
+                                          <p:spTgt spid="10001"/>
                                         </p:tgtEl>
                                         <p:attrNameLst>
                                           <p:attrName>ppt_x</p:attrName>
@@ -23559,7 +23559,7 @@
                                       <p:cBhvr>
                                         <p:cTn id="84" dur="200" fill="hold"/>
                                         <p:tgtEl>
-                                          <p:spTgt spid="601"/>
+                                          <p:spTgt spid="10001"/>
                                         </p:tgtEl>
                                         <p:attrNameLst>
                                           <p:attrName>ppt_x</p:attrName>
@@ -23572,7 +23572,7 @@
                                       <p:cBhvr>
                                         <p:cTn id="85" dur="200" fill="hold"/>
                                         <p:tgtEl>
-                                          <p:spTgt spid="601"/>
+                                          <p:spTgt spid="10001"/>
                                         </p:tgtEl>
                                         <p:attrNameLst>
                                           <p:attrName>ppt_x</p:attrName>
@@ -23585,7 +23585,7 @@
                                       <p:cBhvr>
                                         <p:cTn id="86" dur="200" fill="hold"/>
                                         <p:tgtEl>
-                                          <p:spTgt spid="601"/>
+                                          <p:spTgt spid="10001"/>
                                         </p:tgtEl>
                                         <p:attrNameLst>
                                           <p:attrName>ppt_x</p:attrName>
@@ -23598,7 +23598,7 @@
                                       <p:cBhvr>
                                         <p:cTn id="87" dur="200" fill="hold"/>
                                         <p:tgtEl>
-                                          <p:spTgt spid="601"/>
+                                          <p:spTgt spid="10001"/>
                                         </p:tgtEl>
                                         <p:attrNameLst>
                                           <p:attrName>ppt_x</p:attrName>
@@ -23624,7 +23624,7 @@
                                           </p:stCondLst>
                                         </p:cTn>
                                         <p:tgtEl>
-                                          <p:spTgt spid="20600"/>
+                                          <p:spTgt spid="30000"/>
                                         </p:tgtEl>
                                         <p:attrNameLst>
                                           <p:attrName>style.visibility</p:attrName>
@@ -23651,7 +23651,7 @@
                                           </p:stCondLst>
                                         </p:cTn>
                                         <p:tgtEl>
-                                          <p:spTgt spid="20601"/>
+                                          <p:spTgt spid="30001"/>
                                         </p:tgtEl>
                                         <p:attrNameLst>
                                           <p:attrName>style.visibility</p:attrName>
@@ -23678,7 +23678,7 @@
                                           </p:stCondLst>
                                         </p:cTn>
                                         <p:tgtEl>
-                                          <p:spTgt spid="20602"/>
+                                          <p:spTgt spid="30002"/>
                                         </p:tgtEl>
                                         <p:attrNameLst>
                                           <p:attrName>style.visibility</p:attrName>
@@ -23705,7 +23705,7 @@
                                           </p:stCondLst>
                                         </p:cTn>
                                         <p:tgtEl>
-                                          <p:spTgt spid="20603"/>
+                                          <p:spTgt spid="30003"/>
                                         </p:tgtEl>
                                         <p:attrNameLst>
                                           <p:attrName>style.visibility</p:attrName>
@@ -23732,7 +23732,7 @@
                                           </p:stCondLst>
                                         </p:cTn>
                                         <p:tgtEl>
-                                          <p:spTgt spid="20604"/>
+                                          <p:spTgt spid="30004"/>
                                         </p:tgtEl>
                                         <p:attrNameLst>
                                           <p:attrName>style.visibility</p:attrName>
@@ -23759,7 +23759,7 @@
                                           </p:stCondLst>
                                         </p:cTn>
                                         <p:tgtEl>
-                                          <p:spTgt spid="20605"/>
+                                          <p:spTgt spid="30005"/>
                                         </p:tgtEl>
                                         <p:attrNameLst>
                                           <p:attrName>style.visibility</p:attrName>
@@ -23786,7 +23786,7 @@
                                           </p:stCondLst>
                                         </p:cTn>
                                         <p:tgtEl>
-                                          <p:spTgt spid="20606"/>
+                                          <p:spTgt spid="30006"/>
                                         </p:tgtEl>
                                         <p:attrNameLst>
                                           <p:attrName>style.visibility</p:attrName>
@@ -23813,7 +23813,7 @@
                                           </p:stCondLst>
                                         </p:cTn>
                                         <p:tgtEl>
-                                          <p:spTgt spid="20607"/>
+                                          <p:spTgt spid="30007"/>
                                         </p:tgtEl>
                                         <p:attrNameLst>
                                           <p:attrName>style.visibility</p:attrName>
@@ -23840,7 +23840,7 @@
                                           </p:stCondLst>
                                         </p:cTn>
                                         <p:tgtEl>
-                                          <p:spTgt spid="20608"/>
+                                          <p:spTgt spid="30008"/>
                                         </p:tgtEl>
                                         <p:attrNameLst>
                                           <p:attrName>style.visibility</p:attrName>
@@ -23867,7 +23867,7 @@
                                           </p:stCondLst>
                                         </p:cTn>
                                         <p:tgtEl>
-                                          <p:spTgt spid="20609"/>
+                                          <p:spTgt spid="30009"/>
                                         </p:tgtEl>
                                         <p:attrNameLst>
                                           <p:attrName>style.visibility</p:attrName>
@@ -23894,7 +23894,7 @@
                                           </p:stCondLst>
                                         </p:cTn>
                                         <p:tgtEl>
-                                          <p:spTgt spid="20610"/>
+                                          <p:spTgt spid="30010"/>
                                         </p:tgtEl>
                                         <p:attrNameLst>
                                           <p:attrName>style.visibility</p:attrName>
@@ -23921,7 +23921,7 @@
                                           </p:stCondLst>
                                         </p:cTn>
                                         <p:tgtEl>
-                                          <p:spTgt spid="20611"/>
+                                          <p:spTgt spid="30011"/>
                                         </p:tgtEl>
                                         <p:attrNameLst>
                                           <p:attrName>style.visibility</p:attrName>
@@ -23948,7 +23948,7 @@
                                           </p:stCondLst>
                                         </p:cTn>
                                         <p:tgtEl>
-                                          <p:spTgt spid="20612"/>
+                                          <p:spTgt spid="30012"/>
                                         </p:tgtEl>
                                         <p:attrNameLst>
                                           <p:attrName>style.visibility</p:attrName>
@@ -23975,7 +23975,7 @@
                                           </p:stCondLst>
                                         </p:cTn>
                                         <p:tgtEl>
-                                          <p:spTgt spid="20613"/>
+                                          <p:spTgt spid="30013"/>
                                         </p:tgtEl>
                                         <p:attrNameLst>
                                           <p:attrName>style.visibility</p:attrName>
@@ -24002,7 +24002,7 @@
                                           </p:stCondLst>
                                         </p:cTn>
                                         <p:tgtEl>
-                                          <p:spTgt spid="20614"/>
+                                          <p:spTgt spid="30014"/>
                                         </p:tgtEl>
                                         <p:attrNameLst>
                                           <p:attrName>style.visibility</p:attrName>
@@ -24029,7 +24029,7 @@
                                           </p:stCondLst>
                                         </p:cTn>
                                         <p:tgtEl>
-                                          <p:spTgt spid="20615"/>
+                                          <p:spTgt spid="30015"/>
                                         </p:tgtEl>
                                         <p:attrNameLst>
                                           <p:attrName>style.visibility</p:attrName>
@@ -24056,7 +24056,7 @@
                                           </p:stCondLst>
                                         </p:cTn>
                                         <p:tgtEl>
-                                          <p:spTgt spid="20616"/>
+                                          <p:spTgt spid="30016"/>
                                         </p:tgtEl>
                                         <p:attrNameLst>
                                           <p:attrName>style.visibility</p:attrName>
@@ -24083,7 +24083,7 @@
                                           </p:stCondLst>
                                         </p:cTn>
                                         <p:tgtEl>
-                                          <p:spTgt spid="20617"/>
+                                          <p:spTgt spid="30017"/>
                                         </p:tgtEl>
                                         <p:attrNameLst>
                                           <p:attrName>style.visibility</p:attrName>
@@ -24110,7 +24110,7 @@
                                           </p:stCondLst>
                                         </p:cTn>
                                         <p:tgtEl>
-                                          <p:spTgt spid="20618"/>
+                                          <p:spTgt spid="30018"/>
                                         </p:tgtEl>
                                         <p:attrNameLst>
                                           <p:attrName>style.visibility</p:attrName>
@@ -24137,7 +24137,7 @@
                                           </p:stCondLst>
                                         </p:cTn>
                                         <p:tgtEl>
-                                          <p:spTgt spid="20619"/>
+                                          <p:spTgt spid="30019"/>
                                         </p:tgtEl>
                                         <p:attrNameLst>
                                           <p:attrName>style.visibility</p:attrName>
@@ -24164,7 +24164,7 @@
                                           </p:stCondLst>
                                         </p:cTn>
                                         <p:tgtEl>
-                                          <p:spTgt spid="20620"/>
+                                          <p:spTgt spid="30020"/>
                                         </p:tgtEl>
                                         <p:attrNameLst>
                                           <p:attrName>style.visibility</p:attrName>
@@ -24191,7 +24191,7 @@
                                           </p:stCondLst>
                                         </p:cTn>
                                         <p:tgtEl>
-                                          <p:spTgt spid="20621"/>
+                                          <p:spTgt spid="30021"/>
                                         </p:tgtEl>
                                         <p:attrNameLst>
                                           <p:attrName>style.visibility</p:attrName>
@@ -24218,7 +24218,7 @@
                                           </p:stCondLst>
                                         </p:cTn>
                                         <p:tgtEl>
-                                          <p:spTgt spid="20622"/>
+                                          <p:spTgt spid="30022"/>
                                         </p:tgtEl>
                                         <p:attrNameLst>
                                           <p:attrName>style.visibility</p:attrName>
@@ -24245,7 +24245,7 @@
                                           </p:stCondLst>
                                         </p:cTn>
                                         <p:tgtEl>
-                                          <p:spTgt spid="20623"/>
+                                          <p:spTgt spid="30023"/>
                                         </p:tgtEl>
                                         <p:attrNameLst>
                                           <p:attrName>style.visibility</p:attrName>
@@ -24272,7 +24272,7 @@
                                           </p:stCondLst>
                                         </p:cTn>
                                         <p:tgtEl>
-                                          <p:spTgt spid="20624"/>
+                                          <p:spTgt spid="30024"/>
                                         </p:tgtEl>
                                         <p:attrNameLst>
                                           <p:attrName>style.visibility</p:attrName>
@@ -24299,7 +24299,7 @@
                                           </p:stCondLst>
                                         </p:cTn>
                                         <p:tgtEl>
-                                          <p:spTgt spid="20625"/>
+                                          <p:spTgt spid="30025"/>
                                         </p:tgtEl>
                                         <p:attrNameLst>
                                           <p:attrName>style.visibility</p:attrName>
@@ -24326,7 +24326,7 @@
                                           </p:stCondLst>
                                         </p:cTn>
                                         <p:tgtEl>
-                                          <p:spTgt spid="20626"/>
+                                          <p:spTgt spid="30026"/>
                                         </p:tgtEl>
                                         <p:attrNameLst>
                                           <p:attrName>style.visibility</p:attrName>
@@ -24353,7 +24353,7 @@
                                           </p:stCondLst>
                                         </p:cTn>
                                         <p:tgtEl>
-                                          <p:spTgt spid="20627"/>
+                                          <p:spTgt spid="30027"/>
                                         </p:tgtEl>
                                         <p:attrNameLst>
                                           <p:attrName>style.visibility</p:attrName>
@@ -24380,7 +24380,7 @@
                                           </p:stCondLst>
                                         </p:cTn>
                                         <p:tgtEl>
-                                          <p:spTgt spid="20628"/>
+                                          <p:spTgt spid="30028"/>
                                         </p:tgtEl>
                                         <p:attrNameLst>
                                           <p:attrName>style.visibility</p:attrName>
@@ -24407,7 +24407,7 @@
                                           </p:stCondLst>
                                         </p:cTn>
                                         <p:tgtEl>
-                                          <p:spTgt spid="20629"/>
+                                          <p:spTgt spid="30029"/>
                                         </p:tgtEl>
                                         <p:attrNameLst>
                                           <p:attrName>style.visibility</p:attrName>
@@ -24434,7 +24434,7 @@
                                           </p:stCondLst>
                                         </p:cTn>
                                         <p:tgtEl>
-                                          <p:spTgt spid="20630"/>
+                                          <p:spTgt spid="30030"/>
                                         </p:tgtEl>
                                         <p:attrNameLst>
                                           <p:attrName>style.visibility</p:attrName>
@@ -24461,7 +24461,7 @@
                                           </p:stCondLst>
                                         </p:cTn>
                                         <p:tgtEl>
-                                          <p:spTgt spid="20631"/>
+                                          <p:spTgt spid="30031"/>
                                         </p:tgtEl>
                                         <p:attrNameLst>
                                           <p:attrName>style.visibility</p:attrName>
@@ -24488,7 +24488,7 @@
                                           </p:stCondLst>
                                         </p:cTn>
                                         <p:tgtEl>
-                                          <p:spTgt spid="20632"/>
+                                          <p:spTgt spid="30032"/>
                                         </p:tgtEl>
                                         <p:attrNameLst>
                                           <p:attrName>style.visibility</p:attrName>
@@ -24515,7 +24515,7 @@
                                           </p:stCondLst>
                                         </p:cTn>
                                         <p:tgtEl>
-                                          <p:spTgt spid="20633"/>
+                                          <p:spTgt spid="30033"/>
                                         </p:tgtEl>
                                         <p:attrNameLst>
                                           <p:attrName>style.visibility</p:attrName>
@@ -24542,7 +24542,7 @@
                                           </p:stCondLst>
                                         </p:cTn>
                                         <p:tgtEl>
-                                          <p:spTgt spid="20634"/>
+                                          <p:spTgt spid="30034"/>
                                         </p:tgtEl>
                                         <p:attrNameLst>
                                           <p:attrName>style.visibility</p:attrName>
@@ -24569,7 +24569,7 @@
                                           </p:stCondLst>
                                         </p:cTn>
                                         <p:tgtEl>
-                                          <p:spTgt spid="20635"/>
+                                          <p:spTgt spid="30035"/>
                                         </p:tgtEl>
                                         <p:attrNameLst>
                                           <p:attrName>style.visibility</p:attrName>
@@ -24596,7 +24596,7 @@
                                           </p:stCondLst>
                                         </p:cTn>
                                         <p:tgtEl>
-                                          <p:spTgt spid="20636"/>
+                                          <p:spTgt spid="30036"/>
                                         </p:tgtEl>
                                         <p:attrNameLst>
                                           <p:attrName>style.visibility</p:attrName>
@@ -24623,7 +24623,7 @@
                                           </p:stCondLst>
                                         </p:cTn>
                                         <p:tgtEl>
-                                          <p:spTgt spid="20637"/>
+                                          <p:spTgt spid="30037"/>
                                         </p:tgtEl>
                                         <p:attrNameLst>
                                           <p:attrName>style.visibility</p:attrName>
@@ -24650,7 +24650,7 @@
                                           </p:stCondLst>
                                         </p:cTn>
                                         <p:tgtEl>
-                                          <p:spTgt spid="20638"/>
+                                          <p:spTgt spid="30038"/>
                                         </p:tgtEl>
                                         <p:attrNameLst>
                                           <p:attrName>style.visibility</p:attrName>
@@ -24677,7 +24677,7 @@
                                           </p:stCondLst>
                                         </p:cTn>
                                         <p:tgtEl>
-                                          <p:spTgt spid="20639"/>
+                                          <p:spTgt spid="30039"/>
                                         </p:tgtEl>
                                         <p:attrNameLst>
                                           <p:attrName>style.visibility</p:attrName>
@@ -24704,7 +24704,7 @@
                                           </p:stCondLst>
                                         </p:cTn>
                                         <p:tgtEl>
-                                          <p:spTgt spid="20640"/>
+                                          <p:spTgt spid="30040"/>
                                         </p:tgtEl>
                                         <p:attrNameLst>
                                           <p:attrName>style.visibility</p:attrName>
@@ -24731,7 +24731,7 @@
                                           </p:stCondLst>
                                         </p:cTn>
                                         <p:tgtEl>
-                                          <p:spTgt spid="20641"/>
+                                          <p:spTgt spid="30041"/>
                                         </p:tgtEl>
                                         <p:attrNameLst>
                                           <p:attrName>style.visibility</p:attrName>
@@ -24758,7 +24758,7 @@
                                           </p:stCondLst>
                                         </p:cTn>
                                         <p:tgtEl>
-                                          <p:spTgt spid="20642"/>
+                                          <p:spTgt spid="30042"/>
                                         </p:tgtEl>
                                         <p:attrNameLst>
                                           <p:attrName>style.visibility</p:attrName>
@@ -24785,7 +24785,7 @@
                                           </p:stCondLst>
                                         </p:cTn>
                                         <p:tgtEl>
-                                          <p:spTgt spid="20643"/>
+                                          <p:spTgt spid="30043"/>
                                         </p:tgtEl>
                                         <p:attrNameLst>
                                           <p:attrName>style.visibility</p:attrName>
@@ -24812,7 +24812,7 @@
                                           </p:stCondLst>
                                         </p:cTn>
                                         <p:tgtEl>
-                                          <p:spTgt spid="20644"/>
+                                          <p:spTgt spid="30044"/>
                                         </p:tgtEl>
                                         <p:attrNameLst>
                                           <p:attrName>style.visibility</p:attrName>
@@ -24839,7 +24839,7 @@
                                           </p:stCondLst>
                                         </p:cTn>
                                         <p:tgtEl>
-                                          <p:spTgt spid="20645"/>
+                                          <p:spTgt spid="30045"/>
                                         </p:tgtEl>
                                         <p:attrNameLst>
                                           <p:attrName>style.visibility</p:attrName>
@@ -24866,7 +24866,7 @@
                                           </p:stCondLst>
                                         </p:cTn>
                                         <p:tgtEl>
-                                          <p:spTgt spid="20646"/>
+                                          <p:spTgt spid="30046"/>
                                         </p:tgtEl>
                                         <p:attrNameLst>
                                           <p:attrName>style.visibility</p:attrName>
@@ -24893,7 +24893,7 @@
                                           </p:stCondLst>
                                         </p:cTn>
                                         <p:tgtEl>
-                                          <p:spTgt spid="20647"/>
+                                          <p:spTgt spid="30047"/>
                                         </p:tgtEl>
                                         <p:attrNameLst>
                                           <p:attrName>style.visibility</p:attrName>
@@ -24920,7 +24920,7 @@
                                           </p:stCondLst>
                                         </p:cTn>
                                         <p:tgtEl>
-                                          <p:spTgt spid="20648"/>
+                                          <p:spTgt spid="30048"/>
                                         </p:tgtEl>
                                         <p:attrNameLst>
                                           <p:attrName>style.visibility</p:attrName>
@@ -24947,7 +24947,7 @@
                                           </p:stCondLst>
                                         </p:cTn>
                                         <p:tgtEl>
-                                          <p:spTgt spid="20649"/>
+                                          <p:spTgt spid="30049"/>
                                         </p:tgtEl>
                                         <p:attrNameLst>
                                           <p:attrName>style.visibility</p:attrName>
@@ -24974,7 +24974,7 @@
                                           </p:stCondLst>
                                         </p:cTn>
                                         <p:tgtEl>
-                                          <p:spTgt spid="20650"/>
+                                          <p:spTgt spid="30050"/>
                                         </p:tgtEl>
                                         <p:attrNameLst>
                                           <p:attrName>style.visibility</p:attrName>
@@ -25001,7 +25001,7 @@
                                           </p:stCondLst>
                                         </p:cTn>
                                         <p:tgtEl>
-                                          <p:spTgt spid="20651"/>
+                                          <p:spTgt spid="30051"/>
                                         </p:tgtEl>
                                         <p:attrNameLst>
                                           <p:attrName>style.visibility</p:attrName>
@@ -25028,7 +25028,7 @@
                                           </p:stCondLst>
                                         </p:cTn>
                                         <p:tgtEl>
-                                          <p:spTgt spid="20652"/>
+                                          <p:spTgt spid="30052"/>
                                         </p:tgtEl>
                                         <p:attrNameLst>
                                           <p:attrName>style.visibility</p:attrName>
@@ -25055,7 +25055,7 @@
                                           </p:stCondLst>
                                         </p:cTn>
                                         <p:tgtEl>
-                                          <p:spTgt spid="20653"/>
+                                          <p:spTgt spid="30053"/>
                                         </p:tgtEl>
                                         <p:attrNameLst>
                                           <p:attrName>style.visibility</p:attrName>
@@ -25082,7 +25082,7 @@
                                           </p:stCondLst>
                                         </p:cTn>
                                         <p:tgtEl>
-                                          <p:spTgt spid="20654"/>
+                                          <p:spTgt spid="30054"/>
                                         </p:tgtEl>
                                         <p:attrNameLst>
                                           <p:attrName>style.visibility</p:attrName>
@@ -25109,7 +25109,7 @@
                                           </p:stCondLst>
                                         </p:cTn>
                                         <p:tgtEl>
-                                          <p:spTgt spid="20655"/>
+                                          <p:spTgt spid="30055"/>
                                         </p:tgtEl>
                                         <p:attrNameLst>
                                           <p:attrName>style.visibility</p:attrName>
@@ -25136,7 +25136,7 @@
                                           </p:stCondLst>
                                         </p:cTn>
                                         <p:tgtEl>
-                                          <p:spTgt spid="20656"/>
+                                          <p:spTgt spid="30056"/>
                                         </p:tgtEl>
                                         <p:attrNameLst>
                                           <p:attrName>style.visibility</p:attrName>
@@ -25163,7 +25163,7 @@
                                           </p:stCondLst>
                                         </p:cTn>
                                         <p:tgtEl>
-                                          <p:spTgt spid="20657"/>
+                                          <p:spTgt spid="30057"/>
                                         </p:tgtEl>
                                         <p:attrNameLst>
                                           <p:attrName>style.visibility</p:attrName>
@@ -25190,7 +25190,7 @@
                                           </p:stCondLst>
                                         </p:cTn>
                                         <p:tgtEl>
-                                          <p:spTgt spid="20658"/>
+                                          <p:spTgt spid="30058"/>
                                         </p:tgtEl>
                                         <p:attrNameLst>
                                           <p:attrName>style.visibility</p:attrName>
@@ -25217,7 +25217,7 @@
                                           </p:stCondLst>
                                         </p:cTn>
                                         <p:tgtEl>
-                                          <p:spTgt spid="20659"/>
+                                          <p:spTgt spid="30059"/>
                                         </p:tgtEl>
                                         <p:attrNameLst>
                                           <p:attrName>style.visibility</p:attrName>
@@ -25244,7 +25244,7 @@
                                           </p:stCondLst>
                                         </p:cTn>
                                         <p:tgtEl>
-                                          <p:spTgt spid="20660"/>
+                                          <p:spTgt spid="30060"/>
                                         </p:tgtEl>
                                         <p:attrNameLst>
                                           <p:attrName>style.visibility</p:attrName>
@@ -25271,7 +25271,7 @@
                                           </p:stCondLst>
                                         </p:cTn>
                                         <p:tgtEl>
-                                          <p:spTgt spid="20661"/>
+                                          <p:spTgt spid="30061"/>
                                         </p:tgtEl>
                                         <p:attrNameLst>
                                           <p:attrName>style.visibility</p:attrName>
@@ -25298,7 +25298,7 @@
                                           </p:stCondLst>
                                         </p:cTn>
                                         <p:tgtEl>
-                                          <p:spTgt spid="20662"/>
+                                          <p:spTgt spid="30062"/>
                                         </p:tgtEl>
                                         <p:attrNameLst>
                                           <p:attrName>style.visibility</p:attrName>
@@ -25325,7 +25325,7 @@
                                           </p:stCondLst>
                                         </p:cTn>
                                         <p:tgtEl>
-                                          <p:spTgt spid="20663"/>
+                                          <p:spTgt spid="30063"/>
                                         </p:tgtEl>
                                         <p:attrNameLst>
                                           <p:attrName>style.visibility</p:attrName>
@@ -25352,7 +25352,7 @@
                                           </p:stCondLst>
                                         </p:cTn>
                                         <p:tgtEl>
-                                          <p:spTgt spid="20664"/>
+                                          <p:spTgt spid="30064"/>
                                         </p:tgtEl>
                                         <p:attrNameLst>
                                           <p:attrName>style.visibility</p:attrName>
@@ -25379,7 +25379,7 @@
                                           </p:stCondLst>
                                         </p:cTn>
                                         <p:tgtEl>
-                                          <p:spTgt spid="20665"/>
+                                          <p:spTgt spid="30065"/>
                                         </p:tgtEl>
                                         <p:attrNameLst>
                                           <p:attrName>style.visibility</p:attrName>
@@ -25406,7 +25406,7 @@
                                           </p:stCondLst>
                                         </p:cTn>
                                         <p:tgtEl>
-                                          <p:spTgt spid="20666"/>
+                                          <p:spTgt spid="30066"/>
                                         </p:tgtEl>
                                         <p:attrNameLst>
                                           <p:attrName>style.visibility</p:attrName>
@@ -25433,7 +25433,7 @@
                                           </p:stCondLst>
                                         </p:cTn>
                                         <p:tgtEl>
-                                          <p:spTgt spid="20667"/>
+                                          <p:spTgt spid="30067"/>
                                         </p:tgtEl>
                                         <p:attrNameLst>
                                           <p:attrName>style.visibility</p:attrName>
@@ -25460,7 +25460,7 @@
                                           </p:stCondLst>
                                         </p:cTn>
                                         <p:tgtEl>
-                                          <p:spTgt spid="20668"/>
+                                          <p:spTgt spid="30068"/>
                                         </p:tgtEl>
                                         <p:attrNameLst>
                                           <p:attrName>style.visibility</p:attrName>
@@ -25487,7 +25487,7 @@
                                           </p:stCondLst>
                                         </p:cTn>
                                         <p:tgtEl>
-                                          <p:spTgt spid="20669"/>
+                                          <p:spTgt spid="30069"/>
                                         </p:tgtEl>
                                         <p:attrNameLst>
                                           <p:attrName>style.visibility</p:attrName>
@@ -25514,7 +25514,7 @@
                                           </p:stCondLst>
                                         </p:cTn>
                                         <p:tgtEl>
-                                          <p:spTgt spid="20670"/>
+                                          <p:spTgt spid="30070"/>
                                         </p:tgtEl>
                                         <p:attrNameLst>
                                           <p:attrName>style.visibility</p:attrName>
@@ -25541,7 +25541,7 @@
                                           </p:stCondLst>
                                         </p:cTn>
                                         <p:tgtEl>
-                                          <p:spTgt spid="20671"/>
+                                          <p:spTgt spid="30071"/>
                                         </p:tgtEl>
                                         <p:attrNameLst>
                                           <p:attrName>style.visibility</p:attrName>
@@ -25568,7 +25568,7 @@
                                           </p:stCondLst>
                                         </p:cTn>
                                         <p:tgtEl>
-                                          <p:spTgt spid="20672"/>
+                                          <p:spTgt spid="30072"/>
                                         </p:tgtEl>
                                         <p:attrNameLst>
                                           <p:attrName>style.visibility</p:attrName>
@@ -25595,7 +25595,7 @@
                                           </p:stCondLst>
                                         </p:cTn>
                                         <p:tgtEl>
-                                          <p:spTgt spid="20673"/>
+                                          <p:spTgt spid="30073"/>
                                         </p:tgtEl>
                                         <p:attrNameLst>
                                           <p:attrName>style.visibility</p:attrName>
@@ -25622,7 +25622,7 @@
                                           </p:stCondLst>
                                         </p:cTn>
                                         <p:tgtEl>
-                                          <p:spTgt spid="20674"/>
+                                          <p:spTgt spid="30074"/>
                                         </p:tgtEl>
                                         <p:attrNameLst>
                                           <p:attrName>style.visibility</p:attrName>
@@ -25649,7 +25649,7 @@
                                           </p:stCondLst>
                                         </p:cTn>
                                         <p:tgtEl>
-                                          <p:spTgt spid="20675"/>
+                                          <p:spTgt spid="30075"/>
                                         </p:tgtEl>
                                         <p:attrNameLst>
                                           <p:attrName>style.visibility</p:attrName>
@@ -25676,7 +25676,7 @@
                                           </p:stCondLst>
                                         </p:cTn>
                                         <p:tgtEl>
-                                          <p:spTgt spid="20676"/>
+                                          <p:spTgt spid="30076"/>
                                         </p:tgtEl>
                                         <p:attrNameLst>
                                           <p:attrName>style.visibility</p:attrName>
@@ -25703,7 +25703,7 @@
                                           </p:stCondLst>
                                         </p:cTn>
                                         <p:tgtEl>
-                                          <p:spTgt spid="20677"/>
+                                          <p:spTgt spid="30077"/>
                                         </p:tgtEl>
                                         <p:attrNameLst>
                                           <p:attrName>style.visibility</p:attrName>
@@ -25730,7 +25730,7 @@
                                           </p:stCondLst>
                                         </p:cTn>
                                         <p:tgtEl>
-                                          <p:spTgt spid="20678"/>
+                                          <p:spTgt spid="30078"/>
                                         </p:tgtEl>
                                         <p:attrNameLst>
                                           <p:attrName>style.visibility</p:attrName>
@@ -25757,7 +25757,7 @@
                                           </p:stCondLst>
                                         </p:cTn>
                                         <p:tgtEl>
-                                          <p:spTgt spid="20679"/>
+                                          <p:spTgt spid="30079"/>
                                         </p:tgtEl>
                                         <p:attrNameLst>
                                           <p:attrName>style.visibility</p:attrName>
@@ -25784,7 +25784,7 @@
                                           </p:stCondLst>
                                         </p:cTn>
                                         <p:tgtEl>
-                                          <p:spTgt spid="20680"/>
+                                          <p:spTgt spid="30080"/>
                                         </p:tgtEl>
                                         <p:attrNameLst>
                                           <p:attrName>style.visibility</p:attrName>
@@ -25811,7 +25811,7 @@
                                           </p:stCondLst>
                                         </p:cTn>
                                         <p:tgtEl>
-                                          <p:spTgt spid="20681"/>
+                                          <p:spTgt spid="30081"/>
                                         </p:tgtEl>
                                         <p:attrNameLst>
                                           <p:attrName>style.visibility</p:attrName>
@@ -25838,7 +25838,7 @@
                                           </p:stCondLst>
                                         </p:cTn>
                                         <p:tgtEl>
-                                          <p:spTgt spid="20682"/>
+                                          <p:spTgt spid="30082"/>
                                         </p:tgtEl>
                                         <p:attrNameLst>
                                           <p:attrName>style.visibility</p:attrName>
@@ -25865,7 +25865,7 @@
                                           </p:stCondLst>
                                         </p:cTn>
                                         <p:tgtEl>
-                                          <p:spTgt spid="20683"/>
+                                          <p:spTgt spid="30083"/>
                                         </p:tgtEl>
                                         <p:attrNameLst>
                                           <p:attrName>style.visibility</p:attrName>
@@ -25892,7 +25892,7 @@
                                           </p:stCondLst>
                                         </p:cTn>
                                         <p:tgtEl>
-                                          <p:spTgt spid="20684"/>
+                                          <p:spTgt spid="30084"/>
                                         </p:tgtEl>
                                         <p:attrNameLst>
                                           <p:attrName>style.visibility</p:attrName>
@@ -25919,7 +25919,7 @@
                                           </p:stCondLst>
                                         </p:cTn>
                                         <p:tgtEl>
-                                          <p:spTgt spid="20685"/>
+                                          <p:spTgt spid="30085"/>
                                         </p:tgtEl>
                                         <p:attrNameLst>
                                           <p:attrName>style.visibility</p:attrName>
@@ -25946,7 +25946,7 @@
                                           </p:stCondLst>
                                         </p:cTn>
                                         <p:tgtEl>
-                                          <p:spTgt spid="20686"/>
+                                          <p:spTgt spid="30086"/>
                                         </p:tgtEl>
                                         <p:attrNameLst>
                                           <p:attrName>style.visibility</p:attrName>
@@ -25973,7 +25973,7 @@
                                           </p:stCondLst>
                                         </p:cTn>
                                         <p:tgtEl>
-                                          <p:spTgt spid="20687"/>
+                                          <p:spTgt spid="30087"/>
                                         </p:tgtEl>
                                         <p:attrNameLst>
                                           <p:attrName>style.visibility</p:attrName>
@@ -26000,7 +26000,7 @@
                                           </p:stCondLst>
                                         </p:cTn>
                                         <p:tgtEl>
-                                          <p:spTgt spid="20688"/>
+                                          <p:spTgt spid="30088"/>
                                         </p:tgtEl>
                                         <p:attrNameLst>
                                           <p:attrName>style.visibility</p:attrName>
@@ -26027,7 +26027,7 @@
                                           </p:stCondLst>
                                         </p:cTn>
                                         <p:tgtEl>
-                                          <p:spTgt spid="20689"/>
+                                          <p:spTgt spid="30089"/>
                                         </p:tgtEl>
                                         <p:attrNameLst>
                                           <p:attrName>style.visibility</p:attrName>
@@ -26054,7 +26054,7 @@
                                           </p:stCondLst>
                                         </p:cTn>
                                         <p:tgtEl>
-                                          <p:spTgt spid="20690"/>
+                                          <p:spTgt spid="30090"/>
                                         </p:tgtEl>
                                         <p:attrNameLst>
                                           <p:attrName>style.visibility</p:attrName>
@@ -26081,7 +26081,7 @@
                                           </p:stCondLst>
                                         </p:cTn>
                                         <p:tgtEl>
-                                          <p:spTgt spid="20691"/>
+                                          <p:spTgt spid="30091"/>
                                         </p:tgtEl>
                                         <p:attrNameLst>
                                           <p:attrName>style.visibility</p:attrName>
@@ -26108,7 +26108,7 @@
                                           </p:stCondLst>
                                         </p:cTn>
                                         <p:tgtEl>
-                                          <p:spTgt spid="20692"/>
+                                          <p:spTgt spid="30092"/>
                                         </p:tgtEl>
                                         <p:attrNameLst>
                                           <p:attrName>style.visibility</p:attrName>
@@ -26135,7 +26135,7 @@
                                           </p:stCondLst>
                                         </p:cTn>
                                         <p:tgtEl>
-                                          <p:spTgt spid="20693"/>
+                                          <p:spTgt spid="30093"/>
                                         </p:tgtEl>
                                         <p:attrNameLst>
                                           <p:attrName>style.visibility</p:attrName>
@@ -26162,7 +26162,7 @@
                                           </p:stCondLst>
                                         </p:cTn>
                                         <p:tgtEl>
-                                          <p:spTgt spid="20694"/>
+                                          <p:spTgt spid="30094"/>
                                         </p:tgtEl>
                                         <p:attrNameLst>
                                           <p:attrName>style.visibility</p:attrName>
@@ -26189,7 +26189,7 @@
                                           </p:stCondLst>
                                         </p:cTn>
                                         <p:tgtEl>
-                                          <p:spTgt spid="20695"/>
+                                          <p:spTgt spid="30095"/>
                                         </p:tgtEl>
                                         <p:attrNameLst>
                                           <p:attrName>style.visibility</p:attrName>
@@ -26216,7 +26216,7 @@
                                           </p:stCondLst>
                                         </p:cTn>
                                         <p:tgtEl>
-                                          <p:spTgt spid="20696"/>
+                                          <p:spTgt spid="30096"/>
                                         </p:tgtEl>
                                         <p:attrNameLst>
                                           <p:attrName>style.visibility</p:attrName>
@@ -26243,7 +26243,7 @@
                                           </p:stCondLst>
                                         </p:cTn>
                                         <p:tgtEl>
-                                          <p:spTgt spid="20697"/>
+                                          <p:spTgt spid="30097"/>
                                         </p:tgtEl>
                                         <p:attrNameLst>
                                           <p:attrName>style.visibility</p:attrName>
@@ -26270,7 +26270,7 @@
                                           </p:stCondLst>
                                         </p:cTn>
                                         <p:tgtEl>
-                                          <p:spTgt spid="20698"/>
+                                          <p:spTgt spid="30098"/>
                                         </p:tgtEl>
                                         <p:attrNameLst>
                                           <p:attrName>style.visibility</p:attrName>
@@ -26297,7 +26297,7 @@
                                           </p:stCondLst>
                                         </p:cTn>
                                         <p:tgtEl>
-                                          <p:spTgt spid="20699"/>
+                                          <p:spTgt spid="30099"/>
                                         </p:tgtEl>
                                         <p:attrNameLst>
                                           <p:attrName>style.visibility</p:attrName>
@@ -26324,7 +26324,7 @@
                                           </p:stCondLst>
                                         </p:cTn>
                                         <p:tgtEl>
-                                          <p:spTgt spid="20700"/>
+                                          <p:spTgt spid="30100"/>
                                         </p:tgtEl>
                                         <p:attrNameLst>
                                           <p:attrName>style.visibility</p:attrName>
@@ -26351,7 +26351,7 @@
                                           </p:stCondLst>
                                         </p:cTn>
                                         <p:tgtEl>
-                                          <p:spTgt spid="20701"/>
+                                          <p:spTgt spid="30101"/>
                                         </p:tgtEl>
                                         <p:attrNameLst>
                                           <p:attrName>style.visibility</p:attrName>
@@ -26378,7 +26378,7 @@
                                           </p:stCondLst>
                                         </p:cTn>
                                         <p:tgtEl>
-                                          <p:spTgt spid="20702"/>
+                                          <p:spTgt spid="30102"/>
                                         </p:tgtEl>
                                         <p:attrNameLst>
                                           <p:attrName>style.visibility</p:attrName>
@@ -26405,7 +26405,7 @@
                                           </p:stCondLst>
                                         </p:cTn>
                                         <p:tgtEl>
-                                          <p:spTgt spid="20703"/>
+                                          <p:spTgt spid="30103"/>
                                         </p:tgtEl>
                                         <p:attrNameLst>
                                           <p:attrName>style.visibility</p:attrName>
@@ -26432,7 +26432,7 @@
                                           </p:stCondLst>
                                         </p:cTn>
                                         <p:tgtEl>
-                                          <p:spTgt spid="20704"/>
+                                          <p:spTgt spid="30104"/>
                                         </p:tgtEl>
                                         <p:attrNameLst>
                                           <p:attrName>style.visibility</p:attrName>
@@ -26459,7 +26459,7 @@
                                           </p:stCondLst>
                                         </p:cTn>
                                         <p:tgtEl>
-                                          <p:spTgt spid="20705"/>
+                                          <p:spTgt spid="30105"/>
                                         </p:tgtEl>
                                         <p:attrNameLst>
                                           <p:attrName>style.visibility</p:attrName>
@@ -26486,7 +26486,7 @@
                                           </p:stCondLst>
                                         </p:cTn>
                                         <p:tgtEl>
-                                          <p:spTgt spid="20706"/>
+                                          <p:spTgt spid="30106"/>
                                         </p:tgtEl>
                                         <p:attrNameLst>
                                           <p:attrName>style.visibility</p:attrName>
@@ -26513,7 +26513,7 @@
                                           </p:stCondLst>
                                         </p:cTn>
                                         <p:tgtEl>
-                                          <p:spTgt spid="20707"/>
+                                          <p:spTgt spid="30107"/>
                                         </p:tgtEl>
                                         <p:attrNameLst>
                                           <p:attrName>style.visibility</p:attrName>
@@ -26540,7 +26540,7 @@
                                           </p:stCondLst>
                                         </p:cTn>
                                         <p:tgtEl>
-                                          <p:spTgt spid="20708"/>
+                                          <p:spTgt spid="30108"/>
                                         </p:tgtEl>
                                         <p:attrNameLst>
                                           <p:attrName>style.visibility</p:attrName>
@@ -26567,7 +26567,7 @@
                                           </p:stCondLst>
                                         </p:cTn>
                                         <p:tgtEl>
-                                          <p:spTgt spid="20709"/>
+                                          <p:spTgt spid="30109"/>
                                         </p:tgtEl>
                                         <p:attrNameLst>
                                           <p:attrName>style.visibility</p:attrName>
@@ -26594,7 +26594,7 @@
                                           </p:stCondLst>
                                         </p:cTn>
                                         <p:tgtEl>
-                                          <p:spTgt spid="20710"/>
+                                          <p:spTgt spid="30110"/>
                                         </p:tgtEl>
                                         <p:attrNameLst>
                                           <p:attrName>style.visibility</p:attrName>
@@ -26621,7 +26621,7 @@
                                           </p:stCondLst>
                                         </p:cTn>
                                         <p:tgtEl>
-                                          <p:spTgt spid="20711"/>
+                                          <p:spTgt spid="30111"/>
                                         </p:tgtEl>
                                         <p:attrNameLst>
                                           <p:attrName>style.visibility</p:attrName>
@@ -26648,7 +26648,7 @@
                                           </p:stCondLst>
                                         </p:cTn>
                                         <p:tgtEl>
-                                          <p:spTgt spid="20712"/>
+                                          <p:spTgt spid="30112"/>
                                         </p:tgtEl>
                                         <p:attrNameLst>
                                           <p:attrName>style.visibility</p:attrName>
@@ -26675,7 +26675,7 @@
                                           </p:stCondLst>
                                         </p:cTn>
                                         <p:tgtEl>
-                                          <p:spTgt spid="20713"/>
+                                          <p:spTgt spid="30113"/>
                                         </p:tgtEl>
                                         <p:attrNameLst>
                                           <p:attrName>style.visibility</p:attrName>
@@ -26702,7 +26702,7 @@
                                           </p:stCondLst>
                                         </p:cTn>
                                         <p:tgtEl>
-                                          <p:spTgt spid="20714"/>
+                                          <p:spTgt spid="30114"/>
                                         </p:tgtEl>
                                         <p:attrNameLst>
                                           <p:attrName>style.visibility</p:attrName>
@@ -26729,7 +26729,7 @@
                                           </p:stCondLst>
                                         </p:cTn>
                                         <p:tgtEl>
-                                          <p:spTgt spid="20715"/>
+                                          <p:spTgt spid="30115"/>
                                         </p:tgtEl>
                                         <p:attrNameLst>
                                           <p:attrName>style.visibility</p:attrName>
@@ -26756,7 +26756,7 @@
                                           </p:stCondLst>
                                         </p:cTn>
                                         <p:tgtEl>
-                                          <p:spTgt spid="20716"/>
+                                          <p:spTgt spid="30116"/>
                                         </p:tgtEl>
                                         <p:attrNameLst>
                                           <p:attrName>style.visibility</p:attrName>
@@ -26783,7 +26783,7 @@
                                           </p:stCondLst>
                                         </p:cTn>
                                         <p:tgtEl>
-                                          <p:spTgt spid="20717"/>
+                                          <p:spTgt spid="30117"/>
                                         </p:tgtEl>
                                         <p:attrNameLst>
                                           <p:attrName>style.visibility</p:attrName>
@@ -26810,7 +26810,7 @@
                                           </p:stCondLst>
                                         </p:cTn>
                                         <p:tgtEl>
-                                          <p:spTgt spid="20718"/>
+                                          <p:spTgt spid="30118"/>
                                         </p:tgtEl>
                                         <p:attrNameLst>
                                           <p:attrName>style.visibility</p:attrName>
@@ -26837,7 +26837,7 @@
                                           </p:stCondLst>
                                         </p:cTn>
                                         <p:tgtEl>
-                                          <p:spTgt spid="20719"/>
+                                          <p:spTgt spid="30119"/>
                                         </p:tgtEl>
                                         <p:attrNameLst>
                                           <p:attrName>style.visibility</p:attrName>
@@ -26864,7 +26864,7 @@
                                           </p:stCondLst>
                                         </p:cTn>
                                         <p:tgtEl>
-                                          <p:spTgt spid="20720"/>
+                                          <p:spTgt spid="30120"/>
                                         </p:tgtEl>
                                         <p:attrNameLst>
                                           <p:attrName>style.visibility</p:attrName>
@@ -26891,7 +26891,7 @@
                                           </p:stCondLst>
                                         </p:cTn>
                                         <p:tgtEl>
-                                          <p:spTgt spid="20721"/>
+                                          <p:spTgt spid="30121"/>
                                         </p:tgtEl>
                                         <p:attrNameLst>
                                           <p:attrName>style.visibility</p:attrName>
@@ -26918,7 +26918,7 @@
                                           </p:stCondLst>
                                         </p:cTn>
                                         <p:tgtEl>
-                                          <p:spTgt spid="20722"/>
+                                          <p:spTgt spid="30122"/>
                                         </p:tgtEl>
                                         <p:attrNameLst>
                                           <p:attrName>style.visibility</p:attrName>
@@ -26945,7 +26945,7 @@
                                           </p:stCondLst>
                                         </p:cTn>
                                         <p:tgtEl>
-                                          <p:spTgt spid="20723"/>
+                                          <p:spTgt spid="30123"/>
                                         </p:tgtEl>
                                         <p:attrNameLst>
                                           <p:attrName>style.visibility</p:attrName>
@@ -26972,7 +26972,7 @@
                                           </p:stCondLst>
                                         </p:cTn>
                                         <p:tgtEl>
-                                          <p:spTgt spid="20724"/>
+                                          <p:spTgt spid="30124"/>
                                         </p:tgtEl>
                                         <p:attrNameLst>
                                           <p:attrName>style.visibility</p:attrName>
@@ -26999,7 +26999,7 @@
                                           </p:stCondLst>
                                         </p:cTn>
                                         <p:tgtEl>
-                                          <p:spTgt spid="20725"/>
+                                          <p:spTgt spid="30125"/>
                                         </p:tgtEl>
                                         <p:attrNameLst>
                                           <p:attrName>style.visibility</p:attrName>
@@ -27026,7 +27026,7 @@
                                           </p:stCondLst>
                                         </p:cTn>
                                         <p:tgtEl>
-                                          <p:spTgt spid="20726"/>
+                                          <p:spTgt spid="30126"/>
                                         </p:tgtEl>
                                         <p:attrNameLst>
                                           <p:attrName>style.visibility</p:attrName>
@@ -27053,7 +27053,7 @@
                                           </p:stCondLst>
                                         </p:cTn>
                                         <p:tgtEl>
-                                          <p:spTgt spid="20727"/>
+                                          <p:spTgt spid="30127"/>
                                         </p:tgtEl>
                                         <p:attrNameLst>
                                           <p:attrName>style.visibility</p:attrName>
@@ -27080,7 +27080,7 @@
                                           </p:stCondLst>
                                         </p:cTn>
                                         <p:tgtEl>
-                                          <p:spTgt spid="20728"/>
+                                          <p:spTgt spid="30128"/>
                                         </p:tgtEl>
                                         <p:attrNameLst>
                                           <p:attrName>style.visibility</p:attrName>
@@ -27107,7 +27107,7 @@
                                           </p:stCondLst>
                                         </p:cTn>
                                         <p:tgtEl>
-                                          <p:spTgt spid="20729"/>
+                                          <p:spTgt spid="30129"/>
                                         </p:tgtEl>
                                         <p:attrNameLst>
                                           <p:attrName>style.visibility</p:attrName>
@@ -27134,7 +27134,7 @@
                                           </p:stCondLst>
                                         </p:cTn>
                                         <p:tgtEl>
-                                          <p:spTgt spid="20730"/>
+                                          <p:spTgt spid="30130"/>
                                         </p:tgtEl>
                                         <p:attrNameLst>
                                           <p:attrName>style.visibility</p:attrName>
@@ -27161,7 +27161,7 @@
                                           </p:stCondLst>
                                         </p:cTn>
                                         <p:tgtEl>
-                                          <p:spTgt spid="20731"/>
+                                          <p:spTgt spid="30131"/>
                                         </p:tgtEl>
                                         <p:attrNameLst>
                                           <p:attrName>style.visibility</p:attrName>
@@ -27188,7 +27188,7 @@
                                           </p:stCondLst>
                                         </p:cTn>
                                         <p:tgtEl>
-                                          <p:spTgt spid="20732"/>
+                                          <p:spTgt spid="30132"/>
                                         </p:tgtEl>
                                         <p:attrNameLst>
                                           <p:attrName>style.visibility</p:attrName>
@@ -27215,7 +27215,7 @@
                                           </p:stCondLst>
                                         </p:cTn>
                                         <p:tgtEl>
-                                          <p:spTgt spid="20733"/>
+                                          <p:spTgt spid="30133"/>
                                         </p:tgtEl>
                                         <p:attrNameLst>
                                           <p:attrName>style.visibility</p:attrName>
@@ -27242,7 +27242,7 @@
                                           </p:stCondLst>
                                         </p:cTn>
                                         <p:tgtEl>
-                                          <p:spTgt spid="20734"/>
+                                          <p:spTgt spid="30134"/>
                                         </p:tgtEl>
                                         <p:attrNameLst>
                                           <p:attrName>style.visibility</p:attrName>
@@ -27269,7 +27269,7 @@
                                           </p:stCondLst>
                                         </p:cTn>
                                         <p:tgtEl>
-                                          <p:spTgt spid="20735"/>
+                                          <p:spTgt spid="30135"/>
                                         </p:tgtEl>
                                         <p:attrNameLst>
                                           <p:attrName>style.visibility</p:attrName>
@@ -27296,7 +27296,7 @@
                                           </p:stCondLst>
                                         </p:cTn>
                                         <p:tgtEl>
-                                          <p:spTgt spid="20736"/>
+                                          <p:spTgt spid="30136"/>
                                         </p:tgtEl>
                                         <p:attrNameLst>
                                           <p:attrName>style.visibility</p:attrName>
@@ -27323,7 +27323,7 @@
                                           </p:stCondLst>
                                         </p:cTn>
                                         <p:tgtEl>
-                                          <p:spTgt spid="20737"/>
+                                          <p:spTgt spid="30137"/>
                                         </p:tgtEl>
                                         <p:attrNameLst>
                                           <p:attrName>style.visibility</p:attrName>
@@ -27350,7 +27350,7 @@
                                           </p:stCondLst>
                                         </p:cTn>
                                         <p:tgtEl>
-                                          <p:spTgt spid="20738"/>
+                                          <p:spTgt spid="30138"/>
                                         </p:tgtEl>
                                         <p:attrNameLst>
                                           <p:attrName>style.visibility</p:attrName>
@@ -27377,7 +27377,7 @@
                                           </p:stCondLst>
                                         </p:cTn>
                                         <p:tgtEl>
-                                          <p:spTgt spid="20739"/>
+                                          <p:spTgt spid="30139"/>
                                         </p:tgtEl>
                                         <p:attrNameLst>
                                           <p:attrName>style.visibility</p:attrName>
@@ -27404,7 +27404,7 @@
                                           </p:stCondLst>
                                         </p:cTn>
                                         <p:tgtEl>
-                                          <p:spTgt spid="20740"/>
+                                          <p:spTgt spid="30140"/>
                                         </p:tgtEl>
                                         <p:attrNameLst>
                                           <p:attrName>style.visibility</p:attrName>
@@ -27431,7 +27431,7 @@
                                           </p:stCondLst>
                                         </p:cTn>
                                         <p:tgtEl>
-                                          <p:spTgt spid="20741"/>
+                                          <p:spTgt spid="30141"/>
                                         </p:tgtEl>
                                         <p:attrNameLst>
                                           <p:attrName>style.visibility</p:attrName>
@@ -27458,7 +27458,7 @@
                                           </p:stCondLst>
                                         </p:cTn>
                                         <p:tgtEl>
-                                          <p:spTgt spid="20742"/>
+                                          <p:spTgt spid="30142"/>
                                         </p:tgtEl>
                                         <p:attrNameLst>
                                           <p:attrName>style.visibility</p:attrName>
@@ -27485,7 +27485,7 @@
                                           </p:stCondLst>
                                         </p:cTn>
                                         <p:tgtEl>
-                                          <p:spTgt spid="20743"/>
+                                          <p:spTgt spid="30143"/>
                                         </p:tgtEl>
                                         <p:attrNameLst>
                                           <p:attrName>style.visibility</p:attrName>
@@ -27512,7 +27512,7 @@
                                           </p:stCondLst>
                                         </p:cTn>
                                         <p:tgtEl>
-                                          <p:spTgt spid="20744"/>
+                                          <p:spTgt spid="30144"/>
                                         </p:tgtEl>
                                         <p:attrNameLst>
                                           <p:attrName>style.visibility</p:attrName>
@@ -27539,7 +27539,7 @@
                                           </p:stCondLst>
                                         </p:cTn>
                                         <p:tgtEl>
-                                          <p:spTgt spid="20745"/>
+                                          <p:spTgt spid="30145"/>
                                         </p:tgtEl>
                                         <p:attrNameLst>
                                           <p:attrName>style.visibility</p:attrName>
@@ -27566,7 +27566,7 @@
                                           </p:stCondLst>
                                         </p:cTn>
                                         <p:tgtEl>
-                                          <p:spTgt spid="20746"/>
+                                          <p:spTgt spid="30146"/>
                                         </p:tgtEl>
                                         <p:attrNameLst>
                                           <p:attrName>style.visibility</p:attrName>
@@ -27593,7 +27593,7 @@
                                           </p:stCondLst>
                                         </p:cTn>
                                         <p:tgtEl>
-                                          <p:spTgt spid="20747"/>
+                                          <p:spTgt spid="30147"/>
                                         </p:tgtEl>
                                         <p:attrNameLst>
                                           <p:attrName>style.visibility</p:attrName>
@@ -27620,7 +27620,7 @@
                                           </p:stCondLst>
                                         </p:cTn>
                                         <p:tgtEl>
-                                          <p:spTgt spid="20748"/>
+                                          <p:spTgt spid="30148"/>
                                         </p:tgtEl>
                                         <p:attrNameLst>
                                           <p:attrName>style.visibility</p:attrName>
@@ -27647,7 +27647,7 @@
                                           </p:stCondLst>
                                         </p:cTn>
                                         <p:tgtEl>
-                                          <p:spTgt spid="20749"/>
+                                          <p:spTgt spid="30149"/>
                                         </p:tgtEl>
                                         <p:attrNameLst>
                                           <p:attrName>style.visibility</p:attrName>
@@ -27674,7 +27674,7 @@
                                           </p:stCondLst>
                                         </p:cTn>
                                         <p:tgtEl>
-                                          <p:spTgt spid="20750"/>
+                                          <p:spTgt spid="30150"/>
                                         </p:tgtEl>
                                         <p:attrNameLst>
                                           <p:attrName>style.visibility</p:attrName>
@@ -27701,7 +27701,7 @@
                                           </p:stCondLst>
                                         </p:cTn>
                                         <p:tgtEl>
-                                          <p:spTgt spid="20751"/>
+                                          <p:spTgt spid="30151"/>
                                         </p:tgtEl>
                                         <p:attrNameLst>
                                           <p:attrName>style.visibility</p:attrName>
@@ -27728,7 +27728,7 @@
                                           </p:stCondLst>
                                         </p:cTn>
                                         <p:tgtEl>
-                                          <p:spTgt spid="20752"/>
+                                          <p:spTgt spid="30152"/>
                                         </p:tgtEl>
                                         <p:attrNameLst>
                                           <p:attrName>style.visibility</p:attrName>
@@ -27755,7 +27755,7 @@
                                           </p:stCondLst>
                                         </p:cTn>
                                         <p:tgtEl>
-                                          <p:spTgt spid="20753"/>
+                                          <p:spTgt spid="30153"/>
                                         </p:tgtEl>
                                         <p:attrNameLst>
                                           <p:attrName>style.visibility</p:attrName>
@@ -27782,7 +27782,7 @@
                                           </p:stCondLst>
                                         </p:cTn>
                                         <p:tgtEl>
-                                          <p:spTgt spid="20754"/>
+                                          <p:spTgt spid="30154"/>
                                         </p:tgtEl>
                                         <p:attrNameLst>
                                           <p:attrName>style.visibility</p:attrName>
@@ -27809,7 +27809,7 @@
                                           </p:stCondLst>
                                         </p:cTn>
                                         <p:tgtEl>
-                                          <p:spTgt spid="20755"/>
+                                          <p:spTgt spid="30155"/>
                                         </p:tgtEl>
                                         <p:attrNameLst>
                                           <p:attrName>style.visibility</p:attrName>
@@ -27836,7 +27836,7 @@
                                           </p:stCondLst>
                                         </p:cTn>
                                         <p:tgtEl>
-                                          <p:spTgt spid="20756"/>
+                                          <p:spTgt spid="30156"/>
                                         </p:tgtEl>
                                         <p:attrNameLst>
                                           <p:attrName>style.visibility</p:attrName>
@@ -27863,7 +27863,7 @@
                                           </p:stCondLst>
                                         </p:cTn>
                                         <p:tgtEl>
-                                          <p:spTgt spid="20757"/>
+                                          <p:spTgt spid="30157"/>
                                         </p:tgtEl>
                                         <p:attrNameLst>
                                           <p:attrName>style.visibility</p:attrName>
@@ -27890,7 +27890,7 @@
                                           </p:stCondLst>
                                         </p:cTn>
                                         <p:tgtEl>
-                                          <p:spTgt spid="20758"/>
+                                          <p:spTgt spid="30158"/>
                                         </p:tgtEl>
                                         <p:attrNameLst>
                                           <p:attrName>style.visibility</p:attrName>

--- a/org.mwc.debrief.legacy/test_data/master_template/scenario_short_range/scenario_short_range_temp.pptx
+++ b/org.mwc.debrief.legacy/test_data/master_template/scenario_short_range/scenario_short_range_temp.pptx
@@ -10553,7 +10553,7 @@
         <p:spPr>
           <a:xfrm>
             <a:off x="3387681" y="5825137"/>
-            <a:ext cx="2581828" cy="461665"/>
+            <a:ext cx="2581828" cy="861665"/>
           </a:xfrm>
           <a:prstGeom prst="rect">
             <a:avLst/>
@@ -10686,7 +10686,7 @@
         <p:spPr>
           <a:xfrm>
             <a:off x="3387681" y="5825137"/>
-            <a:ext cx="2581828" cy="461665"/>
+            <a:ext cx="2581828" cy="861665"/>
           </a:xfrm>
           <a:prstGeom prst="rect">
             <a:avLst/>
@@ -10819,7 +10819,7 @@
         <p:spPr>
           <a:xfrm>
             <a:off x="3387681" y="5825137"/>
-            <a:ext cx="2581828" cy="461665"/>
+            <a:ext cx="2581828" cy="861665"/>
           </a:xfrm>
           <a:prstGeom prst="rect">
             <a:avLst/>
@@ -10952,7 +10952,7 @@
         <p:spPr>
           <a:xfrm>
             <a:off x="3387681" y="5825137"/>
-            <a:ext cx="2581828" cy="461665"/>
+            <a:ext cx="2581828" cy="861665"/>
           </a:xfrm>
           <a:prstGeom prst="rect">
             <a:avLst/>
@@ -11085,7 +11085,7 @@
         <p:spPr>
           <a:xfrm>
             <a:off x="3387681" y="5825137"/>
-            <a:ext cx="2581828" cy="461665"/>
+            <a:ext cx="2581828" cy="861665"/>
           </a:xfrm>
           <a:prstGeom prst="rect">
             <a:avLst/>
@@ -11218,7 +11218,7 @@
         <p:spPr>
           <a:xfrm>
             <a:off x="3387681" y="5825137"/>
-            <a:ext cx="2581828" cy="461665"/>
+            <a:ext cx="2581828" cy="861665"/>
           </a:xfrm>
           <a:prstGeom prst="rect">
             <a:avLst/>
@@ -11351,7 +11351,7 @@
         <p:spPr>
           <a:xfrm>
             <a:off x="3387681" y="5825137"/>
-            <a:ext cx="2581828" cy="461665"/>
+            <a:ext cx="2581828" cy="861665"/>
           </a:xfrm>
           <a:prstGeom prst="rect">
             <a:avLst/>
@@ -11484,7 +11484,7 @@
         <p:spPr>
           <a:xfrm>
             <a:off x="3387681" y="5825137"/>
-            <a:ext cx="2581828" cy="461665"/>
+            <a:ext cx="2581828" cy="861665"/>
           </a:xfrm>
           <a:prstGeom prst="rect">
             <a:avLst/>
@@ -11617,7 +11617,7 @@
         <p:spPr>
           <a:xfrm>
             <a:off x="3387681" y="5825137"/>
-            <a:ext cx="2581828" cy="461665"/>
+            <a:ext cx="2581828" cy="861665"/>
           </a:xfrm>
           <a:prstGeom prst="rect">
             <a:avLst/>
@@ -11750,7 +11750,7 @@
         <p:spPr>
           <a:xfrm>
             <a:off x="3387681" y="5825137"/>
-            <a:ext cx="2581828" cy="461665"/>
+            <a:ext cx="2581828" cy="861665"/>
           </a:xfrm>
           <a:prstGeom prst="rect">
             <a:avLst/>
@@ -11883,7 +11883,7 @@
         <p:spPr>
           <a:xfrm>
             <a:off x="3387681" y="5825137"/>
-            <a:ext cx="2581828" cy="461665"/>
+            <a:ext cx="2581828" cy="861665"/>
           </a:xfrm>
           <a:prstGeom prst="rect">
             <a:avLst/>
@@ -12016,7 +12016,7 @@
         <p:spPr>
           <a:xfrm>
             <a:off x="3387681" y="5825137"/>
-            <a:ext cx="2581828" cy="461665"/>
+            <a:ext cx="2581828" cy="861665"/>
           </a:xfrm>
           <a:prstGeom prst="rect">
             <a:avLst/>
@@ -12149,7 +12149,7 @@
         <p:spPr>
           <a:xfrm>
             <a:off x="3387681" y="5825137"/>
-            <a:ext cx="2581828" cy="461665"/>
+            <a:ext cx="2581828" cy="861665"/>
           </a:xfrm>
           <a:prstGeom prst="rect">
             <a:avLst/>
@@ -12282,7 +12282,7 @@
         <p:spPr>
           <a:xfrm>
             <a:off x="3387681" y="5825137"/>
-            <a:ext cx="2581828" cy="461665"/>
+            <a:ext cx="2581828" cy="861665"/>
           </a:xfrm>
           <a:prstGeom prst="rect">
             <a:avLst/>
@@ -12415,7 +12415,7 @@
         <p:spPr>
           <a:xfrm>
             <a:off x="3387681" y="5825137"/>
-            <a:ext cx="2581828" cy="461665"/>
+            <a:ext cx="2581828" cy="861665"/>
           </a:xfrm>
           <a:prstGeom prst="rect">
             <a:avLst/>
@@ -12548,7 +12548,7 @@
         <p:spPr>
           <a:xfrm>
             <a:off x="3387681" y="5825137"/>
-            <a:ext cx="2581828" cy="461665"/>
+            <a:ext cx="2581828" cy="861665"/>
           </a:xfrm>
           <a:prstGeom prst="rect">
             <a:avLst/>
@@ -12681,7 +12681,7 @@
         <p:spPr>
           <a:xfrm>
             <a:off x="3387681" y="5825137"/>
-            <a:ext cx="2581828" cy="461665"/>
+            <a:ext cx="2581828" cy="861665"/>
           </a:xfrm>
           <a:prstGeom prst="rect">
             <a:avLst/>
@@ -12814,7 +12814,7 @@
         <p:spPr>
           <a:xfrm>
             <a:off x="3387681" y="5825137"/>
-            <a:ext cx="2581828" cy="461665"/>
+            <a:ext cx="2581828" cy="861665"/>
           </a:xfrm>
           <a:prstGeom prst="rect">
             <a:avLst/>
@@ -12947,7 +12947,7 @@
         <p:spPr>
           <a:xfrm>
             <a:off x="3387681" y="5825137"/>
-            <a:ext cx="2581828" cy="461665"/>
+            <a:ext cx="2581828" cy="861665"/>
           </a:xfrm>
           <a:prstGeom prst="rect">
             <a:avLst/>
@@ -13080,7 +13080,7 @@
         <p:spPr>
           <a:xfrm>
             <a:off x="3387681" y="5825137"/>
-            <a:ext cx="2581828" cy="461665"/>
+            <a:ext cx="2581828" cy="861665"/>
           </a:xfrm>
           <a:prstGeom prst="rect">
             <a:avLst/>
@@ -13213,7 +13213,7 @@
         <p:spPr>
           <a:xfrm>
             <a:off x="3387681" y="5825137"/>
-            <a:ext cx="2581828" cy="461665"/>
+            <a:ext cx="2581828" cy="861665"/>
           </a:xfrm>
           <a:prstGeom prst="rect">
             <a:avLst/>
@@ -13346,7 +13346,7 @@
         <p:spPr>
           <a:xfrm>
             <a:off x="3387681" y="5825137"/>
-            <a:ext cx="2581828" cy="461665"/>
+            <a:ext cx="2581828" cy="861665"/>
           </a:xfrm>
           <a:prstGeom prst="rect">
             <a:avLst/>
@@ -13479,7 +13479,7 @@
         <p:spPr>
           <a:xfrm>
             <a:off x="3387681" y="5825137"/>
-            <a:ext cx="2581828" cy="461665"/>
+            <a:ext cx="2581828" cy="861665"/>
           </a:xfrm>
           <a:prstGeom prst="rect">
             <a:avLst/>
@@ -13612,7 +13612,7 @@
         <p:spPr>
           <a:xfrm>
             <a:off x="3387681" y="5825137"/>
-            <a:ext cx="2581828" cy="461665"/>
+            <a:ext cx="2581828" cy="861665"/>
           </a:xfrm>
           <a:prstGeom prst="rect">
             <a:avLst/>
@@ -13745,7 +13745,7 @@
         <p:spPr>
           <a:xfrm>
             <a:off x="3387681" y="5825137"/>
-            <a:ext cx="2581828" cy="461665"/>
+            <a:ext cx="2581828" cy="861665"/>
           </a:xfrm>
           <a:prstGeom prst="rect">
             <a:avLst/>
@@ -13878,7 +13878,7 @@
         <p:spPr>
           <a:xfrm>
             <a:off x="3387681" y="5825137"/>
-            <a:ext cx="2581828" cy="461665"/>
+            <a:ext cx="2581828" cy="861665"/>
           </a:xfrm>
           <a:prstGeom prst="rect">
             <a:avLst/>
@@ -14011,7 +14011,7 @@
         <p:spPr>
           <a:xfrm>
             <a:off x="3387681" y="5825137"/>
-            <a:ext cx="2581828" cy="461665"/>
+            <a:ext cx="2581828" cy="861665"/>
           </a:xfrm>
           <a:prstGeom prst="rect">
             <a:avLst/>
@@ -14144,7 +14144,7 @@
         <p:spPr>
           <a:xfrm>
             <a:off x="3387681" y="5825137"/>
-            <a:ext cx="2581828" cy="461665"/>
+            <a:ext cx="2581828" cy="861665"/>
           </a:xfrm>
           <a:prstGeom prst="rect">
             <a:avLst/>
@@ -14277,7 +14277,7 @@
         <p:spPr>
           <a:xfrm>
             <a:off x="3387681" y="5825137"/>
-            <a:ext cx="2581828" cy="461665"/>
+            <a:ext cx="2581828" cy="861665"/>
           </a:xfrm>
           <a:prstGeom prst="rect">
             <a:avLst/>
@@ -14410,7 +14410,7 @@
         <p:spPr>
           <a:xfrm>
             <a:off x="3387681" y="5825137"/>
-            <a:ext cx="2581828" cy="461665"/>
+            <a:ext cx="2581828" cy="861665"/>
           </a:xfrm>
           <a:prstGeom prst="rect">
             <a:avLst/>
@@ -14543,7 +14543,7 @@
         <p:spPr>
           <a:xfrm>
             <a:off x="3387681" y="5825137"/>
-            <a:ext cx="2581828" cy="461665"/>
+            <a:ext cx="2581828" cy="861665"/>
           </a:xfrm>
           <a:prstGeom prst="rect">
             <a:avLst/>
@@ -14676,7 +14676,7 @@
         <p:spPr>
           <a:xfrm>
             <a:off x="3387681" y="5825137"/>
-            <a:ext cx="2581828" cy="461665"/>
+            <a:ext cx="2581828" cy="861665"/>
           </a:xfrm>
           <a:prstGeom prst="rect">
             <a:avLst/>
@@ -14809,7 +14809,7 @@
         <p:spPr>
           <a:xfrm>
             <a:off x="3387681" y="5825137"/>
-            <a:ext cx="2581828" cy="461665"/>
+            <a:ext cx="2581828" cy="861665"/>
           </a:xfrm>
           <a:prstGeom prst="rect">
             <a:avLst/>
@@ -14942,7 +14942,7 @@
         <p:spPr>
           <a:xfrm>
             <a:off x="3387681" y="5825137"/>
-            <a:ext cx="2581828" cy="461665"/>
+            <a:ext cx="2581828" cy="861665"/>
           </a:xfrm>
           <a:prstGeom prst="rect">
             <a:avLst/>
@@ -15075,7 +15075,7 @@
         <p:spPr>
           <a:xfrm>
             <a:off x="3387681" y="5825137"/>
-            <a:ext cx="2581828" cy="461665"/>
+            <a:ext cx="2581828" cy="861665"/>
           </a:xfrm>
           <a:prstGeom prst="rect">
             <a:avLst/>
@@ -15208,7 +15208,7 @@
         <p:spPr>
           <a:xfrm>
             <a:off x="3387681" y="5825137"/>
-            <a:ext cx="2581828" cy="461665"/>
+            <a:ext cx="2581828" cy="861665"/>
           </a:xfrm>
           <a:prstGeom prst="rect">
             <a:avLst/>
@@ -15341,7 +15341,7 @@
         <p:spPr>
           <a:xfrm>
             <a:off x="3387681" y="5825137"/>
-            <a:ext cx="2581828" cy="461665"/>
+            <a:ext cx="2581828" cy="861665"/>
           </a:xfrm>
           <a:prstGeom prst="rect">
             <a:avLst/>
@@ -15474,7 +15474,7 @@
         <p:spPr>
           <a:xfrm>
             <a:off x="3387681" y="5825137"/>
-            <a:ext cx="2581828" cy="461665"/>
+            <a:ext cx="2581828" cy="861665"/>
           </a:xfrm>
           <a:prstGeom prst="rect">
             <a:avLst/>
@@ -15607,7 +15607,7 @@
         <p:spPr>
           <a:xfrm>
             <a:off x="3387681" y="5825137"/>
-            <a:ext cx="2581828" cy="461665"/>
+            <a:ext cx="2581828" cy="861665"/>
           </a:xfrm>
           <a:prstGeom prst="rect">
             <a:avLst/>
@@ -15740,7 +15740,7 @@
         <p:spPr>
           <a:xfrm>
             <a:off x="3387681" y="5825137"/>
-            <a:ext cx="2581828" cy="461665"/>
+            <a:ext cx="2581828" cy="861665"/>
           </a:xfrm>
           <a:prstGeom prst="rect">
             <a:avLst/>
@@ -15873,7 +15873,7 @@
         <p:spPr>
           <a:xfrm>
             <a:off x="3387681" y="5825137"/>
-            <a:ext cx="2581828" cy="461665"/>
+            <a:ext cx="2581828" cy="861665"/>
           </a:xfrm>
           <a:prstGeom prst="rect">
             <a:avLst/>
@@ -16006,7 +16006,7 @@
         <p:spPr>
           <a:xfrm>
             <a:off x="3387681" y="5825137"/>
-            <a:ext cx="2581828" cy="461665"/>
+            <a:ext cx="2581828" cy="861665"/>
           </a:xfrm>
           <a:prstGeom prst="rect">
             <a:avLst/>
@@ -16139,7 +16139,7 @@
         <p:spPr>
           <a:xfrm>
             <a:off x="3387681" y="5825137"/>
-            <a:ext cx="2581828" cy="461665"/>
+            <a:ext cx="2581828" cy="861665"/>
           </a:xfrm>
           <a:prstGeom prst="rect">
             <a:avLst/>
@@ -16272,7 +16272,7 @@
         <p:spPr>
           <a:xfrm>
             <a:off x="3387681" y="5825137"/>
-            <a:ext cx="2581828" cy="461665"/>
+            <a:ext cx="2581828" cy="861665"/>
           </a:xfrm>
           <a:prstGeom prst="rect">
             <a:avLst/>
@@ -16405,7 +16405,7 @@
         <p:spPr>
           <a:xfrm>
             <a:off x="3387681" y="5825137"/>
-            <a:ext cx="2581828" cy="461665"/>
+            <a:ext cx="2581828" cy="861665"/>
           </a:xfrm>
           <a:prstGeom prst="rect">
             <a:avLst/>
@@ -16538,7 +16538,7 @@
         <p:spPr>
           <a:xfrm>
             <a:off x="3387681" y="5825137"/>
-            <a:ext cx="2581828" cy="461665"/>
+            <a:ext cx="2581828" cy="861665"/>
           </a:xfrm>
           <a:prstGeom prst="rect">
             <a:avLst/>
@@ -16671,7 +16671,7 @@
         <p:spPr>
           <a:xfrm>
             <a:off x="3387681" y="5825137"/>
-            <a:ext cx="2581828" cy="461665"/>
+            <a:ext cx="2581828" cy="861665"/>
           </a:xfrm>
           <a:prstGeom prst="rect">
             <a:avLst/>
@@ -16804,7 +16804,7 @@
         <p:spPr>
           <a:xfrm>
             <a:off x="3387681" y="5825137"/>
-            <a:ext cx="2581828" cy="461665"/>
+            <a:ext cx="2581828" cy="861665"/>
           </a:xfrm>
           <a:prstGeom prst="rect">
             <a:avLst/>
@@ -16937,7 +16937,7 @@
         <p:spPr>
           <a:xfrm>
             <a:off x="3387681" y="5825137"/>
-            <a:ext cx="2581828" cy="461665"/>
+            <a:ext cx="2581828" cy="861665"/>
           </a:xfrm>
           <a:prstGeom prst="rect">
             <a:avLst/>
@@ -17070,7 +17070,7 @@
         <p:spPr>
           <a:xfrm>
             <a:off x="3387681" y="5825137"/>
-            <a:ext cx="2581828" cy="461665"/>
+            <a:ext cx="2581828" cy="861665"/>
           </a:xfrm>
           <a:prstGeom prst="rect">
             <a:avLst/>
@@ -17203,7 +17203,7 @@
         <p:spPr>
           <a:xfrm>
             <a:off x="3387681" y="5825137"/>
-            <a:ext cx="2581828" cy="461665"/>
+            <a:ext cx="2581828" cy="861665"/>
           </a:xfrm>
           <a:prstGeom prst="rect">
             <a:avLst/>
@@ -17336,7 +17336,7 @@
         <p:spPr>
           <a:xfrm>
             <a:off x="3387681" y="5825137"/>
-            <a:ext cx="2581828" cy="461665"/>
+            <a:ext cx="2581828" cy="861665"/>
           </a:xfrm>
           <a:prstGeom prst="rect">
             <a:avLst/>
@@ -17469,7 +17469,7 @@
         <p:spPr>
           <a:xfrm>
             <a:off x="3387681" y="5825137"/>
-            <a:ext cx="2581828" cy="461665"/>
+            <a:ext cx="2581828" cy="861665"/>
           </a:xfrm>
           <a:prstGeom prst="rect">
             <a:avLst/>
@@ -17602,7 +17602,7 @@
         <p:spPr>
           <a:xfrm>
             <a:off x="3387681" y="5825137"/>
-            <a:ext cx="2581828" cy="461665"/>
+            <a:ext cx="2581828" cy="861665"/>
           </a:xfrm>
           <a:prstGeom prst="rect">
             <a:avLst/>
@@ -17735,7 +17735,7 @@
         <p:spPr>
           <a:xfrm>
             <a:off x="3387681" y="5825137"/>
-            <a:ext cx="2581828" cy="461665"/>
+            <a:ext cx="2581828" cy="861665"/>
           </a:xfrm>
           <a:prstGeom prst="rect">
             <a:avLst/>
@@ -17868,7 +17868,7 @@
         <p:spPr>
           <a:xfrm>
             <a:off x="3387681" y="5825137"/>
-            <a:ext cx="2581828" cy="461665"/>
+            <a:ext cx="2581828" cy="861665"/>
           </a:xfrm>
           <a:prstGeom prst="rect">
             <a:avLst/>
@@ -18001,7 +18001,7 @@
         <p:spPr>
           <a:xfrm>
             <a:off x="3387681" y="5825137"/>
-            <a:ext cx="2581828" cy="461665"/>
+            <a:ext cx="2581828" cy="861665"/>
           </a:xfrm>
           <a:prstGeom prst="rect">
             <a:avLst/>
@@ -18134,7 +18134,7 @@
         <p:spPr>
           <a:xfrm>
             <a:off x="3387681" y="5825137"/>
-            <a:ext cx="2581828" cy="461665"/>
+            <a:ext cx="2581828" cy="861665"/>
           </a:xfrm>
           <a:prstGeom prst="rect">
             <a:avLst/>
@@ -18267,7 +18267,7 @@
         <p:spPr>
           <a:xfrm>
             <a:off x="3387681" y="5825137"/>
-            <a:ext cx="2581828" cy="461665"/>
+            <a:ext cx="2581828" cy="861665"/>
           </a:xfrm>
           <a:prstGeom prst="rect">
             <a:avLst/>
@@ -18400,7 +18400,7 @@
         <p:spPr>
           <a:xfrm>
             <a:off x="3387681" y="5825137"/>
-            <a:ext cx="2581828" cy="461665"/>
+            <a:ext cx="2581828" cy="861665"/>
           </a:xfrm>
           <a:prstGeom prst="rect">
             <a:avLst/>
@@ -18533,7 +18533,7 @@
         <p:spPr>
           <a:xfrm>
             <a:off x="3387681" y="5825137"/>
-            <a:ext cx="2581828" cy="461665"/>
+            <a:ext cx="2581828" cy="861665"/>
           </a:xfrm>
           <a:prstGeom prst="rect">
             <a:avLst/>
@@ -18666,7 +18666,7 @@
         <p:spPr>
           <a:xfrm>
             <a:off x="3387681" y="5825137"/>
-            <a:ext cx="2581828" cy="461665"/>
+            <a:ext cx="2581828" cy="861665"/>
           </a:xfrm>
           <a:prstGeom prst="rect">
             <a:avLst/>
@@ -18799,7 +18799,7 @@
         <p:spPr>
           <a:xfrm>
             <a:off x="3387681" y="5825137"/>
-            <a:ext cx="2581828" cy="461665"/>
+            <a:ext cx="2581828" cy="861665"/>
           </a:xfrm>
           <a:prstGeom prst="rect">
             <a:avLst/>
@@ -18932,7 +18932,7 @@
         <p:spPr>
           <a:xfrm>
             <a:off x="3387681" y="5825137"/>
-            <a:ext cx="2581828" cy="461665"/>
+            <a:ext cx="2581828" cy="861665"/>
           </a:xfrm>
           <a:prstGeom prst="rect">
             <a:avLst/>
@@ -19065,7 +19065,7 @@
         <p:spPr>
           <a:xfrm>
             <a:off x="3387681" y="5825137"/>
-            <a:ext cx="2581828" cy="461665"/>
+            <a:ext cx="2581828" cy="861665"/>
           </a:xfrm>
           <a:prstGeom prst="rect">
             <a:avLst/>
@@ -19198,7 +19198,7 @@
         <p:spPr>
           <a:xfrm>
             <a:off x="3387681" y="5825137"/>
-            <a:ext cx="2581828" cy="461665"/>
+            <a:ext cx="2581828" cy="861665"/>
           </a:xfrm>
           <a:prstGeom prst="rect">
             <a:avLst/>
@@ -19331,7 +19331,7 @@
         <p:spPr>
           <a:xfrm>
             <a:off x="3387681" y="5825137"/>
-            <a:ext cx="2581828" cy="461665"/>
+            <a:ext cx="2581828" cy="861665"/>
           </a:xfrm>
           <a:prstGeom prst="rect">
             <a:avLst/>
@@ -19464,7 +19464,7 @@
         <p:spPr>
           <a:xfrm>
             <a:off x="3387681" y="5825137"/>
-            <a:ext cx="2581828" cy="461665"/>
+            <a:ext cx="2581828" cy="861665"/>
           </a:xfrm>
           <a:prstGeom prst="rect">
             <a:avLst/>
@@ -19597,7 +19597,7 @@
         <p:spPr>
           <a:xfrm>
             <a:off x="3387681" y="5825137"/>
-            <a:ext cx="2581828" cy="461665"/>
+            <a:ext cx="2581828" cy="861665"/>
           </a:xfrm>
           <a:prstGeom prst="rect">
             <a:avLst/>
@@ -19730,7 +19730,7 @@
         <p:spPr>
           <a:xfrm>
             <a:off x="3387681" y="5825137"/>
-            <a:ext cx="2581828" cy="461665"/>
+            <a:ext cx="2581828" cy="861665"/>
           </a:xfrm>
           <a:prstGeom prst="rect">
             <a:avLst/>
@@ -19863,7 +19863,7 @@
         <p:spPr>
           <a:xfrm>
             <a:off x="3387681" y="5825137"/>
-            <a:ext cx="2581828" cy="461665"/>
+            <a:ext cx="2581828" cy="861665"/>
           </a:xfrm>
           <a:prstGeom prst="rect">
             <a:avLst/>
@@ -19996,7 +19996,7 @@
         <p:spPr>
           <a:xfrm>
             <a:off x="3387681" y="5825137"/>
-            <a:ext cx="2581828" cy="461665"/>
+            <a:ext cx="2581828" cy="861665"/>
           </a:xfrm>
           <a:prstGeom prst="rect">
             <a:avLst/>
@@ -20129,7 +20129,7 @@
         <p:spPr>
           <a:xfrm>
             <a:off x="3387681" y="5825137"/>
-            <a:ext cx="2581828" cy="461665"/>
+            <a:ext cx="2581828" cy="861665"/>
           </a:xfrm>
           <a:prstGeom prst="rect">
             <a:avLst/>
@@ -20262,7 +20262,7 @@
         <p:spPr>
           <a:xfrm>
             <a:off x="3387681" y="5825137"/>
-            <a:ext cx="2581828" cy="461665"/>
+            <a:ext cx="2581828" cy="861665"/>
           </a:xfrm>
           <a:prstGeom prst="rect">
             <a:avLst/>
@@ -20395,7 +20395,7 @@
         <p:spPr>
           <a:xfrm>
             <a:off x="3387681" y="5825137"/>
-            <a:ext cx="2581828" cy="461665"/>
+            <a:ext cx="2581828" cy="861665"/>
           </a:xfrm>
           <a:prstGeom prst="rect">
             <a:avLst/>
@@ -20528,7 +20528,7 @@
         <p:spPr>
           <a:xfrm>
             <a:off x="3387681" y="5825137"/>
-            <a:ext cx="2581828" cy="461665"/>
+            <a:ext cx="2581828" cy="861665"/>
           </a:xfrm>
           <a:prstGeom prst="rect">
             <a:avLst/>
@@ -20661,7 +20661,7 @@
         <p:spPr>
           <a:xfrm>
             <a:off x="3387681" y="5825137"/>
-            <a:ext cx="2581828" cy="461665"/>
+            <a:ext cx="2581828" cy="861665"/>
           </a:xfrm>
           <a:prstGeom prst="rect">
             <a:avLst/>
@@ -20794,7 +20794,7 @@
         <p:spPr>
           <a:xfrm>
             <a:off x="3387681" y="5825137"/>
-            <a:ext cx="2581828" cy="461665"/>
+            <a:ext cx="2581828" cy="861665"/>
           </a:xfrm>
           <a:prstGeom prst="rect">
             <a:avLst/>
@@ -20927,7 +20927,7 @@
         <p:spPr>
           <a:xfrm>
             <a:off x="3387681" y="5825137"/>
-            <a:ext cx="2581828" cy="461665"/>
+            <a:ext cx="2581828" cy="861665"/>
           </a:xfrm>
           <a:prstGeom prst="rect">
             <a:avLst/>
